--- a/Apresentacoes/Comercial/Apresentação.pptx
+++ b/Apresentacoes/Comercial/Apresentação.pptx
@@ -203,7 +203,7 @@
           <a:p>
             <a:fld id="{A5F23D6D-B8F2-4B0F-AB5B-9498494086CD}" type="datetimeFigureOut">
               <a:rPr lang="pt-PT" smtClean="0"/>
-              <a:t>5/13/13</a:t>
+              <a:t>5/15/13</a:t>
             </a:fld>
             <a:endParaRPr lang="pt-PT"/>
           </a:p>
@@ -519,7 +519,7 @@
           </a:bodyPr>
           <a:lstStyle/>
           <a:p>
-            <a:endParaRPr lang="pt-PT"/>
+            <a:endParaRPr lang="pt-PT" dirty="0"/>
           </a:p>
         </p:txBody>
       </p:sp>
@@ -3096,7 +3096,7 @@
           <a:p>
             <a:fld id="{57B42C33-29DD-4485-B67B-B8B56C87297E}" type="datetimeFigureOut">
               <a:rPr lang="pt-PT" smtClean="0"/>
-              <a:t>5/13/13</a:t>
+              <a:t>5/15/13</a:t>
             </a:fld>
             <a:endParaRPr lang="pt-PT"/>
           </a:p>
@@ -3261,7 +3261,7 @@
           <a:p>
             <a:fld id="{57B42C33-29DD-4485-B67B-B8B56C87297E}" type="datetimeFigureOut">
               <a:rPr lang="pt-PT" smtClean="0"/>
-              <a:t>5/13/13</a:t>
+              <a:t>5/15/13</a:t>
             </a:fld>
             <a:endParaRPr lang="pt-PT"/>
           </a:p>
@@ -3436,7 +3436,7 @@
           <a:p>
             <a:fld id="{57B42C33-29DD-4485-B67B-B8B56C87297E}" type="datetimeFigureOut">
               <a:rPr lang="pt-PT" smtClean="0"/>
-              <a:t>5/13/13</a:t>
+              <a:t>5/15/13</a:t>
             </a:fld>
             <a:endParaRPr lang="pt-PT"/>
           </a:p>
@@ -3601,7 +3601,7 @@
           <a:p>
             <a:fld id="{57B42C33-29DD-4485-B67B-B8B56C87297E}" type="datetimeFigureOut">
               <a:rPr lang="pt-PT" smtClean="0"/>
-              <a:t>5/13/13</a:t>
+              <a:t>5/15/13</a:t>
             </a:fld>
             <a:endParaRPr lang="pt-PT"/>
           </a:p>
@@ -3842,7 +3842,7 @@
           <a:p>
             <a:fld id="{57B42C33-29DD-4485-B67B-B8B56C87297E}" type="datetimeFigureOut">
               <a:rPr lang="pt-PT" smtClean="0"/>
-              <a:t>5/13/13</a:t>
+              <a:t>5/15/13</a:t>
             </a:fld>
             <a:endParaRPr lang="pt-PT"/>
           </a:p>
@@ -4125,7 +4125,7 @@
           <a:p>
             <a:fld id="{57B42C33-29DD-4485-B67B-B8B56C87297E}" type="datetimeFigureOut">
               <a:rPr lang="pt-PT" smtClean="0"/>
-              <a:t>5/13/13</a:t>
+              <a:t>5/15/13</a:t>
             </a:fld>
             <a:endParaRPr lang="pt-PT"/>
           </a:p>
@@ -4542,7 +4542,7 @@
           <a:p>
             <a:fld id="{57B42C33-29DD-4485-B67B-B8B56C87297E}" type="datetimeFigureOut">
               <a:rPr lang="pt-PT" smtClean="0"/>
-              <a:t>5/13/13</a:t>
+              <a:t>5/15/13</a:t>
             </a:fld>
             <a:endParaRPr lang="pt-PT"/>
           </a:p>
@@ -4655,7 +4655,7 @@
           <a:p>
             <a:fld id="{57B42C33-29DD-4485-B67B-B8B56C87297E}" type="datetimeFigureOut">
               <a:rPr lang="pt-PT" smtClean="0"/>
-              <a:t>5/13/13</a:t>
+              <a:t>5/15/13</a:t>
             </a:fld>
             <a:endParaRPr lang="pt-PT"/>
           </a:p>
@@ -4745,7 +4745,7 @@
           <a:p>
             <a:fld id="{57B42C33-29DD-4485-B67B-B8B56C87297E}" type="datetimeFigureOut">
               <a:rPr lang="pt-PT" smtClean="0"/>
-              <a:t>5/13/13</a:t>
+              <a:t>5/15/13</a:t>
             </a:fld>
             <a:endParaRPr lang="pt-PT"/>
           </a:p>
@@ -5017,7 +5017,7 @@
           <a:p>
             <a:fld id="{57B42C33-29DD-4485-B67B-B8B56C87297E}" type="datetimeFigureOut">
               <a:rPr lang="pt-PT" smtClean="0"/>
-              <a:t>5/13/13</a:t>
+              <a:t>5/15/13</a:t>
             </a:fld>
             <a:endParaRPr lang="pt-PT"/>
           </a:p>
@@ -5265,7 +5265,7 @@
           <a:p>
             <a:fld id="{57B42C33-29DD-4485-B67B-B8B56C87297E}" type="datetimeFigureOut">
               <a:rPr lang="pt-PT" smtClean="0"/>
-              <a:t>5/13/13</a:t>
+              <a:t>5/15/13</a:t>
             </a:fld>
             <a:endParaRPr lang="pt-PT"/>
           </a:p>
@@ -5473,7 +5473,7 @@
           <a:p>
             <a:fld id="{57B42C33-29DD-4485-B67B-B8B56C87297E}" type="datetimeFigureOut">
               <a:rPr lang="pt-PT" smtClean="0"/>
-              <a:t>5/13/13</a:t>
+              <a:t>5/15/13</a:t>
             </a:fld>
             <a:endParaRPr lang="pt-PT"/>
           </a:p>
@@ -6180,15 +6180,7 @@
                     <a:srgbClr val="FFFFFF"/>
                   </a:solidFill>
                 </a:rPr>
-                <a:t>, D</a:t>
-              </a:r>
-              <a:r>
-                <a:rPr lang="en-US" sz="2000" b="1" dirty="0" smtClean="0">
-                  <a:solidFill>
-                    <a:srgbClr val="FFFFFF"/>
-                  </a:solidFill>
-                </a:rPr>
-                <a:t>ário Nascimento</a:t>
+                <a:t>, Dário Nascimento</a:t>
               </a:r>
               <a:endParaRPr lang="en-US" sz="2000" b="1" dirty="0">
                 <a:solidFill>
@@ -6304,7 +6296,16 @@
                   </a:solidFill>
                   <a:latin typeface="Berlin Sans FB"/>
                 </a:rPr>
-                <a:t>3. AISS </a:t>
+                <a:t> </a:t>
+              </a:r>
+              <a:r>
+                <a:rPr lang="pt-PT" sz="3600" dirty="0" smtClean="0">
+                  <a:solidFill>
+                    <a:schemeClr val="bg1"/>
+                  </a:solidFill>
+                  <a:latin typeface="Berlin Sans FB"/>
+                </a:rPr>
+                <a:t>AISS </a:t>
               </a:r>
               <a:r>
                 <a:rPr lang="pt-PT" sz="3600" dirty="0" err="1" smtClean="0">
@@ -6559,15 +6560,7 @@
                     <a:srgbClr val="FFFFFF"/>
                   </a:solidFill>
                 </a:rPr>
-                <a:t>, D</a:t>
-              </a:r>
-              <a:r>
-                <a:rPr lang="en-US" sz="2000" b="1" dirty="0" smtClean="0">
-                  <a:solidFill>
-                    <a:srgbClr val="FFFFFF"/>
-                  </a:solidFill>
-                </a:rPr>
-                <a:t>ário Nascimento</a:t>
+                <a:t>, Dário Nascimento</a:t>
               </a:r>
               <a:endParaRPr lang="en-US" sz="2000" b="1" dirty="0">
                 <a:solidFill>
@@ -6578,6 +6571,121 @@
           </p:txBody>
         </p:sp>
       </p:grpSp>
+      <p:sp>
+        <p:nvSpPr>
+          <p:cNvPr id="12" name="Rectangle 11"/>
+          <p:cNvSpPr/>
+          <p:nvPr/>
+        </p:nvSpPr>
+        <p:spPr>
+          <a:xfrm>
+            <a:off x="1187624" y="4221088"/>
+            <a:ext cx="6534472" cy="1200329"/>
+          </a:xfrm>
+          <a:prstGeom prst="rect">
+            <a:avLst/>
+          </a:prstGeom>
+        </p:spPr>
+        <p:txBody>
+          <a:bodyPr wrap="square">
+            <a:spAutoFit/>
+          </a:bodyPr>
+          <a:lstStyle/>
+          <a:p>
+            <a:pPr algn="ctr">
+              <a:spcBef>
+                <a:spcPts val="0"/>
+              </a:spcBef>
+              <a:spcAft>
+                <a:spcPts val="0"/>
+              </a:spcAft>
+            </a:pPr>
+            <a:r>
+              <a:rPr lang="pt-PT" sz="3600" b="1" dirty="0" smtClean="0">
+                <a:solidFill>
+                  <a:schemeClr val="accent1">
+                    <a:lumMod val="75000"/>
+                  </a:schemeClr>
+                </a:solidFill>
+                <a:latin typeface="Hobo Std"/>
+                <a:ea typeface="Times New Roman"/>
+                <a:cs typeface="Times New Roman"/>
+              </a:rPr>
+              <a:t>AISS SECURE MAIL</a:t>
+            </a:r>
+            <a:endParaRPr lang="pt-PT" sz="3600" b="1" dirty="0">
+              <a:solidFill>
+                <a:schemeClr val="accent1">
+                  <a:lumMod val="75000"/>
+                </a:schemeClr>
+              </a:solidFill>
+              <a:latin typeface="Hobo Std"/>
+              <a:ea typeface="Times New Roman"/>
+              <a:cs typeface="Times New Roman"/>
+            </a:endParaRPr>
+          </a:p>
+          <a:p>
+            <a:pPr algn="ctr">
+              <a:spcBef>
+                <a:spcPts val="0"/>
+              </a:spcBef>
+              <a:spcAft>
+                <a:spcPts val="0"/>
+              </a:spcAft>
+            </a:pPr>
+            <a:r>
+              <a:rPr lang="pt-PT" sz="3600" b="1" kern="0" dirty="0">
+                <a:solidFill>
+                  <a:schemeClr val="accent4"/>
+                </a:solidFill>
+                <a:latin typeface="Hobo Std"/>
+                <a:ea typeface="Times New Roman"/>
+                <a:cs typeface="Times New Roman"/>
+              </a:rPr>
+              <a:t> </a:t>
+            </a:r>
+            <a:r>
+              <a:rPr lang="pt-PT" sz="2800" b="1" kern="0" dirty="0" err="1" smtClean="0">
+                <a:solidFill>
+                  <a:schemeClr val="tx2">
+                    <a:lumMod val="60000"/>
+                    <a:lumOff val="40000"/>
+                  </a:schemeClr>
+                </a:solidFill>
+                <a:latin typeface="Hobo Std"/>
+                <a:ea typeface="Times New Roman"/>
+                <a:cs typeface="Times New Roman"/>
+              </a:rPr>
+              <a:t>Protected</a:t>
+            </a:r>
+            <a:r>
+              <a:rPr lang="pt-PT" sz="2800" b="1" kern="0" dirty="0" smtClean="0">
+                <a:solidFill>
+                  <a:schemeClr val="tx2">
+                    <a:lumMod val="60000"/>
+                    <a:lumOff val="40000"/>
+                  </a:schemeClr>
+                </a:solidFill>
+                <a:latin typeface="Hobo Std"/>
+                <a:ea typeface="Times New Roman"/>
+                <a:cs typeface="Times New Roman"/>
+              </a:rPr>
+              <a:t> Email Exchange</a:t>
+            </a:r>
+            <a:endParaRPr lang="pt-PT" sz="3600" b="1" kern="0" dirty="0">
+              <a:solidFill>
+                <a:schemeClr val="tx2">
+                  <a:lumMod val="60000"/>
+                  <a:lumOff val="40000"/>
+                </a:schemeClr>
+              </a:solidFill>
+              <a:latin typeface="Cambria"/>
+              <a:ea typeface="Times New Roman"/>
+              <a:cs typeface="Times New Roman"/>
+            </a:endParaRPr>
+          </a:p>
+        </p:txBody>
+      </p:sp>
     </p:spTree>
     <p:extLst>
       <p:ext uri="{BB962C8B-B14F-4D97-AF65-F5344CB8AC3E}">
@@ -6682,13 +6790,31 @@
             <a:lstStyle/>
             <a:p>
               <a:r>
+                <a:rPr lang="pt-PT" sz="3600" dirty="0">
+                  <a:solidFill>
+                    <a:schemeClr val="bg1"/>
+                  </a:solidFill>
+                  <a:latin typeface="Berlin Sans FB"/>
+                </a:rPr>
+                <a:t> </a:t>
+              </a:r>
+              <a:r>
                 <a:rPr lang="pt-PT" sz="3600" dirty="0" smtClean="0">
                   <a:solidFill>
                     <a:schemeClr val="bg1"/>
                   </a:solidFill>
                   <a:latin typeface="Berlin Sans FB"/>
                 </a:rPr>
-                <a:t>3. AISS </a:t>
+                <a:t> </a:t>
+              </a:r>
+              <a:r>
+                <a:rPr lang="pt-PT" sz="3600" dirty="0" smtClean="0">
+                  <a:solidFill>
+                    <a:schemeClr val="bg1"/>
+                  </a:solidFill>
+                  <a:latin typeface="Berlin Sans FB"/>
+                </a:rPr>
+                <a:t>AISS </a:t>
               </a:r>
               <a:r>
                 <a:rPr lang="pt-PT" sz="3600" dirty="0" err="1" smtClean="0">
@@ -6900,15 +7026,7 @@
                     <a:srgbClr val="FFFFFF"/>
                   </a:solidFill>
                 </a:rPr>
-                <a:t>, D</a:t>
-              </a:r>
-              <a:r>
-                <a:rPr lang="en-US" sz="2000" b="1" dirty="0" smtClean="0">
-                  <a:solidFill>
-                    <a:srgbClr val="FFFFFF"/>
-                  </a:solidFill>
-                </a:rPr>
-                <a:t>ário Nascimento</a:t>
+                <a:t>, Dário Nascimento</a:t>
               </a:r>
               <a:endParaRPr lang="en-US" sz="2000" b="1" dirty="0">
                 <a:solidFill>
@@ -7385,15 +7503,7 @@
                     <a:srgbClr val="FFFFFF"/>
                   </a:solidFill>
                 </a:rPr>
-                <a:t>, D</a:t>
-              </a:r>
-              <a:r>
-                <a:rPr lang="en-US" sz="2000" b="1" dirty="0" smtClean="0">
-                  <a:solidFill>
-                    <a:srgbClr val="FFFFFF"/>
-                  </a:solidFill>
-                </a:rPr>
-                <a:t>ário Nascimento</a:t>
+                <a:t>, Dário Nascimento</a:t>
               </a:r>
               <a:endParaRPr lang="en-US" sz="2000" b="1" dirty="0">
                 <a:solidFill>
@@ -7629,7 +7739,7 @@
                   </a:solidFill>
                   <a:latin typeface="Berlin Sans FB"/>
                 </a:rPr>
-                <a:t>1. </a:t>
+                <a:t> </a:t>
               </a:r>
               <a:r>
                 <a:rPr lang="pt-PT" sz="3600" dirty="0" err="1" smtClean="0">
@@ -8123,15 +8233,7 @@
                     <a:srgbClr val="FFFFFF"/>
                   </a:solidFill>
                 </a:rPr>
-                <a:t>, D</a:t>
-              </a:r>
-              <a:r>
-                <a:rPr lang="en-US" sz="2000" b="1" dirty="0" smtClean="0">
-                  <a:solidFill>
-                    <a:srgbClr val="FFFFFF"/>
-                  </a:solidFill>
-                </a:rPr>
-                <a:t>ário Nascimento</a:t>
+                <a:t>, Dário Nascimento</a:t>
               </a:r>
               <a:endParaRPr lang="en-US" sz="2000" b="1" dirty="0">
                 <a:solidFill>
@@ -8276,13 +8378,13 @@
             <a:lstStyle/>
             <a:p>
               <a:r>
-                <a:rPr lang="pt-PT" sz="3600" dirty="0" smtClean="0">
+                <a:rPr lang="pt-PT" sz="3600" dirty="0">
                   <a:solidFill>
                     <a:schemeClr val="bg1"/>
                   </a:solidFill>
                   <a:latin typeface="Berlin Sans FB"/>
                 </a:rPr>
-                <a:t>1. </a:t>
+                <a:t> </a:t>
               </a:r>
               <a:r>
                 <a:rPr lang="pt-PT" sz="3600" dirty="0" err="1" smtClean="0">
@@ -8291,7 +8393,16 @@
                   </a:solidFill>
                   <a:latin typeface="Berlin Sans FB"/>
                 </a:rPr>
-                <a:t>Information</a:t>
+                <a:t>I</a:t>
+              </a:r>
+              <a:r>
+                <a:rPr lang="pt-PT" sz="3600" dirty="0" err="1" smtClean="0">
+                  <a:solidFill>
+                    <a:schemeClr val="bg1"/>
+                  </a:solidFill>
+                  <a:latin typeface="Berlin Sans FB"/>
+                </a:rPr>
+                <a:t>nformation</a:t>
               </a:r>
               <a:r>
                 <a:rPr lang="pt-PT" sz="3600" dirty="0" smtClean="0">
@@ -8664,15 +8775,7 @@
                     <a:srgbClr val="FFFFFF"/>
                   </a:solidFill>
                 </a:rPr>
-                <a:t>, D</a:t>
-              </a:r>
-              <a:r>
-                <a:rPr lang="en-US" sz="2000" b="1" dirty="0" smtClean="0">
-                  <a:solidFill>
-                    <a:srgbClr val="FFFFFF"/>
-                  </a:solidFill>
-                </a:rPr>
-                <a:t>ário Nascimento</a:t>
+                <a:t>, Dário Nascimento</a:t>
               </a:r>
               <a:endParaRPr lang="en-US" sz="2000" b="1" dirty="0">
                 <a:solidFill>
@@ -8893,13 +8996,13 @@
             <a:lstStyle/>
             <a:p>
               <a:r>
-                <a:rPr lang="pt-PT" sz="3600" dirty="0" smtClean="0">
+                <a:rPr lang="pt-PT" sz="3600" dirty="0">
                   <a:solidFill>
                     <a:schemeClr val="bg1"/>
                   </a:solidFill>
                   <a:latin typeface="Berlin Sans FB"/>
                 </a:rPr>
-                <a:t>2. </a:t>
+                <a:t> </a:t>
               </a:r>
               <a:r>
                 <a:rPr lang="pt-PT" sz="3600" dirty="0" err="1" smtClean="0">
@@ -9303,15 +9406,7 @@
                     <a:srgbClr val="FFFFFF"/>
                   </a:solidFill>
                 </a:rPr>
-                <a:t>, D</a:t>
-              </a:r>
-              <a:r>
-                <a:rPr lang="en-US" sz="2000" b="1" dirty="0" smtClean="0">
-                  <a:solidFill>
-                    <a:srgbClr val="FFFFFF"/>
-                  </a:solidFill>
-                </a:rPr>
-                <a:t>ário Nascimento</a:t>
+                <a:t>, Dário Nascimento</a:t>
               </a:r>
               <a:endParaRPr lang="en-US" sz="2000" b="1" dirty="0">
                 <a:solidFill>
@@ -9550,22 +9645,13 @@
             <a:lstStyle/>
             <a:p>
               <a:r>
-                <a:rPr lang="pt-PT" sz="3600" dirty="0" smtClean="0">
+                <a:rPr lang="pt-PT" sz="3600" dirty="0">
                   <a:solidFill>
                     <a:schemeClr val="bg1"/>
                   </a:solidFill>
                   <a:latin typeface="Berlin Sans FB"/>
                 </a:rPr>
-                <a:t>2. </a:t>
-              </a:r>
-              <a:r>
-                <a:rPr lang="pt-PT" sz="3600" dirty="0" err="1" smtClean="0">
-                  <a:solidFill>
-                    <a:schemeClr val="bg1"/>
-                  </a:solidFill>
-                  <a:latin typeface="Berlin Sans FB"/>
-                </a:rPr>
-                <a:t>The</a:t>
+                <a:t> </a:t>
               </a:r>
               <a:r>
                 <a:rPr lang="pt-PT" sz="3600" dirty="0" smtClean="0">
@@ -9583,7 +9669,7 @@
                   </a:solidFill>
                   <a:latin typeface="Berlin Sans FB"/>
                 </a:rPr>
-                <a:t>Solution</a:t>
+                <a:t>Ciphering</a:t>
               </a:r>
               <a:endParaRPr lang="pt-PT" sz="3600" dirty="0" smtClean="0">
                 <a:solidFill>
@@ -9603,8 +9689,8 @@
         </p:nvSpPr>
         <p:spPr>
           <a:xfrm>
-            <a:off x="251520" y="1628800"/>
-            <a:ext cx="8640960" cy="1110047"/>
+            <a:off x="395536" y="1916832"/>
+            <a:ext cx="8136904" cy="1799467"/>
           </a:xfrm>
           <a:prstGeom prst="rect">
             <a:avLst/>
@@ -9623,31 +9709,59 @@
               </a:lnSpc>
             </a:pPr>
             <a:r>
-              <a:rPr lang="en-US" sz="1600" dirty="0" smtClean="0"/>
-              <a:t>I am </a:t>
-            </a:r>
-            <a:r>
-              <a:rPr lang="en-US" sz="1600" dirty="0"/>
+              <a:rPr lang="en-US" sz="1600" dirty="0" smtClean="0">
+                <a:latin typeface="Consolas"/>
+                <a:cs typeface="Consolas"/>
+              </a:rPr>
+              <a:t>	I </a:t>
+            </a:r>
+            <a:r>
+              <a:rPr lang="en-US" sz="1600" dirty="0" smtClean="0">
+                <a:latin typeface="Consolas"/>
+                <a:cs typeface="Consolas"/>
+              </a:rPr>
+              <a:t>am </a:t>
+            </a:r>
+            <a:r>
+              <a:rPr lang="en-US" sz="1600" dirty="0">
+                <a:latin typeface="Consolas"/>
+                <a:cs typeface="Consolas"/>
+              </a:rPr>
               <a:t>pleased to report that in 2012, </a:t>
             </a:r>
             <a:r>
-              <a:rPr lang="en-US" sz="1600" b="1" dirty="0"/>
+              <a:rPr lang="en-US" sz="1600" b="1" dirty="0">
+                <a:latin typeface="Consolas"/>
+                <a:cs typeface="Consolas"/>
+              </a:rPr>
               <a:t>IBM </a:t>
             </a:r>
             <a:r>
-              <a:rPr lang="en-US" sz="1600" b="1" dirty="0" smtClean="0"/>
+              <a:rPr lang="en-US" sz="1600" b="1" dirty="0" smtClean="0">
+                <a:latin typeface="Consolas"/>
+                <a:cs typeface="Consolas"/>
+              </a:rPr>
               <a:t> </a:t>
             </a:r>
             <a:r>
-              <a:rPr lang="en-US" sz="1600" dirty="0" smtClean="0"/>
+              <a:rPr lang="en-US" sz="1600" dirty="0" smtClean="0">
+                <a:latin typeface="Consolas"/>
+                <a:cs typeface="Consolas"/>
+              </a:rPr>
               <a:t>achieved </a:t>
             </a:r>
             <a:r>
-              <a:rPr lang="en-US" sz="1600" dirty="0"/>
+              <a:rPr lang="en-US" sz="1600" dirty="0">
+                <a:latin typeface="Consolas"/>
+                <a:cs typeface="Consolas"/>
+              </a:rPr>
               <a:t>record operating earnings per </a:t>
             </a:r>
             <a:r>
-              <a:rPr lang="en-US" sz="1600" dirty="0" smtClean="0"/>
+              <a:rPr lang="en-US" sz="1600" dirty="0" smtClean="0">
+                <a:latin typeface="Consolas"/>
+                <a:cs typeface="Consolas"/>
+              </a:rPr>
               <a:t>share. </a:t>
             </a:r>
           </a:p>
@@ -9658,55 +9772,94 @@
               </a:lnSpc>
             </a:pPr>
             <a:r>
-              <a:rPr lang="en-US" sz="1600" b="1" dirty="0" smtClean="0"/>
-              <a:t>Operating </a:t>
-            </a:r>
-            <a:r>
-              <a:rPr lang="en-US" sz="1600" b="1" dirty="0"/>
+              <a:rPr lang="en-US" sz="1600" b="1" dirty="0" smtClean="0">
+                <a:latin typeface="Consolas"/>
+                <a:cs typeface="Consolas"/>
+              </a:rPr>
+              <a:t>	Operating </a:t>
+            </a:r>
+            <a:r>
+              <a:rPr lang="en-US" sz="1600" b="1" dirty="0">
+                <a:latin typeface="Consolas"/>
+                <a:cs typeface="Consolas"/>
+              </a:rPr>
               <a:t>earnings per </a:t>
             </a:r>
             <a:r>
-              <a:rPr lang="en-US" sz="1600" b="1" dirty="0" smtClean="0"/>
+              <a:rPr lang="en-US" sz="1600" b="1" dirty="0" smtClean="0">
+                <a:latin typeface="Consolas"/>
+                <a:cs typeface="Consolas"/>
+              </a:rPr>
               <a:t>share </a:t>
             </a:r>
             <a:r>
-              <a:rPr lang="en-US" sz="1600" b="1" dirty="0"/>
+              <a:rPr lang="en-US" sz="1600" b="1" dirty="0">
+                <a:latin typeface="Consolas"/>
+                <a:cs typeface="Consolas"/>
+              </a:rPr>
               <a:t>were up 13 percent, </a:t>
             </a:r>
             <a:r>
-              <a:rPr lang="en-US" sz="1600" dirty="0"/>
+              <a:rPr lang="en-US" sz="1600" dirty="0">
+                <a:latin typeface="Consolas"/>
+                <a:cs typeface="Consolas"/>
+              </a:rPr>
               <a:t>putting us well </a:t>
             </a:r>
             <a:r>
-              <a:rPr lang="en-US" sz="1600" dirty="0" smtClean="0"/>
+              <a:rPr lang="en-US" sz="1600" dirty="0" smtClean="0">
+                <a:latin typeface="Consolas"/>
+                <a:cs typeface="Consolas"/>
+              </a:rPr>
               <a:t>on </a:t>
             </a:r>
             <a:r>
-              <a:rPr lang="en-US" sz="1600" dirty="0"/>
+              <a:rPr lang="en-US" sz="1600" dirty="0">
+                <a:latin typeface="Consolas"/>
+                <a:cs typeface="Consolas"/>
+              </a:rPr>
               <a:t>track to our</a:t>
             </a:r>
             <a:r>
-              <a:rPr lang="en-US" sz="1600" b="1" dirty="0"/>
+              <a:rPr lang="en-US" sz="1600" b="1" dirty="0">
+                <a:latin typeface="Consolas"/>
+                <a:cs typeface="Consolas"/>
+              </a:rPr>
               <a:t> 2015 Road Map </a:t>
             </a:r>
             <a:r>
-              <a:rPr lang="en-US" sz="1600" dirty="0"/>
+              <a:rPr lang="en-US" sz="1600" dirty="0">
+                <a:latin typeface="Consolas"/>
+                <a:cs typeface="Consolas"/>
+              </a:rPr>
               <a:t>objective of </a:t>
             </a:r>
             <a:r>
-              <a:rPr lang="en-US" sz="1600" dirty="0" smtClean="0"/>
+              <a:rPr lang="en-US" sz="1600" dirty="0" smtClean="0">
+                <a:latin typeface="Consolas"/>
+                <a:cs typeface="Consolas"/>
+              </a:rPr>
               <a:t>at </a:t>
             </a:r>
             <a:r>
-              <a:rPr lang="en-US" sz="1600" dirty="0"/>
+              <a:rPr lang="en-US" sz="1600" dirty="0">
+                <a:latin typeface="Consolas"/>
+                <a:cs typeface="Consolas"/>
+              </a:rPr>
               <a:t>least </a:t>
             </a:r>
             <a:r>
-              <a:rPr lang="en-US" sz="1600" b="1" dirty="0"/>
+              <a:rPr lang="en-US" sz="1600" b="1" dirty="0">
+                <a:latin typeface="Consolas"/>
+                <a:cs typeface="Consolas"/>
+              </a:rPr>
               <a:t>$20 of operating earnings </a:t>
             </a:r>
             <a:r>
-              <a:rPr lang="en-US" sz="1600" dirty="0"/>
+              <a:rPr lang="en-US" sz="1600" dirty="0">
+                <a:latin typeface="Consolas"/>
+                <a:cs typeface="Consolas"/>
+              </a:rPr>
               <a:t>per share.</a:t>
             </a:r>
           </a:p>
@@ -9720,8 +9873,8 @@
         </p:nvSpPr>
         <p:spPr>
           <a:xfrm>
-            <a:off x="395536" y="3068960"/>
-            <a:ext cx="8064896" cy="551946"/>
+            <a:off x="107504" y="1988840"/>
+            <a:ext cx="8064896" cy="1815882"/>
           </a:xfrm>
           <a:prstGeom prst="rect">
             <a:avLst/>
@@ -9734,16 +9887,17 @@
           </a:bodyPr>
           <a:lstStyle/>
           <a:p>
-            <a:pPr>
-              <a:lnSpc>
-                <a:spcPct val="60000"/>
-              </a:lnSpc>
-            </a:pPr>
-            <a:r>
-              <a:rPr lang="en-US" sz="1600" dirty="0" smtClean="0"/>
-              <a:t>dgfjksçflkhjbsrtjhobaieruatpohfbradlfbnlkrajdfhgbkjdnrflkgjbanerlkdfjbglkaverdfbxgçvgerosºtfwtyjsdfgkdfhgbeayrg3p48wty2wy4etffdghfshsdfhisjdfphijoidjsrthiojsdtoihjorsitdjhoitsjdiohjsofidjghoisfdjgohijsofdigjhoifgsjhoisfjgohjfsoighjiosfjghoisj</a:t>
-            </a:r>
-            <a:endParaRPr lang="en-US" sz="1600" dirty="0"/>
+            <a:r>
+              <a:rPr lang="en-US" sz="1600" dirty="0" smtClean="0">
+                <a:latin typeface="Consolas"/>
+                <a:cs typeface="Consolas"/>
+              </a:rPr>
+              <a:t>dgfjksçflkhjbsrtjhobaieruatpohfbradlfbnlkrajdfhgbkjdnrflkgjbanerlkdfjbglkaverdfbxgçvgerosºtfwtyjsdfgkdfhgbeayrg3p48wty2wy4etffdghfshsdfhisjdfphijoidjsrthiojsdtoihjorsitdjhoitsjsmgnçaldnfghçljeqraldgkhjqekrjhlkqeralhkqearhgeadjrhfgkjeandflkgjbvsekldfjngbkjserndflkgjaedlkfjgnblsrkjdfgiouwegfgersjdfhgvksrhdfgoibrhsdfoighverkjadfbhkjershdfgiovehsrdfjghseodfhgosehogsdfhgohsefdogihdiohjsofidjghoisfdjgohijsofdigjhoifgsjhoisfjgohjfsoighjiosfjghoisj</a:t>
+            </a:r>
+            <a:endParaRPr lang="en-US" sz="1600" dirty="0">
+              <a:latin typeface="Consolas"/>
+              <a:cs typeface="Consolas"/>
+            </a:endParaRPr>
           </a:p>
         </p:txBody>
       </p:sp>
@@ -9755,7 +9909,7 @@
         </p:nvSpPr>
         <p:spPr>
           <a:xfrm>
-            <a:off x="1331640" y="4094783"/>
+            <a:off x="1403648" y="4869160"/>
             <a:ext cx="6048672" cy="846385"/>
           </a:xfrm>
           <a:prstGeom prst="rect">
@@ -9959,15 +10113,7 @@
                     <a:srgbClr val="FFFFFF"/>
                   </a:solidFill>
                 </a:rPr>
-                <a:t>, D</a:t>
-              </a:r>
-              <a:r>
-                <a:rPr lang="en-US" sz="2000" b="1" dirty="0" smtClean="0">
-                  <a:solidFill>
-                    <a:srgbClr val="FFFFFF"/>
-                  </a:solidFill>
-                </a:rPr>
-                <a:t>ário Nascimento</a:t>
+                <a:t>, Dário Nascimento</a:t>
               </a:r>
               <a:endParaRPr lang="en-US" sz="2000" b="1" dirty="0">
                 <a:solidFill>
@@ -9991,9 +10137,116 @@
   <p:timing>
     <p:tnLst>
       <p:par>
-        <p:cTn xmlns:p14="http://schemas.microsoft.com/office/powerpoint/2010/main" id="1" dur="indefinite" restart="never" nodeType="tmRoot"/>
+        <p:cTn xmlns:p14="http://schemas.microsoft.com/office/powerpoint/2010/main" id="1" dur="indefinite" restart="never" nodeType="tmRoot">
+          <p:childTnLst>
+            <p:seq concurrent="1" nextAc="seek">
+              <p:cTn id="2" dur="indefinite" nodeType="mainSeq">
+                <p:childTnLst>
+                  <p:par>
+                    <p:cTn id="3" fill="hold">
+                      <p:stCondLst>
+                        <p:cond delay="indefinite"/>
+                      </p:stCondLst>
+                      <p:childTnLst>
+                        <p:par>
+                          <p:cTn id="4" fill="hold">
+                            <p:stCondLst>
+                              <p:cond delay="0"/>
+                            </p:stCondLst>
+                            <p:childTnLst>
+                              <p:par>
+                                <p:cTn id="5" presetID="9" presetClass="exit" presetSubtype="0" fill="hold" grpId="0" nodeType="clickEffect">
+                                  <p:stCondLst>
+                                    <p:cond delay="0"/>
+                                  </p:stCondLst>
+                                  <p:childTnLst>
+                                    <p:animEffect transition="out" filter="dissolve">
+                                      <p:cBhvr>
+                                        <p:cTn id="6" dur="500"/>
+                                        <p:tgtEl>
+                                          <p:spTgt spid="2"/>
+                                        </p:tgtEl>
+                                      </p:cBhvr>
+                                    </p:animEffect>
+                                    <p:set>
+                                      <p:cBhvr>
+                                        <p:cTn id="7" dur="1" fill="hold">
+                                          <p:stCondLst>
+                                            <p:cond delay="499"/>
+                                          </p:stCondLst>
+                                        </p:cTn>
+                                        <p:tgtEl>
+                                          <p:spTgt spid="2"/>
+                                        </p:tgtEl>
+                                        <p:attrNameLst>
+                                          <p:attrName>style.visibility</p:attrName>
+                                        </p:attrNameLst>
+                                      </p:cBhvr>
+                                      <p:to>
+                                        <p:strVal val="hidden"/>
+                                      </p:to>
+                                    </p:set>
+                                  </p:childTnLst>
+                                </p:cTn>
+                              </p:par>
+                              <p:par>
+                                <p:cTn id="8" presetID="1" presetClass="entr" presetSubtype="0" fill="hold" grpId="0" nodeType="withEffect">
+                                  <p:stCondLst>
+                                    <p:cond delay="0"/>
+                                  </p:stCondLst>
+                                  <p:childTnLst>
+                                    <p:set>
+                                      <p:cBhvr>
+                                        <p:cTn id="9" dur="1" fill="hold">
+                                          <p:stCondLst>
+                                            <p:cond delay="0"/>
+                                          </p:stCondLst>
+                                        </p:cTn>
+                                        <p:tgtEl>
+                                          <p:spTgt spid="15"/>
+                                        </p:tgtEl>
+                                        <p:attrNameLst>
+                                          <p:attrName>style.visibility</p:attrName>
+                                        </p:attrNameLst>
+                                      </p:cBhvr>
+                                      <p:to>
+                                        <p:strVal val="visible"/>
+                                      </p:to>
+                                    </p:set>
+                                  </p:childTnLst>
+                                </p:cTn>
+                              </p:par>
+                            </p:childTnLst>
+                          </p:cTn>
+                        </p:par>
+                      </p:childTnLst>
+                    </p:cTn>
+                  </p:par>
+                </p:childTnLst>
+              </p:cTn>
+              <p:prevCondLst>
+                <p:cond evt="onPrev" delay="0">
+                  <p:tgtEl>
+                    <p:sldTgt/>
+                  </p:tgtEl>
+                </p:cond>
+              </p:prevCondLst>
+              <p:nextCondLst>
+                <p:cond evt="onNext" delay="0">
+                  <p:tgtEl>
+                    <p:sldTgt/>
+                  </p:tgtEl>
+                </p:cond>
+              </p:nextCondLst>
+            </p:seq>
+          </p:childTnLst>
+        </p:cTn>
       </p:par>
     </p:tnLst>
+    <p:bldLst>
+      <p:bldP spid="2" grpId="0"/>
+      <p:bldP spid="15" grpId="0"/>
+    </p:bldLst>
   </p:timing>
 </p:sld>
 </file>
@@ -10082,25 +10335,7 @@
             <a:lstStyle/>
             <a:p>
               <a:r>
-                <a:rPr lang="pt-PT" sz="3600" dirty="0" smtClean="0">
-                  <a:solidFill>
-                    <a:schemeClr val="bg1"/>
-                  </a:solidFill>
-                  <a:latin typeface="Berlin Sans FB"/>
-                </a:rPr>
-                <a:t>2. </a:t>
-              </a:r>
-              <a:r>
-                <a:rPr lang="pt-PT" sz="3600" dirty="0" err="1" smtClean="0">
-                  <a:solidFill>
-                    <a:schemeClr val="bg1"/>
-                  </a:solidFill>
-                  <a:latin typeface="Berlin Sans FB"/>
-                </a:rPr>
-                <a:t>The</a:t>
-              </a:r>
-              <a:r>
-                <a:rPr lang="pt-PT" sz="3600" dirty="0" smtClean="0">
+                <a:rPr lang="pt-PT" sz="3600" dirty="0">
                   <a:solidFill>
                     <a:schemeClr val="bg1"/>
                   </a:solidFill>
@@ -10115,7 +10350,7 @@
                   </a:solidFill>
                   <a:latin typeface="Berlin Sans FB"/>
                 </a:rPr>
-                <a:t>Solution</a:t>
+                <a:t>Signature</a:t>
               </a:r>
               <a:endParaRPr lang="pt-PT" sz="3600" dirty="0" smtClean="0">
                 <a:solidFill>
@@ -10440,15 +10675,7 @@
                     <a:srgbClr val="FFFFFF"/>
                   </a:solidFill>
                 </a:rPr>
-                <a:t>, D</a:t>
-              </a:r>
-              <a:r>
-                <a:rPr lang="en-US" sz="2000" b="1" dirty="0" smtClean="0">
-                  <a:solidFill>
-                    <a:srgbClr val="FFFFFF"/>
-                  </a:solidFill>
-                </a:rPr>
-                <a:t>ário Nascimento</a:t>
+                <a:t>, Dário Nascimento</a:t>
               </a:r>
               <a:endParaRPr lang="en-US" sz="2000" b="1" dirty="0">
                 <a:solidFill>
@@ -10676,13 +10903,13 @@
             <a:lstStyle/>
             <a:p>
               <a:r>
-                <a:rPr lang="pt-PT" sz="3600" dirty="0" smtClean="0">
+                <a:rPr lang="pt-PT" sz="3600" dirty="0">
                   <a:solidFill>
                     <a:schemeClr val="bg1"/>
                   </a:solidFill>
                   <a:latin typeface="Berlin Sans FB"/>
                 </a:rPr>
-                <a:t>2. </a:t>
+                <a:t> </a:t>
               </a:r>
               <a:r>
                 <a:rPr lang="pt-PT" sz="3600" dirty="0" err="1" smtClean="0">
@@ -10691,7 +10918,7 @@
                   </a:solidFill>
                   <a:latin typeface="Berlin Sans FB"/>
                 </a:rPr>
-                <a:t>The</a:t>
+                <a:t>Secure</a:t>
               </a:r>
               <a:r>
                 <a:rPr lang="pt-PT" sz="3600" dirty="0" smtClean="0">
@@ -10709,7 +10936,7 @@
                   </a:solidFill>
                   <a:latin typeface="Berlin Sans FB"/>
                 </a:rPr>
-                <a:t>Solution</a:t>
+                <a:t>Timestamp</a:t>
               </a:r>
               <a:endParaRPr lang="pt-PT" sz="3600" dirty="0" smtClean="0">
                 <a:solidFill>
@@ -11028,15 +11255,7 @@
                     <a:srgbClr val="FFFFFF"/>
                   </a:solidFill>
                 </a:rPr>
-                <a:t>, D</a:t>
-              </a:r>
-              <a:r>
-                <a:rPr lang="en-US" sz="2000" b="1" dirty="0" smtClean="0">
-                  <a:solidFill>
-                    <a:srgbClr val="FFFFFF"/>
-                  </a:solidFill>
-                </a:rPr>
-                <a:t>ário Nascimento</a:t>
+                <a:t>, Dário Nascimento</a:t>
               </a:r>
               <a:endParaRPr lang="en-US" sz="2000" b="1" dirty="0">
                 <a:solidFill>
@@ -11219,13 +11438,22 @@
             <a:lstStyle/>
             <a:p>
               <a:r>
+                <a:rPr lang="pt-PT" sz="3600" dirty="0">
+                  <a:solidFill>
+                    <a:schemeClr val="bg1"/>
+                  </a:solidFill>
+                  <a:latin typeface="Berlin Sans FB"/>
+                </a:rPr>
+                <a:t> </a:t>
+              </a:r>
+              <a:r>
                 <a:rPr lang="pt-PT" sz="3600" dirty="0" smtClean="0">
                   <a:solidFill>
                     <a:schemeClr val="bg1"/>
                   </a:solidFill>
                   <a:latin typeface="Berlin Sans FB"/>
                 </a:rPr>
-                <a:t>3. AISS </a:t>
+                <a:t>AISS </a:t>
               </a:r>
               <a:r>
                 <a:rPr lang="pt-PT" sz="3600" dirty="0" err="1" smtClean="0">
@@ -11631,15 +11859,7 @@
                     <a:srgbClr val="FFFFFF"/>
                   </a:solidFill>
                 </a:rPr>
-                <a:t>, D</a:t>
-              </a:r>
-              <a:r>
-                <a:rPr lang="en-US" sz="2000" b="1" dirty="0" smtClean="0">
-                  <a:solidFill>
-                    <a:srgbClr val="FFFFFF"/>
-                  </a:solidFill>
-                </a:rPr>
-                <a:t>ário Nascimento</a:t>
+                <a:t>, Dário Nascimento</a:t>
               </a:r>
               <a:endParaRPr lang="en-US" sz="2000" b="1" dirty="0">
                 <a:solidFill>
@@ -11754,13 +11974,22 @@
             <a:lstStyle/>
             <a:p>
               <a:r>
+                <a:rPr lang="pt-PT" sz="3600" dirty="0">
+                  <a:solidFill>
+                    <a:schemeClr val="bg1"/>
+                  </a:solidFill>
+                  <a:latin typeface="Berlin Sans FB"/>
+                </a:rPr>
+                <a:t> </a:t>
+              </a:r>
+              <a:r>
                 <a:rPr lang="pt-PT" sz="3600" dirty="0" smtClean="0">
                   <a:solidFill>
                     <a:schemeClr val="bg1"/>
                   </a:solidFill>
                   <a:latin typeface="Berlin Sans FB"/>
                 </a:rPr>
-                <a:t>3. AISS </a:t>
+                <a:t>AISS </a:t>
               </a:r>
               <a:r>
                 <a:rPr lang="pt-PT" sz="3600" dirty="0" err="1" smtClean="0">
@@ -12057,15 +12286,7 @@
                     <a:srgbClr val="FFFFFF"/>
                   </a:solidFill>
                 </a:rPr>
-                <a:t>, D</a:t>
-              </a:r>
-              <a:r>
-                <a:rPr lang="en-US" sz="2000" b="1" dirty="0" smtClean="0">
-                  <a:solidFill>
-                    <a:srgbClr val="FFFFFF"/>
-                  </a:solidFill>
-                </a:rPr>
-                <a:t>ário Nascimento</a:t>
+                <a:t>, Dário Nascimento</a:t>
               </a:r>
               <a:endParaRPr lang="en-US" sz="2000" b="1" dirty="0">
                 <a:solidFill>

--- a/Apresentacoes/Comercial/Apresentação.pptx
+++ b/Apresentacoes/Comercial/Apresentação.pptx
@@ -5,21 +5,24 @@
     <p:sldMasterId id="2147483648" r:id="rId1"/>
   </p:sldMasterIdLst>
   <p:notesMasterIdLst>
-    <p:notesMasterId r:id="rId14"/>
+    <p:notesMasterId r:id="rId17"/>
   </p:notesMasterIdLst>
   <p:sldIdLst>
     <p:sldId id="259" r:id="rId2"/>
     <p:sldId id="273" r:id="rId3"/>
     <p:sldId id="262" r:id="rId4"/>
     <p:sldId id="274" r:id="rId5"/>
-    <p:sldId id="275" r:id="rId6"/>
-    <p:sldId id="276" r:id="rId7"/>
-    <p:sldId id="277" r:id="rId8"/>
-    <p:sldId id="280" r:id="rId9"/>
-    <p:sldId id="281" r:id="rId10"/>
-    <p:sldId id="284" r:id="rId11"/>
-    <p:sldId id="283" r:id="rId12"/>
-    <p:sldId id="282" r:id="rId13"/>
+    <p:sldId id="285" r:id="rId6"/>
+    <p:sldId id="286" r:id="rId7"/>
+    <p:sldId id="275" r:id="rId8"/>
+    <p:sldId id="276" r:id="rId9"/>
+    <p:sldId id="277" r:id="rId10"/>
+    <p:sldId id="280" r:id="rId11"/>
+    <p:sldId id="281" r:id="rId12"/>
+    <p:sldId id="284" r:id="rId13"/>
+    <p:sldId id="283" r:id="rId14"/>
+    <p:sldId id="287" r:id="rId15"/>
+    <p:sldId id="282" r:id="rId16"/>
   </p:sldIdLst>
   <p:sldSz cx="9144000" cy="6858000" type="screen4x3"/>
   <p:notesSz cx="6858000" cy="9144000"/>
@@ -203,7 +206,7 @@
           <a:p>
             <a:fld id="{A5F23D6D-B8F2-4B0F-AB5B-9498494086CD}" type="datetimeFigureOut">
               <a:rPr lang="pt-PT" smtClean="0"/>
-              <a:t>5/15/13</a:t>
+              <a:t>5/27/13</a:t>
             </a:fld>
             <a:endParaRPr lang="pt-PT"/>
           </a:p>
@@ -519,6 +522,34 @@
           </a:bodyPr>
           <a:lstStyle/>
           <a:p>
+            <a:r>
+              <a:rPr lang="pt-PT" dirty="0" smtClean="0"/>
+              <a:t>Bom dia, o meu nome </a:t>
+            </a:r>
+            <a:r>
+              <a:rPr lang="pt-PT" dirty="0" smtClean="0"/>
+              <a:t>é Gonçalo</a:t>
+            </a:r>
+            <a:r>
+              <a:rPr lang="pt-PT" baseline="0" dirty="0" smtClean="0"/>
+              <a:t> e o meu colega Dário Nascimento. Somos alunos do Técnico Lisboa. Vimos apresentar-vos o nosso sistema AISS </a:t>
+            </a:r>
+            <a:r>
+              <a:rPr lang="pt-PT" baseline="0" dirty="0" err="1" smtClean="0"/>
+              <a:t>Secure</a:t>
+            </a:r>
+            <a:r>
+              <a:rPr lang="pt-PT" baseline="0" dirty="0" smtClean="0"/>
+              <a:t> </a:t>
+            </a:r>
+            <a:r>
+              <a:rPr lang="pt-PT" baseline="0" dirty="0" err="1" smtClean="0"/>
+              <a:t>Mail</a:t>
+            </a:r>
+            <a:r>
+              <a:rPr lang="pt-PT" baseline="0" dirty="0" smtClean="0"/>
+              <a:t> um serviço que vos vai permitir enviar emails com segurança.</a:t>
+            </a:r>
             <a:endParaRPr lang="pt-PT" dirty="0"/>
           </a:p>
         </p:txBody>
@@ -711,31 +742,31 @@
           <a:p>
             <a:r>
               <a:rPr lang="pt-PT" dirty="0" smtClean="0"/>
-              <a:t>A nossa aplicação garante tudo</a:t>
+              <a:t>A nossa interface </a:t>
+            </a:r>
+            <a:r>
+              <a:rPr lang="pt-PT" dirty="0" smtClean="0"/>
+              <a:t>é simples</a:t>
             </a:r>
             <a:r>
               <a:rPr lang="pt-PT" baseline="0" dirty="0" smtClean="0"/>
-              <a:t> isto com uma interface simples e que além de suportar email permite a troca de dados seguros por outras plataformas como o drive, </a:t>
+              <a:t> e fácil de utilizar. Para instalar é só abrir o programa. É </a:t>
             </a:r>
             <a:r>
               <a:rPr lang="pt-PT" baseline="0" dirty="0" err="1" smtClean="0"/>
-              <a:t>dropbox</a:t>
+              <a:t>compativel</a:t>
             </a:r>
             <a:r>
               <a:rPr lang="pt-PT" baseline="0" dirty="0" smtClean="0"/>
-              <a:t>, </a:t>
+              <a:t> com </a:t>
             </a:r>
             <a:r>
               <a:rPr lang="pt-PT" baseline="0" dirty="0" err="1" smtClean="0"/>
-              <a:t>mail</a:t>
+              <a:t>MacOs</a:t>
             </a:r>
             <a:r>
               <a:rPr lang="pt-PT" baseline="0" dirty="0" smtClean="0"/>
-              <a:t>, </a:t>
-            </a:r>
-            <a:r>
-              <a:rPr lang="pt-PT" baseline="0" dirty="0" err="1" smtClean="0"/>
-              <a:t>etc</a:t>
+              <a:t> X</a:t>
             </a:r>
             <a:endParaRPr lang="pt-PT" dirty="0"/>
           </a:p>
@@ -881,6 +912,269 @@
 </p:notes>
 </file>
 
+<file path=ppt/notesSlides/notesSlide13.xml><?xml version="1.0" encoding="utf-8"?>
+<p:notes xmlns:a="http://schemas.openxmlformats.org/drawingml/2006/main" xmlns:r="http://schemas.openxmlformats.org/officeDocument/2006/relationships" xmlns:p="http://schemas.openxmlformats.org/presentationml/2006/main">
+  <p:cSld>
+    <p:spTree>
+      <p:nvGrpSpPr>
+        <p:cNvPr id="1" name=""/>
+        <p:cNvGrpSpPr/>
+        <p:nvPr/>
+      </p:nvGrpSpPr>
+      <p:grpSpPr>
+        <a:xfrm>
+          <a:off x="0" y="0"/>
+          <a:ext cx="0" cy="0"/>
+          <a:chOff x="0" y="0"/>
+          <a:chExt cx="0" cy="0"/>
+        </a:xfrm>
+      </p:grpSpPr>
+      <p:sp>
+        <p:nvSpPr>
+          <p:cNvPr id="2" name="Marcador de Posição da Imagem do Diapositivo 1"/>
+          <p:cNvSpPr>
+            <a:spLocks noGrp="1" noRot="1" noChangeAspect="1"/>
+          </p:cNvSpPr>
+          <p:nvPr>
+            <p:ph type="sldImg"/>
+          </p:nvPr>
+        </p:nvSpPr>
+        <p:spPr/>
+      </p:sp>
+      <p:sp>
+        <p:nvSpPr>
+          <p:cNvPr id="3" name="Marcador de Posição de Notas 2"/>
+          <p:cNvSpPr>
+            <a:spLocks noGrp="1"/>
+          </p:cNvSpPr>
+          <p:nvPr>
+            <p:ph type="body" idx="1"/>
+          </p:nvPr>
+        </p:nvSpPr>
+        <p:spPr/>
+        <p:txBody>
+          <a:bodyPr>
+            <a:normAutofit/>
+          </a:bodyPr>
+          <a:lstStyle/>
+          <a:p>
+            <a:r>
+              <a:rPr lang="pt-PT" dirty="0" smtClean="0"/>
+              <a:t>Como podemos verificar, a interface</a:t>
+            </a:r>
+            <a:r>
+              <a:rPr lang="pt-PT" baseline="0" dirty="0" smtClean="0"/>
+              <a:t> </a:t>
+            </a:r>
+            <a:r>
+              <a:rPr lang="pt-PT" baseline="0" dirty="0" smtClean="0"/>
+              <a:t>é simples e cumpre todos os requisitos de segurança.</a:t>
+            </a:r>
+            <a:endParaRPr lang="pt-PT" dirty="0"/>
+          </a:p>
+        </p:txBody>
+      </p:sp>
+      <p:sp>
+        <p:nvSpPr>
+          <p:cNvPr id="4" name="Marcador de Posição do Número do Diapositivo 3"/>
+          <p:cNvSpPr>
+            <a:spLocks noGrp="1"/>
+          </p:cNvSpPr>
+          <p:nvPr>
+            <p:ph type="sldNum" sz="quarter" idx="10"/>
+          </p:nvPr>
+        </p:nvSpPr>
+        <p:spPr/>
+        <p:txBody>
+          <a:bodyPr/>
+          <a:lstStyle/>
+          <a:p>
+            <a:fld id="{2334EA2E-6100-45D9-8806-FA603FAB66F7}" type="slidenum">
+              <a:rPr lang="pt-PT" smtClean="0"/>
+              <a:t>13</a:t>
+            </a:fld>
+            <a:endParaRPr lang="pt-PT"/>
+          </a:p>
+        </p:txBody>
+      </p:sp>
+    </p:spTree>
+  </p:cSld>
+  <p:clrMapOvr>
+    <a:masterClrMapping/>
+  </p:clrMapOvr>
+</p:notes>
+</file>
+
+<file path=ppt/notesSlides/notesSlide14.xml><?xml version="1.0" encoding="utf-8"?>
+<p:notes xmlns:a="http://schemas.openxmlformats.org/drawingml/2006/main" xmlns:r="http://schemas.openxmlformats.org/officeDocument/2006/relationships" xmlns:p="http://schemas.openxmlformats.org/presentationml/2006/main">
+  <p:cSld>
+    <p:spTree>
+      <p:nvGrpSpPr>
+        <p:cNvPr id="1" name=""/>
+        <p:cNvGrpSpPr/>
+        <p:nvPr/>
+      </p:nvGrpSpPr>
+      <p:grpSpPr>
+        <a:xfrm>
+          <a:off x="0" y="0"/>
+          <a:ext cx="0" cy="0"/>
+          <a:chOff x="0" y="0"/>
+          <a:chExt cx="0" cy="0"/>
+        </a:xfrm>
+      </p:grpSpPr>
+      <p:sp>
+        <p:nvSpPr>
+          <p:cNvPr id="2" name="Marcador de Posição da Imagem do Diapositivo 1"/>
+          <p:cNvSpPr>
+            <a:spLocks noGrp="1" noRot="1" noChangeAspect="1"/>
+          </p:cNvSpPr>
+          <p:nvPr>
+            <p:ph type="sldImg"/>
+          </p:nvPr>
+        </p:nvSpPr>
+        <p:spPr/>
+      </p:sp>
+      <p:sp>
+        <p:nvSpPr>
+          <p:cNvPr id="3" name="Marcador de Posição de Notas 2"/>
+          <p:cNvSpPr>
+            <a:spLocks noGrp="1"/>
+          </p:cNvSpPr>
+          <p:nvPr>
+            <p:ph type="body" idx="1"/>
+          </p:nvPr>
+        </p:nvSpPr>
+        <p:spPr/>
+        <p:txBody>
+          <a:bodyPr>
+            <a:normAutofit/>
+          </a:bodyPr>
+          <a:lstStyle/>
+          <a:p>
+            <a:r>
+              <a:rPr lang="pt-PT" dirty="0" err="1" smtClean="0"/>
+              <a:t>Vantanges</a:t>
+            </a:r>
+            <a:r>
+              <a:rPr lang="pt-PT" baseline="0" dirty="0" smtClean="0"/>
+              <a:t> competitivas</a:t>
+            </a:r>
+            <a:endParaRPr lang="pt-PT" dirty="0"/>
+          </a:p>
+        </p:txBody>
+      </p:sp>
+      <p:sp>
+        <p:nvSpPr>
+          <p:cNvPr id="4" name="Marcador de Posição do Número do Diapositivo 3"/>
+          <p:cNvSpPr>
+            <a:spLocks noGrp="1"/>
+          </p:cNvSpPr>
+          <p:nvPr>
+            <p:ph type="sldNum" sz="quarter" idx="10"/>
+          </p:nvPr>
+        </p:nvSpPr>
+        <p:spPr/>
+        <p:txBody>
+          <a:bodyPr/>
+          <a:lstStyle/>
+          <a:p>
+            <a:fld id="{2334EA2E-6100-45D9-8806-FA603FAB66F7}" type="slidenum">
+              <a:rPr lang="pt-PT" smtClean="0"/>
+              <a:t>14</a:t>
+            </a:fld>
+            <a:endParaRPr lang="pt-PT"/>
+          </a:p>
+        </p:txBody>
+      </p:sp>
+    </p:spTree>
+  </p:cSld>
+  <p:clrMapOvr>
+    <a:masterClrMapping/>
+  </p:clrMapOvr>
+</p:notes>
+</file>
+
+<file path=ppt/notesSlides/notesSlide15.xml><?xml version="1.0" encoding="utf-8"?>
+<p:notes xmlns:a="http://schemas.openxmlformats.org/drawingml/2006/main" xmlns:r="http://schemas.openxmlformats.org/officeDocument/2006/relationships" xmlns:p="http://schemas.openxmlformats.org/presentationml/2006/main">
+  <p:cSld>
+    <p:spTree>
+      <p:nvGrpSpPr>
+        <p:cNvPr id="1" name=""/>
+        <p:cNvGrpSpPr/>
+        <p:nvPr/>
+      </p:nvGrpSpPr>
+      <p:grpSpPr>
+        <a:xfrm>
+          <a:off x="0" y="0"/>
+          <a:ext cx="0" cy="0"/>
+          <a:chOff x="0" y="0"/>
+          <a:chExt cx="0" cy="0"/>
+        </a:xfrm>
+      </p:grpSpPr>
+      <p:sp>
+        <p:nvSpPr>
+          <p:cNvPr id="2" name="Marcador de Posição da Imagem do Diapositivo 1"/>
+          <p:cNvSpPr>
+            <a:spLocks noGrp="1" noRot="1" noChangeAspect="1"/>
+          </p:cNvSpPr>
+          <p:nvPr>
+            <p:ph type="sldImg"/>
+          </p:nvPr>
+        </p:nvSpPr>
+        <p:spPr/>
+      </p:sp>
+      <p:sp>
+        <p:nvSpPr>
+          <p:cNvPr id="3" name="Marcador de Posição de Notas 2"/>
+          <p:cNvSpPr>
+            <a:spLocks noGrp="1"/>
+          </p:cNvSpPr>
+          <p:nvPr>
+            <p:ph type="body" idx="1"/>
+          </p:nvPr>
+        </p:nvSpPr>
+        <p:spPr/>
+        <p:txBody>
+          <a:bodyPr>
+            <a:normAutofit/>
+          </a:bodyPr>
+          <a:lstStyle/>
+          <a:p>
+            <a:endParaRPr lang="pt-PT" dirty="0"/>
+          </a:p>
+        </p:txBody>
+      </p:sp>
+      <p:sp>
+        <p:nvSpPr>
+          <p:cNvPr id="4" name="Marcador de Posição do Número do Diapositivo 3"/>
+          <p:cNvSpPr>
+            <a:spLocks noGrp="1"/>
+          </p:cNvSpPr>
+          <p:nvPr>
+            <p:ph type="sldNum" sz="quarter" idx="10"/>
+          </p:nvPr>
+        </p:nvSpPr>
+        <p:spPr/>
+        <p:txBody>
+          <a:bodyPr/>
+          <a:lstStyle/>
+          <a:p>
+            <a:fld id="{2334EA2E-6100-45D9-8806-FA603FAB66F7}" type="slidenum">
+              <a:rPr lang="pt-PT" smtClean="0"/>
+              <a:t>15</a:t>
+            </a:fld>
+            <a:endParaRPr lang="pt-PT"/>
+          </a:p>
+        </p:txBody>
+      </p:sp>
+    </p:spTree>
+  </p:cSld>
+  <p:clrMapOvr>
+    <a:masterClrMapping/>
+  </p:clrMapOvr>
+</p:notes>
+</file>
+
 <file path=ppt/notesSlides/notesSlide2.xml><?xml version="1.0" encoding="utf-8"?>
 <p:notes xmlns:a="http://schemas.openxmlformats.org/drawingml/2006/main" xmlns:r="http://schemas.openxmlformats.org/officeDocument/2006/relationships" xmlns:p="http://schemas.openxmlformats.org/presentationml/2006/main">
   <p:cSld>
@@ -1388,6 +1682,699 @@
                 <a:cs typeface="+mn-cs"/>
               </a:rPr>
               <a:t> </a:t>
+            </a:r>
+            <a:r>
+              <a:rPr lang="en-US" sz="1200" kern="1200" baseline="0" dirty="0" smtClean="0">
+                <a:solidFill>
+                  <a:schemeClr val="tx1"/>
+                </a:solidFill>
+                <a:latin typeface="+mn-lt"/>
+                <a:ea typeface="+mn-ea"/>
+                <a:cs typeface="+mn-cs"/>
+              </a:rPr>
+              <a:t>A </a:t>
+            </a:r>
+            <a:r>
+              <a:rPr lang="en-US" sz="1200" kern="1200" baseline="0" dirty="0" err="1" smtClean="0">
+                <a:solidFill>
+                  <a:schemeClr val="tx1"/>
+                </a:solidFill>
+                <a:latin typeface="+mn-lt"/>
+                <a:ea typeface="+mn-ea"/>
+                <a:cs typeface="+mn-cs"/>
+              </a:rPr>
+              <a:t>candidata</a:t>
+            </a:r>
+            <a:r>
+              <a:rPr lang="en-US" sz="1200" kern="1200" baseline="0" dirty="0" smtClean="0">
+                <a:solidFill>
+                  <a:schemeClr val="tx1"/>
+                </a:solidFill>
+                <a:latin typeface="+mn-lt"/>
+                <a:ea typeface="+mn-ea"/>
+                <a:cs typeface="+mn-cs"/>
+              </a:rPr>
+              <a:t> a vice president do EUA </a:t>
+            </a:r>
+            <a:r>
+              <a:rPr lang="en-US" sz="1200" kern="1200" baseline="0" dirty="0" err="1" smtClean="0">
+                <a:solidFill>
+                  <a:schemeClr val="tx1"/>
+                </a:solidFill>
+                <a:latin typeface="+mn-lt"/>
+                <a:ea typeface="+mn-ea"/>
+                <a:cs typeface="+mn-cs"/>
+              </a:rPr>
+              <a:t>viu</a:t>
+            </a:r>
+            <a:r>
+              <a:rPr lang="en-US" sz="1200" kern="1200" baseline="0" dirty="0" smtClean="0">
+                <a:solidFill>
+                  <a:schemeClr val="tx1"/>
+                </a:solidFill>
+                <a:latin typeface="+mn-lt"/>
+                <a:ea typeface="+mn-ea"/>
+                <a:cs typeface="+mn-cs"/>
+              </a:rPr>
+              <a:t> a </a:t>
+            </a:r>
+            <a:r>
+              <a:rPr lang="en-US" sz="1200" kern="1200" baseline="0" dirty="0" err="1" smtClean="0">
+                <a:solidFill>
+                  <a:schemeClr val="tx1"/>
+                </a:solidFill>
+                <a:latin typeface="+mn-lt"/>
+                <a:ea typeface="+mn-ea"/>
+                <a:cs typeface="+mn-cs"/>
+              </a:rPr>
+              <a:t>sua</a:t>
+            </a:r>
+            <a:r>
+              <a:rPr lang="en-US" sz="1200" kern="1200" baseline="0" dirty="0" smtClean="0">
+                <a:solidFill>
+                  <a:schemeClr val="tx1"/>
+                </a:solidFill>
+                <a:latin typeface="+mn-lt"/>
+                <a:ea typeface="+mn-ea"/>
+                <a:cs typeface="+mn-cs"/>
+              </a:rPr>
+              <a:t> </a:t>
+            </a:r>
+            <a:r>
+              <a:rPr lang="en-US" sz="1200" kern="1200" baseline="0" dirty="0" err="1" smtClean="0">
+                <a:solidFill>
+                  <a:schemeClr val="tx1"/>
+                </a:solidFill>
+                <a:latin typeface="+mn-lt"/>
+                <a:ea typeface="+mn-ea"/>
+                <a:cs typeface="+mn-cs"/>
+              </a:rPr>
+              <a:t>conta</a:t>
+            </a:r>
+            <a:r>
+              <a:rPr lang="en-US" sz="1200" kern="1200" baseline="0" dirty="0" smtClean="0">
+                <a:solidFill>
+                  <a:schemeClr val="tx1"/>
+                </a:solidFill>
+                <a:latin typeface="+mn-lt"/>
+                <a:ea typeface="+mn-ea"/>
+                <a:cs typeface="+mn-cs"/>
+              </a:rPr>
+              <a:t> de email </a:t>
+            </a:r>
+            <a:r>
+              <a:rPr lang="en-US" sz="1200" kern="1200" baseline="0" dirty="0" err="1" smtClean="0">
+                <a:solidFill>
+                  <a:schemeClr val="tx1"/>
+                </a:solidFill>
+                <a:latin typeface="+mn-lt"/>
+                <a:ea typeface="+mn-ea"/>
+                <a:cs typeface="+mn-cs"/>
+              </a:rPr>
+              <a:t>ser</a:t>
+            </a:r>
+            <a:r>
+              <a:rPr lang="en-US" sz="1200" kern="1200" baseline="0" dirty="0" smtClean="0">
+                <a:solidFill>
+                  <a:schemeClr val="tx1"/>
+                </a:solidFill>
+                <a:latin typeface="+mn-lt"/>
+                <a:ea typeface="+mn-ea"/>
+                <a:cs typeface="+mn-cs"/>
+              </a:rPr>
+              <a:t> </a:t>
+            </a:r>
+            <a:r>
+              <a:rPr lang="en-US" sz="1200" kern="1200" baseline="0" dirty="0" err="1" smtClean="0">
+                <a:solidFill>
+                  <a:schemeClr val="tx1"/>
+                </a:solidFill>
+                <a:latin typeface="+mn-lt"/>
+                <a:ea typeface="+mn-ea"/>
+                <a:cs typeface="+mn-cs"/>
+              </a:rPr>
+              <a:t>atacada</a:t>
+            </a:r>
+            <a:r>
+              <a:rPr lang="en-US" sz="1200" kern="1200" baseline="0" dirty="0" smtClean="0">
+                <a:solidFill>
+                  <a:schemeClr val="tx1"/>
+                </a:solidFill>
+                <a:latin typeface="+mn-lt"/>
+                <a:ea typeface="+mn-ea"/>
+                <a:cs typeface="+mn-cs"/>
+              </a:rPr>
+              <a:t> e </a:t>
+            </a:r>
+            <a:r>
+              <a:rPr lang="en-US" sz="1200" kern="1200" baseline="0" dirty="0" err="1" smtClean="0">
+                <a:solidFill>
+                  <a:schemeClr val="tx1"/>
+                </a:solidFill>
+                <a:latin typeface="+mn-lt"/>
+                <a:ea typeface="+mn-ea"/>
+                <a:cs typeface="+mn-cs"/>
+              </a:rPr>
+              <a:t>os</a:t>
+            </a:r>
+            <a:r>
+              <a:rPr lang="en-US" sz="1200" kern="1200" baseline="0" dirty="0" smtClean="0">
+                <a:solidFill>
+                  <a:schemeClr val="tx1"/>
+                </a:solidFill>
+                <a:latin typeface="+mn-lt"/>
+                <a:ea typeface="+mn-ea"/>
+                <a:cs typeface="+mn-cs"/>
+              </a:rPr>
+              <a:t> </a:t>
+            </a:r>
+            <a:r>
+              <a:rPr lang="en-US" sz="1200" kern="1200" baseline="0" dirty="0" err="1" smtClean="0">
+                <a:solidFill>
+                  <a:schemeClr val="tx1"/>
+                </a:solidFill>
+                <a:latin typeface="+mn-lt"/>
+                <a:ea typeface="+mn-ea"/>
+                <a:cs typeface="+mn-cs"/>
+              </a:rPr>
+              <a:t>seus</a:t>
+            </a:r>
+            <a:r>
+              <a:rPr lang="en-US" sz="1200" kern="1200" baseline="0" dirty="0" smtClean="0">
+                <a:solidFill>
+                  <a:schemeClr val="tx1"/>
+                </a:solidFill>
+                <a:latin typeface="+mn-lt"/>
+                <a:ea typeface="+mn-ea"/>
+                <a:cs typeface="+mn-cs"/>
+              </a:rPr>
+              <a:t> email </a:t>
+            </a:r>
+            <a:r>
+              <a:rPr lang="en-US" sz="1200" kern="1200" baseline="0" dirty="0" err="1" smtClean="0">
+                <a:solidFill>
+                  <a:schemeClr val="tx1"/>
+                </a:solidFill>
+                <a:latin typeface="+mn-lt"/>
+                <a:ea typeface="+mn-ea"/>
+                <a:cs typeface="+mn-cs"/>
+              </a:rPr>
+              <a:t>comprometeram</a:t>
+            </a:r>
+            <a:r>
+              <a:rPr lang="en-US" sz="1200" kern="1200" baseline="0" dirty="0" smtClean="0">
+                <a:solidFill>
+                  <a:schemeClr val="tx1"/>
+                </a:solidFill>
+                <a:latin typeface="+mn-lt"/>
+                <a:ea typeface="+mn-ea"/>
+                <a:cs typeface="+mn-cs"/>
+              </a:rPr>
+              <a:t> </a:t>
+            </a:r>
+            <a:r>
+              <a:rPr lang="en-US" sz="1200" kern="1200" baseline="0" dirty="0" err="1" smtClean="0">
+                <a:solidFill>
+                  <a:schemeClr val="tx1"/>
+                </a:solidFill>
+                <a:latin typeface="+mn-lt"/>
+                <a:ea typeface="+mn-ea"/>
+                <a:cs typeface="+mn-cs"/>
+              </a:rPr>
+              <a:t>bastante</a:t>
+            </a:r>
+            <a:r>
+              <a:rPr lang="en-US" sz="1200" kern="1200" baseline="0" dirty="0" smtClean="0">
+                <a:solidFill>
+                  <a:schemeClr val="tx1"/>
+                </a:solidFill>
+                <a:latin typeface="+mn-lt"/>
+                <a:ea typeface="+mn-ea"/>
+                <a:cs typeface="+mn-cs"/>
+              </a:rPr>
+              <a:t> a </a:t>
+            </a:r>
+            <a:r>
+              <a:rPr lang="en-US" sz="1200" kern="1200" baseline="0" dirty="0" err="1" smtClean="0">
+                <a:solidFill>
+                  <a:schemeClr val="tx1"/>
+                </a:solidFill>
+                <a:latin typeface="+mn-lt"/>
+                <a:ea typeface="+mn-ea"/>
+                <a:cs typeface="+mn-cs"/>
+              </a:rPr>
+              <a:t>sua</a:t>
+            </a:r>
+            <a:r>
+              <a:rPr lang="en-US" sz="1200" kern="1200" baseline="0" dirty="0" smtClean="0">
+                <a:solidFill>
+                  <a:schemeClr val="tx1"/>
+                </a:solidFill>
+                <a:latin typeface="+mn-lt"/>
+                <a:ea typeface="+mn-ea"/>
+                <a:cs typeface="+mn-cs"/>
+              </a:rPr>
+              <a:t> </a:t>
+            </a:r>
+            <a:r>
+              <a:rPr lang="en-US" sz="1200" kern="1200" baseline="0" dirty="0" err="1" smtClean="0">
+                <a:solidFill>
+                  <a:schemeClr val="tx1"/>
+                </a:solidFill>
+                <a:latin typeface="+mn-lt"/>
+                <a:ea typeface="+mn-ea"/>
+                <a:cs typeface="+mn-cs"/>
+              </a:rPr>
+              <a:t>campanha</a:t>
+            </a:r>
+            <a:r>
+              <a:rPr lang="en-US" sz="1200" kern="1200" baseline="0" dirty="0" smtClean="0">
+                <a:solidFill>
+                  <a:schemeClr val="tx1"/>
+                </a:solidFill>
+                <a:latin typeface="+mn-lt"/>
+                <a:ea typeface="+mn-ea"/>
+                <a:cs typeface="+mn-cs"/>
+              </a:rPr>
+              <a:t> </a:t>
+            </a:r>
+            <a:r>
+              <a:rPr lang="en-US" sz="1200" kern="1200" baseline="0" dirty="0" err="1" smtClean="0">
+                <a:solidFill>
+                  <a:schemeClr val="tx1"/>
+                </a:solidFill>
+                <a:latin typeface="+mn-lt"/>
+                <a:ea typeface="+mn-ea"/>
+                <a:cs typeface="+mn-cs"/>
+              </a:rPr>
+              <a:t>eleitoral</a:t>
+            </a:r>
+            <a:r>
+              <a:rPr lang="en-US" sz="1200" kern="1200" baseline="0" dirty="0" smtClean="0">
+                <a:solidFill>
+                  <a:schemeClr val="tx1"/>
+                </a:solidFill>
+                <a:latin typeface="+mn-lt"/>
+                <a:ea typeface="+mn-ea"/>
+                <a:cs typeface="+mn-cs"/>
+              </a:rPr>
+              <a:t>. </a:t>
+            </a:r>
+            <a:r>
+              <a:rPr lang="en-US" sz="1200" kern="1200" baseline="0" dirty="0" err="1" smtClean="0">
+                <a:solidFill>
+                  <a:schemeClr val="tx1"/>
+                </a:solidFill>
+                <a:latin typeface="+mn-lt"/>
+                <a:ea typeface="+mn-ea"/>
+                <a:cs typeface="+mn-cs"/>
+              </a:rPr>
+              <a:t>Sendo</a:t>
+            </a:r>
+            <a:r>
+              <a:rPr lang="en-US" sz="1200" kern="1200" baseline="0" dirty="0" smtClean="0">
+                <a:solidFill>
+                  <a:schemeClr val="tx1"/>
+                </a:solidFill>
+                <a:latin typeface="+mn-lt"/>
+                <a:ea typeface="+mn-ea"/>
+                <a:cs typeface="+mn-cs"/>
+              </a:rPr>
+              <a:t> o email </a:t>
+            </a:r>
+            <a:r>
+              <a:rPr lang="en-US" sz="1200" kern="1200" baseline="0" dirty="0" err="1" smtClean="0">
+                <a:solidFill>
+                  <a:schemeClr val="tx1"/>
+                </a:solidFill>
+                <a:latin typeface="+mn-lt"/>
+                <a:ea typeface="+mn-ea"/>
+                <a:cs typeface="+mn-cs"/>
+              </a:rPr>
+              <a:t>cada</a:t>
+            </a:r>
+            <a:r>
+              <a:rPr lang="en-US" sz="1200" kern="1200" baseline="0" dirty="0" smtClean="0">
+                <a:solidFill>
+                  <a:schemeClr val="tx1"/>
+                </a:solidFill>
+                <a:latin typeface="+mn-lt"/>
+                <a:ea typeface="+mn-ea"/>
+                <a:cs typeface="+mn-cs"/>
+              </a:rPr>
+              <a:t> </a:t>
+            </a:r>
+            <a:r>
+              <a:rPr lang="en-US" sz="1200" kern="1200" baseline="0" dirty="0" err="1" smtClean="0">
+                <a:solidFill>
+                  <a:schemeClr val="tx1"/>
+                </a:solidFill>
+                <a:latin typeface="+mn-lt"/>
+                <a:ea typeface="+mn-ea"/>
+                <a:cs typeface="+mn-cs"/>
+              </a:rPr>
+              <a:t>vez</a:t>
+            </a:r>
+            <a:r>
+              <a:rPr lang="en-US" sz="1200" kern="1200" baseline="0" dirty="0" smtClean="0">
+                <a:solidFill>
+                  <a:schemeClr val="tx1"/>
+                </a:solidFill>
+                <a:latin typeface="+mn-lt"/>
+                <a:ea typeface="+mn-ea"/>
+                <a:cs typeface="+mn-cs"/>
+              </a:rPr>
+              <a:t> </a:t>
+            </a:r>
+            <a:r>
+              <a:rPr lang="en-US" sz="1200" kern="1200" baseline="0" dirty="0" err="1" smtClean="0">
+                <a:solidFill>
+                  <a:schemeClr val="tx1"/>
+                </a:solidFill>
+                <a:latin typeface="+mn-lt"/>
+                <a:ea typeface="+mn-ea"/>
+                <a:cs typeface="+mn-cs"/>
+              </a:rPr>
+              <a:t>mais</a:t>
+            </a:r>
+            <a:r>
+              <a:rPr lang="en-US" sz="1200" kern="1200" baseline="0" dirty="0" smtClean="0">
+                <a:solidFill>
+                  <a:schemeClr val="tx1"/>
+                </a:solidFill>
+                <a:latin typeface="+mn-lt"/>
+                <a:ea typeface="+mn-ea"/>
+                <a:cs typeface="+mn-cs"/>
+              </a:rPr>
+              <a:t> o principal </a:t>
+            </a:r>
+            <a:r>
+              <a:rPr lang="en-US" sz="1200" kern="1200" baseline="0" dirty="0" err="1" smtClean="0">
+                <a:solidFill>
+                  <a:schemeClr val="tx1"/>
+                </a:solidFill>
+                <a:latin typeface="+mn-lt"/>
+                <a:ea typeface="+mn-ea"/>
+                <a:cs typeface="+mn-cs"/>
+              </a:rPr>
+              <a:t>meio</a:t>
+            </a:r>
+            <a:r>
+              <a:rPr lang="en-US" sz="1200" kern="1200" baseline="0" dirty="0" smtClean="0">
+                <a:solidFill>
+                  <a:schemeClr val="tx1"/>
+                </a:solidFill>
+                <a:latin typeface="+mn-lt"/>
+                <a:ea typeface="+mn-ea"/>
+                <a:cs typeface="+mn-cs"/>
+              </a:rPr>
+              <a:t> de </a:t>
+            </a:r>
+            <a:r>
+              <a:rPr lang="en-US" sz="1200" kern="1200" baseline="0" dirty="0" err="1" smtClean="0">
+                <a:solidFill>
+                  <a:schemeClr val="tx1"/>
+                </a:solidFill>
+                <a:latin typeface="+mn-lt"/>
+                <a:ea typeface="+mn-ea"/>
+                <a:cs typeface="+mn-cs"/>
+              </a:rPr>
+              <a:t>comuincaç</a:t>
+            </a:r>
+            <a:r>
+              <a:rPr lang="en-US" sz="1200" kern="1200" baseline="0" dirty="0" err="1" smtClean="0">
+                <a:solidFill>
+                  <a:schemeClr val="tx1"/>
+                </a:solidFill>
+                <a:latin typeface="+mn-lt"/>
+                <a:ea typeface="+mn-ea"/>
+                <a:cs typeface="+mn-cs"/>
+              </a:rPr>
+              <a:t>ão</a:t>
+            </a:r>
+            <a:r>
+              <a:rPr lang="en-US" sz="1200" kern="1200" baseline="0" dirty="0" smtClean="0">
+                <a:solidFill>
+                  <a:schemeClr val="tx1"/>
+                </a:solidFill>
+                <a:latin typeface="+mn-lt"/>
+                <a:ea typeface="+mn-ea"/>
+                <a:cs typeface="+mn-cs"/>
+              </a:rPr>
+              <a:t> </a:t>
+            </a:r>
+            <a:r>
+              <a:rPr lang="en-US" sz="1200" kern="1200" baseline="0" dirty="0" err="1" smtClean="0">
+                <a:solidFill>
+                  <a:schemeClr val="tx1"/>
+                </a:solidFill>
+                <a:latin typeface="+mn-lt"/>
+                <a:ea typeface="+mn-ea"/>
+                <a:cs typeface="+mn-cs"/>
+              </a:rPr>
+              <a:t>é</a:t>
+            </a:r>
+            <a:r>
+              <a:rPr lang="en-US" sz="1200" kern="1200" baseline="0" dirty="0" smtClean="0">
+                <a:solidFill>
+                  <a:schemeClr val="tx1"/>
+                </a:solidFill>
+                <a:latin typeface="+mn-lt"/>
+                <a:ea typeface="+mn-ea"/>
+                <a:cs typeface="+mn-cs"/>
+              </a:rPr>
+              <a:t> </a:t>
+            </a:r>
+            <a:r>
+              <a:rPr lang="en-US" sz="1200" kern="1200" baseline="0" dirty="0" err="1" smtClean="0">
+                <a:solidFill>
+                  <a:schemeClr val="tx1"/>
+                </a:solidFill>
+                <a:latin typeface="+mn-lt"/>
+                <a:ea typeface="+mn-ea"/>
+                <a:cs typeface="+mn-cs"/>
+              </a:rPr>
+              <a:t>importante</a:t>
+            </a:r>
+            <a:r>
+              <a:rPr lang="en-US" sz="1200" kern="1200" baseline="0" dirty="0" smtClean="0">
+                <a:solidFill>
+                  <a:schemeClr val="tx1"/>
+                </a:solidFill>
+                <a:latin typeface="+mn-lt"/>
+                <a:ea typeface="+mn-ea"/>
+                <a:cs typeface="+mn-cs"/>
+              </a:rPr>
+              <a:t> </a:t>
+            </a:r>
+            <a:r>
+              <a:rPr lang="en-US" sz="1200" kern="1200" baseline="0" dirty="0" err="1" smtClean="0">
+                <a:solidFill>
+                  <a:schemeClr val="tx1"/>
+                </a:solidFill>
+                <a:latin typeface="+mn-lt"/>
+                <a:ea typeface="+mn-ea"/>
+                <a:cs typeface="+mn-cs"/>
+              </a:rPr>
+              <a:t>assegurar</a:t>
+            </a:r>
+            <a:r>
+              <a:rPr lang="en-US" sz="1200" kern="1200" baseline="0" dirty="0" smtClean="0">
+                <a:solidFill>
+                  <a:schemeClr val="tx1"/>
+                </a:solidFill>
+                <a:latin typeface="+mn-lt"/>
+                <a:ea typeface="+mn-ea"/>
+                <a:cs typeface="+mn-cs"/>
+              </a:rPr>
+              <a:t> </a:t>
+            </a:r>
+            <a:r>
+              <a:rPr lang="en-US" sz="1200" kern="1200" baseline="0" dirty="0" err="1" smtClean="0">
+                <a:solidFill>
+                  <a:schemeClr val="tx1"/>
+                </a:solidFill>
+                <a:latin typeface="+mn-lt"/>
+                <a:ea typeface="+mn-ea"/>
+                <a:cs typeface="+mn-cs"/>
+              </a:rPr>
+              <a:t>que</a:t>
+            </a:r>
+            <a:r>
+              <a:rPr lang="en-US" sz="1200" kern="1200" baseline="0" dirty="0" smtClean="0">
+                <a:solidFill>
+                  <a:schemeClr val="tx1"/>
+                </a:solidFill>
+                <a:latin typeface="+mn-lt"/>
+                <a:ea typeface="+mn-ea"/>
+                <a:cs typeface="+mn-cs"/>
+              </a:rPr>
+              <a:t> a </a:t>
+            </a:r>
+            <a:r>
+              <a:rPr lang="en-US" sz="1200" kern="1200" baseline="0" dirty="0" err="1" smtClean="0">
+                <a:solidFill>
+                  <a:schemeClr val="tx1"/>
+                </a:solidFill>
+                <a:latin typeface="+mn-lt"/>
+                <a:ea typeface="+mn-ea"/>
+                <a:cs typeface="+mn-cs"/>
+              </a:rPr>
+              <a:t>sua</a:t>
+            </a:r>
+            <a:r>
+              <a:rPr lang="en-US" sz="1200" kern="1200" baseline="0" dirty="0" smtClean="0">
+                <a:solidFill>
+                  <a:schemeClr val="tx1"/>
+                </a:solidFill>
+                <a:latin typeface="+mn-lt"/>
+                <a:ea typeface="+mn-ea"/>
+                <a:cs typeface="+mn-cs"/>
+              </a:rPr>
+              <a:t> </a:t>
+            </a:r>
+            <a:r>
+              <a:rPr lang="en-US" sz="1200" kern="1200" baseline="0" dirty="0" err="1" smtClean="0">
+                <a:solidFill>
+                  <a:schemeClr val="tx1"/>
+                </a:solidFill>
+                <a:latin typeface="+mn-lt"/>
+                <a:ea typeface="+mn-ea"/>
+                <a:cs typeface="+mn-cs"/>
+              </a:rPr>
+              <a:t>empresa</a:t>
+            </a:r>
+            <a:r>
+              <a:rPr lang="en-US" sz="1200" kern="1200" baseline="0" dirty="0" smtClean="0">
+                <a:solidFill>
+                  <a:schemeClr val="tx1"/>
+                </a:solidFill>
+                <a:latin typeface="+mn-lt"/>
+                <a:ea typeface="+mn-ea"/>
+                <a:cs typeface="+mn-cs"/>
+              </a:rPr>
+              <a:t> </a:t>
+            </a:r>
+            <a:r>
+              <a:rPr lang="en-US" sz="1200" kern="1200" baseline="0" dirty="0" err="1" smtClean="0">
+                <a:solidFill>
+                  <a:schemeClr val="tx1"/>
+                </a:solidFill>
+                <a:latin typeface="+mn-lt"/>
+                <a:ea typeface="+mn-ea"/>
+                <a:cs typeface="+mn-cs"/>
+              </a:rPr>
+              <a:t>não</a:t>
+            </a:r>
+            <a:r>
+              <a:rPr lang="en-US" sz="1200" kern="1200" baseline="0" dirty="0" smtClean="0">
+                <a:solidFill>
+                  <a:schemeClr val="tx1"/>
+                </a:solidFill>
+                <a:latin typeface="+mn-lt"/>
+                <a:ea typeface="+mn-ea"/>
+                <a:cs typeface="+mn-cs"/>
+              </a:rPr>
+              <a:t> </a:t>
+            </a:r>
+            <a:r>
+              <a:rPr lang="en-US" sz="1200" kern="1200" baseline="0" dirty="0" err="1" smtClean="0">
+                <a:solidFill>
+                  <a:schemeClr val="tx1"/>
+                </a:solidFill>
+                <a:latin typeface="+mn-lt"/>
+                <a:ea typeface="+mn-ea"/>
+                <a:cs typeface="+mn-cs"/>
+              </a:rPr>
+              <a:t>seja</a:t>
+            </a:r>
+            <a:r>
+              <a:rPr lang="en-US" sz="1200" kern="1200" baseline="0" dirty="0" smtClean="0">
+                <a:solidFill>
+                  <a:schemeClr val="tx1"/>
+                </a:solidFill>
+                <a:latin typeface="+mn-lt"/>
+                <a:ea typeface="+mn-ea"/>
+                <a:cs typeface="+mn-cs"/>
+              </a:rPr>
+              <a:t> a </a:t>
+            </a:r>
+            <a:r>
+              <a:rPr lang="en-US" sz="1200" kern="1200" baseline="0" dirty="0" err="1" smtClean="0">
+                <a:solidFill>
+                  <a:schemeClr val="tx1"/>
+                </a:solidFill>
+                <a:latin typeface="+mn-lt"/>
+                <a:ea typeface="+mn-ea"/>
+                <a:cs typeface="+mn-cs"/>
+              </a:rPr>
+              <a:t>próxima</a:t>
+            </a:r>
+            <a:r>
+              <a:rPr lang="en-US" sz="1200" kern="1200" baseline="0" dirty="0" smtClean="0">
+                <a:solidFill>
+                  <a:schemeClr val="tx1"/>
+                </a:solidFill>
+                <a:latin typeface="+mn-lt"/>
+                <a:ea typeface="+mn-ea"/>
+                <a:cs typeface="+mn-cs"/>
+              </a:rPr>
+              <a:t> a </a:t>
+            </a:r>
+            <a:r>
+              <a:rPr lang="en-US" sz="1200" kern="1200" baseline="0" dirty="0" err="1" smtClean="0">
+                <a:solidFill>
+                  <a:schemeClr val="tx1"/>
+                </a:solidFill>
+                <a:latin typeface="+mn-lt"/>
+                <a:ea typeface="+mn-ea"/>
+                <a:cs typeface="+mn-cs"/>
+              </a:rPr>
+              <a:t>constar</a:t>
+            </a:r>
+            <a:r>
+              <a:rPr lang="en-US" sz="1200" kern="1200" baseline="0" dirty="0" smtClean="0">
+                <a:solidFill>
+                  <a:schemeClr val="tx1"/>
+                </a:solidFill>
+                <a:latin typeface="+mn-lt"/>
+                <a:ea typeface="+mn-ea"/>
+                <a:cs typeface="+mn-cs"/>
+              </a:rPr>
+              <a:t> </a:t>
+            </a:r>
+            <a:r>
+              <a:rPr lang="en-US" sz="1200" kern="1200" baseline="0" dirty="0" err="1" smtClean="0">
+                <a:solidFill>
+                  <a:schemeClr val="tx1"/>
+                </a:solidFill>
+                <a:latin typeface="+mn-lt"/>
+                <a:ea typeface="+mn-ea"/>
+                <a:cs typeface="+mn-cs"/>
+              </a:rPr>
+              <a:t>nessa</a:t>
+            </a:r>
+            <a:r>
+              <a:rPr lang="en-US" sz="1200" kern="1200" baseline="0" dirty="0" smtClean="0">
+                <a:solidFill>
+                  <a:schemeClr val="tx1"/>
+                </a:solidFill>
+                <a:latin typeface="+mn-lt"/>
+                <a:ea typeface="+mn-ea"/>
+                <a:cs typeface="+mn-cs"/>
+              </a:rPr>
+              <a:t> </a:t>
+            </a:r>
+            <a:r>
+              <a:rPr lang="en-US" sz="1200" kern="1200" baseline="0" dirty="0" err="1" smtClean="0">
+                <a:solidFill>
+                  <a:schemeClr val="tx1"/>
+                </a:solidFill>
+                <a:latin typeface="+mn-lt"/>
+                <a:ea typeface="+mn-ea"/>
+                <a:cs typeface="+mn-cs"/>
+              </a:rPr>
+              <a:t>lista</a:t>
             </a:r>
             <a:endParaRPr lang="pt-PT" dirty="0"/>
           </a:p>
@@ -2304,7 +3291,667 @@
                 <a:ea typeface="+mn-ea"/>
                 <a:cs typeface="+mn-cs"/>
               </a:rPr>
-              <a:t>.</a:t>
+              <a:t>. </a:t>
+            </a:r>
+            <a:r>
+              <a:rPr lang="en-US" sz="1200" kern="1200" dirty="0" err="1" smtClean="0">
+                <a:solidFill>
+                  <a:schemeClr val="tx1"/>
+                </a:solidFill>
+                <a:latin typeface="+mn-lt"/>
+                <a:ea typeface="+mn-ea"/>
+                <a:cs typeface="+mn-cs"/>
+              </a:rPr>
+              <a:t>Quando</a:t>
+            </a:r>
+            <a:r>
+              <a:rPr lang="en-US" sz="1200" kern="1200" baseline="0" dirty="0" smtClean="0">
+                <a:solidFill>
+                  <a:schemeClr val="tx1"/>
+                </a:solidFill>
+                <a:latin typeface="+mn-lt"/>
+                <a:ea typeface="+mn-ea"/>
+                <a:cs typeface="+mn-cs"/>
+              </a:rPr>
+              <a:t> o </a:t>
+            </a:r>
+            <a:r>
+              <a:rPr lang="en-US" sz="1200" kern="1200" baseline="0" dirty="0" err="1" smtClean="0">
+                <a:solidFill>
+                  <a:schemeClr val="tx1"/>
+                </a:solidFill>
+                <a:latin typeface="+mn-lt"/>
+                <a:ea typeface="+mn-ea"/>
+                <a:cs typeface="+mn-cs"/>
+              </a:rPr>
+              <a:t>seu</a:t>
+            </a:r>
+            <a:r>
+              <a:rPr lang="en-US" sz="1200" kern="1200" baseline="0" dirty="0" smtClean="0">
+                <a:solidFill>
+                  <a:schemeClr val="tx1"/>
+                </a:solidFill>
+                <a:latin typeface="+mn-lt"/>
+                <a:ea typeface="+mn-ea"/>
+                <a:cs typeface="+mn-cs"/>
+              </a:rPr>
+              <a:t> </a:t>
+            </a:r>
+            <a:r>
+              <a:rPr lang="en-US" sz="1200" kern="1200" baseline="0" dirty="0" err="1" smtClean="0">
+                <a:solidFill>
+                  <a:schemeClr val="tx1"/>
+                </a:solidFill>
+                <a:latin typeface="+mn-lt"/>
+                <a:ea typeface="+mn-ea"/>
+                <a:cs typeface="+mn-cs"/>
+              </a:rPr>
+              <a:t>empregado</a:t>
+            </a:r>
+            <a:r>
+              <a:rPr lang="en-US" sz="1200" kern="1200" baseline="0" dirty="0" smtClean="0">
+                <a:solidFill>
+                  <a:schemeClr val="tx1"/>
+                </a:solidFill>
+                <a:latin typeface="+mn-lt"/>
+                <a:ea typeface="+mn-ea"/>
+                <a:cs typeface="+mn-cs"/>
+              </a:rPr>
+              <a:t> </a:t>
+            </a:r>
+            <a:r>
+              <a:rPr lang="en-US" sz="1200" kern="1200" baseline="0" dirty="0" err="1" smtClean="0">
+                <a:solidFill>
+                  <a:schemeClr val="tx1"/>
+                </a:solidFill>
+                <a:latin typeface="+mn-lt"/>
+                <a:ea typeface="+mn-ea"/>
+                <a:cs typeface="+mn-cs"/>
+              </a:rPr>
+              <a:t>envia</a:t>
+            </a:r>
+            <a:r>
+              <a:rPr lang="en-US" sz="1200" kern="1200" baseline="0" dirty="0" smtClean="0">
+                <a:solidFill>
+                  <a:schemeClr val="tx1"/>
+                </a:solidFill>
+                <a:latin typeface="+mn-lt"/>
+                <a:ea typeface="+mn-ea"/>
+                <a:cs typeface="+mn-cs"/>
+              </a:rPr>
+              <a:t> um email com o valor de um </a:t>
+            </a:r>
+            <a:r>
+              <a:rPr lang="en-US" sz="1200" kern="1200" baseline="0" dirty="0" err="1" smtClean="0">
+                <a:solidFill>
+                  <a:schemeClr val="tx1"/>
+                </a:solidFill>
+                <a:latin typeface="+mn-lt"/>
+                <a:ea typeface="+mn-ea"/>
+                <a:cs typeface="+mn-cs"/>
+              </a:rPr>
+              <a:t>contrato</a:t>
+            </a:r>
+            <a:r>
+              <a:rPr lang="en-US" sz="1200" kern="1200" baseline="0" dirty="0" smtClean="0">
+                <a:solidFill>
+                  <a:schemeClr val="tx1"/>
+                </a:solidFill>
+                <a:latin typeface="+mn-lt"/>
+                <a:ea typeface="+mn-ea"/>
+                <a:cs typeface="+mn-cs"/>
+              </a:rPr>
+              <a:t>, </a:t>
+            </a:r>
+            <a:r>
+              <a:rPr lang="en-US" sz="1200" kern="1200" baseline="0" dirty="0" err="1" smtClean="0">
+                <a:solidFill>
+                  <a:schemeClr val="tx1"/>
+                </a:solidFill>
+                <a:latin typeface="+mn-lt"/>
+                <a:ea typeface="+mn-ea"/>
+                <a:cs typeface="+mn-cs"/>
+              </a:rPr>
+              <a:t>este</a:t>
+            </a:r>
+            <a:r>
+              <a:rPr lang="en-US" sz="1200" kern="1200" baseline="0" dirty="0" smtClean="0">
+                <a:solidFill>
+                  <a:schemeClr val="tx1"/>
+                </a:solidFill>
+                <a:latin typeface="+mn-lt"/>
+                <a:ea typeface="+mn-ea"/>
+                <a:cs typeface="+mn-cs"/>
+              </a:rPr>
+              <a:t> email </a:t>
+            </a:r>
+            <a:r>
+              <a:rPr lang="en-US" sz="1200" kern="1200" baseline="0" dirty="0" err="1" smtClean="0">
+                <a:solidFill>
+                  <a:schemeClr val="tx1"/>
+                </a:solidFill>
+                <a:latin typeface="+mn-lt"/>
+                <a:ea typeface="+mn-ea"/>
+                <a:cs typeface="+mn-cs"/>
+              </a:rPr>
+              <a:t>é</a:t>
+            </a:r>
+            <a:r>
+              <a:rPr lang="en-US" sz="1200" kern="1200" baseline="0" dirty="0" smtClean="0">
+                <a:solidFill>
+                  <a:schemeClr val="tx1"/>
+                </a:solidFill>
+                <a:latin typeface="+mn-lt"/>
+                <a:ea typeface="+mn-ea"/>
+                <a:cs typeface="+mn-cs"/>
+              </a:rPr>
+              <a:t> </a:t>
+            </a:r>
+            <a:r>
+              <a:rPr lang="en-US" sz="1200" kern="1200" baseline="0" dirty="0" err="1" smtClean="0">
+                <a:solidFill>
+                  <a:schemeClr val="tx1"/>
+                </a:solidFill>
+                <a:latin typeface="+mn-lt"/>
+                <a:ea typeface="+mn-ea"/>
+                <a:cs typeface="+mn-cs"/>
+              </a:rPr>
+              <a:t>enviado</a:t>
+            </a:r>
+            <a:r>
+              <a:rPr lang="en-US" sz="1200" kern="1200" baseline="0" dirty="0" smtClean="0">
+                <a:solidFill>
+                  <a:schemeClr val="tx1"/>
+                </a:solidFill>
+                <a:latin typeface="+mn-lt"/>
+                <a:ea typeface="+mn-ea"/>
+                <a:cs typeface="+mn-cs"/>
+              </a:rPr>
+              <a:t> de </a:t>
+            </a:r>
+            <a:r>
+              <a:rPr lang="en-US" sz="1200" kern="1200" baseline="0" dirty="0" err="1" smtClean="0">
+                <a:solidFill>
+                  <a:schemeClr val="tx1"/>
+                </a:solidFill>
+                <a:latin typeface="+mn-lt"/>
+                <a:ea typeface="+mn-ea"/>
+                <a:cs typeface="+mn-cs"/>
+              </a:rPr>
+              <a:t>modo</a:t>
+            </a:r>
+            <a:r>
+              <a:rPr lang="en-US" sz="1200" kern="1200" baseline="0" dirty="0" smtClean="0">
+                <a:solidFill>
+                  <a:schemeClr val="tx1"/>
+                </a:solidFill>
+                <a:latin typeface="+mn-lt"/>
+                <a:ea typeface="+mn-ea"/>
+                <a:cs typeface="+mn-cs"/>
+              </a:rPr>
+              <a:t> </a:t>
+            </a:r>
+            <a:r>
+              <a:rPr lang="en-US" sz="1200" kern="1200" baseline="0" dirty="0" err="1" smtClean="0">
+                <a:solidFill>
+                  <a:schemeClr val="tx1"/>
+                </a:solidFill>
+                <a:latin typeface="+mn-lt"/>
+                <a:ea typeface="+mn-ea"/>
+                <a:cs typeface="+mn-cs"/>
+              </a:rPr>
+              <a:t>limpo</a:t>
+            </a:r>
+            <a:r>
+              <a:rPr lang="en-US" sz="1200" kern="1200" baseline="0" dirty="0" smtClean="0">
+                <a:solidFill>
+                  <a:schemeClr val="tx1"/>
+                </a:solidFill>
+                <a:latin typeface="+mn-lt"/>
+                <a:ea typeface="+mn-ea"/>
+                <a:cs typeface="+mn-cs"/>
+              </a:rPr>
+              <a:t> </a:t>
+            </a:r>
+            <a:r>
+              <a:rPr lang="en-US" sz="1200" kern="1200" baseline="0" dirty="0" err="1" smtClean="0">
+                <a:solidFill>
+                  <a:schemeClr val="tx1"/>
+                </a:solidFill>
+                <a:latin typeface="+mn-lt"/>
+                <a:ea typeface="+mn-ea"/>
+                <a:cs typeface="+mn-cs"/>
+              </a:rPr>
+              <a:t>pela</a:t>
+            </a:r>
+            <a:r>
+              <a:rPr lang="en-US" sz="1200" kern="1200" baseline="0" dirty="0" smtClean="0">
+                <a:solidFill>
+                  <a:schemeClr val="tx1"/>
+                </a:solidFill>
+                <a:latin typeface="+mn-lt"/>
+                <a:ea typeface="+mn-ea"/>
+                <a:cs typeface="+mn-cs"/>
+              </a:rPr>
+              <a:t> internet </a:t>
+            </a:r>
+            <a:r>
+              <a:rPr lang="en-US" sz="1200" kern="1200" baseline="0" dirty="0" err="1" smtClean="0">
+                <a:solidFill>
+                  <a:schemeClr val="tx1"/>
+                </a:solidFill>
+                <a:latin typeface="+mn-lt"/>
+                <a:ea typeface="+mn-ea"/>
+                <a:cs typeface="+mn-cs"/>
+              </a:rPr>
+              <a:t>por</a:t>
+            </a:r>
+            <a:r>
+              <a:rPr lang="en-US" sz="1200" kern="1200" baseline="0" dirty="0" smtClean="0">
+                <a:solidFill>
+                  <a:schemeClr val="tx1"/>
+                </a:solidFill>
+                <a:latin typeface="+mn-lt"/>
+                <a:ea typeface="+mn-ea"/>
+                <a:cs typeface="+mn-cs"/>
+              </a:rPr>
+              <a:t> </a:t>
+            </a:r>
+            <a:r>
+              <a:rPr lang="en-US" sz="1200" kern="1200" baseline="0" dirty="0" err="1" smtClean="0">
+                <a:solidFill>
+                  <a:schemeClr val="tx1"/>
+                </a:solidFill>
+                <a:latin typeface="+mn-lt"/>
+                <a:ea typeface="+mn-ea"/>
+                <a:cs typeface="+mn-cs"/>
+              </a:rPr>
+              <a:t>isso</a:t>
+            </a:r>
+            <a:r>
+              <a:rPr lang="en-US" sz="1200" kern="1200" baseline="0" dirty="0" smtClean="0">
+                <a:solidFill>
+                  <a:schemeClr val="tx1"/>
+                </a:solidFill>
+                <a:latin typeface="+mn-lt"/>
+                <a:ea typeface="+mn-ea"/>
+                <a:cs typeface="+mn-cs"/>
+              </a:rPr>
+              <a:t> </a:t>
+            </a:r>
+            <a:r>
+              <a:rPr lang="en-US" sz="1200" kern="1200" baseline="0" dirty="0" err="1" smtClean="0">
+                <a:solidFill>
+                  <a:schemeClr val="tx1"/>
+                </a:solidFill>
+                <a:latin typeface="+mn-lt"/>
+                <a:ea typeface="+mn-ea"/>
+                <a:cs typeface="+mn-cs"/>
+              </a:rPr>
+              <a:t>qualquer</a:t>
+            </a:r>
+            <a:r>
+              <a:rPr lang="en-US" sz="1200" kern="1200" baseline="0" dirty="0" smtClean="0">
+                <a:solidFill>
+                  <a:schemeClr val="tx1"/>
+                </a:solidFill>
+                <a:latin typeface="+mn-lt"/>
+                <a:ea typeface="+mn-ea"/>
+                <a:cs typeface="+mn-cs"/>
+              </a:rPr>
+              <a:t> </a:t>
+            </a:r>
+            <a:r>
+              <a:rPr lang="en-US" sz="1200" kern="1200" baseline="0" dirty="0" err="1" smtClean="0">
+                <a:solidFill>
+                  <a:schemeClr val="tx1"/>
+                </a:solidFill>
+                <a:latin typeface="+mn-lt"/>
+                <a:ea typeface="+mn-ea"/>
+                <a:cs typeface="+mn-cs"/>
+              </a:rPr>
+              <a:t>pessoa</a:t>
+            </a:r>
+            <a:r>
+              <a:rPr lang="en-US" sz="1200" kern="1200" baseline="0" dirty="0" smtClean="0">
+                <a:solidFill>
+                  <a:schemeClr val="tx1"/>
+                </a:solidFill>
+                <a:latin typeface="+mn-lt"/>
+                <a:ea typeface="+mn-ea"/>
+                <a:cs typeface="+mn-cs"/>
+              </a:rPr>
+              <a:t> </a:t>
+            </a:r>
+            <a:r>
+              <a:rPr lang="en-US" sz="1200" kern="1200" baseline="0" dirty="0" err="1" smtClean="0">
+                <a:solidFill>
+                  <a:schemeClr val="tx1"/>
+                </a:solidFill>
+                <a:latin typeface="+mn-lt"/>
+                <a:ea typeface="+mn-ea"/>
+                <a:cs typeface="+mn-cs"/>
+              </a:rPr>
+              <a:t>pode</a:t>
+            </a:r>
+            <a:r>
+              <a:rPr lang="en-US" sz="1200" kern="1200" baseline="0" dirty="0" smtClean="0">
+                <a:solidFill>
+                  <a:schemeClr val="tx1"/>
+                </a:solidFill>
+                <a:latin typeface="+mn-lt"/>
+                <a:ea typeface="+mn-ea"/>
+                <a:cs typeface="+mn-cs"/>
+              </a:rPr>
+              <a:t> </a:t>
+            </a:r>
+            <a:r>
+              <a:rPr lang="en-US" sz="1200" kern="1200" baseline="0" dirty="0" err="1" smtClean="0">
+                <a:solidFill>
+                  <a:schemeClr val="tx1"/>
+                </a:solidFill>
+                <a:latin typeface="+mn-lt"/>
+                <a:ea typeface="+mn-ea"/>
+                <a:cs typeface="+mn-cs"/>
+              </a:rPr>
+              <a:t>ler</a:t>
+            </a:r>
+            <a:r>
+              <a:rPr lang="en-US" sz="1200" kern="1200" baseline="0" dirty="0" smtClean="0">
+                <a:solidFill>
+                  <a:schemeClr val="tx1"/>
+                </a:solidFill>
+                <a:latin typeface="+mn-lt"/>
+                <a:ea typeface="+mn-ea"/>
+                <a:cs typeface="+mn-cs"/>
+              </a:rPr>
+              <a:t> o </a:t>
+            </a:r>
+            <a:r>
+              <a:rPr lang="en-US" sz="1200" kern="1200" baseline="0" dirty="0" err="1" smtClean="0">
+                <a:solidFill>
+                  <a:schemeClr val="tx1"/>
+                </a:solidFill>
+                <a:latin typeface="+mn-lt"/>
+                <a:ea typeface="+mn-ea"/>
+                <a:cs typeface="+mn-cs"/>
+              </a:rPr>
+              <a:t>seu</a:t>
+            </a:r>
+            <a:r>
+              <a:rPr lang="en-US" sz="1200" kern="1200" baseline="0" dirty="0" smtClean="0">
+                <a:solidFill>
+                  <a:schemeClr val="tx1"/>
+                </a:solidFill>
+                <a:latin typeface="+mn-lt"/>
+                <a:ea typeface="+mn-ea"/>
+                <a:cs typeface="+mn-cs"/>
+              </a:rPr>
+              <a:t> email. Imagine o </a:t>
+            </a:r>
+            <a:r>
+              <a:rPr lang="en-US" sz="1200" kern="1200" baseline="0" dirty="0" err="1" smtClean="0">
+                <a:solidFill>
+                  <a:schemeClr val="tx1"/>
+                </a:solidFill>
+                <a:latin typeface="+mn-lt"/>
+                <a:ea typeface="+mn-ea"/>
+                <a:cs typeface="+mn-cs"/>
+              </a:rPr>
+              <a:t>que</a:t>
+            </a:r>
+            <a:r>
+              <a:rPr lang="en-US" sz="1200" kern="1200" baseline="0" dirty="0" smtClean="0">
+                <a:solidFill>
+                  <a:schemeClr val="tx1"/>
+                </a:solidFill>
+                <a:latin typeface="+mn-lt"/>
+                <a:ea typeface="+mn-ea"/>
+                <a:cs typeface="+mn-cs"/>
+              </a:rPr>
+              <a:t> </a:t>
+            </a:r>
+            <a:r>
+              <a:rPr lang="en-US" sz="1200" kern="1200" baseline="0" dirty="0" err="1" smtClean="0">
+                <a:solidFill>
+                  <a:schemeClr val="tx1"/>
+                </a:solidFill>
+                <a:latin typeface="+mn-lt"/>
+                <a:ea typeface="+mn-ea"/>
+                <a:cs typeface="+mn-cs"/>
+              </a:rPr>
+              <a:t>seria</a:t>
+            </a:r>
+            <a:r>
+              <a:rPr lang="en-US" sz="1200" kern="1200" baseline="0" dirty="0" smtClean="0">
+                <a:solidFill>
+                  <a:schemeClr val="tx1"/>
+                </a:solidFill>
+                <a:latin typeface="+mn-lt"/>
+                <a:ea typeface="+mn-ea"/>
+                <a:cs typeface="+mn-cs"/>
+              </a:rPr>
+              <a:t> se o email de um </a:t>
+            </a:r>
+            <a:r>
+              <a:rPr lang="en-US" sz="1200" kern="1200" baseline="0" dirty="0" err="1" smtClean="0">
+                <a:solidFill>
+                  <a:schemeClr val="tx1"/>
+                </a:solidFill>
+                <a:latin typeface="+mn-lt"/>
+                <a:ea typeface="+mn-ea"/>
+                <a:cs typeface="+mn-cs"/>
+              </a:rPr>
+              <a:t>contrato</a:t>
+            </a:r>
+            <a:r>
+              <a:rPr lang="en-US" sz="1200" kern="1200" baseline="0" dirty="0" smtClean="0">
+                <a:solidFill>
+                  <a:schemeClr val="tx1"/>
+                </a:solidFill>
+                <a:latin typeface="+mn-lt"/>
+                <a:ea typeface="+mn-ea"/>
+                <a:cs typeface="+mn-cs"/>
+              </a:rPr>
+              <a:t> </a:t>
+            </a:r>
+            <a:r>
+              <a:rPr lang="en-US" sz="1200" kern="1200" baseline="0" dirty="0" err="1" smtClean="0">
+                <a:solidFill>
+                  <a:schemeClr val="tx1"/>
+                </a:solidFill>
+                <a:latin typeface="+mn-lt"/>
+                <a:ea typeface="+mn-ea"/>
+                <a:cs typeface="+mn-cs"/>
+              </a:rPr>
+              <a:t>ou</a:t>
+            </a:r>
+            <a:r>
+              <a:rPr lang="en-US" sz="1200" kern="1200" baseline="0" dirty="0" smtClean="0">
+                <a:solidFill>
+                  <a:schemeClr val="tx1"/>
+                </a:solidFill>
+                <a:latin typeface="+mn-lt"/>
+                <a:ea typeface="+mn-ea"/>
+                <a:cs typeface="+mn-cs"/>
+              </a:rPr>
+              <a:t> </a:t>
+            </a:r>
+            <a:r>
+              <a:rPr lang="en-US" sz="1200" kern="1200" baseline="0" dirty="0" err="1" smtClean="0">
+                <a:solidFill>
+                  <a:schemeClr val="tx1"/>
+                </a:solidFill>
+                <a:latin typeface="+mn-lt"/>
+                <a:ea typeface="+mn-ea"/>
+                <a:cs typeface="+mn-cs"/>
+              </a:rPr>
+              <a:t>promoção</a:t>
+            </a:r>
+            <a:r>
+              <a:rPr lang="en-US" sz="1200" kern="1200" baseline="0" dirty="0" smtClean="0">
+                <a:solidFill>
+                  <a:schemeClr val="tx1"/>
+                </a:solidFill>
+                <a:latin typeface="+mn-lt"/>
+                <a:ea typeface="+mn-ea"/>
+                <a:cs typeface="+mn-cs"/>
+              </a:rPr>
+              <a:t> </a:t>
+            </a:r>
+            <a:r>
+              <a:rPr lang="en-US" sz="1200" kern="1200" baseline="0" dirty="0" err="1" smtClean="0">
+                <a:solidFill>
+                  <a:schemeClr val="tx1"/>
+                </a:solidFill>
+                <a:latin typeface="+mn-lt"/>
+                <a:ea typeface="+mn-ea"/>
+                <a:cs typeface="+mn-cs"/>
+              </a:rPr>
+              <a:t>agressiva</a:t>
+            </a:r>
+            <a:r>
+              <a:rPr lang="en-US" sz="1200" kern="1200" baseline="0" dirty="0" smtClean="0">
+                <a:solidFill>
+                  <a:schemeClr val="tx1"/>
+                </a:solidFill>
+                <a:latin typeface="+mn-lt"/>
+                <a:ea typeface="+mn-ea"/>
+                <a:cs typeface="+mn-cs"/>
+              </a:rPr>
+              <a:t> do </a:t>
+            </a:r>
+            <a:r>
+              <a:rPr lang="en-US" sz="1200" kern="1200" baseline="0" dirty="0" err="1" smtClean="0">
+                <a:solidFill>
+                  <a:schemeClr val="tx1"/>
+                </a:solidFill>
+                <a:latin typeface="+mn-lt"/>
+                <a:ea typeface="+mn-ea"/>
+                <a:cs typeface="+mn-cs"/>
+              </a:rPr>
+              <a:t>pingodoce</a:t>
+            </a:r>
+            <a:r>
+              <a:rPr lang="en-US" sz="1200" kern="1200" baseline="0" dirty="0" smtClean="0">
+                <a:solidFill>
+                  <a:schemeClr val="tx1"/>
+                </a:solidFill>
+                <a:latin typeface="+mn-lt"/>
+                <a:ea typeface="+mn-ea"/>
+                <a:cs typeface="+mn-cs"/>
+              </a:rPr>
+              <a:t> </a:t>
+            </a:r>
+            <a:r>
+              <a:rPr lang="en-US" sz="1200" kern="1200" baseline="0" dirty="0" err="1" smtClean="0">
+                <a:solidFill>
+                  <a:schemeClr val="tx1"/>
+                </a:solidFill>
+                <a:latin typeface="+mn-lt"/>
+                <a:ea typeface="+mn-ea"/>
+                <a:cs typeface="+mn-cs"/>
+              </a:rPr>
+              <a:t>podesse</a:t>
+            </a:r>
+            <a:r>
+              <a:rPr lang="en-US" sz="1200" kern="1200" baseline="0" dirty="0" smtClean="0">
+                <a:solidFill>
+                  <a:schemeClr val="tx1"/>
+                </a:solidFill>
+                <a:latin typeface="+mn-lt"/>
+                <a:ea typeface="+mn-ea"/>
+                <a:cs typeface="+mn-cs"/>
+              </a:rPr>
+              <a:t> </a:t>
+            </a:r>
+            <a:r>
+              <a:rPr lang="en-US" sz="1200" kern="1200" baseline="0" dirty="0" err="1" smtClean="0">
+                <a:solidFill>
+                  <a:schemeClr val="tx1"/>
+                </a:solidFill>
+                <a:latin typeface="+mn-lt"/>
+                <a:ea typeface="+mn-ea"/>
+                <a:cs typeface="+mn-cs"/>
+              </a:rPr>
+              <a:t>ser</a:t>
+            </a:r>
+            <a:r>
+              <a:rPr lang="en-US" sz="1200" kern="1200" baseline="0" dirty="0" smtClean="0">
+                <a:solidFill>
+                  <a:schemeClr val="tx1"/>
+                </a:solidFill>
+                <a:latin typeface="+mn-lt"/>
+                <a:ea typeface="+mn-ea"/>
+                <a:cs typeface="+mn-cs"/>
+              </a:rPr>
+              <a:t> lido </a:t>
+            </a:r>
+            <a:r>
+              <a:rPr lang="en-US" sz="1200" kern="1200" baseline="0" dirty="0" err="1" smtClean="0">
+                <a:solidFill>
+                  <a:schemeClr val="tx1"/>
+                </a:solidFill>
+                <a:latin typeface="+mn-lt"/>
+                <a:ea typeface="+mn-ea"/>
+                <a:cs typeface="+mn-cs"/>
+              </a:rPr>
+              <a:t>por</a:t>
+            </a:r>
+            <a:r>
+              <a:rPr lang="en-US" sz="1200" kern="1200" baseline="0" dirty="0" smtClean="0">
+                <a:solidFill>
+                  <a:schemeClr val="tx1"/>
+                </a:solidFill>
+                <a:latin typeface="+mn-lt"/>
+                <a:ea typeface="+mn-ea"/>
+                <a:cs typeface="+mn-cs"/>
+              </a:rPr>
+              <a:t> um </a:t>
+            </a:r>
+            <a:r>
+              <a:rPr lang="en-US" sz="1200" kern="1200" baseline="0" dirty="0" err="1" smtClean="0">
+                <a:solidFill>
+                  <a:schemeClr val="tx1"/>
+                </a:solidFill>
+                <a:latin typeface="+mn-lt"/>
+                <a:ea typeface="+mn-ea"/>
+                <a:cs typeface="+mn-cs"/>
+              </a:rPr>
+              <a:t>administrador</a:t>
+            </a:r>
+            <a:r>
+              <a:rPr lang="en-US" sz="1200" kern="1200" baseline="0" dirty="0" smtClean="0">
+                <a:solidFill>
+                  <a:schemeClr val="tx1"/>
+                </a:solidFill>
+                <a:latin typeface="+mn-lt"/>
+                <a:ea typeface="+mn-ea"/>
+                <a:cs typeface="+mn-cs"/>
+              </a:rPr>
+              <a:t> do </a:t>
+            </a:r>
+            <a:r>
+              <a:rPr lang="en-US" sz="1200" kern="1200" baseline="0" dirty="0" err="1" smtClean="0">
+                <a:solidFill>
+                  <a:schemeClr val="tx1"/>
+                </a:solidFill>
+                <a:latin typeface="+mn-lt"/>
+                <a:ea typeface="+mn-ea"/>
+                <a:cs typeface="+mn-cs"/>
+              </a:rPr>
+              <a:t>continente</a:t>
+            </a:r>
+            <a:r>
+              <a:rPr lang="en-US" sz="1200" kern="1200" baseline="0" dirty="0" smtClean="0">
+                <a:solidFill>
+                  <a:schemeClr val="tx1"/>
+                </a:solidFill>
+                <a:latin typeface="+mn-lt"/>
+                <a:ea typeface="+mn-ea"/>
+                <a:cs typeface="+mn-cs"/>
+              </a:rPr>
+              <a:t>?</a:t>
             </a:r>
             <a:endParaRPr lang="pt-PT" dirty="0"/>
           </a:p>
@@ -2387,6 +4034,26 @@
           </a:bodyPr>
           <a:lstStyle/>
           <a:p>
+            <a:r>
+              <a:rPr lang="pt-PT" dirty="0" smtClean="0"/>
+              <a:t>A soluç</a:t>
+            </a:r>
+            <a:r>
+              <a:rPr lang="pt-PT" dirty="0" smtClean="0"/>
+              <a:t>ão passa</a:t>
+            </a:r>
+            <a:r>
+              <a:rPr lang="pt-PT" baseline="0" dirty="0" smtClean="0"/>
+              <a:t> por colocar esta mensagem dentro de uma espécie de cofre que só quem tem a chave pode abrir e ver o </a:t>
+            </a:r>
+            <a:r>
+              <a:rPr lang="pt-PT" baseline="0" dirty="0" err="1" smtClean="0"/>
+              <a:t>contéudo</a:t>
+            </a:r>
+            <a:r>
+              <a:rPr lang="pt-PT" baseline="0" dirty="0" smtClean="0"/>
+              <a:t>. Isto fará com que a sua concorrência não possa ver as mensagens que troca.</a:t>
+            </a:r>
             <a:endParaRPr lang="pt-PT" dirty="0"/>
           </a:p>
         </p:txBody>
@@ -2470,19 +4137,15 @@
           <a:p>
             <a:r>
               <a:rPr lang="pt-PT" dirty="0" smtClean="0"/>
-              <a:t>Podemos ver vários dados </a:t>
-            </a:r>
-            <a:r>
-              <a:rPr lang="pt-PT" dirty="0" err="1" smtClean="0"/>
-              <a:t>sensiveis</a:t>
-            </a:r>
-            <a:r>
-              <a:rPr lang="pt-PT" dirty="0" smtClean="0"/>
-              <a:t> num email bastante simples. Este</a:t>
+              <a:t>Ao proteger as</a:t>
             </a:r>
             <a:r>
               <a:rPr lang="pt-PT" baseline="0" dirty="0" smtClean="0"/>
-              <a:t> email tem de ser protegido.</a:t>
+              <a:t> suas mensagens pode continuar a utilizar esta forma eficiente de comunicaç</a:t>
+            </a:r>
+            <a:r>
+              <a:rPr lang="pt-PT" baseline="0" dirty="0" smtClean="0"/>
+              <a:t>ão protegendo o seu negócio dos olhares da concorrência.</a:t>
             </a:r>
             <a:endParaRPr lang="pt-PT" dirty="0"/>
           </a:p>
@@ -2567,11 +4230,31 @@
           <a:p>
             <a:r>
               <a:rPr lang="pt-PT" dirty="0" smtClean="0"/>
-              <a:t>É essencial saber a origem</a:t>
+              <a:t>A sua soluç</a:t>
+            </a:r>
+            <a:r>
+              <a:rPr lang="pt-PT" dirty="0" smtClean="0"/>
+              <a:t>ão é o AISS</a:t>
             </a:r>
             <a:r>
               <a:rPr lang="pt-PT" baseline="0" dirty="0" smtClean="0"/>
-              <a:t> do email: o cartão de cidadão permite-nos assinar os documentos como se fossem reais.</a:t>
+              <a:t> </a:t>
+            </a:r>
+            <a:r>
+              <a:rPr lang="pt-PT" baseline="0" dirty="0" err="1" smtClean="0"/>
+              <a:t>Secure</a:t>
+            </a:r>
+            <a:r>
+              <a:rPr lang="pt-PT" baseline="0" dirty="0" smtClean="0"/>
+              <a:t> </a:t>
+            </a:r>
+            <a:r>
+              <a:rPr lang="pt-PT" baseline="0" dirty="0" err="1" smtClean="0"/>
+              <a:t>Mail</a:t>
+            </a:r>
+            <a:r>
+              <a:rPr lang="pt-PT" baseline="0" dirty="0" smtClean="0"/>
+              <a:t>. Vamos ver como funciona:</a:t>
             </a:r>
             <a:endParaRPr lang="pt-PT" dirty="0"/>
           </a:p>
@@ -2656,11 +4339,23 @@
           <a:p>
             <a:r>
               <a:rPr lang="pt-PT" dirty="0" smtClean="0"/>
-              <a:t>É importante validar</a:t>
+              <a:t>Podemos ver vários dados </a:t>
+            </a:r>
+            <a:r>
+              <a:rPr lang="pt-PT" dirty="0" err="1" smtClean="0"/>
+              <a:t>sensiveis</a:t>
+            </a:r>
+            <a:r>
+              <a:rPr lang="pt-PT" dirty="0" smtClean="0"/>
+              <a:t> num email bastante simples. </a:t>
+            </a:r>
+            <a:r>
+              <a:rPr lang="pt-PT" dirty="0" smtClean="0"/>
+              <a:t>Vamos</a:t>
             </a:r>
             <a:r>
               <a:rPr lang="pt-PT" baseline="0" dirty="0" smtClean="0"/>
-              <a:t> quando é que o email foi enviado e ter a certeza disso</a:t>
+              <a:t> usar uma chave para cifrar os seus dados. Esta chave mistura os dados de forma a que apenas quem tem a chave os pode ler.</a:t>
             </a:r>
             <a:endParaRPr lang="pt-PT" dirty="0"/>
           </a:p>
@@ -2745,31 +4440,59 @@
           <a:p>
             <a:r>
               <a:rPr lang="pt-PT" dirty="0" smtClean="0"/>
-              <a:t>A nossa aplicação garante tudo</a:t>
+              <a:t>É essencial saber a origem</a:t>
             </a:r>
             <a:r>
               <a:rPr lang="pt-PT" baseline="0" dirty="0" smtClean="0"/>
-              <a:t> isto com uma interface simples e que além de suportar email permite a troca de dados seguros por outras plataformas como o drive, </a:t>
+              <a:t> do </a:t>
+            </a:r>
+            <a:r>
+              <a:rPr lang="pt-PT" baseline="0" dirty="0" smtClean="0"/>
+              <a:t>email. Por exemplo, um documento oficial enviado pelo presidente da </a:t>
             </a:r>
             <a:r>
               <a:rPr lang="pt-PT" baseline="0" dirty="0" err="1" smtClean="0"/>
-              <a:t>dropbox</a:t>
+              <a:t>r</a:t>
+            </a:r>
+            <a:r>
+              <a:rPr lang="pt-PT" baseline="0" dirty="0" err="1" smtClean="0"/>
+              <a:t>épublica</a:t>
             </a:r>
             <a:r>
               <a:rPr lang="pt-PT" baseline="0" dirty="0" smtClean="0"/>
-              <a:t>, </a:t>
+              <a:t> é sempre assinado para assegurar que foi ele que enviou e não se trata de mera piada do Ricardo </a:t>
             </a:r>
             <a:r>
               <a:rPr lang="pt-PT" baseline="0" dirty="0" err="1" smtClean="0"/>
-              <a:t>mail</a:t>
+              <a:t>Araujo</a:t>
             </a:r>
             <a:r>
               <a:rPr lang="pt-PT" baseline="0" dirty="0" smtClean="0"/>
-              <a:t>, </a:t>
-            </a:r>
-            <a:r>
-              <a:rPr lang="pt-PT" baseline="0" dirty="0" err="1" smtClean="0"/>
-              <a:t>etc</a:t>
+              <a:t> Pereira. Sabia que</a:t>
+            </a:r>
+            <a:r>
+              <a:rPr lang="pt-PT" baseline="0" dirty="0" smtClean="0"/>
+              <a:t> </a:t>
+            </a:r>
+            <a:r>
+              <a:rPr lang="pt-PT" baseline="0" dirty="0" smtClean="0"/>
+              <a:t>o cartão de cidadão permite-nos assinar os </a:t>
+            </a:r>
+            <a:r>
+              <a:rPr lang="pt-PT" baseline="0" dirty="0" smtClean="0"/>
+              <a:t>documentos virtuais </a:t>
+            </a:r>
+            <a:r>
+              <a:rPr lang="pt-PT" baseline="0" dirty="0" smtClean="0"/>
+              <a:t>como se fossem </a:t>
+            </a:r>
+            <a:r>
+              <a:rPr lang="pt-PT" baseline="0" dirty="0" smtClean="0"/>
+              <a:t>reais? A nossa soluç</a:t>
+            </a:r>
+            <a:r>
+              <a:rPr lang="pt-PT" baseline="0" dirty="0" smtClean="0"/>
+              <a:t>ão apenas exige que o remetente coloque o cartão de cidadão no leitor e insira o seu PIN de autenticação.</a:t>
             </a:r>
             <a:endParaRPr lang="pt-PT" dirty="0"/>
           </a:p>
@@ -2854,31 +4577,19 @@
           <a:p>
             <a:r>
               <a:rPr lang="pt-PT" dirty="0" smtClean="0"/>
-              <a:t>A nossa aplicação garante tudo</a:t>
+              <a:t>É importante validar</a:t>
             </a:r>
             <a:r>
               <a:rPr lang="pt-PT" baseline="0" dirty="0" smtClean="0"/>
-              <a:t> isto com uma interface simples e que além de suportar email permite a troca de dados seguros por outras plataformas como o drive, </a:t>
-            </a:r>
-            <a:r>
-              <a:rPr lang="pt-PT" baseline="0" dirty="0" err="1" smtClean="0"/>
-              <a:t>dropbox</a:t>
+              <a:t> quando é que o email foi enviado e ter a certeza </a:t>
             </a:r>
             <a:r>
               <a:rPr lang="pt-PT" baseline="0" dirty="0" smtClean="0"/>
-              <a:t>, </a:t>
-            </a:r>
-            <a:r>
-              <a:rPr lang="pt-PT" baseline="0" dirty="0" err="1" smtClean="0"/>
-              <a:t>mail</a:t>
+              <a:t>disso. Se a sua empresa disser a um cliente que ele tem de pagar at</a:t>
             </a:r>
             <a:r>
               <a:rPr lang="pt-PT" baseline="0" dirty="0" smtClean="0"/>
-              <a:t>, </a:t>
-            </a:r>
-            <a:r>
-              <a:rPr lang="pt-PT" baseline="0" dirty="0" err="1" smtClean="0"/>
-              <a:t>etc</a:t>
+              <a:t>é amanhã, você vai querer comprovar que o enviou este email nesta data. Para isso contacta o nosso servidor seguro e o nosso servidor seguro carimba a hora a que a mensagem foi envida. Isto permite ao receptor ter garantias  de quando é que a mensagem foi gerada.</a:t>
             </a:r>
             <a:endParaRPr lang="pt-PT" dirty="0"/>
           </a:p>
@@ -3096,7 +4807,7 @@
           <a:p>
             <a:fld id="{57B42C33-29DD-4485-B67B-B8B56C87297E}" type="datetimeFigureOut">
               <a:rPr lang="pt-PT" smtClean="0"/>
-              <a:t>5/15/13</a:t>
+              <a:t>5/27/13</a:t>
             </a:fld>
             <a:endParaRPr lang="pt-PT"/>
           </a:p>
@@ -3261,7 +4972,7 @@
           <a:p>
             <a:fld id="{57B42C33-29DD-4485-B67B-B8B56C87297E}" type="datetimeFigureOut">
               <a:rPr lang="pt-PT" smtClean="0"/>
-              <a:t>5/15/13</a:t>
+              <a:t>5/27/13</a:t>
             </a:fld>
             <a:endParaRPr lang="pt-PT"/>
           </a:p>
@@ -3436,7 +5147,7 @@
           <a:p>
             <a:fld id="{57B42C33-29DD-4485-B67B-B8B56C87297E}" type="datetimeFigureOut">
               <a:rPr lang="pt-PT" smtClean="0"/>
-              <a:t>5/15/13</a:t>
+              <a:t>5/27/13</a:t>
             </a:fld>
             <a:endParaRPr lang="pt-PT"/>
           </a:p>
@@ -3601,7 +5312,7 @@
           <a:p>
             <a:fld id="{57B42C33-29DD-4485-B67B-B8B56C87297E}" type="datetimeFigureOut">
               <a:rPr lang="pt-PT" smtClean="0"/>
-              <a:t>5/15/13</a:t>
+              <a:t>5/27/13</a:t>
             </a:fld>
             <a:endParaRPr lang="pt-PT"/>
           </a:p>
@@ -3842,7 +5553,7 @@
           <a:p>
             <a:fld id="{57B42C33-29DD-4485-B67B-B8B56C87297E}" type="datetimeFigureOut">
               <a:rPr lang="pt-PT" smtClean="0"/>
-              <a:t>5/15/13</a:t>
+              <a:t>5/27/13</a:t>
             </a:fld>
             <a:endParaRPr lang="pt-PT"/>
           </a:p>
@@ -4125,7 +5836,7 @@
           <a:p>
             <a:fld id="{57B42C33-29DD-4485-B67B-B8B56C87297E}" type="datetimeFigureOut">
               <a:rPr lang="pt-PT" smtClean="0"/>
-              <a:t>5/15/13</a:t>
+              <a:t>5/27/13</a:t>
             </a:fld>
             <a:endParaRPr lang="pt-PT"/>
           </a:p>
@@ -4542,7 +6253,7 @@
           <a:p>
             <a:fld id="{57B42C33-29DD-4485-B67B-B8B56C87297E}" type="datetimeFigureOut">
               <a:rPr lang="pt-PT" smtClean="0"/>
-              <a:t>5/15/13</a:t>
+              <a:t>5/27/13</a:t>
             </a:fld>
             <a:endParaRPr lang="pt-PT"/>
           </a:p>
@@ -4655,7 +6366,7 @@
           <a:p>
             <a:fld id="{57B42C33-29DD-4485-B67B-B8B56C87297E}" type="datetimeFigureOut">
               <a:rPr lang="pt-PT" smtClean="0"/>
-              <a:t>5/15/13</a:t>
+              <a:t>5/27/13</a:t>
             </a:fld>
             <a:endParaRPr lang="pt-PT"/>
           </a:p>
@@ -4745,7 +6456,7 @@
           <a:p>
             <a:fld id="{57B42C33-29DD-4485-B67B-B8B56C87297E}" type="datetimeFigureOut">
               <a:rPr lang="pt-PT" smtClean="0"/>
-              <a:t>5/15/13</a:t>
+              <a:t>5/27/13</a:t>
             </a:fld>
             <a:endParaRPr lang="pt-PT"/>
           </a:p>
@@ -5017,7 +6728,7 @@
           <a:p>
             <a:fld id="{57B42C33-29DD-4485-B67B-B8B56C87297E}" type="datetimeFigureOut">
               <a:rPr lang="pt-PT" smtClean="0"/>
-              <a:t>5/15/13</a:t>
+              <a:t>5/27/13</a:t>
             </a:fld>
             <a:endParaRPr lang="pt-PT"/>
           </a:p>
@@ -5265,7 +6976,7 @@
           <a:p>
             <a:fld id="{57B42C33-29DD-4485-B67B-B8B56C87297E}" type="datetimeFigureOut">
               <a:rPr lang="pt-PT" smtClean="0"/>
-              <a:t>5/15/13</a:t>
+              <a:t>5/27/13</a:t>
             </a:fld>
             <a:endParaRPr lang="pt-PT"/>
           </a:p>
@@ -5473,7 +7184,7 @@
           <a:p>
             <a:fld id="{57B42C33-29DD-4485-B67B-B8B56C87297E}" type="datetimeFigureOut">
               <a:rPr lang="pt-PT" smtClean="0"/>
-              <a:t>5/15/13</a:t>
+              <a:t>5/27/13</a:t>
             </a:fld>
             <a:endParaRPr lang="pt-PT"/>
           </a:p>
@@ -5972,7 +7683,35 @@
                 <a:ea typeface="Times New Roman"/>
                 <a:cs typeface="Times New Roman"/>
               </a:rPr>
-              <a:t> Email Exchange</a:t>
+              <a:t> </a:t>
+            </a:r>
+            <a:r>
+              <a:rPr lang="pt-PT" sz="4400" b="1" kern="0" dirty="0" err="1" smtClean="0">
+                <a:solidFill>
+                  <a:schemeClr val="tx2">
+                    <a:lumMod val="60000"/>
+                    <a:lumOff val="40000"/>
+                  </a:schemeClr>
+                </a:solidFill>
+                <a:latin typeface="Hobo Std"/>
+                <a:ea typeface="Times New Roman"/>
+                <a:cs typeface="Times New Roman"/>
+              </a:rPr>
+              <a:t>Message</a:t>
+            </a:r>
+            <a:r>
+              <a:rPr lang="pt-PT" sz="4400" b="1" kern="0" dirty="0" smtClean="0">
+                <a:solidFill>
+                  <a:schemeClr val="tx2">
+                    <a:lumMod val="60000"/>
+                    <a:lumOff val="40000"/>
+                  </a:schemeClr>
+                </a:solidFill>
+                <a:latin typeface="Hobo Std"/>
+                <a:ea typeface="Times New Roman"/>
+                <a:cs typeface="Times New Roman"/>
+              </a:rPr>
+              <a:t> Exchange</a:t>
             </a:r>
             <a:endParaRPr lang="pt-PT" sz="5400" b="1" kern="0" dirty="0">
               <a:solidFill>
@@ -6191,6 +7930,36 @@
           </p:txBody>
         </p:sp>
       </p:grpSp>
+      <p:pic>
+        <p:nvPicPr>
+          <p:cNvPr id="3" name="Picture 2" descr="mail.jpg"/>
+          <p:cNvPicPr>
+            <a:picLocks noChangeAspect="1"/>
+          </p:cNvPicPr>
+          <p:nvPr/>
+        </p:nvPicPr>
+        <p:blipFill>
+          <a:blip r:embed="rId4">
+            <a:extLst>
+              <a:ext uri="{28A0092B-C50C-407E-A947-70E740481C1C}">
+                <a14:useLocalDpi xmlns:a14="http://schemas.microsoft.com/office/drawing/2010/main" val="0"/>
+              </a:ext>
+            </a:extLst>
+          </a:blip>
+          <a:stretch>
+            <a:fillRect/>
+          </a:stretch>
+        </p:blipFill>
+        <p:spPr>
+          <a:xfrm>
+            <a:off x="6876256" y="4313925"/>
+            <a:ext cx="1851379" cy="1851379"/>
+          </a:xfrm>
+          <a:prstGeom prst="rect">
+            <a:avLst/>
+          </a:prstGeom>
+        </p:spPr>
+      </p:pic>
     </p:spTree>
   </p:cSld>
   <p:clrMapOvr>
@@ -6290,7 +8059,7 @@
             <a:lstStyle/>
             <a:p>
               <a:r>
-                <a:rPr lang="pt-PT" sz="3600" dirty="0" smtClean="0">
+                <a:rPr lang="pt-PT" sz="3600" dirty="0">
                   <a:solidFill>
                     <a:schemeClr val="bg1"/>
                   </a:solidFill>
@@ -6346,13 +8115,13 @@
       </p:grpSp>
       <p:sp>
         <p:nvSpPr>
-          <p:cNvPr id="11" name="TextBox 10"/>
+          <p:cNvPr id="2" name="TextBox 1"/>
           <p:cNvSpPr txBox="1"/>
           <p:nvPr/>
         </p:nvSpPr>
         <p:spPr>
           <a:xfrm>
-            <a:off x="467544" y="2225863"/>
+            <a:off x="467544" y="1916832"/>
             <a:ext cx="8136904" cy="2246769"/>
           </a:xfrm>
           <a:prstGeom prst="rect">
@@ -6366,24 +8135,607 @@
           </a:bodyPr>
           <a:lstStyle/>
           <a:p>
-            <a:pPr algn="ctr">
+            <a:r>
+              <a:rPr lang="en-US" sz="2800" dirty="0" smtClean="0"/>
+              <a:t>Provides:</a:t>
+            </a:r>
+          </a:p>
+          <a:p>
+            <a:pPr marL="457200" indent="-457200">
+              <a:buFont typeface="Arial"/>
+              <a:buChar char="•"/>
+            </a:pPr>
+            <a:r>
+              <a:rPr lang="en-US" sz="2800" b="1" dirty="0" smtClean="0"/>
+              <a:t>Cipher</a:t>
+            </a:r>
+          </a:p>
+          <a:p>
+            <a:pPr marL="457200" indent="-457200">
+              <a:buFont typeface="Arial"/>
+              <a:buChar char="•"/>
+            </a:pPr>
+            <a:r>
+              <a:rPr lang="en-US" sz="2800" b="1" dirty="0" smtClean="0"/>
+              <a:t>Secure Time Stamp</a:t>
+            </a:r>
+          </a:p>
+          <a:p>
+            <a:pPr marL="457200" indent="-457200">
+              <a:buFont typeface="Arial"/>
+              <a:buChar char="•"/>
+            </a:pPr>
+            <a:r>
+              <a:rPr lang="en-US" sz="2800" b="1" dirty="0" smtClean="0"/>
+              <a:t>Signature</a:t>
+            </a:r>
+          </a:p>
+          <a:p>
+            <a:endParaRPr lang="en-US" sz="2800" b="1" dirty="0"/>
+          </a:p>
+        </p:txBody>
+      </p:sp>
+      <p:pic>
+        <p:nvPicPr>
+          <p:cNvPr id="9" name="Picture 8" descr="email.png"/>
+          <p:cNvPicPr>
+            <a:picLocks noChangeAspect="1"/>
+          </p:cNvPicPr>
+          <p:nvPr/>
+        </p:nvPicPr>
+        <p:blipFill>
+          <a:blip r:embed="rId4">
+            <a:extLst>
+              <a:ext uri="{28A0092B-C50C-407E-A947-70E740481C1C}">
+                <a14:useLocalDpi xmlns:a14="http://schemas.microsoft.com/office/drawing/2010/main" val="0"/>
+              </a:ext>
+            </a:extLst>
+          </a:blip>
+          <a:stretch>
+            <a:fillRect/>
+          </a:stretch>
+        </p:blipFill>
+        <p:spPr>
+          <a:xfrm>
+            <a:off x="6305262" y="1340768"/>
+            <a:ext cx="1363081" cy="1512168"/>
+          </a:xfrm>
+          <a:prstGeom prst="rect">
+            <a:avLst/>
+          </a:prstGeom>
+        </p:spPr>
+      </p:pic>
+      <p:pic>
+        <p:nvPicPr>
+          <p:cNvPr id="5" name="Picture 4"/>
+          <p:cNvPicPr>
+            <a:picLocks noChangeAspect="1"/>
+          </p:cNvPicPr>
+          <p:nvPr/>
+        </p:nvPicPr>
+        <p:blipFill>
+          <a:blip r:embed="rId5"/>
+          <a:stretch>
+            <a:fillRect/>
+          </a:stretch>
+        </p:blipFill>
+        <p:spPr>
+          <a:xfrm>
+            <a:off x="5076056" y="4797152"/>
+            <a:ext cx="3707904" cy="1256980"/>
+          </a:xfrm>
+          <a:prstGeom prst="rect">
+            <a:avLst/>
+          </a:prstGeom>
+        </p:spPr>
+      </p:pic>
+      <p:pic>
+        <p:nvPicPr>
+          <p:cNvPr id="6" name="Picture 5"/>
+          <p:cNvPicPr>
+            <a:picLocks noChangeAspect="1"/>
+          </p:cNvPicPr>
+          <p:nvPr/>
+        </p:nvPicPr>
+        <p:blipFill>
+          <a:blip r:embed="rId6"/>
+          <a:stretch>
+            <a:fillRect/>
+          </a:stretch>
+        </p:blipFill>
+        <p:spPr>
+          <a:xfrm>
+            <a:off x="6156176" y="3356992"/>
+            <a:ext cx="1661723" cy="1296144"/>
+          </a:xfrm>
+          <a:prstGeom prst="rect">
+            <a:avLst/>
+          </a:prstGeom>
+        </p:spPr>
+      </p:pic>
+      <p:pic>
+        <p:nvPicPr>
+          <p:cNvPr id="7" name="Picture 6"/>
+          <p:cNvPicPr>
+            <a:picLocks noChangeAspect="1"/>
+          </p:cNvPicPr>
+          <p:nvPr/>
+        </p:nvPicPr>
+        <p:blipFill>
+          <a:blip r:embed="rId7"/>
+          <a:stretch>
+            <a:fillRect/>
+          </a:stretch>
+        </p:blipFill>
+        <p:spPr>
+          <a:xfrm>
+            <a:off x="2987824" y="4653136"/>
+            <a:ext cx="1584176" cy="1584176"/>
+          </a:xfrm>
+          <a:prstGeom prst="rect">
+            <a:avLst/>
+          </a:prstGeom>
+        </p:spPr>
+      </p:pic>
+      <p:sp>
+        <p:nvSpPr>
+          <p:cNvPr id="8" name="TextBox 7"/>
+          <p:cNvSpPr txBox="1"/>
+          <p:nvPr/>
+        </p:nvSpPr>
+        <p:spPr>
+          <a:xfrm>
+            <a:off x="755576" y="5229200"/>
+            <a:ext cx="2304256" cy="584776"/>
+          </a:xfrm>
+          <a:prstGeom prst="rect">
+            <a:avLst/>
+          </a:prstGeom>
+          <a:noFill/>
+        </p:spPr>
+        <p:txBody>
+          <a:bodyPr wrap="square" rtlCol="0">
+            <a:spAutoFit/>
+          </a:bodyPr>
+          <a:lstStyle/>
+          <a:p>
+            <a:r>
+              <a:rPr lang="en-US" sz="3200" b="1" i="1" dirty="0" smtClean="0"/>
+              <a:t>Thunderbird</a:t>
+            </a:r>
+            <a:endParaRPr lang="en-US" sz="3200" b="1" i="1" dirty="0"/>
+          </a:p>
+        </p:txBody>
+      </p:sp>
+      <p:pic>
+        <p:nvPicPr>
+          <p:cNvPr id="12" name="Picture 11" descr="istlogo.png"/>
+          <p:cNvPicPr>
+            <a:picLocks noChangeAspect="1"/>
+          </p:cNvPicPr>
+          <p:nvPr/>
+        </p:nvPicPr>
+        <p:blipFill>
+          <a:blip r:embed="rId8">
+            <a:extLst>
+              <a:ext uri="{28A0092B-C50C-407E-A947-70E740481C1C}">
+                <a14:useLocalDpi xmlns:a14="http://schemas.microsoft.com/office/drawing/2010/main" val="0"/>
+              </a:ext>
+            </a:extLst>
+          </a:blip>
+          <a:stretch>
+            <a:fillRect/>
+          </a:stretch>
+        </p:blipFill>
+        <p:spPr>
+          <a:xfrm>
+            <a:off x="6660232" y="188640"/>
+            <a:ext cx="2304256" cy="911214"/>
+          </a:xfrm>
+          <a:prstGeom prst="rect">
+            <a:avLst/>
+          </a:prstGeom>
+        </p:spPr>
+      </p:pic>
+      <p:grpSp>
+        <p:nvGrpSpPr>
+          <p:cNvPr id="13" name="Group 12"/>
+          <p:cNvGrpSpPr/>
+          <p:nvPr/>
+        </p:nvGrpSpPr>
+        <p:grpSpPr>
+          <a:xfrm>
+            <a:off x="0" y="6309320"/>
+            <a:ext cx="9144000" cy="548680"/>
+            <a:chOff x="0" y="6309320"/>
+            <a:chExt cx="9144000" cy="548680"/>
+          </a:xfrm>
+        </p:grpSpPr>
+        <p:sp>
+          <p:nvSpPr>
+            <p:cNvPr id="14" name="Rectangle 13"/>
+            <p:cNvSpPr/>
+            <p:nvPr/>
+          </p:nvSpPr>
+          <p:spPr>
+            <a:xfrm>
+              <a:off x="0" y="6309320"/>
+              <a:ext cx="9144000" cy="548680"/>
+            </a:xfrm>
+            <a:prstGeom prst="rect">
+              <a:avLst/>
+            </a:prstGeom>
+          </p:spPr>
+          <p:style>
+            <a:lnRef idx="1">
+              <a:schemeClr val="accent1"/>
+            </a:lnRef>
+            <a:fillRef idx="3">
+              <a:schemeClr val="accent1"/>
+            </a:fillRef>
+            <a:effectRef idx="2">
+              <a:schemeClr val="accent1"/>
+            </a:effectRef>
+            <a:fontRef idx="minor">
+              <a:schemeClr val="lt1"/>
+            </a:fontRef>
+          </p:style>
+          <p:txBody>
+            <a:bodyPr rtlCol="0" anchor="ctr"/>
+            <a:lstStyle/>
+            <a:p>
+              <a:pPr algn="ctr"/>
+              <a:endParaRPr lang="en-US"/>
+            </a:p>
+          </p:txBody>
+        </p:sp>
+        <p:sp>
+          <p:nvSpPr>
+            <p:cNvPr id="15" name="TextBox 14"/>
+            <p:cNvSpPr txBox="1"/>
+            <p:nvPr/>
+          </p:nvSpPr>
+          <p:spPr>
+            <a:xfrm>
+              <a:off x="251520" y="6381328"/>
+              <a:ext cx="3960440" cy="400110"/>
+            </a:xfrm>
+            <a:prstGeom prst="rect">
+              <a:avLst/>
+            </a:prstGeom>
+            <a:noFill/>
+          </p:spPr>
+          <p:txBody>
+            <a:bodyPr wrap="square" rtlCol="0">
+              <a:spAutoFit/>
+            </a:bodyPr>
+            <a:lstStyle/>
+            <a:p>
+              <a:r>
+                <a:rPr lang="en-US" sz="2000" b="1" dirty="0" smtClean="0">
+                  <a:solidFill>
+                    <a:schemeClr val="bg1"/>
+                  </a:solidFill>
+                </a:rPr>
+                <a:t>AISS Secure Mail</a:t>
+              </a:r>
+              <a:endParaRPr lang="en-US" sz="2000" b="1" dirty="0">
+                <a:solidFill>
+                  <a:schemeClr val="bg1"/>
+                </a:solidFill>
+              </a:endParaRPr>
+            </a:p>
+          </p:txBody>
+        </p:sp>
+        <p:sp>
+          <p:nvSpPr>
+            <p:cNvPr id="16" name="TextBox 15"/>
+            <p:cNvSpPr txBox="1"/>
+            <p:nvPr/>
+          </p:nvSpPr>
+          <p:spPr>
+            <a:xfrm>
+              <a:off x="4716016" y="6381328"/>
+              <a:ext cx="3960440" cy="400110"/>
+            </a:xfrm>
+            <a:prstGeom prst="rect">
+              <a:avLst/>
+            </a:prstGeom>
+            <a:noFill/>
+          </p:spPr>
+          <p:txBody>
+            <a:bodyPr wrap="square" rtlCol="0">
+              <a:spAutoFit/>
+            </a:bodyPr>
+            <a:lstStyle/>
+            <a:p>
+              <a:pPr algn="r"/>
+              <a:r>
+                <a:rPr lang="en-US" sz="2000" b="1" dirty="0" err="1" smtClean="0">
+                  <a:solidFill>
+                    <a:srgbClr val="FFFFFF"/>
+                  </a:solidFill>
+                </a:rPr>
+                <a:t>Gonçalo</a:t>
+              </a:r>
+              <a:r>
+                <a:rPr lang="en-US" sz="2000" b="1" dirty="0" smtClean="0">
+                  <a:solidFill>
+                    <a:srgbClr val="FFFFFF"/>
+                  </a:solidFill>
+                </a:rPr>
+                <a:t> </a:t>
+              </a:r>
+              <a:r>
+                <a:rPr lang="en-US" sz="2000" b="1" dirty="0" err="1" smtClean="0">
+                  <a:solidFill>
+                    <a:srgbClr val="FFFFFF"/>
+                  </a:solidFill>
+                </a:rPr>
+                <a:t>Carito</a:t>
+              </a:r>
+              <a:r>
+                <a:rPr lang="en-US" sz="2000" b="1" dirty="0" smtClean="0">
+                  <a:solidFill>
+                    <a:srgbClr val="FFFFFF"/>
+                  </a:solidFill>
+                </a:rPr>
+                <a:t>, Dário Nascimento</a:t>
+              </a:r>
+              <a:endParaRPr lang="en-US" sz="2000" b="1" dirty="0">
+                <a:solidFill>
+                  <a:srgbClr val="FFFFFF"/>
+                </a:solidFill>
+              </a:endParaRPr>
+            </a:p>
+          </p:txBody>
+        </p:sp>
+      </p:grpSp>
+    </p:spTree>
+    <p:extLst>
+      <p:ext uri="{BB962C8B-B14F-4D97-AF65-F5344CB8AC3E}">
+        <p14:creationId xmlns:p14="http://schemas.microsoft.com/office/powerpoint/2010/main" val="607937279"/>
+      </p:ext>
+    </p:extLst>
+  </p:cSld>
+  <p:clrMapOvr>
+    <a:masterClrMapping/>
+  </p:clrMapOvr>
+  <p:timing>
+    <p:tnLst>
+      <p:par>
+        <p:cTn xmlns:p14="http://schemas.microsoft.com/office/powerpoint/2010/main" id="1" dur="indefinite" restart="never" nodeType="tmRoot"/>
+      </p:par>
+    </p:tnLst>
+  </p:timing>
+</p:sld>
+</file>
+
+<file path=ppt/slides/slide11.xml><?xml version="1.0" encoding="utf-8"?>
+<p:sld xmlns:a="http://schemas.openxmlformats.org/drawingml/2006/main" xmlns:r="http://schemas.openxmlformats.org/officeDocument/2006/relationships" xmlns:p="http://schemas.openxmlformats.org/presentationml/2006/main">
+  <p:cSld>
+    <p:spTree>
+      <p:nvGrpSpPr>
+        <p:cNvPr id="1" name=""/>
+        <p:cNvGrpSpPr/>
+        <p:nvPr/>
+      </p:nvGrpSpPr>
+      <p:grpSpPr>
+        <a:xfrm>
+          <a:off x="0" y="0"/>
+          <a:ext cx="0" cy="0"/>
+          <a:chOff x="0" y="0"/>
+          <a:chExt cx="0" cy="0"/>
+        </a:xfrm>
+      </p:grpSpPr>
+      <p:grpSp>
+        <p:nvGrpSpPr>
+          <p:cNvPr id="4" name="Group 3"/>
+          <p:cNvGrpSpPr/>
+          <p:nvPr/>
+        </p:nvGrpSpPr>
+        <p:grpSpPr>
+          <a:xfrm>
+            <a:off x="31643" y="44685"/>
+            <a:ext cx="6412565" cy="1152067"/>
+            <a:chOff x="31643" y="1340829"/>
+            <a:chExt cx="6412565" cy="1152067"/>
+          </a:xfrm>
+        </p:grpSpPr>
+        <p:pic>
+          <p:nvPicPr>
+            <p:cNvPr id="3" name="Picture 2" descr="logo.png"/>
+            <p:cNvPicPr>
+              <a:picLocks noChangeAspect="1"/>
+            </p:cNvPicPr>
+            <p:nvPr/>
+          </p:nvPicPr>
+          <p:blipFill>
+            <a:blip r:embed="rId3">
+              <a:extLst>
+                <a:ext uri="{28A0092B-C50C-407E-A947-70E740481C1C}">
+                  <a14:useLocalDpi xmlns:a14="http://schemas.microsoft.com/office/drawing/2010/main" val="0"/>
+                </a:ext>
+              </a:extLst>
+            </a:blip>
+            <a:stretch>
+              <a:fillRect/>
+            </a:stretch>
+          </p:blipFill>
+          <p:spPr>
+            <a:xfrm>
+              <a:off x="31643" y="1340829"/>
+              <a:ext cx="6412565" cy="1152067"/>
+            </a:xfrm>
+            <a:prstGeom prst="rect">
+              <a:avLst/>
+            </a:prstGeom>
+          </p:spPr>
+        </p:pic>
+        <p:sp>
+          <p:nvSpPr>
+            <p:cNvPr id="23" name="CaixaDeTexto 22"/>
+            <p:cNvSpPr txBox="1"/>
+            <p:nvPr/>
+          </p:nvSpPr>
+          <p:spPr>
+            <a:xfrm>
+              <a:off x="827584" y="1556792"/>
+              <a:ext cx="5472608" cy="646331"/>
+            </a:xfrm>
+            <a:prstGeom prst="rect">
+              <a:avLst/>
+            </a:prstGeom>
+            <a:noFill/>
+          </p:spPr>
+          <p:txBody>
+            <a:bodyPr wrap="square" rtlCol="0">
+              <a:spAutoFit/>
+            </a:bodyPr>
+            <a:lstStyle/>
+            <a:p>
+              <a:r>
+                <a:rPr lang="pt-PT" sz="3600" dirty="0">
+                  <a:solidFill>
+                    <a:schemeClr val="bg1"/>
+                  </a:solidFill>
+                  <a:latin typeface="Berlin Sans FB"/>
+                </a:rPr>
+                <a:t> </a:t>
+              </a:r>
+              <a:r>
+                <a:rPr lang="pt-PT" sz="3600" dirty="0" smtClean="0">
+                  <a:solidFill>
+                    <a:schemeClr val="bg1"/>
+                  </a:solidFill>
+                  <a:latin typeface="Berlin Sans FB"/>
+                </a:rPr>
+                <a:t>AISS </a:t>
+              </a:r>
+              <a:r>
+                <a:rPr lang="pt-PT" sz="3600" dirty="0" err="1" smtClean="0">
+                  <a:solidFill>
+                    <a:schemeClr val="bg1"/>
+                  </a:solidFill>
+                  <a:latin typeface="Berlin Sans FB"/>
+                </a:rPr>
+                <a:t>Secure</a:t>
+              </a:r>
+              <a:r>
+                <a:rPr lang="pt-PT" sz="3600" dirty="0" smtClean="0">
+                  <a:solidFill>
+                    <a:schemeClr val="bg1"/>
+                  </a:solidFill>
+                  <a:latin typeface="Berlin Sans FB"/>
+                </a:rPr>
+                <a:t> </a:t>
+              </a:r>
+              <a:r>
+                <a:rPr lang="pt-PT" sz="3600" dirty="0" err="1" smtClean="0">
+                  <a:solidFill>
+                    <a:schemeClr val="bg1"/>
+                  </a:solidFill>
+                  <a:latin typeface="Berlin Sans FB"/>
+                </a:rPr>
+                <a:t>Mail</a:t>
+              </a:r>
+              <a:endParaRPr lang="pt-PT" sz="3600" dirty="0" smtClean="0">
+                <a:solidFill>
+                  <a:schemeClr val="bg1"/>
+                </a:solidFill>
+                <a:latin typeface="Berlin Sans FB"/>
+              </a:endParaRPr>
+            </a:p>
+          </p:txBody>
+        </p:sp>
+      </p:grpSp>
+      <p:sp>
+        <p:nvSpPr>
+          <p:cNvPr id="11" name="TextBox 10"/>
+          <p:cNvSpPr txBox="1"/>
+          <p:nvPr/>
+        </p:nvSpPr>
+        <p:spPr>
+          <a:xfrm>
+            <a:off x="467544" y="1556792"/>
+            <a:ext cx="8136904" cy="3288079"/>
+          </a:xfrm>
+          <a:prstGeom prst="rect">
+            <a:avLst/>
+          </a:prstGeom>
+          <a:noFill/>
+        </p:spPr>
+        <p:txBody>
+          <a:bodyPr wrap="square" rtlCol="0">
+            <a:spAutoFit/>
+          </a:bodyPr>
+          <a:lstStyle/>
+          <a:p>
+            <a:pPr marL="457200" indent="-457200">
+              <a:lnSpc>
+                <a:spcPct val="150000"/>
+              </a:lnSpc>
+              <a:buFont typeface="Arial"/>
+              <a:buChar char="•"/>
+            </a:pPr>
+            <a:r>
+              <a:rPr lang="en-US" sz="2800" b="1" dirty="0" smtClean="0"/>
+              <a:t>User Friendly Interface</a:t>
+            </a:r>
+            <a:endParaRPr lang="en-US" sz="2800" b="1" dirty="0"/>
+          </a:p>
+          <a:p>
+            <a:pPr marL="457200" indent="-457200">
+              <a:lnSpc>
+                <a:spcPct val="150000"/>
+              </a:lnSpc>
+              <a:buFont typeface="Arial"/>
+              <a:buChar char="•"/>
+            </a:pPr>
+            <a:r>
+              <a:rPr lang="en-US" sz="2800" b="1" dirty="0"/>
+              <a:t>Easy </a:t>
+            </a:r>
+            <a:r>
+              <a:rPr lang="en-US" sz="2800" b="1" dirty="0" smtClean="0"/>
+              <a:t>Install </a:t>
+            </a:r>
+            <a:endParaRPr lang="en-US" sz="2800" b="1" dirty="0"/>
+          </a:p>
+          <a:p>
+            <a:pPr marL="457200" indent="-457200">
+              <a:lnSpc>
+                <a:spcPct val="150000"/>
+              </a:lnSpc>
+              <a:buFont typeface="Arial"/>
+              <a:buChar char="•"/>
+            </a:pPr>
+            <a:r>
+              <a:rPr lang="en-US" sz="2800" b="1" dirty="0" smtClean="0"/>
+              <a:t>Mac Ox</a:t>
+            </a:r>
+          </a:p>
+          <a:p>
+            <a:pPr marL="457200" indent="-457200">
+              <a:lnSpc>
+                <a:spcPct val="150000"/>
+              </a:lnSpc>
+              <a:buFont typeface="Arial"/>
+              <a:buChar char="•"/>
+            </a:pPr>
+            <a:r>
+              <a:rPr lang="en-US" sz="2800" b="1" dirty="0" smtClean="0"/>
+              <a:t>Secure</a:t>
+            </a:r>
+            <a:endParaRPr lang="en-US" sz="2800" b="1" dirty="0"/>
+          </a:p>
+          <a:p>
+            <a:pPr>
               <a:lnSpc>
                 <a:spcPct val="150000"/>
               </a:lnSpc>
             </a:pPr>
-            <a:r>
-              <a:rPr lang="en-US" sz="4800" b="1" dirty="0" smtClean="0"/>
-              <a:t>Demonstration</a:t>
-            </a:r>
-            <a:endParaRPr lang="en-US" sz="4800" b="1" dirty="0"/>
-          </a:p>
-          <a:p>
-            <a:pPr algn="ctr">
-              <a:lnSpc>
-                <a:spcPct val="150000"/>
-              </a:lnSpc>
-            </a:pPr>
-            <a:endParaRPr lang="en-US" sz="4800" b="1" dirty="0" smtClean="0"/>
+            <a:endParaRPr lang="en-US" sz="2800" b="1" dirty="0" smtClean="0"/>
           </a:p>
         </p:txBody>
       </p:sp>
@@ -6573,13 +8925,13 @@
       </p:grpSp>
       <p:sp>
         <p:nvSpPr>
-          <p:cNvPr id="12" name="Rectangle 11"/>
+          <p:cNvPr id="19" name="Rectangle 18"/>
           <p:cNvSpPr/>
           <p:nvPr/>
         </p:nvSpPr>
         <p:spPr>
           <a:xfrm>
-            <a:off x="1187624" y="4221088"/>
+            <a:off x="2411760" y="4653136"/>
             <a:ext cx="6534472" cy="1200329"/>
           </a:xfrm>
           <a:prstGeom prst="rect">
@@ -6592,7 +8944,7 @@
           </a:bodyPr>
           <a:lstStyle/>
           <a:p>
-            <a:pPr algn="ctr">
+            <a:pPr algn="r">
               <a:spcBef>
                 <a:spcPts val="0"/>
               </a:spcBef>
@@ -6625,6 +8977,492 @@
             </a:endParaRPr>
           </a:p>
           <a:p>
+            <a:pPr algn="r">
+              <a:spcBef>
+                <a:spcPts val="0"/>
+              </a:spcBef>
+              <a:spcAft>
+                <a:spcPts val="0"/>
+              </a:spcAft>
+            </a:pPr>
+            <a:r>
+              <a:rPr lang="pt-PT" sz="3600" b="1" kern="0" dirty="0">
+                <a:solidFill>
+                  <a:schemeClr val="accent4"/>
+                </a:solidFill>
+                <a:latin typeface="Hobo Std"/>
+                <a:ea typeface="Times New Roman"/>
+                <a:cs typeface="Times New Roman"/>
+              </a:rPr>
+              <a:t> </a:t>
+            </a:r>
+            <a:r>
+              <a:rPr lang="pt-PT" sz="2800" b="1" kern="0" dirty="0" err="1">
+                <a:solidFill>
+                  <a:schemeClr val="tx2">
+                    <a:lumMod val="60000"/>
+                    <a:lumOff val="40000"/>
+                  </a:schemeClr>
+                </a:solidFill>
+                <a:latin typeface="Hobo Std"/>
+                <a:ea typeface="Times New Roman"/>
+                <a:cs typeface="Times New Roman"/>
+              </a:rPr>
+              <a:t>Protected</a:t>
+            </a:r>
+            <a:r>
+              <a:rPr lang="pt-PT" sz="2800" b="1" kern="0" dirty="0">
+                <a:solidFill>
+                  <a:schemeClr val="tx2">
+                    <a:lumMod val="60000"/>
+                    <a:lumOff val="40000"/>
+                  </a:schemeClr>
+                </a:solidFill>
+                <a:latin typeface="Hobo Std"/>
+                <a:ea typeface="Times New Roman"/>
+                <a:cs typeface="Times New Roman"/>
+              </a:rPr>
+              <a:t> </a:t>
+            </a:r>
+            <a:r>
+              <a:rPr lang="pt-PT" sz="2800" b="1" kern="0" dirty="0" err="1">
+                <a:solidFill>
+                  <a:schemeClr val="tx2">
+                    <a:lumMod val="60000"/>
+                    <a:lumOff val="40000"/>
+                  </a:schemeClr>
+                </a:solidFill>
+                <a:latin typeface="Hobo Std"/>
+                <a:ea typeface="Times New Roman"/>
+                <a:cs typeface="Times New Roman"/>
+              </a:rPr>
+              <a:t>Message</a:t>
+            </a:r>
+            <a:r>
+              <a:rPr lang="pt-PT" sz="2800" b="1" kern="0" dirty="0">
+                <a:solidFill>
+                  <a:schemeClr val="tx2">
+                    <a:lumMod val="60000"/>
+                    <a:lumOff val="40000"/>
+                  </a:schemeClr>
+                </a:solidFill>
+                <a:latin typeface="Hobo Std"/>
+                <a:ea typeface="Times New Roman"/>
+                <a:cs typeface="Times New Roman"/>
+              </a:rPr>
+              <a:t> Exchange</a:t>
+            </a:r>
+            <a:endParaRPr lang="pt-PT" sz="3600" b="1" kern="0" dirty="0">
+              <a:solidFill>
+                <a:schemeClr val="tx2">
+                  <a:lumMod val="60000"/>
+                  <a:lumOff val="40000"/>
+                </a:schemeClr>
+              </a:solidFill>
+              <a:latin typeface="Cambria"/>
+              <a:ea typeface="Times New Roman"/>
+              <a:cs typeface="Times New Roman"/>
+            </a:endParaRPr>
+          </a:p>
+        </p:txBody>
+      </p:sp>
+    </p:spTree>
+    <p:extLst>
+      <p:ext uri="{BB962C8B-B14F-4D97-AF65-F5344CB8AC3E}">
+        <p14:creationId xmlns:p14="http://schemas.microsoft.com/office/powerpoint/2010/main" val="343189568"/>
+      </p:ext>
+    </p:extLst>
+  </p:cSld>
+  <p:clrMapOvr>
+    <a:masterClrMapping/>
+  </p:clrMapOvr>
+  <p:timing>
+    <p:tnLst>
+      <p:par>
+        <p:cTn xmlns:p14="http://schemas.microsoft.com/office/powerpoint/2010/main" id="1" dur="indefinite" restart="never" nodeType="tmRoot"/>
+      </p:par>
+    </p:tnLst>
+  </p:timing>
+</p:sld>
+</file>
+
+<file path=ppt/slides/slide12.xml><?xml version="1.0" encoding="utf-8"?>
+<p:sld xmlns:a="http://schemas.openxmlformats.org/drawingml/2006/main" xmlns:r="http://schemas.openxmlformats.org/officeDocument/2006/relationships" xmlns:p="http://schemas.openxmlformats.org/presentationml/2006/main">
+  <p:cSld>
+    <p:spTree>
+      <p:nvGrpSpPr>
+        <p:cNvPr id="1" name=""/>
+        <p:cNvGrpSpPr/>
+        <p:nvPr/>
+      </p:nvGrpSpPr>
+      <p:grpSpPr>
+        <a:xfrm>
+          <a:off x="0" y="0"/>
+          <a:ext cx="0" cy="0"/>
+          <a:chOff x="0" y="0"/>
+          <a:chExt cx="0" cy="0"/>
+        </a:xfrm>
+      </p:grpSpPr>
+      <p:grpSp>
+        <p:nvGrpSpPr>
+          <p:cNvPr id="4" name="Group 3"/>
+          <p:cNvGrpSpPr/>
+          <p:nvPr/>
+        </p:nvGrpSpPr>
+        <p:grpSpPr>
+          <a:xfrm>
+            <a:off x="31643" y="44685"/>
+            <a:ext cx="6412565" cy="1152067"/>
+            <a:chOff x="31643" y="1340829"/>
+            <a:chExt cx="6412565" cy="1152067"/>
+          </a:xfrm>
+        </p:grpSpPr>
+        <p:pic>
+          <p:nvPicPr>
+            <p:cNvPr id="3" name="Picture 2" descr="logo.png"/>
+            <p:cNvPicPr>
+              <a:picLocks noChangeAspect="1"/>
+            </p:cNvPicPr>
+            <p:nvPr/>
+          </p:nvPicPr>
+          <p:blipFill>
+            <a:blip r:embed="rId3">
+              <a:extLst>
+                <a:ext uri="{28A0092B-C50C-407E-A947-70E740481C1C}">
+                  <a14:useLocalDpi xmlns:a14="http://schemas.microsoft.com/office/drawing/2010/main" val="0"/>
+                </a:ext>
+              </a:extLst>
+            </a:blip>
+            <a:stretch>
+              <a:fillRect/>
+            </a:stretch>
+          </p:blipFill>
+          <p:spPr>
+            <a:xfrm>
+              <a:off x="31643" y="1340829"/>
+              <a:ext cx="6412565" cy="1152067"/>
+            </a:xfrm>
+            <a:prstGeom prst="rect">
+              <a:avLst/>
+            </a:prstGeom>
+          </p:spPr>
+        </p:pic>
+        <p:sp>
+          <p:nvSpPr>
+            <p:cNvPr id="23" name="CaixaDeTexto 22"/>
+            <p:cNvSpPr txBox="1"/>
+            <p:nvPr/>
+          </p:nvSpPr>
+          <p:spPr>
+            <a:xfrm>
+              <a:off x="827584" y="1556792"/>
+              <a:ext cx="5472608" cy="646331"/>
+            </a:xfrm>
+            <a:prstGeom prst="rect">
+              <a:avLst/>
+            </a:prstGeom>
+            <a:noFill/>
+          </p:spPr>
+          <p:txBody>
+            <a:bodyPr wrap="square" rtlCol="0">
+              <a:spAutoFit/>
+            </a:bodyPr>
+            <a:lstStyle/>
+            <a:p>
+              <a:r>
+                <a:rPr lang="pt-PT" sz="3600" dirty="0" smtClean="0">
+                  <a:solidFill>
+                    <a:schemeClr val="bg1"/>
+                  </a:solidFill>
+                  <a:latin typeface="Berlin Sans FB"/>
+                </a:rPr>
+                <a:t> AISS </a:t>
+              </a:r>
+              <a:r>
+                <a:rPr lang="pt-PT" sz="3600" dirty="0" err="1" smtClean="0">
+                  <a:solidFill>
+                    <a:schemeClr val="bg1"/>
+                  </a:solidFill>
+                  <a:latin typeface="Berlin Sans FB"/>
+                </a:rPr>
+                <a:t>Secure</a:t>
+              </a:r>
+              <a:r>
+                <a:rPr lang="pt-PT" sz="3600" dirty="0" smtClean="0">
+                  <a:solidFill>
+                    <a:schemeClr val="bg1"/>
+                  </a:solidFill>
+                  <a:latin typeface="Berlin Sans FB"/>
+                </a:rPr>
+                <a:t> </a:t>
+              </a:r>
+              <a:r>
+                <a:rPr lang="pt-PT" sz="3600" dirty="0" err="1" smtClean="0">
+                  <a:solidFill>
+                    <a:schemeClr val="bg1"/>
+                  </a:solidFill>
+                  <a:latin typeface="Berlin Sans FB"/>
+                </a:rPr>
+                <a:t>Mail</a:t>
+              </a:r>
+              <a:endParaRPr lang="pt-PT" sz="3600" dirty="0" smtClean="0">
+                <a:solidFill>
+                  <a:schemeClr val="bg1"/>
+                </a:solidFill>
+                <a:latin typeface="Berlin Sans FB"/>
+              </a:endParaRPr>
+            </a:p>
+          </p:txBody>
+        </p:sp>
+      </p:grpSp>
+      <p:sp>
+        <p:nvSpPr>
+          <p:cNvPr id="11" name="TextBox 10"/>
+          <p:cNvSpPr txBox="1"/>
+          <p:nvPr/>
+        </p:nvSpPr>
+        <p:spPr>
+          <a:xfrm>
+            <a:off x="467544" y="2225863"/>
+            <a:ext cx="8136904" cy="2246769"/>
+          </a:xfrm>
+          <a:prstGeom prst="rect">
+            <a:avLst/>
+          </a:prstGeom>
+          <a:noFill/>
+        </p:spPr>
+        <p:txBody>
+          <a:bodyPr wrap="square" rtlCol="0">
+            <a:spAutoFit/>
+          </a:bodyPr>
+          <a:lstStyle/>
+          <a:p>
+            <a:pPr algn="ctr">
+              <a:lnSpc>
+                <a:spcPct val="150000"/>
+              </a:lnSpc>
+            </a:pPr>
+            <a:r>
+              <a:rPr lang="en-US" sz="4800" b="1" dirty="0" smtClean="0"/>
+              <a:t>Demonstration</a:t>
+            </a:r>
+            <a:endParaRPr lang="en-US" sz="4800" b="1" dirty="0"/>
+          </a:p>
+          <a:p>
+            <a:pPr algn="ctr">
+              <a:lnSpc>
+                <a:spcPct val="150000"/>
+              </a:lnSpc>
+            </a:pPr>
+            <a:endParaRPr lang="en-US" sz="4800" b="1" dirty="0" smtClean="0"/>
+          </a:p>
+        </p:txBody>
+      </p:sp>
+      <p:pic>
+        <p:nvPicPr>
+          <p:cNvPr id="13" name="Picture 12" descr="istlogo.png"/>
+          <p:cNvPicPr>
+            <a:picLocks noChangeAspect="1"/>
+          </p:cNvPicPr>
+          <p:nvPr/>
+        </p:nvPicPr>
+        <p:blipFill>
+          <a:blip r:embed="rId4">
+            <a:extLst>
+              <a:ext uri="{28A0092B-C50C-407E-A947-70E740481C1C}">
+                <a14:useLocalDpi xmlns:a14="http://schemas.microsoft.com/office/drawing/2010/main" val="0"/>
+              </a:ext>
+            </a:extLst>
+          </a:blip>
+          <a:stretch>
+            <a:fillRect/>
+          </a:stretch>
+        </p:blipFill>
+        <p:spPr>
+          <a:xfrm>
+            <a:off x="6660232" y="188640"/>
+            <a:ext cx="2304256" cy="911214"/>
+          </a:xfrm>
+          <a:prstGeom prst="rect">
+            <a:avLst/>
+          </a:prstGeom>
+        </p:spPr>
+      </p:pic>
+      <p:grpSp>
+        <p:nvGrpSpPr>
+          <p:cNvPr id="14" name="Group 13"/>
+          <p:cNvGrpSpPr/>
+          <p:nvPr/>
+        </p:nvGrpSpPr>
+        <p:grpSpPr>
+          <a:xfrm>
+            <a:off x="0" y="6309320"/>
+            <a:ext cx="9144000" cy="548680"/>
+            <a:chOff x="0" y="6309320"/>
+            <a:chExt cx="9144000" cy="548680"/>
+          </a:xfrm>
+        </p:grpSpPr>
+        <p:sp>
+          <p:nvSpPr>
+            <p:cNvPr id="15" name="Rectangle 14"/>
+            <p:cNvSpPr/>
+            <p:nvPr/>
+          </p:nvSpPr>
+          <p:spPr>
+            <a:xfrm>
+              <a:off x="0" y="6309320"/>
+              <a:ext cx="9144000" cy="548680"/>
+            </a:xfrm>
+            <a:prstGeom prst="rect">
+              <a:avLst/>
+            </a:prstGeom>
+          </p:spPr>
+          <p:style>
+            <a:lnRef idx="1">
+              <a:schemeClr val="accent1"/>
+            </a:lnRef>
+            <a:fillRef idx="3">
+              <a:schemeClr val="accent1"/>
+            </a:fillRef>
+            <a:effectRef idx="2">
+              <a:schemeClr val="accent1"/>
+            </a:effectRef>
+            <a:fontRef idx="minor">
+              <a:schemeClr val="lt1"/>
+            </a:fontRef>
+          </p:style>
+          <p:txBody>
+            <a:bodyPr rtlCol="0" anchor="ctr"/>
+            <a:lstStyle/>
+            <a:p>
+              <a:pPr algn="ctr"/>
+              <a:endParaRPr lang="en-US"/>
+            </a:p>
+          </p:txBody>
+        </p:sp>
+        <p:sp>
+          <p:nvSpPr>
+            <p:cNvPr id="16" name="TextBox 15"/>
+            <p:cNvSpPr txBox="1"/>
+            <p:nvPr/>
+          </p:nvSpPr>
+          <p:spPr>
+            <a:xfrm>
+              <a:off x="251520" y="6381328"/>
+              <a:ext cx="3960440" cy="400110"/>
+            </a:xfrm>
+            <a:prstGeom prst="rect">
+              <a:avLst/>
+            </a:prstGeom>
+            <a:noFill/>
+          </p:spPr>
+          <p:txBody>
+            <a:bodyPr wrap="square" rtlCol="0">
+              <a:spAutoFit/>
+            </a:bodyPr>
+            <a:lstStyle/>
+            <a:p>
+              <a:r>
+                <a:rPr lang="en-US" sz="2000" b="1" dirty="0" smtClean="0">
+                  <a:solidFill>
+                    <a:schemeClr val="bg1"/>
+                  </a:solidFill>
+                </a:rPr>
+                <a:t>AISS Secure Mail</a:t>
+              </a:r>
+              <a:endParaRPr lang="en-US" sz="2000" b="1" dirty="0">
+                <a:solidFill>
+                  <a:schemeClr val="bg1"/>
+                </a:solidFill>
+              </a:endParaRPr>
+            </a:p>
+          </p:txBody>
+        </p:sp>
+        <p:sp>
+          <p:nvSpPr>
+            <p:cNvPr id="17" name="TextBox 16"/>
+            <p:cNvSpPr txBox="1"/>
+            <p:nvPr/>
+          </p:nvSpPr>
+          <p:spPr>
+            <a:xfrm>
+              <a:off x="4716016" y="6381328"/>
+              <a:ext cx="3960440" cy="400110"/>
+            </a:xfrm>
+            <a:prstGeom prst="rect">
+              <a:avLst/>
+            </a:prstGeom>
+            <a:noFill/>
+          </p:spPr>
+          <p:txBody>
+            <a:bodyPr wrap="square" rtlCol="0">
+              <a:spAutoFit/>
+            </a:bodyPr>
+            <a:lstStyle/>
+            <a:p>
+              <a:pPr algn="r"/>
+              <a:r>
+                <a:rPr lang="en-US" sz="2000" b="1" dirty="0" err="1" smtClean="0">
+                  <a:solidFill>
+                    <a:srgbClr val="FFFFFF"/>
+                  </a:solidFill>
+                </a:rPr>
+                <a:t>Gonçalo</a:t>
+              </a:r>
+              <a:r>
+                <a:rPr lang="en-US" sz="2000" b="1" dirty="0" smtClean="0">
+                  <a:solidFill>
+                    <a:srgbClr val="FFFFFF"/>
+                  </a:solidFill>
+                </a:rPr>
+                <a:t> </a:t>
+              </a:r>
+              <a:r>
+                <a:rPr lang="en-US" sz="2000" b="1" dirty="0" err="1" smtClean="0">
+                  <a:solidFill>
+                    <a:srgbClr val="FFFFFF"/>
+                  </a:solidFill>
+                </a:rPr>
+                <a:t>Carito</a:t>
+              </a:r>
+              <a:r>
+                <a:rPr lang="en-US" sz="2000" b="1" dirty="0" smtClean="0">
+                  <a:solidFill>
+                    <a:srgbClr val="FFFFFF"/>
+                  </a:solidFill>
+                </a:rPr>
+                <a:t>, Dário Nascimento</a:t>
+              </a:r>
+              <a:endParaRPr lang="en-US" sz="2000" b="1" dirty="0">
+                <a:solidFill>
+                  <a:srgbClr val="FFFFFF"/>
+                </a:solidFill>
+              </a:endParaRPr>
+            </a:p>
+          </p:txBody>
+        </p:sp>
+      </p:grpSp>
+      <p:sp>
+        <p:nvSpPr>
+          <p:cNvPr id="12" name="Rectangle 11"/>
+          <p:cNvSpPr/>
+          <p:nvPr/>
+        </p:nvSpPr>
+        <p:spPr>
+          <a:xfrm>
+            <a:off x="1187624" y="4221088"/>
+            <a:ext cx="6534472" cy="1261884"/>
+          </a:xfrm>
+          <a:prstGeom prst="rect">
+            <a:avLst/>
+          </a:prstGeom>
+        </p:spPr>
+        <p:txBody>
+          <a:bodyPr wrap="square">
+            <a:spAutoFit/>
+          </a:bodyPr>
+          <a:lstStyle/>
+          <a:p>
             <a:pPr algn="ctr">
               <a:spcBef>
                 <a:spcPts val="0"/>
@@ -6634,18 +9472,51 @@
               </a:spcAft>
             </a:pPr>
             <a:r>
-              <a:rPr lang="pt-PT" sz="3600" b="1" kern="0" dirty="0">
-                <a:solidFill>
-                  <a:schemeClr val="accent4"/>
+              <a:rPr lang="pt-PT" sz="3600" b="1" dirty="0" smtClean="0">
+                <a:solidFill>
+                  <a:schemeClr val="accent1">
+                    <a:lumMod val="75000"/>
+                  </a:schemeClr>
                 </a:solidFill>
                 <a:latin typeface="Hobo Std"/>
                 <a:ea typeface="Times New Roman"/>
                 <a:cs typeface="Times New Roman"/>
               </a:rPr>
+              <a:t>AISS SECURE MAIL</a:t>
+            </a:r>
+            <a:endParaRPr lang="pt-PT" sz="3600" b="1" dirty="0">
+              <a:solidFill>
+                <a:schemeClr val="accent1">
+                  <a:lumMod val="75000"/>
+                </a:schemeClr>
+              </a:solidFill>
+              <a:latin typeface="Hobo Std"/>
+              <a:ea typeface="Times New Roman"/>
+              <a:cs typeface="Times New Roman"/>
+            </a:endParaRPr>
+          </a:p>
+          <a:p>
+            <a:pPr algn="ctr">
+              <a:spcBef>
+                <a:spcPts val="0"/>
+              </a:spcBef>
+              <a:spcAft>
+                <a:spcPts val="0"/>
+              </a:spcAft>
+            </a:pPr>
+            <a:r>
+              <a:rPr lang="pt-PT" sz="4000" b="1" kern="0" dirty="0">
+                <a:solidFill>
+                  <a:schemeClr val="accent4"/>
+                </a:solidFill>
+                <a:latin typeface="Hobo Std"/>
+                <a:ea typeface="Times New Roman"/>
+                <a:cs typeface="Times New Roman"/>
+              </a:rPr>
               <a:t> </a:t>
             </a:r>
             <a:r>
-              <a:rPr lang="pt-PT" sz="2800" b="1" kern="0" dirty="0" err="1" smtClean="0">
+              <a:rPr lang="pt-PT" sz="3200" b="1" kern="0" dirty="0" err="1">
                 <a:solidFill>
                   <a:schemeClr val="tx2">
                     <a:lumMod val="60000"/>
@@ -6659,7 +9530,7 @@
               <a:t>Protected</a:t>
             </a:r>
             <a:r>
-              <a:rPr lang="pt-PT" sz="2800" b="1" kern="0" dirty="0" smtClean="0">
+              <a:rPr lang="pt-PT" sz="3200" b="1" kern="0" dirty="0">
                 <a:solidFill>
                   <a:schemeClr val="tx2">
                     <a:lumMod val="60000"/>
@@ -6670,9 +9541,37 @@
                 <a:ea typeface="Times New Roman"/>
                 <a:cs typeface="Times New Roman"/>
               </a:rPr>
-              <a:t> Email Exchange</a:t>
-            </a:r>
-            <a:endParaRPr lang="pt-PT" sz="3600" b="1" kern="0" dirty="0">
+              <a:t> </a:t>
+            </a:r>
+            <a:r>
+              <a:rPr lang="pt-PT" sz="3200" b="1" kern="0" dirty="0" err="1">
+                <a:solidFill>
+                  <a:schemeClr val="tx2">
+                    <a:lumMod val="60000"/>
+                    <a:lumOff val="40000"/>
+                  </a:schemeClr>
+                </a:solidFill>
+                <a:latin typeface="Hobo Std"/>
+                <a:ea typeface="Times New Roman"/>
+                <a:cs typeface="Times New Roman"/>
+              </a:rPr>
+              <a:t>Message</a:t>
+            </a:r>
+            <a:r>
+              <a:rPr lang="pt-PT" sz="3200" b="1" kern="0" dirty="0">
+                <a:solidFill>
+                  <a:schemeClr val="tx2">
+                    <a:lumMod val="60000"/>
+                    <a:lumOff val="40000"/>
+                  </a:schemeClr>
+                </a:solidFill>
+                <a:latin typeface="Hobo Std"/>
+                <a:ea typeface="Times New Roman"/>
+                <a:cs typeface="Times New Roman"/>
+              </a:rPr>
+              <a:t> Exchange</a:t>
+            </a:r>
+            <a:endParaRPr lang="pt-PT" sz="4000" b="1" kern="0" dirty="0">
               <a:solidFill>
                 <a:schemeClr val="tx2">
                   <a:lumMod val="60000"/>
@@ -6706,7 +9605,7 @@
 </p:sld>
 </file>
 
-<file path=ppt/slides/slide11.xml><?xml version="1.0" encoding="utf-8"?>
+<file path=ppt/slides/slide13.xml><?xml version="1.0" encoding="utf-8"?>
 <p:sld xmlns:a="http://schemas.openxmlformats.org/drawingml/2006/main" xmlns:r="http://schemas.openxmlformats.org/officeDocument/2006/relationships" xmlns:p="http://schemas.openxmlformats.org/presentationml/2006/main">
   <p:cSld>
     <p:spTree>
@@ -6805,16 +9704,7 @@
                   </a:solidFill>
                   <a:latin typeface="Berlin Sans FB"/>
                 </a:rPr>
-                <a:t> </a:t>
-              </a:r>
-              <a:r>
-                <a:rPr lang="pt-PT" sz="3600" dirty="0" smtClean="0">
-                  <a:solidFill>
-                    <a:schemeClr val="bg1"/>
-                  </a:solidFill>
-                  <a:latin typeface="Berlin Sans FB"/>
-                </a:rPr>
-                <a:t>AISS </a:t>
+                <a:t> AISS </a:t>
               </a:r>
               <a:r>
                 <a:rPr lang="pt-PT" sz="3600" dirty="0" err="1" smtClean="0">
@@ -7136,7 +10026,35 @@
                 <a:ea typeface="Times New Roman"/>
                 <a:cs typeface="Times New Roman"/>
               </a:rPr>
-              <a:t> Email Exchange</a:t>
+              <a:t> </a:t>
+            </a:r>
+            <a:r>
+              <a:rPr lang="pt-PT" sz="2800" b="1" kern="0" dirty="0" err="1" smtClean="0">
+                <a:solidFill>
+                  <a:schemeClr val="tx2">
+                    <a:lumMod val="60000"/>
+                    <a:lumOff val="40000"/>
+                  </a:schemeClr>
+                </a:solidFill>
+                <a:latin typeface="Hobo Std"/>
+                <a:ea typeface="Times New Roman"/>
+                <a:cs typeface="Times New Roman"/>
+              </a:rPr>
+              <a:t>Message</a:t>
+            </a:r>
+            <a:r>
+              <a:rPr lang="pt-PT" sz="2800" b="1" kern="0" dirty="0" smtClean="0">
+                <a:solidFill>
+                  <a:schemeClr val="tx2">
+                    <a:lumMod val="60000"/>
+                    <a:lumOff val="40000"/>
+                  </a:schemeClr>
+                </a:solidFill>
+                <a:latin typeface="Hobo Std"/>
+                <a:ea typeface="Times New Roman"/>
+                <a:cs typeface="Times New Roman"/>
+              </a:rPr>
+              <a:t> Exchange</a:t>
             </a:r>
             <a:endParaRPr lang="pt-PT" sz="3600" b="1" kern="0" dirty="0">
               <a:solidFill>
@@ -7228,8 +10146,8 @@
               <a:t>Easy </a:t>
             </a:r>
             <a:r>
-              <a:rPr lang="en-US" sz="2800" b="1" dirty="0" err="1" smtClean="0"/>
-              <a:t>Instalation</a:t>
+              <a:rPr lang="en-US" sz="2800" b="1" dirty="0" smtClean="0"/>
+              <a:t>Installation</a:t>
             </a:r>
             <a:endParaRPr lang="en-US" sz="2800" b="1" dirty="0"/>
           </a:p>
@@ -7255,7 +10173,722 @@
 </p:sld>
 </file>
 
-<file path=ppt/slides/slide12.xml><?xml version="1.0" encoding="utf-8"?>
+<file path=ppt/slides/slide14.xml><?xml version="1.0" encoding="utf-8"?>
+<p:sld xmlns:a="http://schemas.openxmlformats.org/drawingml/2006/main" xmlns:r="http://schemas.openxmlformats.org/officeDocument/2006/relationships" xmlns:p="http://schemas.openxmlformats.org/presentationml/2006/main">
+  <p:cSld>
+    <p:spTree>
+      <p:nvGrpSpPr>
+        <p:cNvPr id="1" name=""/>
+        <p:cNvGrpSpPr/>
+        <p:nvPr/>
+      </p:nvGrpSpPr>
+      <p:grpSpPr>
+        <a:xfrm>
+          <a:off x="0" y="0"/>
+          <a:ext cx="0" cy="0"/>
+          <a:chOff x="0" y="0"/>
+          <a:chExt cx="0" cy="0"/>
+        </a:xfrm>
+      </p:grpSpPr>
+      <p:grpSp>
+        <p:nvGrpSpPr>
+          <p:cNvPr id="4" name="Group 3"/>
+          <p:cNvGrpSpPr/>
+          <p:nvPr/>
+        </p:nvGrpSpPr>
+        <p:grpSpPr>
+          <a:xfrm>
+            <a:off x="31643" y="44685"/>
+            <a:ext cx="6412565" cy="1152067"/>
+            <a:chOff x="31643" y="1340829"/>
+            <a:chExt cx="6412565" cy="1152067"/>
+          </a:xfrm>
+        </p:grpSpPr>
+        <p:pic>
+          <p:nvPicPr>
+            <p:cNvPr id="3" name="Picture 2" descr="logo.png"/>
+            <p:cNvPicPr>
+              <a:picLocks noChangeAspect="1"/>
+            </p:cNvPicPr>
+            <p:nvPr/>
+          </p:nvPicPr>
+          <p:blipFill>
+            <a:blip r:embed="rId3">
+              <a:extLst>
+                <a:ext uri="{28A0092B-C50C-407E-A947-70E740481C1C}">
+                  <a14:useLocalDpi xmlns:a14="http://schemas.microsoft.com/office/drawing/2010/main" val="0"/>
+                </a:ext>
+              </a:extLst>
+            </a:blip>
+            <a:stretch>
+              <a:fillRect/>
+            </a:stretch>
+          </p:blipFill>
+          <p:spPr>
+            <a:xfrm>
+              <a:off x="31643" y="1340829"/>
+              <a:ext cx="6412565" cy="1152067"/>
+            </a:xfrm>
+            <a:prstGeom prst="rect">
+              <a:avLst/>
+            </a:prstGeom>
+          </p:spPr>
+        </p:pic>
+        <p:sp>
+          <p:nvSpPr>
+            <p:cNvPr id="23" name="CaixaDeTexto 22"/>
+            <p:cNvSpPr txBox="1"/>
+            <p:nvPr/>
+          </p:nvSpPr>
+          <p:spPr>
+            <a:xfrm>
+              <a:off x="827584" y="1556792"/>
+              <a:ext cx="5472608" cy="646331"/>
+            </a:xfrm>
+            <a:prstGeom prst="rect">
+              <a:avLst/>
+            </a:prstGeom>
+            <a:noFill/>
+          </p:spPr>
+          <p:txBody>
+            <a:bodyPr wrap="square" rtlCol="0">
+              <a:spAutoFit/>
+            </a:bodyPr>
+            <a:lstStyle/>
+            <a:p>
+              <a:r>
+                <a:rPr lang="pt-PT" sz="3600" dirty="0">
+                  <a:solidFill>
+                    <a:schemeClr val="bg1"/>
+                  </a:solidFill>
+                  <a:latin typeface="Berlin Sans FB"/>
+                </a:rPr>
+                <a:t> </a:t>
+              </a:r>
+              <a:r>
+                <a:rPr lang="pt-PT" sz="3600" dirty="0" smtClean="0">
+                  <a:solidFill>
+                    <a:schemeClr val="bg1"/>
+                  </a:solidFill>
+                  <a:latin typeface="Berlin Sans FB"/>
+                </a:rPr>
+                <a:t> AISS </a:t>
+              </a:r>
+              <a:r>
+                <a:rPr lang="pt-PT" sz="3600" dirty="0" err="1" smtClean="0">
+                  <a:solidFill>
+                    <a:schemeClr val="bg1"/>
+                  </a:solidFill>
+                  <a:latin typeface="Berlin Sans FB"/>
+                </a:rPr>
+                <a:t>Secure</a:t>
+              </a:r>
+              <a:r>
+                <a:rPr lang="pt-PT" sz="3600" dirty="0" smtClean="0">
+                  <a:solidFill>
+                    <a:schemeClr val="bg1"/>
+                  </a:solidFill>
+                  <a:latin typeface="Berlin Sans FB"/>
+                </a:rPr>
+                <a:t> </a:t>
+              </a:r>
+              <a:r>
+                <a:rPr lang="pt-PT" sz="3600" dirty="0" err="1" smtClean="0">
+                  <a:solidFill>
+                    <a:schemeClr val="bg1"/>
+                  </a:solidFill>
+                  <a:latin typeface="Berlin Sans FB"/>
+                </a:rPr>
+                <a:t>Mail</a:t>
+              </a:r>
+              <a:endParaRPr lang="pt-PT" sz="3600" dirty="0" smtClean="0">
+                <a:solidFill>
+                  <a:schemeClr val="bg1"/>
+                </a:solidFill>
+                <a:latin typeface="Berlin Sans FB"/>
+              </a:endParaRPr>
+            </a:p>
+          </p:txBody>
+        </p:sp>
+      </p:grpSp>
+      <p:pic>
+        <p:nvPicPr>
+          <p:cNvPr id="13" name="Picture 12" descr="istlogo.png"/>
+          <p:cNvPicPr>
+            <a:picLocks noChangeAspect="1"/>
+          </p:cNvPicPr>
+          <p:nvPr/>
+        </p:nvPicPr>
+        <p:blipFill>
+          <a:blip r:embed="rId4">
+            <a:extLst>
+              <a:ext uri="{28A0092B-C50C-407E-A947-70E740481C1C}">
+                <a14:useLocalDpi xmlns:a14="http://schemas.microsoft.com/office/drawing/2010/main" val="0"/>
+              </a:ext>
+            </a:extLst>
+          </a:blip>
+          <a:stretch>
+            <a:fillRect/>
+          </a:stretch>
+        </p:blipFill>
+        <p:spPr>
+          <a:xfrm>
+            <a:off x="6660232" y="188640"/>
+            <a:ext cx="2304256" cy="911214"/>
+          </a:xfrm>
+          <a:prstGeom prst="rect">
+            <a:avLst/>
+          </a:prstGeom>
+        </p:spPr>
+      </p:pic>
+      <p:grpSp>
+        <p:nvGrpSpPr>
+          <p:cNvPr id="14" name="Group 13"/>
+          <p:cNvGrpSpPr/>
+          <p:nvPr/>
+        </p:nvGrpSpPr>
+        <p:grpSpPr>
+          <a:xfrm>
+            <a:off x="0" y="6309320"/>
+            <a:ext cx="9144000" cy="548680"/>
+            <a:chOff x="0" y="6309320"/>
+            <a:chExt cx="9144000" cy="548680"/>
+          </a:xfrm>
+        </p:grpSpPr>
+        <p:sp>
+          <p:nvSpPr>
+            <p:cNvPr id="15" name="Rectangle 14"/>
+            <p:cNvSpPr/>
+            <p:nvPr/>
+          </p:nvSpPr>
+          <p:spPr>
+            <a:xfrm>
+              <a:off x="0" y="6309320"/>
+              <a:ext cx="9144000" cy="548680"/>
+            </a:xfrm>
+            <a:prstGeom prst="rect">
+              <a:avLst/>
+            </a:prstGeom>
+          </p:spPr>
+          <p:style>
+            <a:lnRef idx="1">
+              <a:schemeClr val="accent1"/>
+            </a:lnRef>
+            <a:fillRef idx="3">
+              <a:schemeClr val="accent1"/>
+            </a:fillRef>
+            <a:effectRef idx="2">
+              <a:schemeClr val="accent1"/>
+            </a:effectRef>
+            <a:fontRef idx="minor">
+              <a:schemeClr val="lt1"/>
+            </a:fontRef>
+          </p:style>
+          <p:txBody>
+            <a:bodyPr rtlCol="0" anchor="ctr"/>
+            <a:lstStyle/>
+            <a:p>
+              <a:pPr algn="ctr"/>
+              <a:endParaRPr lang="en-US"/>
+            </a:p>
+          </p:txBody>
+        </p:sp>
+        <p:sp>
+          <p:nvSpPr>
+            <p:cNvPr id="16" name="TextBox 15"/>
+            <p:cNvSpPr txBox="1"/>
+            <p:nvPr/>
+          </p:nvSpPr>
+          <p:spPr>
+            <a:xfrm>
+              <a:off x="251520" y="6381328"/>
+              <a:ext cx="3960440" cy="400110"/>
+            </a:xfrm>
+            <a:prstGeom prst="rect">
+              <a:avLst/>
+            </a:prstGeom>
+            <a:noFill/>
+          </p:spPr>
+          <p:txBody>
+            <a:bodyPr wrap="square" rtlCol="0">
+              <a:spAutoFit/>
+            </a:bodyPr>
+            <a:lstStyle/>
+            <a:p>
+              <a:r>
+                <a:rPr lang="en-US" sz="2000" b="1" dirty="0" smtClean="0">
+                  <a:solidFill>
+                    <a:schemeClr val="bg1"/>
+                  </a:solidFill>
+                </a:rPr>
+                <a:t>AISS Secure Mail</a:t>
+              </a:r>
+              <a:endParaRPr lang="en-US" sz="2000" b="1" dirty="0">
+                <a:solidFill>
+                  <a:schemeClr val="bg1"/>
+                </a:solidFill>
+              </a:endParaRPr>
+            </a:p>
+          </p:txBody>
+        </p:sp>
+        <p:sp>
+          <p:nvSpPr>
+            <p:cNvPr id="17" name="TextBox 16"/>
+            <p:cNvSpPr txBox="1"/>
+            <p:nvPr/>
+          </p:nvSpPr>
+          <p:spPr>
+            <a:xfrm>
+              <a:off x="4716016" y="6381328"/>
+              <a:ext cx="3960440" cy="400110"/>
+            </a:xfrm>
+            <a:prstGeom prst="rect">
+              <a:avLst/>
+            </a:prstGeom>
+            <a:noFill/>
+          </p:spPr>
+          <p:txBody>
+            <a:bodyPr wrap="square" rtlCol="0">
+              <a:spAutoFit/>
+            </a:bodyPr>
+            <a:lstStyle/>
+            <a:p>
+              <a:pPr algn="r"/>
+              <a:r>
+                <a:rPr lang="en-US" sz="2000" b="1" dirty="0" err="1" smtClean="0">
+                  <a:solidFill>
+                    <a:srgbClr val="FFFFFF"/>
+                  </a:solidFill>
+                </a:rPr>
+                <a:t>Gonçalo</a:t>
+              </a:r>
+              <a:r>
+                <a:rPr lang="en-US" sz="2000" b="1" dirty="0" smtClean="0">
+                  <a:solidFill>
+                    <a:srgbClr val="FFFFFF"/>
+                  </a:solidFill>
+                </a:rPr>
+                <a:t> </a:t>
+              </a:r>
+              <a:r>
+                <a:rPr lang="en-US" sz="2000" b="1" dirty="0" err="1" smtClean="0">
+                  <a:solidFill>
+                    <a:srgbClr val="FFFFFF"/>
+                  </a:solidFill>
+                </a:rPr>
+                <a:t>Carito</a:t>
+              </a:r>
+              <a:r>
+                <a:rPr lang="en-US" sz="2000" b="1" dirty="0" smtClean="0">
+                  <a:solidFill>
+                    <a:srgbClr val="FFFFFF"/>
+                  </a:solidFill>
+                </a:rPr>
+                <a:t>, Dário Nascimento</a:t>
+              </a:r>
+              <a:endParaRPr lang="en-US" sz="2000" b="1" dirty="0">
+                <a:solidFill>
+                  <a:srgbClr val="FFFFFF"/>
+                </a:solidFill>
+              </a:endParaRPr>
+            </a:p>
+          </p:txBody>
+        </p:sp>
+      </p:grpSp>
+      <p:sp>
+        <p:nvSpPr>
+          <p:cNvPr id="12" name="Rectangle 11"/>
+          <p:cNvSpPr/>
+          <p:nvPr/>
+        </p:nvSpPr>
+        <p:spPr>
+          <a:xfrm>
+            <a:off x="2771800" y="1268760"/>
+            <a:ext cx="3240360" cy="954107"/>
+          </a:xfrm>
+          <a:prstGeom prst="rect">
+            <a:avLst/>
+          </a:prstGeom>
+        </p:spPr>
+        <p:txBody>
+          <a:bodyPr wrap="square">
+            <a:spAutoFit/>
+          </a:bodyPr>
+          <a:lstStyle/>
+          <a:p>
+            <a:pPr algn="ctr">
+              <a:spcBef>
+                <a:spcPts val="0"/>
+              </a:spcBef>
+              <a:spcAft>
+                <a:spcPts val="0"/>
+              </a:spcAft>
+            </a:pPr>
+            <a:r>
+              <a:rPr lang="pt-PT" sz="2800" b="1" dirty="0" smtClean="0">
+                <a:solidFill>
+                  <a:schemeClr val="accent1">
+                    <a:lumMod val="75000"/>
+                  </a:schemeClr>
+                </a:solidFill>
+                <a:latin typeface="Hobo Std"/>
+                <a:ea typeface="Times New Roman"/>
+                <a:cs typeface="Times New Roman"/>
+              </a:rPr>
+              <a:t>AISS SECURE </a:t>
+            </a:r>
+            <a:r>
+              <a:rPr lang="pt-PT" sz="2800" b="1" dirty="0" smtClean="0">
+                <a:solidFill>
+                  <a:schemeClr val="accent1">
+                    <a:lumMod val="75000"/>
+                  </a:schemeClr>
+                </a:solidFill>
+                <a:latin typeface="Hobo Std"/>
+                <a:ea typeface="Times New Roman"/>
+                <a:cs typeface="Times New Roman"/>
+              </a:rPr>
+              <a:t>MAIL</a:t>
+            </a:r>
+            <a:endParaRPr lang="pt-PT" sz="2800" b="1" dirty="0">
+              <a:solidFill>
+                <a:schemeClr val="accent1">
+                  <a:lumMod val="75000"/>
+                </a:schemeClr>
+              </a:solidFill>
+              <a:latin typeface="Hobo Std"/>
+              <a:ea typeface="Times New Roman"/>
+              <a:cs typeface="Times New Roman"/>
+            </a:endParaRPr>
+          </a:p>
+        </p:txBody>
+      </p:sp>
+      <p:pic>
+        <p:nvPicPr>
+          <p:cNvPr id="5" name="Picture 4"/>
+          <p:cNvPicPr>
+            <a:picLocks noChangeAspect="1"/>
+          </p:cNvPicPr>
+          <p:nvPr/>
+        </p:nvPicPr>
+        <p:blipFill>
+          <a:blip r:embed="rId5"/>
+          <a:stretch>
+            <a:fillRect/>
+          </a:stretch>
+        </p:blipFill>
+        <p:spPr>
+          <a:xfrm>
+            <a:off x="3923928" y="2204864"/>
+            <a:ext cx="792088" cy="792088"/>
+          </a:xfrm>
+          <a:prstGeom prst="rect">
+            <a:avLst/>
+          </a:prstGeom>
+        </p:spPr>
+      </p:pic>
+      <p:pic>
+        <p:nvPicPr>
+          <p:cNvPr id="6" name="Picture 5"/>
+          <p:cNvPicPr>
+            <a:picLocks noChangeAspect="1"/>
+          </p:cNvPicPr>
+          <p:nvPr/>
+        </p:nvPicPr>
+        <p:blipFill>
+          <a:blip r:embed="rId6"/>
+          <a:stretch>
+            <a:fillRect/>
+          </a:stretch>
+        </p:blipFill>
+        <p:spPr>
+          <a:xfrm>
+            <a:off x="6804248" y="2060848"/>
+            <a:ext cx="864096" cy="864096"/>
+          </a:xfrm>
+          <a:prstGeom prst="rect">
+            <a:avLst/>
+          </a:prstGeom>
+        </p:spPr>
+      </p:pic>
+      <p:sp>
+        <p:nvSpPr>
+          <p:cNvPr id="7" name="Rectangle 6"/>
+          <p:cNvSpPr/>
+          <p:nvPr/>
+        </p:nvSpPr>
+        <p:spPr>
+          <a:xfrm>
+            <a:off x="5922924" y="1412776"/>
+            <a:ext cx="2897548" cy="584776"/>
+          </a:xfrm>
+          <a:prstGeom prst="rect">
+            <a:avLst/>
+          </a:prstGeom>
+        </p:spPr>
+        <p:txBody>
+          <a:bodyPr wrap="none">
+            <a:spAutoFit/>
+          </a:bodyPr>
+          <a:lstStyle/>
+          <a:p>
+            <a:r>
+              <a:rPr lang="en-US" sz="3200" b="1" dirty="0" err="1" smtClean="0"/>
+              <a:t>Outras</a:t>
+            </a:r>
+            <a:r>
+              <a:rPr lang="en-US" sz="3200" b="1" dirty="0" smtClean="0"/>
+              <a:t> </a:t>
+            </a:r>
+            <a:r>
+              <a:rPr lang="en-US" sz="3200" b="1" dirty="0" err="1" smtClean="0"/>
+              <a:t>soluç</a:t>
+            </a:r>
+            <a:r>
+              <a:rPr lang="en-US" sz="3200" b="1" dirty="0" err="1" smtClean="0"/>
+              <a:t>ões</a:t>
+            </a:r>
+            <a:endParaRPr lang="en-US" sz="3200" b="1" dirty="0"/>
+          </a:p>
+        </p:txBody>
+      </p:sp>
+      <p:pic>
+        <p:nvPicPr>
+          <p:cNvPr id="20" name="Picture 19"/>
+          <p:cNvPicPr>
+            <a:picLocks noChangeAspect="1"/>
+          </p:cNvPicPr>
+          <p:nvPr/>
+        </p:nvPicPr>
+        <p:blipFill>
+          <a:blip r:embed="rId7"/>
+          <a:stretch>
+            <a:fillRect/>
+          </a:stretch>
+        </p:blipFill>
+        <p:spPr>
+          <a:xfrm>
+            <a:off x="1403648" y="2123108"/>
+            <a:ext cx="2365296" cy="801836"/>
+          </a:xfrm>
+          <a:prstGeom prst="rect">
+            <a:avLst/>
+          </a:prstGeom>
+        </p:spPr>
+      </p:pic>
+      <p:pic>
+        <p:nvPicPr>
+          <p:cNvPr id="21" name="Picture 20"/>
+          <p:cNvPicPr>
+            <a:picLocks noChangeAspect="1"/>
+          </p:cNvPicPr>
+          <p:nvPr/>
+        </p:nvPicPr>
+        <p:blipFill>
+          <a:blip r:embed="rId8"/>
+          <a:stretch>
+            <a:fillRect/>
+          </a:stretch>
+        </p:blipFill>
+        <p:spPr>
+          <a:xfrm>
+            <a:off x="323528" y="2060848"/>
+            <a:ext cx="1107816" cy="864096"/>
+          </a:xfrm>
+          <a:prstGeom prst="rect">
+            <a:avLst/>
+          </a:prstGeom>
+        </p:spPr>
+      </p:pic>
+      <p:pic>
+        <p:nvPicPr>
+          <p:cNvPr id="8" name="Picture 7"/>
+          <p:cNvPicPr>
+            <a:picLocks noChangeAspect="1"/>
+          </p:cNvPicPr>
+          <p:nvPr/>
+        </p:nvPicPr>
+        <p:blipFill>
+          <a:blip r:embed="rId9"/>
+          <a:stretch>
+            <a:fillRect/>
+          </a:stretch>
+        </p:blipFill>
+        <p:spPr>
+          <a:xfrm>
+            <a:off x="22063" y="3429000"/>
+            <a:ext cx="1920214" cy="792088"/>
+          </a:xfrm>
+          <a:prstGeom prst="rect">
+            <a:avLst/>
+          </a:prstGeom>
+        </p:spPr>
+      </p:pic>
+      <p:pic>
+        <p:nvPicPr>
+          <p:cNvPr id="22" name="Picture 21"/>
+          <p:cNvPicPr>
+            <a:picLocks noChangeAspect="1"/>
+          </p:cNvPicPr>
+          <p:nvPr/>
+        </p:nvPicPr>
+        <p:blipFill>
+          <a:blip r:embed="rId10"/>
+          <a:stretch>
+            <a:fillRect/>
+          </a:stretch>
+        </p:blipFill>
+        <p:spPr>
+          <a:xfrm>
+            <a:off x="2051720" y="3356992"/>
+            <a:ext cx="936104" cy="936104"/>
+          </a:xfrm>
+          <a:prstGeom prst="rect">
+            <a:avLst/>
+          </a:prstGeom>
+        </p:spPr>
+      </p:pic>
+      <p:pic>
+        <p:nvPicPr>
+          <p:cNvPr id="11" name="Picture 10"/>
+          <p:cNvPicPr>
+            <a:picLocks noChangeAspect="1"/>
+          </p:cNvPicPr>
+          <p:nvPr/>
+        </p:nvPicPr>
+        <p:blipFill>
+          <a:blip r:embed="rId11"/>
+          <a:stretch>
+            <a:fillRect/>
+          </a:stretch>
+        </p:blipFill>
+        <p:spPr>
+          <a:xfrm>
+            <a:off x="1835696" y="4653136"/>
+            <a:ext cx="1095889" cy="1442864"/>
+          </a:xfrm>
+          <a:prstGeom prst="rect">
+            <a:avLst/>
+          </a:prstGeom>
+        </p:spPr>
+      </p:pic>
+      <p:pic>
+        <p:nvPicPr>
+          <p:cNvPr id="25" name="Picture 24"/>
+          <p:cNvPicPr>
+            <a:picLocks noChangeAspect="1"/>
+          </p:cNvPicPr>
+          <p:nvPr/>
+        </p:nvPicPr>
+        <p:blipFill>
+          <a:blip r:embed="rId5"/>
+          <a:stretch>
+            <a:fillRect/>
+          </a:stretch>
+        </p:blipFill>
+        <p:spPr>
+          <a:xfrm>
+            <a:off x="4067944" y="3573016"/>
+            <a:ext cx="792088" cy="792088"/>
+          </a:xfrm>
+          <a:prstGeom prst="rect">
+            <a:avLst/>
+          </a:prstGeom>
+        </p:spPr>
+      </p:pic>
+      <p:pic>
+        <p:nvPicPr>
+          <p:cNvPr id="26" name="Picture 25"/>
+          <p:cNvPicPr>
+            <a:picLocks noChangeAspect="1"/>
+          </p:cNvPicPr>
+          <p:nvPr/>
+        </p:nvPicPr>
+        <p:blipFill>
+          <a:blip r:embed="rId5"/>
+          <a:stretch>
+            <a:fillRect/>
+          </a:stretch>
+        </p:blipFill>
+        <p:spPr>
+          <a:xfrm>
+            <a:off x="4139952" y="5085184"/>
+            <a:ext cx="792088" cy="792088"/>
+          </a:xfrm>
+          <a:prstGeom prst="rect">
+            <a:avLst/>
+          </a:prstGeom>
+        </p:spPr>
+      </p:pic>
+      <p:pic>
+        <p:nvPicPr>
+          <p:cNvPr id="27" name="Picture 26"/>
+          <p:cNvPicPr>
+            <a:picLocks noChangeAspect="1"/>
+          </p:cNvPicPr>
+          <p:nvPr/>
+        </p:nvPicPr>
+        <p:blipFill>
+          <a:blip r:embed="rId6"/>
+          <a:stretch>
+            <a:fillRect/>
+          </a:stretch>
+        </p:blipFill>
+        <p:spPr>
+          <a:xfrm>
+            <a:off x="6804248" y="3573016"/>
+            <a:ext cx="864096" cy="864096"/>
+          </a:xfrm>
+          <a:prstGeom prst="rect">
+            <a:avLst/>
+          </a:prstGeom>
+        </p:spPr>
+      </p:pic>
+      <p:pic>
+        <p:nvPicPr>
+          <p:cNvPr id="28" name="Picture 27"/>
+          <p:cNvPicPr>
+            <a:picLocks noChangeAspect="1"/>
+          </p:cNvPicPr>
+          <p:nvPr/>
+        </p:nvPicPr>
+        <p:blipFill>
+          <a:blip r:embed="rId6"/>
+          <a:stretch>
+            <a:fillRect/>
+          </a:stretch>
+        </p:blipFill>
+        <p:spPr>
+          <a:xfrm>
+            <a:off x="6804248" y="5085184"/>
+            <a:ext cx="864096" cy="864096"/>
+          </a:xfrm>
+          <a:prstGeom prst="rect">
+            <a:avLst/>
+          </a:prstGeom>
+        </p:spPr>
+      </p:pic>
+    </p:spTree>
+    <p:extLst>
+      <p:ext uri="{BB962C8B-B14F-4D97-AF65-F5344CB8AC3E}">
+        <p14:creationId xmlns:p14="http://schemas.microsoft.com/office/powerpoint/2010/main" val="3632114683"/>
+      </p:ext>
+    </p:extLst>
+  </p:cSld>
+  <p:clrMapOvr>
+    <a:masterClrMapping/>
+  </p:clrMapOvr>
+  <p:timing>
+    <p:tnLst>
+      <p:par>
+        <p:cTn xmlns:p14="http://schemas.microsoft.com/office/powerpoint/2010/main" id="1" dur="indefinite" restart="never" nodeType="tmRoot"/>
+      </p:par>
+    </p:tnLst>
+  </p:timing>
+</p:sld>
+</file>
+
+<file path=ppt/slides/slide15.xml><?xml version="1.0" encoding="utf-8"?>
 <p:sld xmlns:a="http://schemas.openxmlformats.org/drawingml/2006/main" xmlns:r="http://schemas.openxmlformats.org/officeDocument/2006/relationships" xmlns:p="http://schemas.openxmlformats.org/presentationml/2006/main">
   <p:cSld>
     <p:spTree>
@@ -7613,7 +11246,35 @@
                 <a:ea typeface="Times New Roman"/>
                 <a:cs typeface="Times New Roman"/>
               </a:rPr>
-              <a:t> Email Exchange</a:t>
+              <a:t> </a:t>
+            </a:r>
+            <a:r>
+              <a:rPr lang="pt-PT" sz="2800" b="1" kern="0" dirty="0" err="1" smtClean="0">
+                <a:solidFill>
+                  <a:schemeClr val="tx2">
+                    <a:lumMod val="60000"/>
+                    <a:lumOff val="40000"/>
+                  </a:schemeClr>
+                </a:solidFill>
+                <a:latin typeface="Hobo Std"/>
+                <a:ea typeface="Times New Roman"/>
+                <a:cs typeface="Times New Roman"/>
+              </a:rPr>
+              <a:t>Message</a:t>
+            </a:r>
+            <a:r>
+              <a:rPr lang="pt-PT" sz="2800" b="1" kern="0" dirty="0" smtClean="0">
+                <a:solidFill>
+                  <a:schemeClr val="tx2">
+                    <a:lumMod val="60000"/>
+                    <a:lumOff val="40000"/>
+                  </a:schemeClr>
+                </a:solidFill>
+                <a:latin typeface="Hobo Std"/>
+                <a:ea typeface="Times New Roman"/>
+                <a:cs typeface="Times New Roman"/>
+              </a:rPr>
+              <a:t> Exchange</a:t>
             </a:r>
             <a:endParaRPr lang="pt-PT" sz="3600" b="1" kern="0" dirty="0">
               <a:solidFill>
@@ -7800,8 +11461,8 @@
         </p:blipFill>
         <p:spPr>
           <a:xfrm>
-            <a:off x="6732240" y="1484784"/>
-            <a:ext cx="2054515" cy="4741855"/>
+            <a:off x="7236296" y="1484785"/>
+            <a:ext cx="1372760" cy="3168352"/>
           </a:xfrm>
           <a:prstGeom prst="rect">
             <a:avLst/>
@@ -7817,7 +11478,7 @@
         <p:spPr>
           <a:xfrm>
             <a:off x="395536" y="1484784"/>
-            <a:ext cx="4412605" cy="646331"/>
+            <a:ext cx="4412605" cy="584776"/>
           </a:xfrm>
           <a:prstGeom prst="rect">
             <a:avLst/>
@@ -7831,7 +11492,7 @@
           <a:p>
             <a:pPr lvl="0"/>
             <a:r>
-              <a:rPr lang="pt-PT" sz="3600" b="1" dirty="0" err="1" smtClean="0">
+              <a:rPr lang="pt-PT" sz="3200" b="1" dirty="0" err="1" smtClean="0">
                 <a:solidFill>
                   <a:schemeClr val="tx2">
                     <a:lumMod val="75000"/>
@@ -7841,7 +11502,7 @@
               </a:rPr>
               <a:t>WikiLeaks</a:t>
             </a:r>
-            <a:endParaRPr lang="pt-PT" sz="3600" b="1" dirty="0">
+            <a:endParaRPr lang="pt-PT" sz="3200" b="1" dirty="0">
               <a:solidFill>
                 <a:schemeClr val="tx2">
                   <a:lumMod val="75000"/>
@@ -7860,8 +11521,8 @@
         </p:nvSpPr>
         <p:spPr>
           <a:xfrm>
-            <a:off x="323528" y="2348880"/>
-            <a:ext cx="6552728" cy="492443"/>
+            <a:off x="323528" y="2247255"/>
+            <a:ext cx="6552728" cy="461665"/>
           </a:xfrm>
           <a:prstGeom prst="rect">
             <a:avLst/>
@@ -7878,48 +11539,48 @@
               <a:buChar char="•"/>
             </a:pPr>
             <a:r>
-              <a:rPr lang="pt-PT" sz="2600" b="1" dirty="0" smtClean="0">
+              <a:rPr lang="pt-PT" sz="2400" b="1" dirty="0" smtClean="0">
                 <a:latin typeface="Bell Gothic Std Light" pitchFamily="34" charset="0"/>
               </a:rPr>
               <a:t>400 000 Top </a:t>
             </a:r>
             <a:r>
-              <a:rPr lang="pt-PT" sz="2600" b="1" dirty="0" err="1" smtClean="0">
+              <a:rPr lang="pt-PT" sz="2400" b="1" dirty="0" err="1" smtClean="0">
                 <a:latin typeface="Bell Gothic Std Light" pitchFamily="34" charset="0"/>
               </a:rPr>
               <a:t>Secret</a:t>
             </a:r>
             <a:r>
-              <a:rPr lang="pt-PT" sz="2600" b="1" dirty="0" smtClean="0">
+              <a:rPr lang="pt-PT" sz="2400" b="1" dirty="0" smtClean="0">
                 <a:latin typeface="Bell Gothic Std Light" pitchFamily="34" charset="0"/>
               </a:rPr>
               <a:t> USA </a:t>
             </a:r>
             <a:r>
-              <a:rPr lang="pt-PT" sz="2600" b="1" dirty="0" err="1" smtClean="0">
+              <a:rPr lang="pt-PT" sz="2400" b="1" dirty="0" err="1" smtClean="0">
                 <a:latin typeface="Bell Gothic Std Light" pitchFamily="34" charset="0"/>
               </a:rPr>
               <a:t>Army</a:t>
             </a:r>
             <a:r>
-              <a:rPr lang="pt-PT" sz="2600" b="1" dirty="0" smtClean="0">
+              <a:rPr lang="pt-PT" sz="2400" b="1" dirty="0" smtClean="0">
                 <a:latin typeface="Bell Gothic Std Light" pitchFamily="34" charset="0"/>
               </a:rPr>
               <a:t> </a:t>
             </a:r>
             <a:r>
-              <a:rPr lang="pt-PT" sz="2600" b="1" dirty="0" err="1" smtClean="0">
+              <a:rPr lang="pt-PT" sz="2400" b="1" dirty="0" err="1" smtClean="0">
                 <a:latin typeface="Bell Gothic Std Light" pitchFamily="34" charset="0"/>
               </a:rPr>
               <a:t>Docs</a:t>
             </a:r>
             <a:r>
-              <a:rPr lang="pt-PT" sz="2600" b="1" dirty="0" smtClean="0">
+              <a:rPr lang="pt-PT" sz="2400" b="1" dirty="0" smtClean="0">
                 <a:latin typeface="Bell Gothic Std Light" pitchFamily="34" charset="0"/>
               </a:rPr>
               <a:t> </a:t>
             </a:r>
-            <a:endParaRPr lang="en-US" sz="2600" dirty="0"/>
+            <a:endParaRPr lang="en-US" sz="2400" dirty="0"/>
           </a:p>
         </p:txBody>
       </p:sp>
@@ -7931,8 +11592,8 @@
         </p:nvSpPr>
         <p:spPr>
           <a:xfrm>
-            <a:off x="467544" y="3224589"/>
-            <a:ext cx="4412605" cy="646331"/>
+            <a:off x="467544" y="3068960"/>
+            <a:ext cx="4412605" cy="584776"/>
           </a:xfrm>
           <a:prstGeom prst="rect">
             <a:avLst/>
@@ -7946,7 +11607,7 @@
           <a:p>
             <a:pPr lvl="0"/>
             <a:r>
-              <a:rPr lang="pt-PT" sz="3600" b="1" dirty="0">
+              <a:rPr lang="pt-PT" sz="3200" b="1" dirty="0">
                 <a:solidFill>
                   <a:schemeClr val="tx2">
                     <a:lumMod val="75000"/>
@@ -7957,7 +11618,7 @@
               <a:t>S</a:t>
             </a:r>
             <a:r>
-              <a:rPr lang="pt-PT" sz="3600" b="1" dirty="0" smtClean="0">
+              <a:rPr lang="pt-PT" sz="3200" b="1" dirty="0" smtClean="0">
                 <a:solidFill>
                   <a:schemeClr val="tx2">
                     <a:lumMod val="75000"/>
@@ -7967,7 +11628,7 @@
               </a:rPr>
               <a:t>arah Palin</a:t>
             </a:r>
-            <a:endParaRPr lang="pt-PT" sz="3600" b="1" dirty="0">
+            <a:endParaRPr lang="pt-PT" sz="3200" b="1" dirty="0">
               <a:solidFill>
                 <a:schemeClr val="tx2">
                   <a:lumMod val="75000"/>
@@ -7986,8 +11647,8 @@
         </p:nvSpPr>
         <p:spPr>
           <a:xfrm>
-            <a:off x="395536" y="4088685"/>
-            <a:ext cx="6552728" cy="892552"/>
+            <a:off x="395536" y="3717032"/>
+            <a:ext cx="6552728" cy="830997"/>
           </a:xfrm>
           <a:prstGeom prst="rect">
             <a:avLst/>
@@ -8004,24 +11665,30 @@
               <a:buChar char="•"/>
             </a:pPr>
             <a:r>
-              <a:rPr lang="pt-PT" sz="2600" b="1" dirty="0" smtClean="0">
+              <a:rPr lang="pt-PT" sz="2400" b="1" dirty="0" smtClean="0">
                 <a:latin typeface="Bell Gothic Std Light" pitchFamily="34" charset="0"/>
               </a:rPr>
-              <a:t>US Vice </a:t>
-            </a:r>
-            <a:r>
-              <a:rPr lang="pt-PT" sz="2600" b="1" dirty="0" err="1" smtClean="0">
+              <a:t>USA </a:t>
+            </a:r>
+            <a:r>
+              <a:rPr lang="pt-PT" sz="2400" b="1" dirty="0" smtClean="0">
                 <a:latin typeface="Bell Gothic Std Light" pitchFamily="34" charset="0"/>
               </a:rPr>
+              <a:t>Vice </a:t>
+            </a:r>
+            <a:r>
+              <a:rPr lang="pt-PT" sz="2400" b="1" dirty="0" err="1" smtClean="0">
+                <a:latin typeface="Bell Gothic Std Light" pitchFamily="34" charset="0"/>
+              </a:rPr>
               <a:t>Presidential</a:t>
             </a:r>
             <a:r>
-              <a:rPr lang="pt-PT" sz="2600" b="1" dirty="0" smtClean="0">
+              <a:rPr lang="pt-PT" sz="2400" b="1" dirty="0" smtClean="0">
                 <a:latin typeface="Bell Gothic Std Light" pitchFamily="34" charset="0"/>
               </a:rPr>
               <a:t> Candidate</a:t>
             </a:r>
-            <a:endParaRPr lang="en-US" sz="2600" dirty="0" smtClean="0"/>
+            <a:endParaRPr lang="en-US" sz="2400" dirty="0" smtClean="0"/>
           </a:p>
           <a:p>
             <a:pPr marL="457200" indent="-457200">
@@ -8029,7 +11696,7 @@
               <a:buChar char="•"/>
             </a:pPr>
             <a:r>
-              <a:rPr lang="en-US" sz="2600" b="1" dirty="0" smtClean="0">
+              <a:rPr lang="en-US" sz="2400" b="1" dirty="0" smtClean="0">
                 <a:solidFill>
                   <a:srgbClr val="FF0000"/>
                 </a:solidFill>
@@ -8038,7 +11705,7 @@
               <a:t>Stolen</a:t>
             </a:r>
             <a:r>
-              <a:rPr lang="en-US" sz="2600" b="1" dirty="0" smtClean="0">
+              <a:rPr lang="en-US" sz="2400" b="1" dirty="0" smtClean="0">
                 <a:solidFill>
                   <a:schemeClr val="accent2">
                     <a:lumMod val="75000"/>
@@ -8049,12 +11716,12 @@
               <a:t> </a:t>
             </a:r>
             <a:r>
-              <a:rPr lang="en-US" sz="2600" b="1" dirty="0" smtClean="0">
+              <a:rPr lang="en-US" sz="2400" b="1" dirty="0" smtClean="0">
                 <a:latin typeface="Bell Gothic Std Light" pitchFamily="34" charset="0"/>
               </a:rPr>
               <a:t>Email Account</a:t>
             </a:r>
-            <a:endParaRPr lang="pt-PT" sz="2600" b="1" dirty="0" smtClean="0">
+            <a:endParaRPr lang="pt-PT" sz="2400" b="1" dirty="0" smtClean="0">
               <a:latin typeface="Bell Gothic Std Light" pitchFamily="34" charset="0"/>
             </a:endParaRPr>
           </a:p>
@@ -8244,6 +11911,44 @@
           </p:txBody>
         </p:sp>
       </p:grpSp>
+      <p:sp>
+        <p:nvSpPr>
+          <p:cNvPr id="6" name="Rectangle 5"/>
+          <p:cNvSpPr/>
+          <p:nvPr/>
+        </p:nvSpPr>
+        <p:spPr>
+          <a:xfrm>
+            <a:off x="1331640" y="5373216"/>
+            <a:ext cx="5616624" cy="584776"/>
+          </a:xfrm>
+          <a:prstGeom prst="rect">
+            <a:avLst/>
+          </a:prstGeom>
+        </p:spPr>
+        <p:txBody>
+          <a:bodyPr wrap="square">
+            <a:spAutoFit/>
+          </a:bodyPr>
+          <a:lstStyle/>
+          <a:p>
+            <a:r>
+              <a:rPr lang="en-US" sz="3200" b="1" u="sng" dirty="0" smtClean="0">
+                <a:solidFill>
+                  <a:srgbClr val="FF0000"/>
+                </a:solidFill>
+                <a:latin typeface="Bell Gothic Std Light" pitchFamily="34" charset="0"/>
+              </a:rPr>
+              <a:t>Do you want be the next?</a:t>
+            </a:r>
+            <a:endParaRPr lang="en-US" sz="3200" u="sng" dirty="0">
+              <a:solidFill>
+                <a:srgbClr val="FF0000"/>
+              </a:solidFill>
+            </a:endParaRPr>
+          </a:p>
+        </p:txBody>
+      </p:sp>
     </p:spTree>
     <p:extLst>
       <p:ext uri="{BB962C8B-B14F-4D97-AF65-F5344CB8AC3E}">
@@ -8303,7 +12008,7 @@
         </p:blipFill>
         <p:spPr>
           <a:xfrm>
-            <a:off x="5868144" y="1196752"/>
+            <a:off x="5652120" y="1412776"/>
             <a:ext cx="2088232" cy="2088232"/>
           </a:xfrm>
           <a:prstGeom prst="rect">
@@ -8393,16 +12098,7 @@
                   </a:solidFill>
                   <a:latin typeface="Berlin Sans FB"/>
                 </a:rPr>
-                <a:t>I</a:t>
-              </a:r>
-              <a:r>
-                <a:rPr lang="pt-PT" sz="3600" dirty="0" err="1" smtClean="0">
-                  <a:solidFill>
-                    <a:schemeClr val="bg1"/>
-                  </a:solidFill>
-                  <a:latin typeface="Berlin Sans FB"/>
-                </a:rPr>
-                <a:t>nformation</a:t>
+                <a:t>Information</a:t>
               </a:r>
               <a:r>
                 <a:rPr lang="pt-PT" sz="3600" dirty="0" smtClean="0">
@@ -8786,6 +12482,96 @@
           </p:txBody>
         </p:sp>
       </p:grpSp>
+      <p:pic>
+        <p:nvPicPr>
+          <p:cNvPr id="17" name="Picture 16" descr="Continente.png"/>
+          <p:cNvPicPr>
+            <a:picLocks noChangeAspect="1"/>
+          </p:cNvPicPr>
+          <p:nvPr/>
+        </p:nvPicPr>
+        <p:blipFill>
+          <a:blip r:embed="rId9">
+            <a:extLst>
+              <a:ext uri="{28A0092B-C50C-407E-A947-70E740481C1C}">
+                <a14:useLocalDpi xmlns:a14="http://schemas.microsoft.com/office/drawing/2010/main" val="0"/>
+              </a:ext>
+            </a:extLst>
+          </a:blip>
+          <a:stretch>
+            <a:fillRect/>
+          </a:stretch>
+        </p:blipFill>
+        <p:spPr>
+          <a:xfrm>
+            <a:off x="7366780" y="1628800"/>
+            <a:ext cx="1669716" cy="720080"/>
+          </a:xfrm>
+          <a:prstGeom prst="rect">
+            <a:avLst/>
+          </a:prstGeom>
+        </p:spPr>
+      </p:pic>
+      <p:pic>
+        <p:nvPicPr>
+          <p:cNvPr id="18" name="Picture 17" descr="pingo-doce.jpg"/>
+          <p:cNvPicPr>
+            <a:picLocks noChangeAspect="1"/>
+          </p:cNvPicPr>
+          <p:nvPr/>
+        </p:nvPicPr>
+        <p:blipFill>
+          <a:blip r:embed="rId10" cstate="print">
+            <a:extLst>
+              <a:ext uri="{28A0092B-C50C-407E-A947-70E740481C1C}">
+                <a14:useLocalDpi xmlns:a14="http://schemas.microsoft.com/office/drawing/2010/main" val="0"/>
+              </a:ext>
+            </a:extLst>
+          </a:blip>
+          <a:stretch>
+            <a:fillRect/>
+          </a:stretch>
+        </p:blipFill>
+        <p:spPr>
+          <a:xfrm>
+            <a:off x="755576" y="5589240"/>
+            <a:ext cx="1894019" cy="720080"/>
+          </a:xfrm>
+          <a:prstGeom prst="rect">
+            <a:avLst/>
+          </a:prstGeom>
+        </p:spPr>
+      </p:pic>
+      <p:pic>
+        <p:nvPicPr>
+          <p:cNvPr id="19" name="Picture 18" descr="pingo-doce.jpg"/>
+          <p:cNvPicPr>
+            <a:picLocks noChangeAspect="1"/>
+          </p:cNvPicPr>
+          <p:nvPr/>
+        </p:nvPicPr>
+        <p:blipFill>
+          <a:blip r:embed="rId10" cstate="print">
+            <a:extLst>
+              <a:ext uri="{28A0092B-C50C-407E-A947-70E740481C1C}">
+                <a14:useLocalDpi xmlns:a14="http://schemas.microsoft.com/office/drawing/2010/main" val="0"/>
+              </a:ext>
+            </a:extLst>
+          </a:blip>
+          <a:stretch>
+            <a:fillRect/>
+          </a:stretch>
+        </p:blipFill>
+        <p:spPr>
+          <a:xfrm>
+            <a:off x="6660232" y="5589240"/>
+            <a:ext cx="1894019" cy="720080"/>
+          </a:xfrm>
+          <a:prstGeom prst="rect">
+            <a:avLst/>
+          </a:prstGeom>
+        </p:spPr>
+      </p:pic>
     </p:spTree>
     <p:extLst>
       <p:ext uri="{BB962C8B-B14F-4D97-AF65-F5344CB8AC3E}">
@@ -8848,6 +12634,33 @@
                                         </p:tgtEl>
                                       </p:cBhvr>
                                     </p:animEffect>
+                                  </p:childTnLst>
+                                </p:cTn>
+                              </p:par>
+                              <p:par>
+                                <p:cTn id="8" presetID="1" presetClass="entr" presetSubtype="0" fill="hold" nodeType="withEffect">
+                                  <p:stCondLst>
+                                    <p:cond delay="0"/>
+                                  </p:stCondLst>
+                                  <p:childTnLst>
+                                    <p:set>
+                                      <p:cBhvr>
+                                        <p:cTn id="9" dur="1" fill="hold">
+                                          <p:stCondLst>
+                                            <p:cond delay="0"/>
+                                          </p:stCondLst>
+                                        </p:cTn>
+                                        <p:tgtEl>
+                                          <p:spTgt spid="17"/>
+                                        </p:tgtEl>
+                                        <p:attrNameLst>
+                                          <p:attrName>style.visibility</p:attrName>
+                                        </p:attrNameLst>
+                                      </p:cBhvr>
+                                      <p:to>
+                                        <p:strVal val="visible"/>
+                                      </p:to>
+                                    </p:set>
                                   </p:childTnLst>
                                 </p:cTn>
                               </p:par>
@@ -9417,6 +13230,66 @@
           </p:txBody>
         </p:sp>
       </p:grpSp>
+      <p:pic>
+        <p:nvPicPr>
+          <p:cNvPr id="2" name="Picture 1" descr="key.png"/>
+          <p:cNvPicPr>
+            <a:picLocks noChangeAspect="1"/>
+          </p:cNvPicPr>
+          <p:nvPr/>
+        </p:nvPicPr>
+        <p:blipFill>
+          <a:blip r:embed="rId10">
+            <a:extLst>
+              <a:ext uri="{28A0092B-C50C-407E-A947-70E740481C1C}">
+                <a14:useLocalDpi xmlns:a14="http://schemas.microsoft.com/office/drawing/2010/main" val="0"/>
+              </a:ext>
+            </a:extLst>
+          </a:blip>
+          <a:stretch>
+            <a:fillRect/>
+          </a:stretch>
+        </p:blipFill>
+        <p:spPr>
+          <a:xfrm>
+            <a:off x="1475656" y="3573016"/>
+            <a:ext cx="720080" cy="720080"/>
+          </a:xfrm>
+          <a:prstGeom prst="rect">
+            <a:avLst/>
+          </a:prstGeom>
+        </p:spPr>
+      </p:pic>
+      <p:pic>
+        <p:nvPicPr>
+          <p:cNvPr id="22" name="Picture 21" descr="key.png"/>
+          <p:cNvPicPr>
+            <a:picLocks noChangeAspect="1"/>
+          </p:cNvPicPr>
+          <p:nvPr/>
+        </p:nvPicPr>
+        <p:blipFill>
+          <a:blip r:embed="rId10">
+            <a:extLst>
+              <a:ext uri="{28A0092B-C50C-407E-A947-70E740481C1C}">
+                <a14:useLocalDpi xmlns:a14="http://schemas.microsoft.com/office/drawing/2010/main" val="0"/>
+              </a:ext>
+            </a:extLst>
+          </a:blip>
+          <a:stretch>
+            <a:fillRect/>
+          </a:stretch>
+        </p:blipFill>
+        <p:spPr>
+          <a:xfrm>
+            <a:off x="5652120" y="4293096"/>
+            <a:ext cx="720080" cy="720080"/>
+          </a:xfrm>
+          <a:prstGeom prst="rect">
+            <a:avLst/>
+          </a:prstGeom>
+        </p:spPr>
+      </p:pic>
     </p:spTree>
     <p:extLst>
       <p:ext uri="{BB962C8B-B14F-4D97-AF65-F5344CB8AC3E}">
@@ -9645,6 +13518,945 @@
             <a:lstStyle/>
             <a:p>
               <a:r>
+                <a:rPr lang="pt-PT" sz="3600" dirty="0" err="1" smtClean="0">
+                  <a:solidFill>
+                    <a:schemeClr val="bg1"/>
+                  </a:solidFill>
+                  <a:latin typeface="Berlin Sans FB"/>
+                </a:rPr>
+                <a:t>Profits</a:t>
+              </a:r>
+              <a:endParaRPr lang="pt-PT" sz="3600" dirty="0" smtClean="0">
+                <a:solidFill>
+                  <a:schemeClr val="bg1"/>
+                </a:solidFill>
+                <a:latin typeface="Berlin Sans FB"/>
+              </a:endParaRPr>
+            </a:p>
+          </p:txBody>
+        </p:sp>
+      </p:grpSp>
+      <p:pic>
+        <p:nvPicPr>
+          <p:cNvPr id="16" name="Picture 15" descr="istlogo.png"/>
+          <p:cNvPicPr>
+            <a:picLocks noChangeAspect="1"/>
+          </p:cNvPicPr>
+          <p:nvPr/>
+        </p:nvPicPr>
+        <p:blipFill>
+          <a:blip r:embed="rId4">
+            <a:extLst>
+              <a:ext uri="{28A0092B-C50C-407E-A947-70E740481C1C}">
+                <a14:useLocalDpi xmlns:a14="http://schemas.microsoft.com/office/drawing/2010/main" val="0"/>
+              </a:ext>
+            </a:extLst>
+          </a:blip>
+          <a:stretch>
+            <a:fillRect/>
+          </a:stretch>
+        </p:blipFill>
+        <p:spPr>
+          <a:xfrm>
+            <a:off x="6660232" y="188640"/>
+            <a:ext cx="2304256" cy="911214"/>
+          </a:xfrm>
+          <a:prstGeom prst="rect">
+            <a:avLst/>
+          </a:prstGeom>
+        </p:spPr>
+      </p:pic>
+      <p:grpSp>
+        <p:nvGrpSpPr>
+          <p:cNvPr id="17" name="Group 16"/>
+          <p:cNvGrpSpPr/>
+          <p:nvPr/>
+        </p:nvGrpSpPr>
+        <p:grpSpPr>
+          <a:xfrm>
+            <a:off x="0" y="6309320"/>
+            <a:ext cx="9144000" cy="548680"/>
+            <a:chOff x="0" y="6309320"/>
+            <a:chExt cx="9144000" cy="548680"/>
+          </a:xfrm>
+        </p:grpSpPr>
+        <p:sp>
+          <p:nvSpPr>
+            <p:cNvPr id="18" name="Rectangle 17"/>
+            <p:cNvSpPr/>
+            <p:nvPr/>
+          </p:nvSpPr>
+          <p:spPr>
+            <a:xfrm>
+              <a:off x="0" y="6309320"/>
+              <a:ext cx="9144000" cy="548680"/>
+            </a:xfrm>
+            <a:prstGeom prst="rect">
+              <a:avLst/>
+            </a:prstGeom>
+          </p:spPr>
+          <p:style>
+            <a:lnRef idx="1">
+              <a:schemeClr val="accent1"/>
+            </a:lnRef>
+            <a:fillRef idx="3">
+              <a:schemeClr val="accent1"/>
+            </a:fillRef>
+            <a:effectRef idx="2">
+              <a:schemeClr val="accent1"/>
+            </a:effectRef>
+            <a:fontRef idx="minor">
+              <a:schemeClr val="lt1"/>
+            </a:fontRef>
+          </p:style>
+          <p:txBody>
+            <a:bodyPr rtlCol="0" anchor="ctr"/>
+            <a:lstStyle/>
+            <a:p>
+              <a:pPr algn="ctr"/>
+              <a:endParaRPr lang="en-US"/>
+            </a:p>
+          </p:txBody>
+        </p:sp>
+        <p:sp>
+          <p:nvSpPr>
+            <p:cNvPr id="19" name="TextBox 18"/>
+            <p:cNvSpPr txBox="1"/>
+            <p:nvPr/>
+          </p:nvSpPr>
+          <p:spPr>
+            <a:xfrm>
+              <a:off x="251520" y="6381328"/>
+              <a:ext cx="3960440" cy="400110"/>
+            </a:xfrm>
+            <a:prstGeom prst="rect">
+              <a:avLst/>
+            </a:prstGeom>
+            <a:noFill/>
+          </p:spPr>
+          <p:txBody>
+            <a:bodyPr wrap="square" rtlCol="0">
+              <a:spAutoFit/>
+            </a:bodyPr>
+            <a:lstStyle/>
+            <a:p>
+              <a:r>
+                <a:rPr lang="en-US" sz="2000" b="1" dirty="0" smtClean="0">
+                  <a:solidFill>
+                    <a:schemeClr val="bg1"/>
+                  </a:solidFill>
+                </a:rPr>
+                <a:t>AISS Secure Mail</a:t>
+              </a:r>
+              <a:endParaRPr lang="en-US" sz="2000" b="1" dirty="0">
+                <a:solidFill>
+                  <a:schemeClr val="bg1"/>
+                </a:solidFill>
+              </a:endParaRPr>
+            </a:p>
+          </p:txBody>
+        </p:sp>
+        <p:sp>
+          <p:nvSpPr>
+            <p:cNvPr id="20" name="TextBox 19"/>
+            <p:cNvSpPr txBox="1"/>
+            <p:nvPr/>
+          </p:nvSpPr>
+          <p:spPr>
+            <a:xfrm>
+              <a:off x="4716016" y="6381328"/>
+              <a:ext cx="3960440" cy="400110"/>
+            </a:xfrm>
+            <a:prstGeom prst="rect">
+              <a:avLst/>
+            </a:prstGeom>
+            <a:noFill/>
+          </p:spPr>
+          <p:txBody>
+            <a:bodyPr wrap="square" rtlCol="0">
+              <a:spAutoFit/>
+            </a:bodyPr>
+            <a:lstStyle/>
+            <a:p>
+              <a:pPr algn="r"/>
+              <a:r>
+                <a:rPr lang="en-US" sz="2000" b="1" dirty="0" err="1" smtClean="0">
+                  <a:solidFill>
+                    <a:srgbClr val="FFFFFF"/>
+                  </a:solidFill>
+                </a:rPr>
+                <a:t>Gonçalo</a:t>
+              </a:r>
+              <a:r>
+                <a:rPr lang="en-US" sz="2000" b="1" dirty="0" smtClean="0">
+                  <a:solidFill>
+                    <a:srgbClr val="FFFFFF"/>
+                  </a:solidFill>
+                </a:rPr>
+                <a:t> </a:t>
+              </a:r>
+              <a:r>
+                <a:rPr lang="en-US" sz="2000" b="1" dirty="0" err="1" smtClean="0">
+                  <a:solidFill>
+                    <a:srgbClr val="FFFFFF"/>
+                  </a:solidFill>
+                </a:rPr>
+                <a:t>Carito</a:t>
+              </a:r>
+              <a:r>
+                <a:rPr lang="en-US" sz="2000" b="1" dirty="0" smtClean="0">
+                  <a:solidFill>
+                    <a:srgbClr val="FFFFFF"/>
+                  </a:solidFill>
+                </a:rPr>
+                <a:t>, Dário Nascimento</a:t>
+              </a:r>
+              <a:endParaRPr lang="en-US" sz="2000" b="1" dirty="0">
+                <a:solidFill>
+                  <a:srgbClr val="FFFFFF"/>
+                </a:solidFill>
+              </a:endParaRPr>
+            </a:p>
+          </p:txBody>
+        </p:sp>
+      </p:grpSp>
+      <p:sp>
+        <p:nvSpPr>
+          <p:cNvPr id="10" name="TextBox 9"/>
+          <p:cNvSpPr txBox="1"/>
+          <p:nvPr/>
+        </p:nvSpPr>
+        <p:spPr>
+          <a:xfrm>
+            <a:off x="2195736" y="2276872"/>
+            <a:ext cx="4392488" cy="646331"/>
+          </a:xfrm>
+          <a:prstGeom prst="rect">
+            <a:avLst/>
+          </a:prstGeom>
+          <a:noFill/>
+        </p:spPr>
+        <p:txBody>
+          <a:bodyPr wrap="square" rtlCol="0">
+            <a:spAutoFit/>
+          </a:bodyPr>
+          <a:lstStyle/>
+          <a:p>
+            <a:r>
+              <a:rPr lang="en-US" sz="3600" b="1" dirty="0">
+                <a:solidFill>
+                  <a:srgbClr val="008000"/>
+                </a:solidFill>
+              </a:rPr>
+              <a:t>Business A</a:t>
+            </a:r>
+            <a:r>
+              <a:rPr lang="en-US" sz="3600" b="1" dirty="0" smtClean="0">
+                <a:solidFill>
+                  <a:srgbClr val="008000"/>
+                </a:solidFill>
+              </a:rPr>
+              <a:t>dvantage</a:t>
+            </a:r>
+          </a:p>
+        </p:txBody>
+      </p:sp>
+      <p:pic>
+        <p:nvPicPr>
+          <p:cNvPr id="12" name="Picture 11" descr="images.jpeg"/>
+          <p:cNvPicPr>
+            <a:picLocks noChangeAspect="1"/>
+          </p:cNvPicPr>
+          <p:nvPr/>
+        </p:nvPicPr>
+        <p:blipFill>
+          <a:blip r:embed="rId5">
+            <a:extLst>
+              <a:ext uri="{28A0092B-C50C-407E-A947-70E740481C1C}">
+                <a14:useLocalDpi xmlns:a14="http://schemas.microsoft.com/office/drawing/2010/main" val="0"/>
+              </a:ext>
+            </a:extLst>
+          </a:blip>
+          <a:stretch>
+            <a:fillRect/>
+          </a:stretch>
+        </p:blipFill>
+        <p:spPr>
+          <a:xfrm>
+            <a:off x="1331640" y="2348880"/>
+            <a:ext cx="720080" cy="720080"/>
+          </a:xfrm>
+          <a:prstGeom prst="rect">
+            <a:avLst/>
+          </a:prstGeom>
+        </p:spPr>
+      </p:pic>
+      <p:sp>
+        <p:nvSpPr>
+          <p:cNvPr id="24" name="TextBox 23"/>
+          <p:cNvSpPr txBox="1"/>
+          <p:nvPr/>
+        </p:nvSpPr>
+        <p:spPr>
+          <a:xfrm>
+            <a:off x="2195736" y="3501008"/>
+            <a:ext cx="4392488" cy="646331"/>
+          </a:xfrm>
+          <a:prstGeom prst="rect">
+            <a:avLst/>
+          </a:prstGeom>
+          <a:noFill/>
+        </p:spPr>
+        <p:txBody>
+          <a:bodyPr wrap="square" rtlCol="0">
+            <a:spAutoFit/>
+          </a:bodyPr>
+          <a:lstStyle/>
+          <a:p>
+            <a:r>
+              <a:rPr lang="en-US" sz="3600" b="1" dirty="0">
+                <a:solidFill>
+                  <a:srgbClr val="008000"/>
+                </a:solidFill>
+              </a:rPr>
+              <a:t>Business </a:t>
+            </a:r>
+            <a:r>
+              <a:rPr lang="en-US" sz="3600" b="1" dirty="0" smtClean="0">
+                <a:solidFill>
+                  <a:srgbClr val="008000"/>
+                </a:solidFill>
+              </a:rPr>
+              <a:t>Security</a:t>
+            </a:r>
+          </a:p>
+        </p:txBody>
+      </p:sp>
+      <p:pic>
+        <p:nvPicPr>
+          <p:cNvPr id="27" name="Picture 26" descr="images.jpeg"/>
+          <p:cNvPicPr>
+            <a:picLocks noChangeAspect="1"/>
+          </p:cNvPicPr>
+          <p:nvPr/>
+        </p:nvPicPr>
+        <p:blipFill>
+          <a:blip r:embed="rId5">
+            <a:extLst>
+              <a:ext uri="{28A0092B-C50C-407E-A947-70E740481C1C}">
+                <a14:useLocalDpi xmlns:a14="http://schemas.microsoft.com/office/drawing/2010/main" val="0"/>
+              </a:ext>
+            </a:extLst>
+          </a:blip>
+          <a:stretch>
+            <a:fillRect/>
+          </a:stretch>
+        </p:blipFill>
+        <p:spPr>
+          <a:xfrm>
+            <a:off x="1331640" y="3501008"/>
+            <a:ext cx="720080" cy="720080"/>
+          </a:xfrm>
+          <a:prstGeom prst="rect">
+            <a:avLst/>
+          </a:prstGeom>
+        </p:spPr>
+      </p:pic>
+      <p:pic>
+        <p:nvPicPr>
+          <p:cNvPr id="14" name="Picture 13"/>
+          <p:cNvPicPr>
+            <a:picLocks noChangeAspect="1"/>
+          </p:cNvPicPr>
+          <p:nvPr/>
+        </p:nvPicPr>
+        <p:blipFill>
+          <a:blip r:embed="rId6"/>
+          <a:stretch>
+            <a:fillRect/>
+          </a:stretch>
+        </p:blipFill>
+        <p:spPr>
+          <a:xfrm>
+            <a:off x="6420204" y="4365104"/>
+            <a:ext cx="2431819" cy="1823864"/>
+          </a:xfrm>
+          <a:prstGeom prst="rect">
+            <a:avLst/>
+          </a:prstGeom>
+        </p:spPr>
+      </p:pic>
+    </p:spTree>
+    <p:extLst>
+      <p:ext uri="{BB962C8B-B14F-4D97-AF65-F5344CB8AC3E}">
+        <p14:creationId xmlns:p14="http://schemas.microsoft.com/office/powerpoint/2010/main" val="4195553126"/>
+      </p:ext>
+    </p:extLst>
+  </p:cSld>
+  <p:clrMapOvr>
+    <a:masterClrMapping/>
+  </p:clrMapOvr>
+  <p:timing>
+    <p:tnLst>
+      <p:par>
+        <p:cTn xmlns:p14="http://schemas.microsoft.com/office/powerpoint/2010/main" id="1" dur="indefinite" restart="never" nodeType="tmRoot"/>
+      </p:par>
+    </p:tnLst>
+  </p:timing>
+</p:sld>
+</file>
+
+<file path=ppt/slides/slide6.xml><?xml version="1.0" encoding="utf-8"?>
+<p:sld xmlns:a="http://schemas.openxmlformats.org/drawingml/2006/main" xmlns:r="http://schemas.openxmlformats.org/officeDocument/2006/relationships" xmlns:p="http://schemas.openxmlformats.org/presentationml/2006/main">
+  <p:cSld>
+    <p:spTree>
+      <p:nvGrpSpPr>
+        <p:cNvPr id="1" name=""/>
+        <p:cNvGrpSpPr/>
+        <p:nvPr/>
+      </p:nvGrpSpPr>
+      <p:grpSpPr>
+        <a:xfrm>
+          <a:off x="0" y="0"/>
+          <a:ext cx="0" cy="0"/>
+          <a:chOff x="0" y="0"/>
+          <a:chExt cx="0" cy="0"/>
+        </a:xfrm>
+      </p:grpSpPr>
+      <p:grpSp>
+        <p:nvGrpSpPr>
+          <p:cNvPr id="4" name="Group 3"/>
+          <p:cNvGrpSpPr/>
+          <p:nvPr/>
+        </p:nvGrpSpPr>
+        <p:grpSpPr>
+          <a:xfrm>
+            <a:off x="31643" y="44685"/>
+            <a:ext cx="6412565" cy="1152067"/>
+            <a:chOff x="31643" y="1340829"/>
+            <a:chExt cx="6412565" cy="1152067"/>
+          </a:xfrm>
+        </p:grpSpPr>
+        <p:pic>
+          <p:nvPicPr>
+            <p:cNvPr id="3" name="Picture 2" descr="logo.png"/>
+            <p:cNvPicPr>
+              <a:picLocks noChangeAspect="1"/>
+            </p:cNvPicPr>
+            <p:nvPr/>
+          </p:nvPicPr>
+          <p:blipFill>
+            <a:blip r:embed="rId3">
+              <a:extLst>
+                <a:ext uri="{28A0092B-C50C-407E-A947-70E740481C1C}">
+                  <a14:useLocalDpi xmlns:a14="http://schemas.microsoft.com/office/drawing/2010/main" val="0"/>
+                </a:ext>
+              </a:extLst>
+            </a:blip>
+            <a:stretch>
+              <a:fillRect/>
+            </a:stretch>
+          </p:blipFill>
+          <p:spPr>
+            <a:xfrm>
+              <a:off x="31643" y="1340829"/>
+              <a:ext cx="6412565" cy="1152067"/>
+            </a:xfrm>
+            <a:prstGeom prst="rect">
+              <a:avLst/>
+            </a:prstGeom>
+          </p:spPr>
+        </p:pic>
+        <p:sp>
+          <p:nvSpPr>
+            <p:cNvPr id="23" name="CaixaDeTexto 22"/>
+            <p:cNvSpPr txBox="1"/>
+            <p:nvPr/>
+          </p:nvSpPr>
+          <p:spPr>
+            <a:xfrm>
+              <a:off x="827584" y="1556792"/>
+              <a:ext cx="5472608" cy="646331"/>
+            </a:xfrm>
+            <a:prstGeom prst="rect">
+              <a:avLst/>
+            </a:prstGeom>
+            <a:noFill/>
+          </p:spPr>
+          <p:txBody>
+            <a:bodyPr wrap="square" rtlCol="0">
+              <a:spAutoFit/>
+            </a:bodyPr>
+            <a:lstStyle/>
+            <a:p>
+              <a:r>
+                <a:rPr lang="pt-PT" sz="3600" dirty="0" err="1" smtClean="0">
+                  <a:solidFill>
+                    <a:schemeClr val="bg1"/>
+                  </a:solidFill>
+                  <a:latin typeface="Berlin Sans FB"/>
+                </a:rPr>
+                <a:t>The</a:t>
+              </a:r>
+              <a:r>
+                <a:rPr lang="pt-PT" sz="3600" dirty="0" smtClean="0">
+                  <a:solidFill>
+                    <a:schemeClr val="bg1"/>
+                  </a:solidFill>
+                  <a:latin typeface="Berlin Sans FB"/>
+                </a:rPr>
+                <a:t> </a:t>
+              </a:r>
+              <a:r>
+                <a:rPr lang="pt-PT" sz="3600" dirty="0" err="1" smtClean="0">
+                  <a:solidFill>
+                    <a:schemeClr val="bg1"/>
+                  </a:solidFill>
+                  <a:latin typeface="Berlin Sans FB"/>
+                </a:rPr>
+                <a:t>Solution</a:t>
+              </a:r>
+              <a:endParaRPr lang="pt-PT" sz="3600" dirty="0" smtClean="0">
+                <a:solidFill>
+                  <a:schemeClr val="bg1"/>
+                </a:solidFill>
+                <a:latin typeface="Berlin Sans FB"/>
+              </a:endParaRPr>
+            </a:p>
+          </p:txBody>
+        </p:sp>
+      </p:grpSp>
+      <p:pic>
+        <p:nvPicPr>
+          <p:cNvPr id="16" name="Picture 15" descr="istlogo.png"/>
+          <p:cNvPicPr>
+            <a:picLocks noChangeAspect="1"/>
+          </p:cNvPicPr>
+          <p:nvPr/>
+        </p:nvPicPr>
+        <p:blipFill>
+          <a:blip r:embed="rId4">
+            <a:extLst>
+              <a:ext uri="{28A0092B-C50C-407E-A947-70E740481C1C}">
+                <a14:useLocalDpi xmlns:a14="http://schemas.microsoft.com/office/drawing/2010/main" val="0"/>
+              </a:ext>
+            </a:extLst>
+          </a:blip>
+          <a:stretch>
+            <a:fillRect/>
+          </a:stretch>
+        </p:blipFill>
+        <p:spPr>
+          <a:xfrm>
+            <a:off x="6660232" y="188640"/>
+            <a:ext cx="2304256" cy="911214"/>
+          </a:xfrm>
+          <a:prstGeom prst="rect">
+            <a:avLst/>
+          </a:prstGeom>
+        </p:spPr>
+      </p:pic>
+      <p:grpSp>
+        <p:nvGrpSpPr>
+          <p:cNvPr id="17" name="Group 16"/>
+          <p:cNvGrpSpPr/>
+          <p:nvPr/>
+        </p:nvGrpSpPr>
+        <p:grpSpPr>
+          <a:xfrm>
+            <a:off x="0" y="6309320"/>
+            <a:ext cx="9144000" cy="548680"/>
+            <a:chOff x="0" y="6309320"/>
+            <a:chExt cx="9144000" cy="548680"/>
+          </a:xfrm>
+        </p:grpSpPr>
+        <p:sp>
+          <p:nvSpPr>
+            <p:cNvPr id="18" name="Rectangle 17"/>
+            <p:cNvSpPr/>
+            <p:nvPr/>
+          </p:nvSpPr>
+          <p:spPr>
+            <a:xfrm>
+              <a:off x="0" y="6309320"/>
+              <a:ext cx="9144000" cy="548680"/>
+            </a:xfrm>
+            <a:prstGeom prst="rect">
+              <a:avLst/>
+            </a:prstGeom>
+          </p:spPr>
+          <p:style>
+            <a:lnRef idx="1">
+              <a:schemeClr val="accent1"/>
+            </a:lnRef>
+            <a:fillRef idx="3">
+              <a:schemeClr val="accent1"/>
+            </a:fillRef>
+            <a:effectRef idx="2">
+              <a:schemeClr val="accent1"/>
+            </a:effectRef>
+            <a:fontRef idx="minor">
+              <a:schemeClr val="lt1"/>
+            </a:fontRef>
+          </p:style>
+          <p:txBody>
+            <a:bodyPr rtlCol="0" anchor="ctr"/>
+            <a:lstStyle/>
+            <a:p>
+              <a:pPr algn="ctr"/>
+              <a:endParaRPr lang="en-US"/>
+            </a:p>
+          </p:txBody>
+        </p:sp>
+        <p:sp>
+          <p:nvSpPr>
+            <p:cNvPr id="19" name="TextBox 18"/>
+            <p:cNvSpPr txBox="1"/>
+            <p:nvPr/>
+          </p:nvSpPr>
+          <p:spPr>
+            <a:xfrm>
+              <a:off x="251520" y="6381328"/>
+              <a:ext cx="3960440" cy="400110"/>
+            </a:xfrm>
+            <a:prstGeom prst="rect">
+              <a:avLst/>
+            </a:prstGeom>
+            <a:noFill/>
+          </p:spPr>
+          <p:txBody>
+            <a:bodyPr wrap="square" rtlCol="0">
+              <a:spAutoFit/>
+            </a:bodyPr>
+            <a:lstStyle/>
+            <a:p>
+              <a:r>
+                <a:rPr lang="en-US" sz="2000" b="1" dirty="0" smtClean="0">
+                  <a:solidFill>
+                    <a:schemeClr val="bg1"/>
+                  </a:solidFill>
+                </a:rPr>
+                <a:t>AISS Secure Mail</a:t>
+              </a:r>
+              <a:endParaRPr lang="en-US" sz="2000" b="1" dirty="0">
+                <a:solidFill>
+                  <a:schemeClr val="bg1"/>
+                </a:solidFill>
+              </a:endParaRPr>
+            </a:p>
+          </p:txBody>
+        </p:sp>
+        <p:sp>
+          <p:nvSpPr>
+            <p:cNvPr id="20" name="TextBox 19"/>
+            <p:cNvSpPr txBox="1"/>
+            <p:nvPr/>
+          </p:nvSpPr>
+          <p:spPr>
+            <a:xfrm>
+              <a:off x="4716016" y="6381328"/>
+              <a:ext cx="3960440" cy="400110"/>
+            </a:xfrm>
+            <a:prstGeom prst="rect">
+              <a:avLst/>
+            </a:prstGeom>
+            <a:noFill/>
+          </p:spPr>
+          <p:txBody>
+            <a:bodyPr wrap="square" rtlCol="0">
+              <a:spAutoFit/>
+            </a:bodyPr>
+            <a:lstStyle/>
+            <a:p>
+              <a:pPr algn="r"/>
+              <a:r>
+                <a:rPr lang="en-US" sz="2000" b="1" dirty="0" err="1" smtClean="0">
+                  <a:solidFill>
+                    <a:srgbClr val="FFFFFF"/>
+                  </a:solidFill>
+                </a:rPr>
+                <a:t>Gonçalo</a:t>
+              </a:r>
+              <a:r>
+                <a:rPr lang="en-US" sz="2000" b="1" dirty="0" smtClean="0">
+                  <a:solidFill>
+                    <a:srgbClr val="FFFFFF"/>
+                  </a:solidFill>
+                </a:rPr>
+                <a:t> </a:t>
+              </a:r>
+              <a:r>
+                <a:rPr lang="en-US" sz="2000" b="1" dirty="0" err="1" smtClean="0">
+                  <a:solidFill>
+                    <a:srgbClr val="FFFFFF"/>
+                  </a:solidFill>
+                </a:rPr>
+                <a:t>Carito</a:t>
+              </a:r>
+              <a:r>
+                <a:rPr lang="en-US" sz="2000" b="1" dirty="0" smtClean="0">
+                  <a:solidFill>
+                    <a:srgbClr val="FFFFFF"/>
+                  </a:solidFill>
+                </a:rPr>
+                <a:t>, Dário Nascimento</a:t>
+              </a:r>
+              <a:endParaRPr lang="en-US" sz="2000" b="1" dirty="0">
+                <a:solidFill>
+                  <a:srgbClr val="FFFFFF"/>
+                </a:solidFill>
+              </a:endParaRPr>
+            </a:p>
+          </p:txBody>
+        </p:sp>
+      </p:grpSp>
+      <p:sp>
+        <p:nvSpPr>
+          <p:cNvPr id="15" name="Rectangle 14"/>
+          <p:cNvSpPr/>
+          <p:nvPr/>
+        </p:nvSpPr>
+        <p:spPr>
+          <a:xfrm>
+            <a:off x="179512" y="2250737"/>
+            <a:ext cx="8352928" cy="1754327"/>
+          </a:xfrm>
+          <a:prstGeom prst="rect">
+            <a:avLst/>
+          </a:prstGeom>
+        </p:spPr>
+        <p:txBody>
+          <a:bodyPr wrap="square">
+            <a:spAutoFit/>
+          </a:bodyPr>
+          <a:lstStyle/>
+          <a:p>
+            <a:pPr algn="ctr">
+              <a:spcBef>
+                <a:spcPts val="0"/>
+              </a:spcBef>
+              <a:spcAft>
+                <a:spcPts val="0"/>
+              </a:spcAft>
+            </a:pPr>
+            <a:r>
+              <a:rPr lang="pt-PT" sz="5400" b="1" dirty="0" smtClean="0">
+                <a:solidFill>
+                  <a:schemeClr val="accent1">
+                    <a:lumMod val="75000"/>
+                  </a:schemeClr>
+                </a:solidFill>
+                <a:latin typeface="Hobo Std"/>
+                <a:ea typeface="Times New Roman"/>
+                <a:cs typeface="Times New Roman"/>
+              </a:rPr>
+              <a:t>AISS SECURE MAIL</a:t>
+            </a:r>
+            <a:endParaRPr lang="pt-PT" sz="5400" b="1" dirty="0">
+              <a:solidFill>
+                <a:schemeClr val="accent1">
+                  <a:lumMod val="75000"/>
+                </a:schemeClr>
+              </a:solidFill>
+              <a:latin typeface="Hobo Std"/>
+              <a:ea typeface="Times New Roman"/>
+              <a:cs typeface="Times New Roman"/>
+            </a:endParaRPr>
+          </a:p>
+          <a:p>
+            <a:pPr algn="ctr">
+              <a:spcBef>
+                <a:spcPts val="0"/>
+              </a:spcBef>
+              <a:spcAft>
+                <a:spcPts val="0"/>
+              </a:spcAft>
+            </a:pPr>
+            <a:r>
+              <a:rPr lang="pt-PT" sz="5400" b="1" kern="0" dirty="0">
+                <a:solidFill>
+                  <a:schemeClr val="accent4"/>
+                </a:solidFill>
+                <a:latin typeface="Hobo Std"/>
+                <a:ea typeface="Times New Roman"/>
+                <a:cs typeface="Times New Roman"/>
+              </a:rPr>
+              <a:t> </a:t>
+            </a:r>
+            <a:r>
+              <a:rPr lang="pt-PT" sz="4400" b="1" kern="0" dirty="0" err="1" smtClean="0">
+                <a:solidFill>
+                  <a:schemeClr val="tx2">
+                    <a:lumMod val="60000"/>
+                    <a:lumOff val="40000"/>
+                  </a:schemeClr>
+                </a:solidFill>
+                <a:latin typeface="Hobo Std"/>
+                <a:ea typeface="Times New Roman"/>
+                <a:cs typeface="Times New Roman"/>
+              </a:rPr>
+              <a:t>Protected</a:t>
+            </a:r>
+            <a:r>
+              <a:rPr lang="pt-PT" sz="4400" b="1" kern="0" dirty="0" smtClean="0">
+                <a:solidFill>
+                  <a:schemeClr val="tx2">
+                    <a:lumMod val="60000"/>
+                    <a:lumOff val="40000"/>
+                  </a:schemeClr>
+                </a:solidFill>
+                <a:latin typeface="Hobo Std"/>
+                <a:ea typeface="Times New Roman"/>
+                <a:cs typeface="Times New Roman"/>
+              </a:rPr>
+              <a:t> </a:t>
+            </a:r>
+            <a:r>
+              <a:rPr lang="pt-PT" sz="4400" b="1" kern="0" dirty="0" err="1" smtClean="0">
+                <a:solidFill>
+                  <a:schemeClr val="tx2">
+                    <a:lumMod val="60000"/>
+                    <a:lumOff val="40000"/>
+                  </a:schemeClr>
+                </a:solidFill>
+                <a:latin typeface="Hobo Std"/>
+                <a:ea typeface="Times New Roman"/>
+                <a:cs typeface="Times New Roman"/>
+              </a:rPr>
+              <a:t>Message</a:t>
+            </a:r>
+            <a:r>
+              <a:rPr lang="pt-PT" sz="4400" b="1" kern="0" dirty="0" smtClean="0">
+                <a:solidFill>
+                  <a:schemeClr val="tx2">
+                    <a:lumMod val="60000"/>
+                    <a:lumOff val="40000"/>
+                  </a:schemeClr>
+                </a:solidFill>
+                <a:latin typeface="Hobo Std"/>
+                <a:ea typeface="Times New Roman"/>
+                <a:cs typeface="Times New Roman"/>
+              </a:rPr>
+              <a:t> Exchange</a:t>
+            </a:r>
+            <a:endParaRPr lang="pt-PT" sz="5400" b="1" kern="0" dirty="0">
+              <a:solidFill>
+                <a:schemeClr val="tx2">
+                  <a:lumMod val="60000"/>
+                  <a:lumOff val="40000"/>
+                </a:schemeClr>
+              </a:solidFill>
+              <a:latin typeface="Cambria"/>
+              <a:ea typeface="Times New Roman"/>
+              <a:cs typeface="Times New Roman"/>
+            </a:endParaRPr>
+          </a:p>
+        </p:txBody>
+      </p:sp>
+    </p:spTree>
+    <p:extLst>
+      <p:ext uri="{BB962C8B-B14F-4D97-AF65-F5344CB8AC3E}">
+        <p14:creationId xmlns:p14="http://schemas.microsoft.com/office/powerpoint/2010/main" val="3065662278"/>
+      </p:ext>
+    </p:extLst>
+  </p:cSld>
+  <p:clrMapOvr>
+    <a:masterClrMapping/>
+  </p:clrMapOvr>
+  <p:timing>
+    <p:tnLst>
+      <p:par>
+        <p:cTn xmlns:p14="http://schemas.microsoft.com/office/powerpoint/2010/main" id="1" dur="indefinite" restart="never" nodeType="tmRoot"/>
+      </p:par>
+    </p:tnLst>
+  </p:timing>
+</p:sld>
+</file>
+
+<file path=ppt/slides/slide7.xml><?xml version="1.0" encoding="utf-8"?>
+<p:sld xmlns:a="http://schemas.openxmlformats.org/drawingml/2006/main" xmlns:r="http://schemas.openxmlformats.org/officeDocument/2006/relationships" xmlns:p="http://schemas.openxmlformats.org/presentationml/2006/main">
+  <p:cSld>
+    <p:spTree>
+      <p:nvGrpSpPr>
+        <p:cNvPr id="1" name=""/>
+        <p:cNvGrpSpPr/>
+        <p:nvPr/>
+      </p:nvGrpSpPr>
+      <p:grpSpPr>
+        <a:xfrm>
+          <a:off x="0" y="0"/>
+          <a:ext cx="0" cy="0"/>
+          <a:chOff x="0" y="0"/>
+          <a:chExt cx="0" cy="0"/>
+        </a:xfrm>
+      </p:grpSpPr>
+      <p:grpSp>
+        <p:nvGrpSpPr>
+          <p:cNvPr id="4" name="Group 3"/>
+          <p:cNvGrpSpPr/>
+          <p:nvPr/>
+        </p:nvGrpSpPr>
+        <p:grpSpPr>
+          <a:xfrm>
+            <a:off x="31643" y="44685"/>
+            <a:ext cx="6412565" cy="1152067"/>
+            <a:chOff x="31643" y="1340829"/>
+            <a:chExt cx="6412565" cy="1152067"/>
+          </a:xfrm>
+        </p:grpSpPr>
+        <p:pic>
+          <p:nvPicPr>
+            <p:cNvPr id="3" name="Picture 2" descr="logo.png"/>
+            <p:cNvPicPr>
+              <a:picLocks noChangeAspect="1"/>
+            </p:cNvPicPr>
+            <p:nvPr/>
+          </p:nvPicPr>
+          <p:blipFill>
+            <a:blip r:embed="rId3">
+              <a:extLst>
+                <a:ext uri="{28A0092B-C50C-407E-A947-70E740481C1C}">
+                  <a14:useLocalDpi xmlns:a14="http://schemas.microsoft.com/office/drawing/2010/main" val="0"/>
+                </a:ext>
+              </a:extLst>
+            </a:blip>
+            <a:stretch>
+              <a:fillRect/>
+            </a:stretch>
+          </p:blipFill>
+          <p:spPr>
+            <a:xfrm>
+              <a:off x="31643" y="1340829"/>
+              <a:ext cx="6412565" cy="1152067"/>
+            </a:xfrm>
+            <a:prstGeom prst="rect">
+              <a:avLst/>
+            </a:prstGeom>
+          </p:spPr>
+        </p:pic>
+        <p:sp>
+          <p:nvSpPr>
+            <p:cNvPr id="23" name="CaixaDeTexto 22"/>
+            <p:cNvSpPr txBox="1"/>
+            <p:nvPr/>
+          </p:nvSpPr>
+          <p:spPr>
+            <a:xfrm>
+              <a:off x="827584" y="1556792"/>
+              <a:ext cx="5472608" cy="646331"/>
+            </a:xfrm>
+            <a:prstGeom prst="rect">
+              <a:avLst/>
+            </a:prstGeom>
+            <a:noFill/>
+          </p:spPr>
+          <p:txBody>
+            <a:bodyPr wrap="square" rtlCol="0">
+              <a:spAutoFit/>
+            </a:bodyPr>
+            <a:lstStyle/>
+            <a:p>
+              <a:r>
                 <a:rPr lang="pt-PT" sz="3600" dirty="0">
                   <a:solidFill>
                     <a:schemeClr val="bg1"/>
@@ -9713,14 +14525,7 @@
                 <a:latin typeface="Consolas"/>
                 <a:cs typeface="Consolas"/>
               </a:rPr>
-              <a:t>	I </a:t>
-            </a:r>
-            <a:r>
-              <a:rPr lang="en-US" sz="1600" dirty="0" smtClean="0">
-                <a:latin typeface="Consolas"/>
-                <a:cs typeface="Consolas"/>
-              </a:rPr>
-              <a:t>am </a:t>
+              <a:t>	I am </a:t>
             </a:r>
             <a:r>
               <a:rPr lang="en-US" sz="1600" dirty="0">
@@ -10124,6 +14929,36 @@
           </p:txBody>
         </p:sp>
       </p:grpSp>
+      <p:pic>
+        <p:nvPicPr>
+          <p:cNvPr id="14" name="Picture 13" descr="key.png"/>
+          <p:cNvPicPr>
+            <a:picLocks noChangeAspect="1"/>
+          </p:cNvPicPr>
+          <p:nvPr/>
+        </p:nvPicPr>
+        <p:blipFill>
+          <a:blip r:embed="rId5">
+            <a:extLst>
+              <a:ext uri="{28A0092B-C50C-407E-A947-70E740481C1C}">
+                <a14:useLocalDpi xmlns:a14="http://schemas.microsoft.com/office/drawing/2010/main" val="0"/>
+              </a:ext>
+            </a:extLst>
+          </a:blip>
+          <a:stretch>
+            <a:fillRect/>
+          </a:stretch>
+        </p:blipFill>
+        <p:spPr>
+          <a:xfrm>
+            <a:off x="1619672" y="4653136"/>
+            <a:ext cx="1224136" cy="1224136"/>
+          </a:xfrm>
+          <a:prstGeom prst="rect">
+            <a:avLst/>
+          </a:prstGeom>
+        </p:spPr>
+      </p:pic>
     </p:spTree>
     <p:extLst>
       <p:ext uri="{BB962C8B-B14F-4D97-AF65-F5344CB8AC3E}">
@@ -10251,7 +15086,7 @@
 </p:sld>
 </file>
 
-<file path=ppt/slides/slide6.xml><?xml version="1.0" encoding="utf-8"?>
+<file path=ppt/slides/slide8.xml><?xml version="1.0" encoding="utf-8"?>
 <p:sld xmlns:a="http://schemas.openxmlformats.org/drawingml/2006/main" xmlns:r="http://schemas.openxmlformats.org/officeDocument/2006/relationships" xmlns:p="http://schemas.openxmlformats.org/presentationml/2006/main">
   <p:cSld>
     <p:spTree>
@@ -10819,7 +15654,7 @@
 </p:sld>
 </file>
 
-<file path=ppt/slides/slide7.xml><?xml version="1.0" encoding="utf-8"?>
+<file path=ppt/slides/slide9.xml><?xml version="1.0" encoding="utf-8"?>
 <p:sld xmlns:a="http://schemas.openxmlformats.org/drawingml/2006/main" xmlns:r="http://schemas.openxmlformats.org/officeDocument/2006/relationships" xmlns:p="http://schemas.openxmlformats.org/presentationml/2006/main">
   <p:cSld>
     <p:spTree>
@@ -11014,17 +15849,18 @@
               <a:buChar char="•"/>
             </a:pPr>
             <a:r>
-              <a:rPr lang="en-US" sz="2800" dirty="0"/>
-              <a:t>W</a:t>
-            </a:r>
-            <a:r>
               <a:rPr lang="en-US" sz="2800" dirty="0" smtClean="0"/>
-              <a:t>e will destroy your car </a:t>
-            </a:r>
-            <a:r>
-              <a:rPr lang="en-US" sz="2800" b="1" dirty="0"/>
+              <a:t>You </a:t>
+            </a:r>
+            <a:r>
+              <a:rPr lang="en-US" sz="2800" dirty="0" smtClean="0"/>
+              <a:t>must pay the fee until </a:t>
+            </a:r>
+            <a:r>
+              <a:rPr lang="en-US" sz="2800" b="1" dirty="0" smtClean="0"/>
               <a:t>Tomorrow</a:t>
             </a:r>
+            <a:endParaRPr lang="en-US" sz="2800" b="1" dirty="0"/>
           </a:p>
         </p:txBody>
       </p:sp>
@@ -11348,1084 +16184,6 @@
             </p:seq>
           </p:childTnLst>
         </p:cTn>
-      </p:par>
-    </p:tnLst>
-  </p:timing>
-</p:sld>
-</file>
-
-<file path=ppt/slides/slide8.xml><?xml version="1.0" encoding="utf-8"?>
-<p:sld xmlns:a="http://schemas.openxmlformats.org/drawingml/2006/main" xmlns:r="http://schemas.openxmlformats.org/officeDocument/2006/relationships" xmlns:p="http://schemas.openxmlformats.org/presentationml/2006/main">
-  <p:cSld>
-    <p:spTree>
-      <p:nvGrpSpPr>
-        <p:cNvPr id="1" name=""/>
-        <p:cNvGrpSpPr/>
-        <p:nvPr/>
-      </p:nvGrpSpPr>
-      <p:grpSpPr>
-        <a:xfrm>
-          <a:off x="0" y="0"/>
-          <a:ext cx="0" cy="0"/>
-          <a:chOff x="0" y="0"/>
-          <a:chExt cx="0" cy="0"/>
-        </a:xfrm>
-      </p:grpSpPr>
-      <p:grpSp>
-        <p:nvGrpSpPr>
-          <p:cNvPr id="4" name="Group 3"/>
-          <p:cNvGrpSpPr/>
-          <p:nvPr/>
-        </p:nvGrpSpPr>
-        <p:grpSpPr>
-          <a:xfrm>
-            <a:off x="31643" y="44685"/>
-            <a:ext cx="6412565" cy="1152067"/>
-            <a:chOff x="31643" y="1340829"/>
-            <a:chExt cx="6412565" cy="1152067"/>
-          </a:xfrm>
-        </p:grpSpPr>
-        <p:pic>
-          <p:nvPicPr>
-            <p:cNvPr id="3" name="Picture 2" descr="logo.png"/>
-            <p:cNvPicPr>
-              <a:picLocks noChangeAspect="1"/>
-            </p:cNvPicPr>
-            <p:nvPr/>
-          </p:nvPicPr>
-          <p:blipFill>
-            <a:blip r:embed="rId3">
-              <a:extLst>
-                <a:ext uri="{28A0092B-C50C-407E-A947-70E740481C1C}">
-                  <a14:useLocalDpi xmlns:a14="http://schemas.microsoft.com/office/drawing/2010/main" val="0"/>
-                </a:ext>
-              </a:extLst>
-            </a:blip>
-            <a:stretch>
-              <a:fillRect/>
-            </a:stretch>
-          </p:blipFill>
-          <p:spPr>
-            <a:xfrm>
-              <a:off x="31643" y="1340829"/>
-              <a:ext cx="6412565" cy="1152067"/>
-            </a:xfrm>
-            <a:prstGeom prst="rect">
-              <a:avLst/>
-            </a:prstGeom>
-          </p:spPr>
-        </p:pic>
-        <p:sp>
-          <p:nvSpPr>
-            <p:cNvPr id="23" name="CaixaDeTexto 22"/>
-            <p:cNvSpPr txBox="1"/>
-            <p:nvPr/>
-          </p:nvSpPr>
-          <p:spPr>
-            <a:xfrm>
-              <a:off x="827584" y="1556792"/>
-              <a:ext cx="5472608" cy="646331"/>
-            </a:xfrm>
-            <a:prstGeom prst="rect">
-              <a:avLst/>
-            </a:prstGeom>
-            <a:noFill/>
-          </p:spPr>
-          <p:txBody>
-            <a:bodyPr wrap="square" rtlCol="0">
-              <a:spAutoFit/>
-            </a:bodyPr>
-            <a:lstStyle/>
-            <a:p>
-              <a:r>
-                <a:rPr lang="pt-PT" sz="3600" dirty="0">
-                  <a:solidFill>
-                    <a:schemeClr val="bg1"/>
-                  </a:solidFill>
-                  <a:latin typeface="Berlin Sans FB"/>
-                </a:rPr>
-                <a:t> </a:t>
-              </a:r>
-              <a:r>
-                <a:rPr lang="pt-PT" sz="3600" dirty="0" smtClean="0">
-                  <a:solidFill>
-                    <a:schemeClr val="bg1"/>
-                  </a:solidFill>
-                  <a:latin typeface="Berlin Sans FB"/>
-                </a:rPr>
-                <a:t>AISS </a:t>
-              </a:r>
-              <a:r>
-                <a:rPr lang="pt-PT" sz="3600" dirty="0" err="1" smtClean="0">
-                  <a:solidFill>
-                    <a:schemeClr val="bg1"/>
-                  </a:solidFill>
-                  <a:latin typeface="Berlin Sans FB"/>
-                </a:rPr>
-                <a:t>Secure</a:t>
-              </a:r>
-              <a:r>
-                <a:rPr lang="pt-PT" sz="3600" dirty="0" smtClean="0">
-                  <a:solidFill>
-                    <a:schemeClr val="bg1"/>
-                  </a:solidFill>
-                  <a:latin typeface="Berlin Sans FB"/>
-                </a:rPr>
-                <a:t> </a:t>
-              </a:r>
-              <a:r>
-                <a:rPr lang="pt-PT" sz="3600" dirty="0" err="1" smtClean="0">
-                  <a:solidFill>
-                    <a:schemeClr val="bg1"/>
-                  </a:solidFill>
-                  <a:latin typeface="Berlin Sans FB"/>
-                </a:rPr>
-                <a:t>Mail</a:t>
-              </a:r>
-              <a:endParaRPr lang="pt-PT" sz="3600" dirty="0" smtClean="0">
-                <a:solidFill>
-                  <a:schemeClr val="bg1"/>
-                </a:solidFill>
-                <a:latin typeface="Berlin Sans FB"/>
-              </a:endParaRPr>
-            </a:p>
-          </p:txBody>
-        </p:sp>
-      </p:grpSp>
-      <p:sp>
-        <p:nvSpPr>
-          <p:cNvPr id="2" name="TextBox 1"/>
-          <p:cNvSpPr txBox="1"/>
-          <p:nvPr/>
-        </p:nvSpPr>
-        <p:spPr>
-          <a:xfrm>
-            <a:off x="467544" y="1916832"/>
-            <a:ext cx="8136904" cy="2246769"/>
-          </a:xfrm>
-          <a:prstGeom prst="rect">
-            <a:avLst/>
-          </a:prstGeom>
-          <a:noFill/>
-        </p:spPr>
-        <p:txBody>
-          <a:bodyPr wrap="square" rtlCol="0">
-            <a:spAutoFit/>
-          </a:bodyPr>
-          <a:lstStyle/>
-          <a:p>
-            <a:r>
-              <a:rPr lang="en-US" sz="2800" dirty="0" smtClean="0"/>
-              <a:t>Provides:</a:t>
-            </a:r>
-          </a:p>
-          <a:p>
-            <a:pPr marL="457200" indent="-457200">
-              <a:buFont typeface="Arial"/>
-              <a:buChar char="•"/>
-            </a:pPr>
-            <a:r>
-              <a:rPr lang="en-US" sz="2800" b="1" dirty="0" smtClean="0"/>
-              <a:t>Cipher</a:t>
-            </a:r>
-          </a:p>
-          <a:p>
-            <a:pPr marL="457200" indent="-457200">
-              <a:buFont typeface="Arial"/>
-              <a:buChar char="•"/>
-            </a:pPr>
-            <a:r>
-              <a:rPr lang="en-US" sz="2800" b="1" dirty="0" smtClean="0"/>
-              <a:t>Secure Time Stamp</a:t>
-            </a:r>
-          </a:p>
-          <a:p>
-            <a:pPr marL="457200" indent="-457200">
-              <a:buFont typeface="Arial"/>
-              <a:buChar char="•"/>
-            </a:pPr>
-            <a:r>
-              <a:rPr lang="en-US" sz="2800" b="1" dirty="0" smtClean="0"/>
-              <a:t>Signature</a:t>
-            </a:r>
-          </a:p>
-          <a:p>
-            <a:endParaRPr lang="en-US" sz="2800" b="1" dirty="0"/>
-          </a:p>
-        </p:txBody>
-      </p:sp>
-      <p:pic>
-        <p:nvPicPr>
-          <p:cNvPr id="9" name="Picture 8" descr="email.png"/>
-          <p:cNvPicPr>
-            <a:picLocks noChangeAspect="1"/>
-          </p:cNvPicPr>
-          <p:nvPr/>
-        </p:nvPicPr>
-        <p:blipFill>
-          <a:blip r:embed="rId4">
-            <a:extLst>
-              <a:ext uri="{28A0092B-C50C-407E-A947-70E740481C1C}">
-                <a14:useLocalDpi xmlns:a14="http://schemas.microsoft.com/office/drawing/2010/main" val="0"/>
-              </a:ext>
-            </a:extLst>
-          </a:blip>
-          <a:stretch>
-            <a:fillRect/>
-          </a:stretch>
-        </p:blipFill>
-        <p:spPr>
-          <a:xfrm>
-            <a:off x="6305262" y="1340768"/>
-            <a:ext cx="1363081" cy="1512168"/>
-          </a:xfrm>
-          <a:prstGeom prst="rect">
-            <a:avLst/>
-          </a:prstGeom>
-        </p:spPr>
-      </p:pic>
-      <p:pic>
-        <p:nvPicPr>
-          <p:cNvPr id="5" name="Picture 4"/>
-          <p:cNvPicPr>
-            <a:picLocks noChangeAspect="1"/>
-          </p:cNvPicPr>
-          <p:nvPr/>
-        </p:nvPicPr>
-        <p:blipFill>
-          <a:blip r:embed="rId5"/>
-          <a:stretch>
-            <a:fillRect/>
-          </a:stretch>
-        </p:blipFill>
-        <p:spPr>
-          <a:xfrm>
-            <a:off x="5076056" y="4797152"/>
-            <a:ext cx="3707904" cy="1256980"/>
-          </a:xfrm>
-          <a:prstGeom prst="rect">
-            <a:avLst/>
-          </a:prstGeom>
-        </p:spPr>
-      </p:pic>
-      <p:pic>
-        <p:nvPicPr>
-          <p:cNvPr id="6" name="Picture 5"/>
-          <p:cNvPicPr>
-            <a:picLocks noChangeAspect="1"/>
-          </p:cNvPicPr>
-          <p:nvPr/>
-        </p:nvPicPr>
-        <p:blipFill>
-          <a:blip r:embed="rId6"/>
-          <a:stretch>
-            <a:fillRect/>
-          </a:stretch>
-        </p:blipFill>
-        <p:spPr>
-          <a:xfrm>
-            <a:off x="6156176" y="3356992"/>
-            <a:ext cx="1661723" cy="1296144"/>
-          </a:xfrm>
-          <a:prstGeom prst="rect">
-            <a:avLst/>
-          </a:prstGeom>
-        </p:spPr>
-      </p:pic>
-      <p:pic>
-        <p:nvPicPr>
-          <p:cNvPr id="7" name="Picture 6"/>
-          <p:cNvPicPr>
-            <a:picLocks noChangeAspect="1"/>
-          </p:cNvPicPr>
-          <p:nvPr/>
-        </p:nvPicPr>
-        <p:blipFill>
-          <a:blip r:embed="rId7"/>
-          <a:stretch>
-            <a:fillRect/>
-          </a:stretch>
-        </p:blipFill>
-        <p:spPr>
-          <a:xfrm>
-            <a:off x="2987824" y="4653136"/>
-            <a:ext cx="1584176" cy="1584176"/>
-          </a:xfrm>
-          <a:prstGeom prst="rect">
-            <a:avLst/>
-          </a:prstGeom>
-        </p:spPr>
-      </p:pic>
-      <p:sp>
-        <p:nvSpPr>
-          <p:cNvPr id="8" name="TextBox 7"/>
-          <p:cNvSpPr txBox="1"/>
-          <p:nvPr/>
-        </p:nvSpPr>
-        <p:spPr>
-          <a:xfrm>
-            <a:off x="755576" y="5229200"/>
-            <a:ext cx="2304256" cy="584776"/>
-          </a:xfrm>
-          <a:prstGeom prst="rect">
-            <a:avLst/>
-          </a:prstGeom>
-          <a:noFill/>
-        </p:spPr>
-        <p:txBody>
-          <a:bodyPr wrap="square" rtlCol="0">
-            <a:spAutoFit/>
-          </a:bodyPr>
-          <a:lstStyle/>
-          <a:p>
-            <a:r>
-              <a:rPr lang="en-US" sz="3200" b="1" i="1" dirty="0" smtClean="0"/>
-              <a:t>Thunderbird</a:t>
-            </a:r>
-            <a:endParaRPr lang="en-US" sz="3200" b="1" i="1" dirty="0"/>
-          </a:p>
-        </p:txBody>
-      </p:sp>
-      <p:pic>
-        <p:nvPicPr>
-          <p:cNvPr id="12" name="Picture 11" descr="istlogo.png"/>
-          <p:cNvPicPr>
-            <a:picLocks noChangeAspect="1"/>
-          </p:cNvPicPr>
-          <p:nvPr/>
-        </p:nvPicPr>
-        <p:blipFill>
-          <a:blip r:embed="rId8">
-            <a:extLst>
-              <a:ext uri="{28A0092B-C50C-407E-A947-70E740481C1C}">
-                <a14:useLocalDpi xmlns:a14="http://schemas.microsoft.com/office/drawing/2010/main" val="0"/>
-              </a:ext>
-            </a:extLst>
-          </a:blip>
-          <a:stretch>
-            <a:fillRect/>
-          </a:stretch>
-        </p:blipFill>
-        <p:spPr>
-          <a:xfrm>
-            <a:off x="6660232" y="188640"/>
-            <a:ext cx="2304256" cy="911214"/>
-          </a:xfrm>
-          <a:prstGeom prst="rect">
-            <a:avLst/>
-          </a:prstGeom>
-        </p:spPr>
-      </p:pic>
-      <p:grpSp>
-        <p:nvGrpSpPr>
-          <p:cNvPr id="13" name="Group 12"/>
-          <p:cNvGrpSpPr/>
-          <p:nvPr/>
-        </p:nvGrpSpPr>
-        <p:grpSpPr>
-          <a:xfrm>
-            <a:off x="0" y="6309320"/>
-            <a:ext cx="9144000" cy="548680"/>
-            <a:chOff x="0" y="6309320"/>
-            <a:chExt cx="9144000" cy="548680"/>
-          </a:xfrm>
-        </p:grpSpPr>
-        <p:sp>
-          <p:nvSpPr>
-            <p:cNvPr id="14" name="Rectangle 13"/>
-            <p:cNvSpPr/>
-            <p:nvPr/>
-          </p:nvSpPr>
-          <p:spPr>
-            <a:xfrm>
-              <a:off x="0" y="6309320"/>
-              <a:ext cx="9144000" cy="548680"/>
-            </a:xfrm>
-            <a:prstGeom prst="rect">
-              <a:avLst/>
-            </a:prstGeom>
-          </p:spPr>
-          <p:style>
-            <a:lnRef idx="1">
-              <a:schemeClr val="accent1"/>
-            </a:lnRef>
-            <a:fillRef idx="3">
-              <a:schemeClr val="accent1"/>
-            </a:fillRef>
-            <a:effectRef idx="2">
-              <a:schemeClr val="accent1"/>
-            </a:effectRef>
-            <a:fontRef idx="minor">
-              <a:schemeClr val="lt1"/>
-            </a:fontRef>
-          </p:style>
-          <p:txBody>
-            <a:bodyPr rtlCol="0" anchor="ctr"/>
-            <a:lstStyle/>
-            <a:p>
-              <a:pPr algn="ctr"/>
-              <a:endParaRPr lang="en-US"/>
-            </a:p>
-          </p:txBody>
-        </p:sp>
-        <p:sp>
-          <p:nvSpPr>
-            <p:cNvPr id="15" name="TextBox 14"/>
-            <p:cNvSpPr txBox="1"/>
-            <p:nvPr/>
-          </p:nvSpPr>
-          <p:spPr>
-            <a:xfrm>
-              <a:off x="251520" y="6381328"/>
-              <a:ext cx="3960440" cy="400110"/>
-            </a:xfrm>
-            <a:prstGeom prst="rect">
-              <a:avLst/>
-            </a:prstGeom>
-            <a:noFill/>
-          </p:spPr>
-          <p:txBody>
-            <a:bodyPr wrap="square" rtlCol="0">
-              <a:spAutoFit/>
-            </a:bodyPr>
-            <a:lstStyle/>
-            <a:p>
-              <a:r>
-                <a:rPr lang="en-US" sz="2000" b="1" dirty="0" smtClean="0">
-                  <a:solidFill>
-                    <a:schemeClr val="bg1"/>
-                  </a:solidFill>
-                </a:rPr>
-                <a:t>AISS Secure Mail</a:t>
-              </a:r>
-              <a:endParaRPr lang="en-US" sz="2000" b="1" dirty="0">
-                <a:solidFill>
-                  <a:schemeClr val="bg1"/>
-                </a:solidFill>
-              </a:endParaRPr>
-            </a:p>
-          </p:txBody>
-        </p:sp>
-        <p:sp>
-          <p:nvSpPr>
-            <p:cNvPr id="16" name="TextBox 15"/>
-            <p:cNvSpPr txBox="1"/>
-            <p:nvPr/>
-          </p:nvSpPr>
-          <p:spPr>
-            <a:xfrm>
-              <a:off x="4716016" y="6381328"/>
-              <a:ext cx="3960440" cy="400110"/>
-            </a:xfrm>
-            <a:prstGeom prst="rect">
-              <a:avLst/>
-            </a:prstGeom>
-            <a:noFill/>
-          </p:spPr>
-          <p:txBody>
-            <a:bodyPr wrap="square" rtlCol="0">
-              <a:spAutoFit/>
-            </a:bodyPr>
-            <a:lstStyle/>
-            <a:p>
-              <a:pPr algn="r"/>
-              <a:r>
-                <a:rPr lang="en-US" sz="2000" b="1" dirty="0" err="1" smtClean="0">
-                  <a:solidFill>
-                    <a:srgbClr val="FFFFFF"/>
-                  </a:solidFill>
-                </a:rPr>
-                <a:t>Gonçalo</a:t>
-              </a:r>
-              <a:r>
-                <a:rPr lang="en-US" sz="2000" b="1" dirty="0" smtClean="0">
-                  <a:solidFill>
-                    <a:srgbClr val="FFFFFF"/>
-                  </a:solidFill>
-                </a:rPr>
-                <a:t> </a:t>
-              </a:r>
-              <a:r>
-                <a:rPr lang="en-US" sz="2000" b="1" dirty="0" err="1" smtClean="0">
-                  <a:solidFill>
-                    <a:srgbClr val="FFFFFF"/>
-                  </a:solidFill>
-                </a:rPr>
-                <a:t>Carito</a:t>
-              </a:r>
-              <a:r>
-                <a:rPr lang="en-US" sz="2000" b="1" dirty="0" smtClean="0">
-                  <a:solidFill>
-                    <a:srgbClr val="FFFFFF"/>
-                  </a:solidFill>
-                </a:rPr>
-                <a:t>, Dário Nascimento</a:t>
-              </a:r>
-              <a:endParaRPr lang="en-US" sz="2000" b="1" dirty="0">
-                <a:solidFill>
-                  <a:srgbClr val="FFFFFF"/>
-                </a:solidFill>
-              </a:endParaRPr>
-            </a:p>
-          </p:txBody>
-        </p:sp>
-      </p:grpSp>
-    </p:spTree>
-    <p:extLst>
-      <p:ext uri="{BB962C8B-B14F-4D97-AF65-F5344CB8AC3E}">
-        <p14:creationId xmlns:p14="http://schemas.microsoft.com/office/powerpoint/2010/main" val="607937279"/>
-      </p:ext>
-    </p:extLst>
-  </p:cSld>
-  <p:clrMapOvr>
-    <a:masterClrMapping/>
-  </p:clrMapOvr>
-  <p:timing>
-    <p:tnLst>
-      <p:par>
-        <p:cTn xmlns:p14="http://schemas.microsoft.com/office/powerpoint/2010/main" id="1" dur="indefinite" restart="never" nodeType="tmRoot"/>
-      </p:par>
-    </p:tnLst>
-  </p:timing>
-</p:sld>
-</file>
-
-<file path=ppt/slides/slide9.xml><?xml version="1.0" encoding="utf-8"?>
-<p:sld xmlns:a="http://schemas.openxmlformats.org/drawingml/2006/main" xmlns:r="http://schemas.openxmlformats.org/officeDocument/2006/relationships" xmlns:p="http://schemas.openxmlformats.org/presentationml/2006/main">
-  <p:cSld>
-    <p:spTree>
-      <p:nvGrpSpPr>
-        <p:cNvPr id="1" name=""/>
-        <p:cNvGrpSpPr/>
-        <p:nvPr/>
-      </p:nvGrpSpPr>
-      <p:grpSpPr>
-        <a:xfrm>
-          <a:off x="0" y="0"/>
-          <a:ext cx="0" cy="0"/>
-          <a:chOff x="0" y="0"/>
-          <a:chExt cx="0" cy="0"/>
-        </a:xfrm>
-      </p:grpSpPr>
-      <p:grpSp>
-        <p:nvGrpSpPr>
-          <p:cNvPr id="4" name="Group 3"/>
-          <p:cNvGrpSpPr/>
-          <p:nvPr/>
-        </p:nvGrpSpPr>
-        <p:grpSpPr>
-          <a:xfrm>
-            <a:off x="31643" y="44685"/>
-            <a:ext cx="6412565" cy="1152067"/>
-            <a:chOff x="31643" y="1340829"/>
-            <a:chExt cx="6412565" cy="1152067"/>
-          </a:xfrm>
-        </p:grpSpPr>
-        <p:pic>
-          <p:nvPicPr>
-            <p:cNvPr id="3" name="Picture 2" descr="logo.png"/>
-            <p:cNvPicPr>
-              <a:picLocks noChangeAspect="1"/>
-            </p:cNvPicPr>
-            <p:nvPr/>
-          </p:nvPicPr>
-          <p:blipFill>
-            <a:blip r:embed="rId3">
-              <a:extLst>
-                <a:ext uri="{28A0092B-C50C-407E-A947-70E740481C1C}">
-                  <a14:useLocalDpi xmlns:a14="http://schemas.microsoft.com/office/drawing/2010/main" val="0"/>
-                </a:ext>
-              </a:extLst>
-            </a:blip>
-            <a:stretch>
-              <a:fillRect/>
-            </a:stretch>
-          </p:blipFill>
-          <p:spPr>
-            <a:xfrm>
-              <a:off x="31643" y="1340829"/>
-              <a:ext cx="6412565" cy="1152067"/>
-            </a:xfrm>
-            <a:prstGeom prst="rect">
-              <a:avLst/>
-            </a:prstGeom>
-          </p:spPr>
-        </p:pic>
-        <p:sp>
-          <p:nvSpPr>
-            <p:cNvPr id="23" name="CaixaDeTexto 22"/>
-            <p:cNvSpPr txBox="1"/>
-            <p:nvPr/>
-          </p:nvSpPr>
-          <p:spPr>
-            <a:xfrm>
-              <a:off x="827584" y="1556792"/>
-              <a:ext cx="5472608" cy="646331"/>
-            </a:xfrm>
-            <a:prstGeom prst="rect">
-              <a:avLst/>
-            </a:prstGeom>
-            <a:noFill/>
-          </p:spPr>
-          <p:txBody>
-            <a:bodyPr wrap="square" rtlCol="0">
-              <a:spAutoFit/>
-            </a:bodyPr>
-            <a:lstStyle/>
-            <a:p>
-              <a:r>
-                <a:rPr lang="pt-PT" sz="3600" dirty="0">
-                  <a:solidFill>
-                    <a:schemeClr val="bg1"/>
-                  </a:solidFill>
-                  <a:latin typeface="Berlin Sans FB"/>
-                </a:rPr>
-                <a:t> </a:t>
-              </a:r>
-              <a:r>
-                <a:rPr lang="pt-PT" sz="3600" dirty="0" smtClean="0">
-                  <a:solidFill>
-                    <a:schemeClr val="bg1"/>
-                  </a:solidFill>
-                  <a:latin typeface="Berlin Sans FB"/>
-                </a:rPr>
-                <a:t>AISS </a:t>
-              </a:r>
-              <a:r>
-                <a:rPr lang="pt-PT" sz="3600" dirty="0" err="1" smtClean="0">
-                  <a:solidFill>
-                    <a:schemeClr val="bg1"/>
-                  </a:solidFill>
-                  <a:latin typeface="Berlin Sans FB"/>
-                </a:rPr>
-                <a:t>Secure</a:t>
-              </a:r>
-              <a:r>
-                <a:rPr lang="pt-PT" sz="3600" dirty="0" smtClean="0">
-                  <a:solidFill>
-                    <a:schemeClr val="bg1"/>
-                  </a:solidFill>
-                  <a:latin typeface="Berlin Sans FB"/>
-                </a:rPr>
-                <a:t> </a:t>
-              </a:r>
-              <a:r>
-                <a:rPr lang="pt-PT" sz="3600" dirty="0" err="1" smtClean="0">
-                  <a:solidFill>
-                    <a:schemeClr val="bg1"/>
-                  </a:solidFill>
-                  <a:latin typeface="Berlin Sans FB"/>
-                </a:rPr>
-                <a:t>Mail</a:t>
-              </a:r>
-              <a:endParaRPr lang="pt-PT" sz="3600" dirty="0" smtClean="0">
-                <a:solidFill>
-                  <a:schemeClr val="bg1"/>
-                </a:solidFill>
-                <a:latin typeface="Berlin Sans FB"/>
-              </a:endParaRPr>
-            </a:p>
-          </p:txBody>
-        </p:sp>
-      </p:grpSp>
-      <p:sp>
-        <p:nvSpPr>
-          <p:cNvPr id="11" name="TextBox 10"/>
-          <p:cNvSpPr txBox="1"/>
-          <p:nvPr/>
-        </p:nvSpPr>
-        <p:spPr>
-          <a:xfrm>
-            <a:off x="467544" y="1556792"/>
-            <a:ext cx="8136904" cy="3288079"/>
-          </a:xfrm>
-          <a:prstGeom prst="rect">
-            <a:avLst/>
-          </a:prstGeom>
-          <a:noFill/>
-        </p:spPr>
-        <p:txBody>
-          <a:bodyPr wrap="square" rtlCol="0">
-            <a:spAutoFit/>
-          </a:bodyPr>
-          <a:lstStyle/>
-          <a:p>
-            <a:pPr marL="457200" indent="-457200">
-              <a:lnSpc>
-                <a:spcPct val="150000"/>
-              </a:lnSpc>
-              <a:buFont typeface="Arial"/>
-              <a:buChar char="•"/>
-            </a:pPr>
-            <a:r>
-              <a:rPr lang="en-US" sz="2800" b="1" dirty="0" smtClean="0"/>
-              <a:t>User Friendly Interface</a:t>
-            </a:r>
-            <a:endParaRPr lang="en-US" sz="2800" b="1" dirty="0"/>
-          </a:p>
-          <a:p>
-            <a:pPr marL="457200" indent="-457200">
-              <a:lnSpc>
-                <a:spcPct val="150000"/>
-              </a:lnSpc>
-              <a:buFont typeface="Arial"/>
-              <a:buChar char="•"/>
-            </a:pPr>
-            <a:r>
-              <a:rPr lang="en-US" sz="2800" b="1" dirty="0"/>
-              <a:t>Easy Install</a:t>
-            </a:r>
-          </a:p>
-          <a:p>
-            <a:pPr marL="457200" indent="-457200">
-              <a:lnSpc>
-                <a:spcPct val="150000"/>
-              </a:lnSpc>
-              <a:buFont typeface="Arial"/>
-              <a:buChar char="•"/>
-            </a:pPr>
-            <a:r>
-              <a:rPr lang="en-US" sz="2800" b="1" dirty="0" smtClean="0"/>
-              <a:t>Mac Ox</a:t>
-            </a:r>
-          </a:p>
-          <a:p>
-            <a:pPr marL="457200" indent="-457200">
-              <a:lnSpc>
-                <a:spcPct val="150000"/>
-              </a:lnSpc>
-              <a:buFont typeface="Arial"/>
-              <a:buChar char="•"/>
-            </a:pPr>
-            <a:r>
-              <a:rPr lang="en-US" sz="2800" b="1" dirty="0" smtClean="0"/>
-              <a:t>Secure</a:t>
-            </a:r>
-            <a:endParaRPr lang="en-US" sz="2800" b="1" dirty="0"/>
-          </a:p>
-          <a:p>
-            <a:pPr>
-              <a:lnSpc>
-                <a:spcPct val="150000"/>
-              </a:lnSpc>
-            </a:pPr>
-            <a:endParaRPr lang="en-US" sz="2800" b="1" dirty="0" smtClean="0"/>
-          </a:p>
-        </p:txBody>
-      </p:sp>
-      <p:pic>
-        <p:nvPicPr>
-          <p:cNvPr id="13" name="Picture 12" descr="istlogo.png"/>
-          <p:cNvPicPr>
-            <a:picLocks noChangeAspect="1"/>
-          </p:cNvPicPr>
-          <p:nvPr/>
-        </p:nvPicPr>
-        <p:blipFill>
-          <a:blip r:embed="rId4">
-            <a:extLst>
-              <a:ext uri="{28A0092B-C50C-407E-A947-70E740481C1C}">
-                <a14:useLocalDpi xmlns:a14="http://schemas.microsoft.com/office/drawing/2010/main" val="0"/>
-              </a:ext>
-            </a:extLst>
-          </a:blip>
-          <a:stretch>
-            <a:fillRect/>
-          </a:stretch>
-        </p:blipFill>
-        <p:spPr>
-          <a:xfrm>
-            <a:off x="6660232" y="188640"/>
-            <a:ext cx="2304256" cy="911214"/>
-          </a:xfrm>
-          <a:prstGeom prst="rect">
-            <a:avLst/>
-          </a:prstGeom>
-        </p:spPr>
-      </p:pic>
-      <p:grpSp>
-        <p:nvGrpSpPr>
-          <p:cNvPr id="14" name="Group 13"/>
-          <p:cNvGrpSpPr/>
-          <p:nvPr/>
-        </p:nvGrpSpPr>
-        <p:grpSpPr>
-          <a:xfrm>
-            <a:off x="0" y="6309320"/>
-            <a:ext cx="9144000" cy="548680"/>
-            <a:chOff x="0" y="6309320"/>
-            <a:chExt cx="9144000" cy="548680"/>
-          </a:xfrm>
-        </p:grpSpPr>
-        <p:sp>
-          <p:nvSpPr>
-            <p:cNvPr id="15" name="Rectangle 14"/>
-            <p:cNvSpPr/>
-            <p:nvPr/>
-          </p:nvSpPr>
-          <p:spPr>
-            <a:xfrm>
-              <a:off x="0" y="6309320"/>
-              <a:ext cx="9144000" cy="548680"/>
-            </a:xfrm>
-            <a:prstGeom prst="rect">
-              <a:avLst/>
-            </a:prstGeom>
-          </p:spPr>
-          <p:style>
-            <a:lnRef idx="1">
-              <a:schemeClr val="accent1"/>
-            </a:lnRef>
-            <a:fillRef idx="3">
-              <a:schemeClr val="accent1"/>
-            </a:fillRef>
-            <a:effectRef idx="2">
-              <a:schemeClr val="accent1"/>
-            </a:effectRef>
-            <a:fontRef idx="minor">
-              <a:schemeClr val="lt1"/>
-            </a:fontRef>
-          </p:style>
-          <p:txBody>
-            <a:bodyPr rtlCol="0" anchor="ctr"/>
-            <a:lstStyle/>
-            <a:p>
-              <a:pPr algn="ctr"/>
-              <a:endParaRPr lang="en-US"/>
-            </a:p>
-          </p:txBody>
-        </p:sp>
-        <p:sp>
-          <p:nvSpPr>
-            <p:cNvPr id="16" name="TextBox 15"/>
-            <p:cNvSpPr txBox="1"/>
-            <p:nvPr/>
-          </p:nvSpPr>
-          <p:spPr>
-            <a:xfrm>
-              <a:off x="251520" y="6381328"/>
-              <a:ext cx="3960440" cy="400110"/>
-            </a:xfrm>
-            <a:prstGeom prst="rect">
-              <a:avLst/>
-            </a:prstGeom>
-            <a:noFill/>
-          </p:spPr>
-          <p:txBody>
-            <a:bodyPr wrap="square" rtlCol="0">
-              <a:spAutoFit/>
-            </a:bodyPr>
-            <a:lstStyle/>
-            <a:p>
-              <a:r>
-                <a:rPr lang="en-US" sz="2000" b="1" dirty="0" smtClean="0">
-                  <a:solidFill>
-                    <a:schemeClr val="bg1"/>
-                  </a:solidFill>
-                </a:rPr>
-                <a:t>AISS Secure Mail</a:t>
-              </a:r>
-              <a:endParaRPr lang="en-US" sz="2000" b="1" dirty="0">
-                <a:solidFill>
-                  <a:schemeClr val="bg1"/>
-                </a:solidFill>
-              </a:endParaRPr>
-            </a:p>
-          </p:txBody>
-        </p:sp>
-        <p:sp>
-          <p:nvSpPr>
-            <p:cNvPr id="17" name="TextBox 16"/>
-            <p:cNvSpPr txBox="1"/>
-            <p:nvPr/>
-          </p:nvSpPr>
-          <p:spPr>
-            <a:xfrm>
-              <a:off x="4716016" y="6381328"/>
-              <a:ext cx="3960440" cy="400110"/>
-            </a:xfrm>
-            <a:prstGeom prst="rect">
-              <a:avLst/>
-            </a:prstGeom>
-            <a:noFill/>
-          </p:spPr>
-          <p:txBody>
-            <a:bodyPr wrap="square" rtlCol="0">
-              <a:spAutoFit/>
-            </a:bodyPr>
-            <a:lstStyle/>
-            <a:p>
-              <a:pPr algn="r"/>
-              <a:r>
-                <a:rPr lang="en-US" sz="2000" b="1" dirty="0" err="1" smtClean="0">
-                  <a:solidFill>
-                    <a:srgbClr val="FFFFFF"/>
-                  </a:solidFill>
-                </a:rPr>
-                <a:t>Gonçalo</a:t>
-              </a:r>
-              <a:r>
-                <a:rPr lang="en-US" sz="2000" b="1" dirty="0" smtClean="0">
-                  <a:solidFill>
-                    <a:srgbClr val="FFFFFF"/>
-                  </a:solidFill>
-                </a:rPr>
-                <a:t> </a:t>
-              </a:r>
-              <a:r>
-                <a:rPr lang="en-US" sz="2000" b="1" dirty="0" err="1" smtClean="0">
-                  <a:solidFill>
-                    <a:srgbClr val="FFFFFF"/>
-                  </a:solidFill>
-                </a:rPr>
-                <a:t>Carito</a:t>
-              </a:r>
-              <a:r>
-                <a:rPr lang="en-US" sz="2000" b="1" dirty="0" smtClean="0">
-                  <a:solidFill>
-                    <a:srgbClr val="FFFFFF"/>
-                  </a:solidFill>
-                </a:rPr>
-                <a:t>, Dário Nascimento</a:t>
-              </a:r>
-              <a:endParaRPr lang="en-US" sz="2000" b="1" dirty="0">
-                <a:solidFill>
-                  <a:srgbClr val="FFFFFF"/>
-                </a:solidFill>
-              </a:endParaRPr>
-            </a:p>
-          </p:txBody>
-        </p:sp>
-      </p:grpSp>
-      <p:sp>
-        <p:nvSpPr>
-          <p:cNvPr id="19" name="Rectangle 18"/>
-          <p:cNvSpPr/>
-          <p:nvPr/>
-        </p:nvSpPr>
-        <p:spPr>
-          <a:xfrm>
-            <a:off x="2411760" y="4653136"/>
-            <a:ext cx="6534472" cy="1200329"/>
-          </a:xfrm>
-          <a:prstGeom prst="rect">
-            <a:avLst/>
-          </a:prstGeom>
-        </p:spPr>
-        <p:txBody>
-          <a:bodyPr wrap="square">
-            <a:spAutoFit/>
-          </a:bodyPr>
-          <a:lstStyle/>
-          <a:p>
-            <a:pPr algn="r">
-              <a:spcBef>
-                <a:spcPts val="0"/>
-              </a:spcBef>
-              <a:spcAft>
-                <a:spcPts val="0"/>
-              </a:spcAft>
-            </a:pPr>
-            <a:r>
-              <a:rPr lang="pt-PT" sz="3600" b="1" dirty="0" smtClean="0">
-                <a:solidFill>
-                  <a:schemeClr val="accent1">
-                    <a:lumMod val="75000"/>
-                  </a:schemeClr>
-                </a:solidFill>
-                <a:latin typeface="Hobo Std"/>
-                <a:ea typeface="Times New Roman"/>
-                <a:cs typeface="Times New Roman"/>
-              </a:rPr>
-              <a:t>AISS SECURE MAIL</a:t>
-            </a:r>
-            <a:endParaRPr lang="pt-PT" sz="3600" b="1" dirty="0">
-              <a:solidFill>
-                <a:schemeClr val="accent1">
-                  <a:lumMod val="75000"/>
-                </a:schemeClr>
-              </a:solidFill>
-              <a:latin typeface="Hobo Std"/>
-              <a:ea typeface="Times New Roman"/>
-              <a:cs typeface="Times New Roman"/>
-            </a:endParaRPr>
-          </a:p>
-          <a:p>
-            <a:pPr algn="r">
-              <a:spcBef>
-                <a:spcPts val="0"/>
-              </a:spcBef>
-              <a:spcAft>
-                <a:spcPts val="0"/>
-              </a:spcAft>
-            </a:pPr>
-            <a:r>
-              <a:rPr lang="pt-PT" sz="3600" b="1" kern="0" dirty="0">
-                <a:solidFill>
-                  <a:schemeClr val="accent4"/>
-                </a:solidFill>
-                <a:latin typeface="Hobo Std"/>
-                <a:ea typeface="Times New Roman"/>
-                <a:cs typeface="Times New Roman"/>
-              </a:rPr>
-              <a:t> </a:t>
-            </a:r>
-            <a:r>
-              <a:rPr lang="pt-PT" sz="2800" b="1" kern="0" dirty="0" err="1" smtClean="0">
-                <a:solidFill>
-                  <a:schemeClr val="tx2">
-                    <a:lumMod val="60000"/>
-                    <a:lumOff val="40000"/>
-                  </a:schemeClr>
-                </a:solidFill>
-                <a:latin typeface="Hobo Std"/>
-                <a:ea typeface="Times New Roman"/>
-                <a:cs typeface="Times New Roman"/>
-              </a:rPr>
-              <a:t>Protected</a:t>
-            </a:r>
-            <a:r>
-              <a:rPr lang="pt-PT" sz="2800" b="1" kern="0" dirty="0" smtClean="0">
-                <a:solidFill>
-                  <a:schemeClr val="tx2">
-                    <a:lumMod val="60000"/>
-                    <a:lumOff val="40000"/>
-                  </a:schemeClr>
-                </a:solidFill>
-                <a:latin typeface="Hobo Std"/>
-                <a:ea typeface="Times New Roman"/>
-                <a:cs typeface="Times New Roman"/>
-              </a:rPr>
-              <a:t> Email Exchange</a:t>
-            </a:r>
-            <a:endParaRPr lang="pt-PT" sz="3600" b="1" kern="0" dirty="0">
-              <a:solidFill>
-                <a:schemeClr val="tx2">
-                  <a:lumMod val="60000"/>
-                  <a:lumOff val="40000"/>
-                </a:schemeClr>
-              </a:solidFill>
-              <a:latin typeface="Cambria"/>
-              <a:ea typeface="Times New Roman"/>
-              <a:cs typeface="Times New Roman"/>
-            </a:endParaRPr>
-          </a:p>
-        </p:txBody>
-      </p:sp>
-    </p:spTree>
-    <p:extLst>
-      <p:ext uri="{BB962C8B-B14F-4D97-AF65-F5344CB8AC3E}">
-        <p14:creationId xmlns:p14="http://schemas.microsoft.com/office/powerpoint/2010/main" val="343189568"/>
-      </p:ext>
-    </p:extLst>
-  </p:cSld>
-  <p:clrMapOvr>
-    <a:masterClrMapping/>
-  </p:clrMapOvr>
-  <p:timing>
-    <p:tnLst>
-      <p:par>
-        <p:cTn xmlns:p14="http://schemas.microsoft.com/office/powerpoint/2010/main" id="1" dur="indefinite" restart="never" nodeType="tmRoot"/>
       </p:par>
     </p:tnLst>
   </p:timing>

--- a/Apresentacoes/Comercial/Apresentação.pptx
+++ b/Apresentacoes/Comercial/Apresentação.pptx
@@ -20,8 +20,8 @@
     <p:sldId id="280" r:id="rId11"/>
     <p:sldId id="281" r:id="rId12"/>
     <p:sldId id="284" r:id="rId13"/>
-    <p:sldId id="283" r:id="rId14"/>
-    <p:sldId id="287" r:id="rId15"/>
+    <p:sldId id="287" r:id="rId14"/>
+    <p:sldId id="283" r:id="rId15"/>
     <p:sldId id="282" r:id="rId16"/>
   </p:sldIdLst>
   <p:sldSz cx="9144000" cy="6858000" type="screen4x3"/>
@@ -959,16 +959,12 @@
           <a:lstStyle/>
           <a:p>
             <a:r>
-              <a:rPr lang="pt-PT" dirty="0" smtClean="0"/>
-              <a:t>Como podemos verificar, a interface</a:t>
+              <a:rPr lang="pt-PT" dirty="0" err="1" smtClean="0"/>
+              <a:t>Vantanges</a:t>
             </a:r>
             <a:r>
               <a:rPr lang="pt-PT" baseline="0" dirty="0" smtClean="0"/>
-              <a:t> </a:t>
-            </a:r>
-            <a:r>
-              <a:rPr lang="pt-PT" baseline="0" dirty="0" smtClean="0"/>
-              <a:t>é simples e cumpre todos os requisitos de segurança.</a:t>
+              <a:t> competitivas</a:t>
             </a:r>
             <a:endParaRPr lang="pt-PT" dirty="0"/>
           </a:p>
@@ -1052,12 +1048,16 @@
           <a:lstStyle/>
           <a:p>
             <a:r>
-              <a:rPr lang="pt-PT" dirty="0" err="1" smtClean="0"/>
-              <a:t>Vantanges</a:t>
+              <a:rPr lang="pt-PT" dirty="0" smtClean="0"/>
+              <a:t>Como podemos verificar, a interface</a:t>
             </a:r>
             <a:r>
               <a:rPr lang="pt-PT" baseline="0" dirty="0" smtClean="0"/>
-              <a:t> competitivas</a:t>
+              <a:t> </a:t>
+            </a:r>
+            <a:r>
+              <a:rPr lang="pt-PT" baseline="0" dirty="0" smtClean="0"/>
+              <a:t>é simples e cumpre todos os requisitos de segurança.</a:t>
             </a:r>
             <a:endParaRPr lang="pt-PT" dirty="0"/>
           </a:p>
@@ -8122,7 +8122,7 @@
         <p:spPr>
           <a:xfrm>
             <a:off x="467544" y="1916832"/>
-            <a:ext cx="8136904" cy="2246769"/>
+            <a:ext cx="8136904" cy="2677656"/>
           </a:xfrm>
           <a:prstGeom prst="rect">
             <a:avLst/>
@@ -8157,7 +8157,7 @@
             </a:pPr>
             <a:r>
               <a:rPr lang="en-US" sz="2800" b="1" dirty="0" smtClean="0"/>
-              <a:t>Secure Time Stamp</a:t>
+              <a:t>Signature</a:t>
             </a:r>
           </a:p>
           <a:p>
@@ -8166,9 +8166,12 @@
               <a:buChar char="•"/>
             </a:pPr>
             <a:r>
-              <a:rPr lang="en-US" sz="2800" b="1" dirty="0" smtClean="0"/>
-              <a:t>Signature</a:t>
-            </a:r>
+              <a:rPr lang="en-US" sz="2800" b="1" dirty="0"/>
+              <a:t>Secure Time Stamp</a:t>
+            </a:r>
+          </a:p>
+          <a:p>
+            <a:endParaRPr lang="en-US" sz="2800" b="1" dirty="0" smtClean="0"/>
           </a:p>
           <a:p>
             <a:endParaRPr lang="en-US" sz="2800" b="1" dirty="0"/>
@@ -9606,574 +9609,6 @@
 </file>
 
 <file path=ppt/slides/slide13.xml><?xml version="1.0" encoding="utf-8"?>
-<p:sld xmlns:a="http://schemas.openxmlformats.org/drawingml/2006/main" xmlns:r="http://schemas.openxmlformats.org/officeDocument/2006/relationships" xmlns:p="http://schemas.openxmlformats.org/presentationml/2006/main">
-  <p:cSld>
-    <p:spTree>
-      <p:nvGrpSpPr>
-        <p:cNvPr id="1" name=""/>
-        <p:cNvGrpSpPr/>
-        <p:nvPr/>
-      </p:nvGrpSpPr>
-      <p:grpSpPr>
-        <a:xfrm>
-          <a:off x="0" y="0"/>
-          <a:ext cx="0" cy="0"/>
-          <a:chOff x="0" y="0"/>
-          <a:chExt cx="0" cy="0"/>
-        </a:xfrm>
-      </p:grpSpPr>
-      <p:grpSp>
-        <p:nvGrpSpPr>
-          <p:cNvPr id="4" name="Group 3"/>
-          <p:cNvGrpSpPr/>
-          <p:nvPr/>
-        </p:nvGrpSpPr>
-        <p:grpSpPr>
-          <a:xfrm>
-            <a:off x="31643" y="44685"/>
-            <a:ext cx="6412565" cy="1152067"/>
-            <a:chOff x="31643" y="1340829"/>
-            <a:chExt cx="6412565" cy="1152067"/>
-          </a:xfrm>
-        </p:grpSpPr>
-        <p:pic>
-          <p:nvPicPr>
-            <p:cNvPr id="3" name="Picture 2" descr="logo.png"/>
-            <p:cNvPicPr>
-              <a:picLocks noChangeAspect="1"/>
-            </p:cNvPicPr>
-            <p:nvPr/>
-          </p:nvPicPr>
-          <p:blipFill>
-            <a:blip r:embed="rId3">
-              <a:extLst>
-                <a:ext uri="{28A0092B-C50C-407E-A947-70E740481C1C}">
-                  <a14:useLocalDpi xmlns:a14="http://schemas.microsoft.com/office/drawing/2010/main" val="0"/>
-                </a:ext>
-              </a:extLst>
-            </a:blip>
-            <a:stretch>
-              <a:fillRect/>
-            </a:stretch>
-          </p:blipFill>
-          <p:spPr>
-            <a:xfrm>
-              <a:off x="31643" y="1340829"/>
-              <a:ext cx="6412565" cy="1152067"/>
-            </a:xfrm>
-            <a:prstGeom prst="rect">
-              <a:avLst/>
-            </a:prstGeom>
-          </p:spPr>
-        </p:pic>
-        <p:sp>
-          <p:nvSpPr>
-            <p:cNvPr id="23" name="CaixaDeTexto 22"/>
-            <p:cNvSpPr txBox="1"/>
-            <p:nvPr/>
-          </p:nvSpPr>
-          <p:spPr>
-            <a:xfrm>
-              <a:off x="827584" y="1556792"/>
-              <a:ext cx="5472608" cy="646331"/>
-            </a:xfrm>
-            <a:prstGeom prst="rect">
-              <a:avLst/>
-            </a:prstGeom>
-            <a:noFill/>
-          </p:spPr>
-          <p:txBody>
-            <a:bodyPr wrap="square" rtlCol="0">
-              <a:spAutoFit/>
-            </a:bodyPr>
-            <a:lstStyle/>
-            <a:p>
-              <a:r>
-                <a:rPr lang="pt-PT" sz="3600" dirty="0">
-                  <a:solidFill>
-                    <a:schemeClr val="bg1"/>
-                  </a:solidFill>
-                  <a:latin typeface="Berlin Sans FB"/>
-                </a:rPr>
-                <a:t> </a:t>
-              </a:r>
-              <a:r>
-                <a:rPr lang="pt-PT" sz="3600" dirty="0" smtClean="0">
-                  <a:solidFill>
-                    <a:schemeClr val="bg1"/>
-                  </a:solidFill>
-                  <a:latin typeface="Berlin Sans FB"/>
-                </a:rPr>
-                <a:t> AISS </a:t>
-              </a:r>
-              <a:r>
-                <a:rPr lang="pt-PT" sz="3600" dirty="0" err="1" smtClean="0">
-                  <a:solidFill>
-                    <a:schemeClr val="bg1"/>
-                  </a:solidFill>
-                  <a:latin typeface="Berlin Sans FB"/>
-                </a:rPr>
-                <a:t>Secure</a:t>
-              </a:r>
-              <a:r>
-                <a:rPr lang="pt-PT" sz="3600" dirty="0" smtClean="0">
-                  <a:solidFill>
-                    <a:schemeClr val="bg1"/>
-                  </a:solidFill>
-                  <a:latin typeface="Berlin Sans FB"/>
-                </a:rPr>
-                <a:t> </a:t>
-              </a:r>
-              <a:r>
-                <a:rPr lang="pt-PT" sz="3600" dirty="0" err="1" smtClean="0">
-                  <a:solidFill>
-                    <a:schemeClr val="bg1"/>
-                  </a:solidFill>
-                  <a:latin typeface="Berlin Sans FB"/>
-                </a:rPr>
-                <a:t>Mail</a:t>
-              </a:r>
-              <a:endParaRPr lang="pt-PT" sz="3600" dirty="0" smtClean="0">
-                <a:solidFill>
-                  <a:schemeClr val="bg1"/>
-                </a:solidFill>
-                <a:latin typeface="Berlin Sans FB"/>
-              </a:endParaRPr>
-            </a:p>
-          </p:txBody>
-        </p:sp>
-      </p:grpSp>
-      <p:pic>
-        <p:nvPicPr>
-          <p:cNvPr id="13" name="Picture 12" descr="istlogo.png"/>
-          <p:cNvPicPr>
-            <a:picLocks noChangeAspect="1"/>
-          </p:cNvPicPr>
-          <p:nvPr/>
-        </p:nvPicPr>
-        <p:blipFill>
-          <a:blip r:embed="rId4">
-            <a:extLst>
-              <a:ext uri="{28A0092B-C50C-407E-A947-70E740481C1C}">
-                <a14:useLocalDpi xmlns:a14="http://schemas.microsoft.com/office/drawing/2010/main" val="0"/>
-              </a:ext>
-            </a:extLst>
-          </a:blip>
-          <a:stretch>
-            <a:fillRect/>
-          </a:stretch>
-        </p:blipFill>
-        <p:spPr>
-          <a:xfrm>
-            <a:off x="6660232" y="188640"/>
-            <a:ext cx="2304256" cy="911214"/>
-          </a:xfrm>
-          <a:prstGeom prst="rect">
-            <a:avLst/>
-          </a:prstGeom>
-        </p:spPr>
-      </p:pic>
-      <p:grpSp>
-        <p:nvGrpSpPr>
-          <p:cNvPr id="14" name="Group 13"/>
-          <p:cNvGrpSpPr/>
-          <p:nvPr/>
-        </p:nvGrpSpPr>
-        <p:grpSpPr>
-          <a:xfrm>
-            <a:off x="0" y="6309320"/>
-            <a:ext cx="9144000" cy="548680"/>
-            <a:chOff x="0" y="6309320"/>
-            <a:chExt cx="9144000" cy="548680"/>
-          </a:xfrm>
-        </p:grpSpPr>
-        <p:sp>
-          <p:nvSpPr>
-            <p:cNvPr id="15" name="Rectangle 14"/>
-            <p:cNvSpPr/>
-            <p:nvPr/>
-          </p:nvSpPr>
-          <p:spPr>
-            <a:xfrm>
-              <a:off x="0" y="6309320"/>
-              <a:ext cx="9144000" cy="548680"/>
-            </a:xfrm>
-            <a:prstGeom prst="rect">
-              <a:avLst/>
-            </a:prstGeom>
-          </p:spPr>
-          <p:style>
-            <a:lnRef idx="1">
-              <a:schemeClr val="accent1"/>
-            </a:lnRef>
-            <a:fillRef idx="3">
-              <a:schemeClr val="accent1"/>
-            </a:fillRef>
-            <a:effectRef idx="2">
-              <a:schemeClr val="accent1"/>
-            </a:effectRef>
-            <a:fontRef idx="minor">
-              <a:schemeClr val="lt1"/>
-            </a:fontRef>
-          </p:style>
-          <p:txBody>
-            <a:bodyPr rtlCol="0" anchor="ctr"/>
-            <a:lstStyle/>
-            <a:p>
-              <a:pPr algn="ctr"/>
-              <a:endParaRPr lang="en-US"/>
-            </a:p>
-          </p:txBody>
-        </p:sp>
-        <p:sp>
-          <p:nvSpPr>
-            <p:cNvPr id="16" name="TextBox 15"/>
-            <p:cNvSpPr txBox="1"/>
-            <p:nvPr/>
-          </p:nvSpPr>
-          <p:spPr>
-            <a:xfrm>
-              <a:off x="251520" y="6381328"/>
-              <a:ext cx="3960440" cy="400110"/>
-            </a:xfrm>
-            <a:prstGeom prst="rect">
-              <a:avLst/>
-            </a:prstGeom>
-            <a:noFill/>
-          </p:spPr>
-          <p:txBody>
-            <a:bodyPr wrap="square" rtlCol="0">
-              <a:spAutoFit/>
-            </a:bodyPr>
-            <a:lstStyle/>
-            <a:p>
-              <a:r>
-                <a:rPr lang="en-US" sz="2000" b="1" dirty="0" smtClean="0">
-                  <a:solidFill>
-                    <a:schemeClr val="bg1"/>
-                  </a:solidFill>
-                </a:rPr>
-                <a:t>AISS Secure Mail</a:t>
-              </a:r>
-              <a:endParaRPr lang="en-US" sz="2000" b="1" dirty="0">
-                <a:solidFill>
-                  <a:schemeClr val="bg1"/>
-                </a:solidFill>
-              </a:endParaRPr>
-            </a:p>
-          </p:txBody>
-        </p:sp>
-        <p:sp>
-          <p:nvSpPr>
-            <p:cNvPr id="17" name="TextBox 16"/>
-            <p:cNvSpPr txBox="1"/>
-            <p:nvPr/>
-          </p:nvSpPr>
-          <p:spPr>
-            <a:xfrm>
-              <a:off x="4716016" y="6381328"/>
-              <a:ext cx="3960440" cy="400110"/>
-            </a:xfrm>
-            <a:prstGeom prst="rect">
-              <a:avLst/>
-            </a:prstGeom>
-            <a:noFill/>
-          </p:spPr>
-          <p:txBody>
-            <a:bodyPr wrap="square" rtlCol="0">
-              <a:spAutoFit/>
-            </a:bodyPr>
-            <a:lstStyle/>
-            <a:p>
-              <a:pPr algn="r"/>
-              <a:r>
-                <a:rPr lang="en-US" sz="2000" b="1" dirty="0" err="1" smtClean="0">
-                  <a:solidFill>
-                    <a:srgbClr val="FFFFFF"/>
-                  </a:solidFill>
-                </a:rPr>
-                <a:t>Gonçalo</a:t>
-              </a:r>
-              <a:r>
-                <a:rPr lang="en-US" sz="2000" b="1" dirty="0" smtClean="0">
-                  <a:solidFill>
-                    <a:srgbClr val="FFFFFF"/>
-                  </a:solidFill>
-                </a:rPr>
-                <a:t> </a:t>
-              </a:r>
-              <a:r>
-                <a:rPr lang="en-US" sz="2000" b="1" dirty="0" err="1" smtClean="0">
-                  <a:solidFill>
-                    <a:srgbClr val="FFFFFF"/>
-                  </a:solidFill>
-                </a:rPr>
-                <a:t>Carito</a:t>
-              </a:r>
-              <a:r>
-                <a:rPr lang="en-US" sz="2000" b="1" dirty="0" smtClean="0">
-                  <a:solidFill>
-                    <a:srgbClr val="FFFFFF"/>
-                  </a:solidFill>
-                </a:rPr>
-                <a:t>, Dário Nascimento</a:t>
-              </a:r>
-              <a:endParaRPr lang="en-US" sz="2000" b="1" dirty="0">
-                <a:solidFill>
-                  <a:srgbClr val="FFFFFF"/>
-                </a:solidFill>
-              </a:endParaRPr>
-            </a:p>
-          </p:txBody>
-        </p:sp>
-      </p:grpSp>
-      <p:sp>
-        <p:nvSpPr>
-          <p:cNvPr id="19" name="Rectangle 18"/>
-          <p:cNvSpPr/>
-          <p:nvPr/>
-        </p:nvSpPr>
-        <p:spPr>
-          <a:xfrm>
-            <a:off x="2411760" y="4653136"/>
-            <a:ext cx="6534472" cy="1200329"/>
-          </a:xfrm>
-          <a:prstGeom prst="rect">
-            <a:avLst/>
-          </a:prstGeom>
-        </p:spPr>
-        <p:txBody>
-          <a:bodyPr wrap="square">
-            <a:spAutoFit/>
-          </a:bodyPr>
-          <a:lstStyle/>
-          <a:p>
-            <a:pPr algn="r">
-              <a:spcBef>
-                <a:spcPts val="0"/>
-              </a:spcBef>
-              <a:spcAft>
-                <a:spcPts val="0"/>
-              </a:spcAft>
-            </a:pPr>
-            <a:r>
-              <a:rPr lang="pt-PT" sz="3600" b="1" dirty="0" smtClean="0">
-                <a:solidFill>
-                  <a:schemeClr val="accent1">
-                    <a:lumMod val="75000"/>
-                  </a:schemeClr>
-                </a:solidFill>
-                <a:latin typeface="Hobo Std"/>
-                <a:ea typeface="Times New Roman"/>
-                <a:cs typeface="Times New Roman"/>
-              </a:rPr>
-              <a:t>AISS SECURE MAIL</a:t>
-            </a:r>
-            <a:endParaRPr lang="pt-PT" sz="3600" b="1" dirty="0">
-              <a:solidFill>
-                <a:schemeClr val="accent1">
-                  <a:lumMod val="75000"/>
-                </a:schemeClr>
-              </a:solidFill>
-              <a:latin typeface="Hobo Std"/>
-              <a:ea typeface="Times New Roman"/>
-              <a:cs typeface="Times New Roman"/>
-            </a:endParaRPr>
-          </a:p>
-          <a:p>
-            <a:pPr algn="r">
-              <a:spcBef>
-                <a:spcPts val="0"/>
-              </a:spcBef>
-              <a:spcAft>
-                <a:spcPts val="0"/>
-              </a:spcAft>
-            </a:pPr>
-            <a:r>
-              <a:rPr lang="pt-PT" sz="3600" b="1" kern="0" dirty="0">
-                <a:solidFill>
-                  <a:schemeClr val="accent4"/>
-                </a:solidFill>
-                <a:latin typeface="Hobo Std"/>
-                <a:ea typeface="Times New Roman"/>
-                <a:cs typeface="Times New Roman"/>
-              </a:rPr>
-              <a:t> </a:t>
-            </a:r>
-            <a:r>
-              <a:rPr lang="pt-PT" sz="2800" b="1" kern="0" dirty="0" err="1" smtClean="0">
-                <a:solidFill>
-                  <a:schemeClr val="tx2">
-                    <a:lumMod val="60000"/>
-                    <a:lumOff val="40000"/>
-                  </a:schemeClr>
-                </a:solidFill>
-                <a:latin typeface="Hobo Std"/>
-                <a:ea typeface="Times New Roman"/>
-                <a:cs typeface="Times New Roman"/>
-              </a:rPr>
-              <a:t>Protected</a:t>
-            </a:r>
-            <a:r>
-              <a:rPr lang="pt-PT" sz="2800" b="1" kern="0" dirty="0" smtClean="0">
-                <a:solidFill>
-                  <a:schemeClr val="tx2">
-                    <a:lumMod val="60000"/>
-                    <a:lumOff val="40000"/>
-                  </a:schemeClr>
-                </a:solidFill>
-                <a:latin typeface="Hobo Std"/>
-                <a:ea typeface="Times New Roman"/>
-                <a:cs typeface="Times New Roman"/>
-              </a:rPr>
-              <a:t> </a:t>
-            </a:r>
-            <a:r>
-              <a:rPr lang="pt-PT" sz="2800" b="1" kern="0" dirty="0" err="1" smtClean="0">
-                <a:solidFill>
-                  <a:schemeClr val="tx2">
-                    <a:lumMod val="60000"/>
-                    <a:lumOff val="40000"/>
-                  </a:schemeClr>
-                </a:solidFill>
-                <a:latin typeface="Hobo Std"/>
-                <a:ea typeface="Times New Roman"/>
-                <a:cs typeface="Times New Roman"/>
-              </a:rPr>
-              <a:t>Message</a:t>
-            </a:r>
-            <a:r>
-              <a:rPr lang="pt-PT" sz="2800" b="1" kern="0" dirty="0" smtClean="0">
-                <a:solidFill>
-                  <a:schemeClr val="tx2">
-                    <a:lumMod val="60000"/>
-                    <a:lumOff val="40000"/>
-                  </a:schemeClr>
-                </a:solidFill>
-                <a:latin typeface="Hobo Std"/>
-                <a:ea typeface="Times New Roman"/>
-                <a:cs typeface="Times New Roman"/>
-              </a:rPr>
-              <a:t> Exchange</a:t>
-            </a:r>
-            <a:endParaRPr lang="pt-PT" sz="3600" b="1" kern="0" dirty="0">
-              <a:solidFill>
-                <a:schemeClr val="tx2">
-                  <a:lumMod val="60000"/>
-                  <a:lumOff val="40000"/>
-                </a:schemeClr>
-              </a:solidFill>
-              <a:latin typeface="Cambria"/>
-              <a:ea typeface="Times New Roman"/>
-              <a:cs typeface="Times New Roman"/>
-            </a:endParaRPr>
-          </a:p>
-        </p:txBody>
-      </p:sp>
-      <p:sp>
-        <p:nvSpPr>
-          <p:cNvPr id="2" name="Rectangle 1"/>
-          <p:cNvSpPr/>
-          <p:nvPr/>
-        </p:nvSpPr>
-        <p:spPr>
-          <a:xfrm>
-            <a:off x="611560" y="1615440"/>
-            <a:ext cx="6192688" cy="2677656"/>
-          </a:xfrm>
-          <a:prstGeom prst="rect">
-            <a:avLst/>
-          </a:prstGeom>
-        </p:spPr>
-        <p:txBody>
-          <a:bodyPr wrap="square">
-            <a:spAutoFit/>
-          </a:bodyPr>
-          <a:lstStyle/>
-          <a:p>
-            <a:r>
-              <a:rPr lang="en-US" sz="2800" dirty="0"/>
-              <a:t>Provides:</a:t>
-            </a:r>
-          </a:p>
-          <a:p>
-            <a:pPr marL="457200" indent="-457200">
-              <a:buFont typeface="Arial"/>
-              <a:buChar char="•"/>
-            </a:pPr>
-            <a:r>
-              <a:rPr lang="en-US" sz="2800" b="1" dirty="0"/>
-              <a:t>Cipher</a:t>
-            </a:r>
-          </a:p>
-          <a:p>
-            <a:pPr marL="457200" indent="-457200">
-              <a:buFont typeface="Arial"/>
-              <a:buChar char="•"/>
-            </a:pPr>
-            <a:r>
-              <a:rPr lang="en-US" sz="2800" b="1" dirty="0"/>
-              <a:t>Secure Time Stamp</a:t>
-            </a:r>
-          </a:p>
-          <a:p>
-            <a:pPr marL="457200" indent="-457200">
-              <a:buFont typeface="Arial"/>
-              <a:buChar char="•"/>
-            </a:pPr>
-            <a:r>
-              <a:rPr lang="en-US" sz="2800" b="1" dirty="0" smtClean="0"/>
-              <a:t>Signature</a:t>
-            </a:r>
-          </a:p>
-          <a:p>
-            <a:pPr marL="457200" indent="-457200">
-              <a:buFont typeface="Arial"/>
-              <a:buChar char="•"/>
-            </a:pPr>
-            <a:r>
-              <a:rPr lang="en-US" sz="2800" b="1" dirty="0"/>
-              <a:t>User Friendly Interface</a:t>
-            </a:r>
-          </a:p>
-          <a:p>
-            <a:pPr marL="457200" indent="-457200">
-              <a:buFont typeface="Arial"/>
-              <a:buChar char="•"/>
-            </a:pPr>
-            <a:r>
-              <a:rPr lang="en-US" sz="2800" b="1" dirty="0" smtClean="0"/>
-              <a:t>Easy </a:t>
-            </a:r>
-            <a:r>
-              <a:rPr lang="en-US" sz="2800" b="1" dirty="0" smtClean="0"/>
-              <a:t>Installation</a:t>
-            </a:r>
-            <a:endParaRPr lang="en-US" sz="2800" b="1" dirty="0"/>
-          </a:p>
-        </p:txBody>
-      </p:sp>
-    </p:spTree>
-    <p:extLst>
-      <p:ext uri="{BB962C8B-B14F-4D97-AF65-F5344CB8AC3E}">
-        <p14:creationId xmlns:p14="http://schemas.microsoft.com/office/powerpoint/2010/main" val="1476624937"/>
-      </p:ext>
-    </p:extLst>
-  </p:cSld>
-  <p:clrMapOvr>
-    <a:masterClrMapping/>
-  </p:clrMapOvr>
-  <p:timing>
-    <p:tnLst>
-      <p:par>
-        <p:cTn xmlns:p14="http://schemas.microsoft.com/office/powerpoint/2010/main" id="1" dur="indefinite" restart="never" nodeType="tmRoot"/>
-      </p:par>
-    </p:tnLst>
-  </p:timing>
-</p:sld>
-</file>
-
-<file path=ppt/slides/slide14.xml><?xml version="1.0" encoding="utf-8"?>
 <p:sld xmlns:a="http://schemas.openxmlformats.org/drawingml/2006/main" xmlns:r="http://schemas.openxmlformats.org/officeDocument/2006/relationships" xmlns:p="http://schemas.openxmlformats.org/presentationml/2006/main">
   <p:cSld>
     <p:spTree>
@@ -10872,6 +10307,574 @@
     <p:extLst>
       <p:ext uri="{BB962C8B-B14F-4D97-AF65-F5344CB8AC3E}">
         <p14:creationId xmlns:p14="http://schemas.microsoft.com/office/powerpoint/2010/main" val="3632114683"/>
+      </p:ext>
+    </p:extLst>
+  </p:cSld>
+  <p:clrMapOvr>
+    <a:masterClrMapping/>
+  </p:clrMapOvr>
+  <p:timing>
+    <p:tnLst>
+      <p:par>
+        <p:cTn xmlns:p14="http://schemas.microsoft.com/office/powerpoint/2010/main" id="1" dur="indefinite" restart="never" nodeType="tmRoot"/>
+      </p:par>
+    </p:tnLst>
+  </p:timing>
+</p:sld>
+</file>
+
+<file path=ppt/slides/slide14.xml><?xml version="1.0" encoding="utf-8"?>
+<p:sld xmlns:a="http://schemas.openxmlformats.org/drawingml/2006/main" xmlns:r="http://schemas.openxmlformats.org/officeDocument/2006/relationships" xmlns:p="http://schemas.openxmlformats.org/presentationml/2006/main">
+  <p:cSld>
+    <p:spTree>
+      <p:nvGrpSpPr>
+        <p:cNvPr id="1" name=""/>
+        <p:cNvGrpSpPr/>
+        <p:nvPr/>
+      </p:nvGrpSpPr>
+      <p:grpSpPr>
+        <a:xfrm>
+          <a:off x="0" y="0"/>
+          <a:ext cx="0" cy="0"/>
+          <a:chOff x="0" y="0"/>
+          <a:chExt cx="0" cy="0"/>
+        </a:xfrm>
+      </p:grpSpPr>
+      <p:grpSp>
+        <p:nvGrpSpPr>
+          <p:cNvPr id="4" name="Group 3"/>
+          <p:cNvGrpSpPr/>
+          <p:nvPr/>
+        </p:nvGrpSpPr>
+        <p:grpSpPr>
+          <a:xfrm>
+            <a:off x="31643" y="44685"/>
+            <a:ext cx="6412565" cy="1152067"/>
+            <a:chOff x="31643" y="1340829"/>
+            <a:chExt cx="6412565" cy="1152067"/>
+          </a:xfrm>
+        </p:grpSpPr>
+        <p:pic>
+          <p:nvPicPr>
+            <p:cNvPr id="3" name="Picture 2" descr="logo.png"/>
+            <p:cNvPicPr>
+              <a:picLocks noChangeAspect="1"/>
+            </p:cNvPicPr>
+            <p:nvPr/>
+          </p:nvPicPr>
+          <p:blipFill>
+            <a:blip r:embed="rId3">
+              <a:extLst>
+                <a:ext uri="{28A0092B-C50C-407E-A947-70E740481C1C}">
+                  <a14:useLocalDpi xmlns:a14="http://schemas.microsoft.com/office/drawing/2010/main" val="0"/>
+                </a:ext>
+              </a:extLst>
+            </a:blip>
+            <a:stretch>
+              <a:fillRect/>
+            </a:stretch>
+          </p:blipFill>
+          <p:spPr>
+            <a:xfrm>
+              <a:off x="31643" y="1340829"/>
+              <a:ext cx="6412565" cy="1152067"/>
+            </a:xfrm>
+            <a:prstGeom prst="rect">
+              <a:avLst/>
+            </a:prstGeom>
+          </p:spPr>
+        </p:pic>
+        <p:sp>
+          <p:nvSpPr>
+            <p:cNvPr id="23" name="CaixaDeTexto 22"/>
+            <p:cNvSpPr txBox="1"/>
+            <p:nvPr/>
+          </p:nvSpPr>
+          <p:spPr>
+            <a:xfrm>
+              <a:off x="827584" y="1556792"/>
+              <a:ext cx="5472608" cy="646331"/>
+            </a:xfrm>
+            <a:prstGeom prst="rect">
+              <a:avLst/>
+            </a:prstGeom>
+            <a:noFill/>
+          </p:spPr>
+          <p:txBody>
+            <a:bodyPr wrap="square" rtlCol="0">
+              <a:spAutoFit/>
+            </a:bodyPr>
+            <a:lstStyle/>
+            <a:p>
+              <a:r>
+                <a:rPr lang="pt-PT" sz="3600" dirty="0">
+                  <a:solidFill>
+                    <a:schemeClr val="bg1"/>
+                  </a:solidFill>
+                  <a:latin typeface="Berlin Sans FB"/>
+                </a:rPr>
+                <a:t> </a:t>
+              </a:r>
+              <a:r>
+                <a:rPr lang="pt-PT" sz="3600" dirty="0" smtClean="0">
+                  <a:solidFill>
+                    <a:schemeClr val="bg1"/>
+                  </a:solidFill>
+                  <a:latin typeface="Berlin Sans FB"/>
+                </a:rPr>
+                <a:t> AISS </a:t>
+              </a:r>
+              <a:r>
+                <a:rPr lang="pt-PT" sz="3600" dirty="0" err="1" smtClean="0">
+                  <a:solidFill>
+                    <a:schemeClr val="bg1"/>
+                  </a:solidFill>
+                  <a:latin typeface="Berlin Sans FB"/>
+                </a:rPr>
+                <a:t>Secure</a:t>
+              </a:r>
+              <a:r>
+                <a:rPr lang="pt-PT" sz="3600" dirty="0" smtClean="0">
+                  <a:solidFill>
+                    <a:schemeClr val="bg1"/>
+                  </a:solidFill>
+                  <a:latin typeface="Berlin Sans FB"/>
+                </a:rPr>
+                <a:t> </a:t>
+              </a:r>
+              <a:r>
+                <a:rPr lang="pt-PT" sz="3600" dirty="0" err="1" smtClean="0">
+                  <a:solidFill>
+                    <a:schemeClr val="bg1"/>
+                  </a:solidFill>
+                  <a:latin typeface="Berlin Sans FB"/>
+                </a:rPr>
+                <a:t>Mail</a:t>
+              </a:r>
+              <a:endParaRPr lang="pt-PT" sz="3600" dirty="0" smtClean="0">
+                <a:solidFill>
+                  <a:schemeClr val="bg1"/>
+                </a:solidFill>
+                <a:latin typeface="Berlin Sans FB"/>
+              </a:endParaRPr>
+            </a:p>
+          </p:txBody>
+        </p:sp>
+      </p:grpSp>
+      <p:pic>
+        <p:nvPicPr>
+          <p:cNvPr id="13" name="Picture 12" descr="istlogo.png"/>
+          <p:cNvPicPr>
+            <a:picLocks noChangeAspect="1"/>
+          </p:cNvPicPr>
+          <p:nvPr/>
+        </p:nvPicPr>
+        <p:blipFill>
+          <a:blip r:embed="rId4">
+            <a:extLst>
+              <a:ext uri="{28A0092B-C50C-407E-A947-70E740481C1C}">
+                <a14:useLocalDpi xmlns:a14="http://schemas.microsoft.com/office/drawing/2010/main" val="0"/>
+              </a:ext>
+            </a:extLst>
+          </a:blip>
+          <a:stretch>
+            <a:fillRect/>
+          </a:stretch>
+        </p:blipFill>
+        <p:spPr>
+          <a:xfrm>
+            <a:off x="6660232" y="188640"/>
+            <a:ext cx="2304256" cy="911214"/>
+          </a:xfrm>
+          <a:prstGeom prst="rect">
+            <a:avLst/>
+          </a:prstGeom>
+        </p:spPr>
+      </p:pic>
+      <p:grpSp>
+        <p:nvGrpSpPr>
+          <p:cNvPr id="14" name="Group 13"/>
+          <p:cNvGrpSpPr/>
+          <p:nvPr/>
+        </p:nvGrpSpPr>
+        <p:grpSpPr>
+          <a:xfrm>
+            <a:off x="0" y="6309320"/>
+            <a:ext cx="9144000" cy="548680"/>
+            <a:chOff x="0" y="6309320"/>
+            <a:chExt cx="9144000" cy="548680"/>
+          </a:xfrm>
+        </p:grpSpPr>
+        <p:sp>
+          <p:nvSpPr>
+            <p:cNvPr id="15" name="Rectangle 14"/>
+            <p:cNvSpPr/>
+            <p:nvPr/>
+          </p:nvSpPr>
+          <p:spPr>
+            <a:xfrm>
+              <a:off x="0" y="6309320"/>
+              <a:ext cx="9144000" cy="548680"/>
+            </a:xfrm>
+            <a:prstGeom prst="rect">
+              <a:avLst/>
+            </a:prstGeom>
+          </p:spPr>
+          <p:style>
+            <a:lnRef idx="1">
+              <a:schemeClr val="accent1"/>
+            </a:lnRef>
+            <a:fillRef idx="3">
+              <a:schemeClr val="accent1"/>
+            </a:fillRef>
+            <a:effectRef idx="2">
+              <a:schemeClr val="accent1"/>
+            </a:effectRef>
+            <a:fontRef idx="minor">
+              <a:schemeClr val="lt1"/>
+            </a:fontRef>
+          </p:style>
+          <p:txBody>
+            <a:bodyPr rtlCol="0" anchor="ctr"/>
+            <a:lstStyle/>
+            <a:p>
+              <a:pPr algn="ctr"/>
+              <a:endParaRPr lang="en-US"/>
+            </a:p>
+          </p:txBody>
+        </p:sp>
+        <p:sp>
+          <p:nvSpPr>
+            <p:cNvPr id="16" name="TextBox 15"/>
+            <p:cNvSpPr txBox="1"/>
+            <p:nvPr/>
+          </p:nvSpPr>
+          <p:spPr>
+            <a:xfrm>
+              <a:off x="251520" y="6381328"/>
+              <a:ext cx="3960440" cy="400110"/>
+            </a:xfrm>
+            <a:prstGeom prst="rect">
+              <a:avLst/>
+            </a:prstGeom>
+            <a:noFill/>
+          </p:spPr>
+          <p:txBody>
+            <a:bodyPr wrap="square" rtlCol="0">
+              <a:spAutoFit/>
+            </a:bodyPr>
+            <a:lstStyle/>
+            <a:p>
+              <a:r>
+                <a:rPr lang="en-US" sz="2000" b="1" dirty="0" smtClean="0">
+                  <a:solidFill>
+                    <a:schemeClr val="bg1"/>
+                  </a:solidFill>
+                </a:rPr>
+                <a:t>AISS Secure Mail</a:t>
+              </a:r>
+              <a:endParaRPr lang="en-US" sz="2000" b="1" dirty="0">
+                <a:solidFill>
+                  <a:schemeClr val="bg1"/>
+                </a:solidFill>
+              </a:endParaRPr>
+            </a:p>
+          </p:txBody>
+        </p:sp>
+        <p:sp>
+          <p:nvSpPr>
+            <p:cNvPr id="17" name="TextBox 16"/>
+            <p:cNvSpPr txBox="1"/>
+            <p:nvPr/>
+          </p:nvSpPr>
+          <p:spPr>
+            <a:xfrm>
+              <a:off x="4716016" y="6381328"/>
+              <a:ext cx="3960440" cy="400110"/>
+            </a:xfrm>
+            <a:prstGeom prst="rect">
+              <a:avLst/>
+            </a:prstGeom>
+            <a:noFill/>
+          </p:spPr>
+          <p:txBody>
+            <a:bodyPr wrap="square" rtlCol="0">
+              <a:spAutoFit/>
+            </a:bodyPr>
+            <a:lstStyle/>
+            <a:p>
+              <a:pPr algn="r"/>
+              <a:r>
+                <a:rPr lang="en-US" sz="2000" b="1" dirty="0" err="1" smtClean="0">
+                  <a:solidFill>
+                    <a:srgbClr val="FFFFFF"/>
+                  </a:solidFill>
+                </a:rPr>
+                <a:t>Gonçalo</a:t>
+              </a:r>
+              <a:r>
+                <a:rPr lang="en-US" sz="2000" b="1" dirty="0" smtClean="0">
+                  <a:solidFill>
+                    <a:srgbClr val="FFFFFF"/>
+                  </a:solidFill>
+                </a:rPr>
+                <a:t> </a:t>
+              </a:r>
+              <a:r>
+                <a:rPr lang="en-US" sz="2000" b="1" dirty="0" err="1" smtClean="0">
+                  <a:solidFill>
+                    <a:srgbClr val="FFFFFF"/>
+                  </a:solidFill>
+                </a:rPr>
+                <a:t>Carito</a:t>
+              </a:r>
+              <a:r>
+                <a:rPr lang="en-US" sz="2000" b="1" dirty="0" smtClean="0">
+                  <a:solidFill>
+                    <a:srgbClr val="FFFFFF"/>
+                  </a:solidFill>
+                </a:rPr>
+                <a:t>, Dário Nascimento</a:t>
+              </a:r>
+              <a:endParaRPr lang="en-US" sz="2000" b="1" dirty="0">
+                <a:solidFill>
+                  <a:srgbClr val="FFFFFF"/>
+                </a:solidFill>
+              </a:endParaRPr>
+            </a:p>
+          </p:txBody>
+        </p:sp>
+      </p:grpSp>
+      <p:sp>
+        <p:nvSpPr>
+          <p:cNvPr id="19" name="Rectangle 18"/>
+          <p:cNvSpPr/>
+          <p:nvPr/>
+        </p:nvSpPr>
+        <p:spPr>
+          <a:xfrm>
+            <a:off x="2411760" y="4653136"/>
+            <a:ext cx="6534472" cy="1200329"/>
+          </a:xfrm>
+          <a:prstGeom prst="rect">
+            <a:avLst/>
+          </a:prstGeom>
+        </p:spPr>
+        <p:txBody>
+          <a:bodyPr wrap="square">
+            <a:spAutoFit/>
+          </a:bodyPr>
+          <a:lstStyle/>
+          <a:p>
+            <a:pPr algn="r">
+              <a:spcBef>
+                <a:spcPts val="0"/>
+              </a:spcBef>
+              <a:spcAft>
+                <a:spcPts val="0"/>
+              </a:spcAft>
+            </a:pPr>
+            <a:r>
+              <a:rPr lang="pt-PT" sz="3600" b="1" dirty="0" smtClean="0">
+                <a:solidFill>
+                  <a:schemeClr val="accent1">
+                    <a:lumMod val="75000"/>
+                  </a:schemeClr>
+                </a:solidFill>
+                <a:latin typeface="Hobo Std"/>
+                <a:ea typeface="Times New Roman"/>
+                <a:cs typeface="Times New Roman"/>
+              </a:rPr>
+              <a:t>AISS SECURE MAIL</a:t>
+            </a:r>
+            <a:endParaRPr lang="pt-PT" sz="3600" b="1" dirty="0">
+              <a:solidFill>
+                <a:schemeClr val="accent1">
+                  <a:lumMod val="75000"/>
+                </a:schemeClr>
+              </a:solidFill>
+              <a:latin typeface="Hobo Std"/>
+              <a:ea typeface="Times New Roman"/>
+              <a:cs typeface="Times New Roman"/>
+            </a:endParaRPr>
+          </a:p>
+          <a:p>
+            <a:pPr algn="r">
+              <a:spcBef>
+                <a:spcPts val="0"/>
+              </a:spcBef>
+              <a:spcAft>
+                <a:spcPts val="0"/>
+              </a:spcAft>
+            </a:pPr>
+            <a:r>
+              <a:rPr lang="pt-PT" sz="3600" b="1" kern="0" dirty="0">
+                <a:solidFill>
+                  <a:schemeClr val="accent4"/>
+                </a:solidFill>
+                <a:latin typeface="Hobo Std"/>
+                <a:ea typeface="Times New Roman"/>
+                <a:cs typeface="Times New Roman"/>
+              </a:rPr>
+              <a:t> </a:t>
+            </a:r>
+            <a:r>
+              <a:rPr lang="pt-PT" sz="2800" b="1" kern="0" dirty="0" err="1" smtClean="0">
+                <a:solidFill>
+                  <a:schemeClr val="tx2">
+                    <a:lumMod val="60000"/>
+                    <a:lumOff val="40000"/>
+                  </a:schemeClr>
+                </a:solidFill>
+                <a:latin typeface="Hobo Std"/>
+                <a:ea typeface="Times New Roman"/>
+                <a:cs typeface="Times New Roman"/>
+              </a:rPr>
+              <a:t>Protected</a:t>
+            </a:r>
+            <a:r>
+              <a:rPr lang="pt-PT" sz="2800" b="1" kern="0" dirty="0" smtClean="0">
+                <a:solidFill>
+                  <a:schemeClr val="tx2">
+                    <a:lumMod val="60000"/>
+                    <a:lumOff val="40000"/>
+                  </a:schemeClr>
+                </a:solidFill>
+                <a:latin typeface="Hobo Std"/>
+                <a:ea typeface="Times New Roman"/>
+                <a:cs typeface="Times New Roman"/>
+              </a:rPr>
+              <a:t> </a:t>
+            </a:r>
+            <a:r>
+              <a:rPr lang="pt-PT" sz="2800" b="1" kern="0" dirty="0" err="1" smtClean="0">
+                <a:solidFill>
+                  <a:schemeClr val="tx2">
+                    <a:lumMod val="60000"/>
+                    <a:lumOff val="40000"/>
+                  </a:schemeClr>
+                </a:solidFill>
+                <a:latin typeface="Hobo Std"/>
+                <a:ea typeface="Times New Roman"/>
+                <a:cs typeface="Times New Roman"/>
+              </a:rPr>
+              <a:t>Message</a:t>
+            </a:r>
+            <a:r>
+              <a:rPr lang="pt-PT" sz="2800" b="1" kern="0" dirty="0" smtClean="0">
+                <a:solidFill>
+                  <a:schemeClr val="tx2">
+                    <a:lumMod val="60000"/>
+                    <a:lumOff val="40000"/>
+                  </a:schemeClr>
+                </a:solidFill>
+                <a:latin typeface="Hobo Std"/>
+                <a:ea typeface="Times New Roman"/>
+                <a:cs typeface="Times New Roman"/>
+              </a:rPr>
+              <a:t> Exchange</a:t>
+            </a:r>
+            <a:endParaRPr lang="pt-PT" sz="3600" b="1" kern="0" dirty="0">
+              <a:solidFill>
+                <a:schemeClr val="tx2">
+                  <a:lumMod val="60000"/>
+                  <a:lumOff val="40000"/>
+                </a:schemeClr>
+              </a:solidFill>
+              <a:latin typeface="Cambria"/>
+              <a:ea typeface="Times New Roman"/>
+              <a:cs typeface="Times New Roman"/>
+            </a:endParaRPr>
+          </a:p>
+        </p:txBody>
+      </p:sp>
+      <p:sp>
+        <p:nvSpPr>
+          <p:cNvPr id="2" name="Rectangle 1"/>
+          <p:cNvSpPr/>
+          <p:nvPr/>
+        </p:nvSpPr>
+        <p:spPr>
+          <a:xfrm>
+            <a:off x="611560" y="1615440"/>
+            <a:ext cx="6192688" cy="2677656"/>
+          </a:xfrm>
+          <a:prstGeom prst="rect">
+            <a:avLst/>
+          </a:prstGeom>
+        </p:spPr>
+        <p:txBody>
+          <a:bodyPr wrap="square">
+            <a:spAutoFit/>
+          </a:bodyPr>
+          <a:lstStyle/>
+          <a:p>
+            <a:r>
+              <a:rPr lang="en-US" sz="2800" dirty="0"/>
+              <a:t>Provides:</a:t>
+            </a:r>
+          </a:p>
+          <a:p>
+            <a:pPr marL="457200" indent="-457200">
+              <a:buFont typeface="Arial"/>
+              <a:buChar char="•"/>
+            </a:pPr>
+            <a:r>
+              <a:rPr lang="en-US" sz="2800" b="1" dirty="0"/>
+              <a:t>Cipher</a:t>
+            </a:r>
+          </a:p>
+          <a:p>
+            <a:pPr marL="457200" indent="-457200">
+              <a:buFont typeface="Arial"/>
+              <a:buChar char="•"/>
+            </a:pPr>
+            <a:r>
+              <a:rPr lang="en-US" sz="2800" b="1" dirty="0"/>
+              <a:t>Secure Time Stamp</a:t>
+            </a:r>
+          </a:p>
+          <a:p>
+            <a:pPr marL="457200" indent="-457200">
+              <a:buFont typeface="Arial"/>
+              <a:buChar char="•"/>
+            </a:pPr>
+            <a:r>
+              <a:rPr lang="en-US" sz="2800" b="1" dirty="0" smtClean="0"/>
+              <a:t>Signature</a:t>
+            </a:r>
+          </a:p>
+          <a:p>
+            <a:pPr marL="457200" indent="-457200">
+              <a:buFont typeface="Arial"/>
+              <a:buChar char="•"/>
+            </a:pPr>
+            <a:r>
+              <a:rPr lang="en-US" sz="2800" b="1" dirty="0"/>
+              <a:t>User Friendly Interface</a:t>
+            </a:r>
+          </a:p>
+          <a:p>
+            <a:pPr marL="457200" indent="-457200">
+              <a:buFont typeface="Arial"/>
+              <a:buChar char="•"/>
+            </a:pPr>
+            <a:r>
+              <a:rPr lang="en-US" sz="2800" b="1" dirty="0" smtClean="0"/>
+              <a:t>Easy </a:t>
+            </a:r>
+            <a:r>
+              <a:rPr lang="en-US" sz="2800" b="1" dirty="0" smtClean="0"/>
+              <a:t>Installation</a:t>
+            </a:r>
+            <a:endParaRPr lang="en-US" sz="2800" b="1" dirty="0"/>
+          </a:p>
+        </p:txBody>
+      </p:sp>
+    </p:spTree>
+    <p:extLst>
+      <p:ext uri="{BB962C8B-B14F-4D97-AF65-F5344CB8AC3E}">
+        <p14:creationId xmlns:p14="http://schemas.microsoft.com/office/powerpoint/2010/main" val="1476624937"/>
       </p:ext>
     </p:extLst>
   </p:cSld>
@@ -13355,6 +13358,60 @@
                                   </p:childTnLst>
                                 </p:cTn>
                               </p:par>
+                              <p:par>
+                                <p:cTn id="8" presetID="1" presetClass="entr" presetSubtype="0" fill="hold" nodeType="withEffect">
+                                  <p:stCondLst>
+                                    <p:cond delay="0"/>
+                                  </p:stCondLst>
+                                  <p:childTnLst>
+                                    <p:set>
+                                      <p:cBhvr>
+                                        <p:cTn id="9" dur="1" fill="hold">
+                                          <p:stCondLst>
+                                            <p:cond delay="0"/>
+                                          </p:stCondLst>
+                                        </p:cTn>
+                                        <p:tgtEl>
+                                          <p:spTgt spid="2"/>
+                                        </p:tgtEl>
+                                        <p:attrNameLst>
+                                          <p:attrName>style.visibility</p:attrName>
+                                        </p:attrNameLst>
+                                      </p:cBhvr>
+                                      <p:to>
+                                        <p:strVal val="visible"/>
+                                      </p:to>
+                                    </p:set>
+                                  </p:childTnLst>
+                                </p:cTn>
+                              </p:par>
+                              <p:par>
+                                <p:cTn id="10" presetID="1" presetClass="entr" presetSubtype="0" fill="hold" nodeType="withEffect">
+                                  <p:stCondLst>
+                                    <p:cond delay="0"/>
+                                  </p:stCondLst>
+                                  <p:childTnLst>
+                                    <p:set>
+                                      <p:cBhvr>
+                                        <p:cTn id="11" dur="1" fill="hold">
+                                          <p:stCondLst>
+                                            <p:cond delay="0"/>
+                                          </p:stCondLst>
+                                        </p:cTn>
+                                        <p:tgtEl>
+                                          <p:spTgt spid="22"/>
+                                        </p:tgtEl>
+                                        <p:attrNameLst>
+                                          <p:attrName>style.visibility</p:attrName>
+                                        </p:attrNameLst>
+                                      </p:cBhvr>
+                                      <p:to>
+                                        <p:strVal val="visible"/>
+                                      </p:to>
+                                    </p:set>
+                                  </p:childTnLst>
+                                </p:cTn>
+                              </p:par>
                             </p:childTnLst>
                           </p:cTn>
                         </p:par>
@@ -13362,26 +13419,26 @@
                     </p:cTn>
                   </p:par>
                   <p:par>
-                    <p:cTn id="8" fill="hold">
+                    <p:cTn id="12" fill="hold">
                       <p:stCondLst>
                         <p:cond delay="indefinite"/>
                       </p:stCondLst>
                       <p:childTnLst>
                         <p:par>
-                          <p:cTn id="9" fill="hold">
+                          <p:cTn id="13" fill="hold">
                             <p:stCondLst>
                               <p:cond delay="0"/>
                             </p:stCondLst>
                             <p:childTnLst>
                               <p:par>
-                                <p:cTn id="10" presetID="1" presetClass="entr" presetSubtype="0" fill="hold" grpId="0" nodeType="clickEffect">
+                                <p:cTn id="14" presetID="1" presetClass="entr" presetSubtype="0" fill="hold" grpId="0" nodeType="clickEffect">
                                   <p:stCondLst>
                                     <p:cond delay="0"/>
                                   </p:stCondLst>
                                   <p:childTnLst>
                                     <p:set>
                                       <p:cBhvr>
-                                        <p:cTn id="11" dur="1" fill="hold">
+                                        <p:cTn id="15" dur="1" fill="hold">
                                           <p:stCondLst>
                                             <p:cond delay="0"/>
                                           </p:stCondLst>

--- a/Apresentacoes/Comercial/Apresentação.pptx
+++ b/Apresentacoes/Comercial/Apresentação.pptx
@@ -206,7 +206,7 @@
           <a:p>
             <a:fld id="{A5F23D6D-B8F2-4B0F-AB5B-9498494086CD}" type="datetimeFigureOut">
               <a:rPr lang="pt-PT" smtClean="0"/>
-              <a:t>5/27/13</a:t>
+              <a:t>5/28/13</a:t>
             </a:fld>
             <a:endParaRPr lang="pt-PT"/>
           </a:p>
@@ -524,11 +524,7 @@
           <a:p>
             <a:r>
               <a:rPr lang="pt-PT" dirty="0" smtClean="0"/>
-              <a:t>Bom dia, o meu nome </a:t>
-            </a:r>
-            <a:r>
-              <a:rPr lang="pt-PT" dirty="0" smtClean="0"/>
-              <a:t>é Gonçalo</a:t>
+              <a:t>Bom dia, o meu nome é Gonçalo</a:t>
             </a:r>
             <a:r>
               <a:rPr lang="pt-PT" baseline="0" dirty="0" smtClean="0"/>
@@ -742,11 +738,7 @@
           <a:p>
             <a:r>
               <a:rPr lang="pt-PT" dirty="0" smtClean="0"/>
-              <a:t>A nossa interface </a:t>
-            </a:r>
-            <a:r>
-              <a:rPr lang="pt-PT" dirty="0" smtClean="0"/>
-              <a:t>é simples</a:t>
+              <a:t>A nossa interface é simples</a:t>
             </a:r>
             <a:r>
               <a:rPr lang="pt-PT" baseline="0" dirty="0" smtClean="0"/>
@@ -1053,11 +1045,7 @@
             </a:r>
             <a:r>
               <a:rPr lang="pt-PT" baseline="0" dirty="0" smtClean="0"/>
-              <a:t> </a:t>
-            </a:r>
-            <a:r>
-              <a:rPr lang="pt-PT" baseline="0" dirty="0" smtClean="0"/>
-              <a:t>é simples e cumpre todos os requisitos de segurança.</a:t>
+              <a:t> é simples e cumpre todos os requisitos de segurança.</a:t>
             </a:r>
             <a:endParaRPr lang="pt-PT" dirty="0"/>
           </a:p>
@@ -1681,9 +1669,86 @@
                 <a:ea typeface="+mn-ea"/>
                 <a:cs typeface="+mn-cs"/>
               </a:rPr>
+              <a:t> A </a:t>
+            </a:r>
+            <a:r>
+              <a:rPr lang="en-US" sz="1200" kern="1200" baseline="0" dirty="0" err="1" smtClean="0">
+                <a:solidFill>
+                  <a:schemeClr val="tx1"/>
+                </a:solidFill>
+                <a:latin typeface="+mn-lt"/>
+                <a:ea typeface="+mn-ea"/>
+                <a:cs typeface="+mn-cs"/>
+              </a:rPr>
+              <a:t>candidata</a:t>
+            </a:r>
+            <a:r>
+              <a:rPr lang="en-US" sz="1200" kern="1200" baseline="0" dirty="0" smtClean="0">
+                <a:solidFill>
+                  <a:schemeClr val="tx1"/>
+                </a:solidFill>
+                <a:latin typeface="+mn-lt"/>
+                <a:ea typeface="+mn-ea"/>
+                <a:cs typeface="+mn-cs"/>
+              </a:rPr>
+              <a:t> a vice president do EUA </a:t>
+            </a:r>
+            <a:r>
+              <a:rPr lang="en-US" sz="1200" kern="1200" baseline="0" dirty="0" err="1" smtClean="0">
+                <a:solidFill>
+                  <a:schemeClr val="tx1"/>
+                </a:solidFill>
+                <a:latin typeface="+mn-lt"/>
+                <a:ea typeface="+mn-ea"/>
+                <a:cs typeface="+mn-cs"/>
+              </a:rPr>
+              <a:t>viu</a:t>
+            </a:r>
+            <a:r>
+              <a:rPr lang="en-US" sz="1200" kern="1200" baseline="0" dirty="0" smtClean="0">
+                <a:solidFill>
+                  <a:schemeClr val="tx1"/>
+                </a:solidFill>
+                <a:latin typeface="+mn-lt"/>
+                <a:ea typeface="+mn-ea"/>
+                <a:cs typeface="+mn-cs"/>
+              </a:rPr>
+              <a:t> a </a:t>
+            </a:r>
+            <a:r>
+              <a:rPr lang="en-US" sz="1200" kern="1200" baseline="0" dirty="0" err="1" smtClean="0">
+                <a:solidFill>
+                  <a:schemeClr val="tx1"/>
+                </a:solidFill>
+                <a:latin typeface="+mn-lt"/>
+                <a:ea typeface="+mn-ea"/>
+                <a:cs typeface="+mn-cs"/>
+              </a:rPr>
+              <a:t>sua</a:t>
+            </a:r>
+            <a:r>
+              <a:rPr lang="en-US" sz="1200" kern="1200" baseline="0" dirty="0" smtClean="0">
+                <a:solidFill>
+                  <a:schemeClr val="tx1"/>
+                </a:solidFill>
+                <a:latin typeface="+mn-lt"/>
+                <a:ea typeface="+mn-ea"/>
+                <a:cs typeface="+mn-cs"/>
+              </a:rPr>
               <a:t> </a:t>
             </a:r>
             <a:r>
+              <a:rPr lang="en-US" sz="1200" kern="1200" baseline="0" dirty="0" err="1" smtClean="0">
+                <a:solidFill>
+                  <a:schemeClr val="tx1"/>
+                </a:solidFill>
+                <a:latin typeface="+mn-lt"/>
+                <a:ea typeface="+mn-ea"/>
+                <a:cs typeface="+mn-cs"/>
+              </a:rPr>
+              <a:t>conta</a:t>
+            </a:r>
+            <a:r>
               <a:rPr lang="en-US" sz="1200" kern="1200" baseline="0" dirty="0" smtClean="0">
                 <a:solidFill>
                   <a:schemeClr val="tx1"/>
@@ -1692,7 +1757,7 @@
                 <a:ea typeface="+mn-ea"/>
                 <a:cs typeface="+mn-cs"/>
               </a:rPr>
-              <a:t>A </a:t>
+              <a:t> de email </a:t>
             </a:r>
             <a:r>
               <a:rPr lang="en-US" sz="1200" kern="1200" baseline="0" dirty="0" err="1" smtClean="0">
@@ -1703,7 +1768,7 @@
                 <a:ea typeface="+mn-ea"/>
                 <a:cs typeface="+mn-cs"/>
               </a:rPr>
-              <a:t>candidata</a:t>
+              <a:t>ser</a:t>
             </a:r>
             <a:r>
               <a:rPr lang="en-US" sz="1200" kern="1200" baseline="0" dirty="0" smtClean="0">
@@ -1714,7 +1779,7 @@
                 <a:ea typeface="+mn-ea"/>
                 <a:cs typeface="+mn-cs"/>
               </a:rPr>
-              <a:t> a vice president do EUA </a:t>
+              <a:t> </a:t>
             </a:r>
             <a:r>
               <a:rPr lang="en-US" sz="1200" kern="1200" baseline="0" dirty="0" err="1" smtClean="0">
@@ -1725,7 +1790,7 @@
                 <a:ea typeface="+mn-ea"/>
                 <a:cs typeface="+mn-cs"/>
               </a:rPr>
-              <a:t>viu</a:t>
+              <a:t>atacada</a:t>
             </a:r>
             <a:r>
               <a:rPr lang="en-US" sz="1200" kern="1200" baseline="0" dirty="0" smtClean="0">
@@ -1736,6 +1801,94 @@
                 <a:ea typeface="+mn-ea"/>
                 <a:cs typeface="+mn-cs"/>
               </a:rPr>
+              <a:t> e </a:t>
+            </a:r>
+            <a:r>
+              <a:rPr lang="en-US" sz="1200" kern="1200" baseline="0" dirty="0" err="1" smtClean="0">
+                <a:solidFill>
+                  <a:schemeClr val="tx1"/>
+                </a:solidFill>
+                <a:latin typeface="+mn-lt"/>
+                <a:ea typeface="+mn-ea"/>
+                <a:cs typeface="+mn-cs"/>
+              </a:rPr>
+              <a:t>os</a:t>
+            </a:r>
+            <a:r>
+              <a:rPr lang="en-US" sz="1200" kern="1200" baseline="0" dirty="0" smtClean="0">
+                <a:solidFill>
+                  <a:schemeClr val="tx1"/>
+                </a:solidFill>
+                <a:latin typeface="+mn-lt"/>
+                <a:ea typeface="+mn-ea"/>
+                <a:cs typeface="+mn-cs"/>
+              </a:rPr>
+              <a:t> </a:t>
+            </a:r>
+            <a:r>
+              <a:rPr lang="en-US" sz="1200" kern="1200" baseline="0" dirty="0" err="1" smtClean="0">
+                <a:solidFill>
+                  <a:schemeClr val="tx1"/>
+                </a:solidFill>
+                <a:latin typeface="+mn-lt"/>
+                <a:ea typeface="+mn-ea"/>
+                <a:cs typeface="+mn-cs"/>
+              </a:rPr>
+              <a:t>seus</a:t>
+            </a:r>
+            <a:r>
+              <a:rPr lang="en-US" sz="1200" kern="1200" baseline="0" dirty="0" smtClean="0">
+                <a:solidFill>
+                  <a:schemeClr val="tx1"/>
+                </a:solidFill>
+                <a:latin typeface="+mn-lt"/>
+                <a:ea typeface="+mn-ea"/>
+                <a:cs typeface="+mn-cs"/>
+              </a:rPr>
+              <a:t> email </a:t>
+            </a:r>
+            <a:r>
+              <a:rPr lang="en-US" sz="1200" kern="1200" baseline="0" dirty="0" err="1" smtClean="0">
+                <a:solidFill>
+                  <a:schemeClr val="tx1"/>
+                </a:solidFill>
+                <a:latin typeface="+mn-lt"/>
+                <a:ea typeface="+mn-ea"/>
+                <a:cs typeface="+mn-cs"/>
+              </a:rPr>
+              <a:t>comprometeram</a:t>
+            </a:r>
+            <a:r>
+              <a:rPr lang="en-US" sz="1200" kern="1200" baseline="0" dirty="0" smtClean="0">
+                <a:solidFill>
+                  <a:schemeClr val="tx1"/>
+                </a:solidFill>
+                <a:latin typeface="+mn-lt"/>
+                <a:ea typeface="+mn-ea"/>
+                <a:cs typeface="+mn-cs"/>
+              </a:rPr>
+              <a:t> </a:t>
+            </a:r>
+            <a:r>
+              <a:rPr lang="en-US" sz="1200" kern="1200" baseline="0" dirty="0" err="1" smtClean="0">
+                <a:solidFill>
+                  <a:schemeClr val="tx1"/>
+                </a:solidFill>
+                <a:latin typeface="+mn-lt"/>
+                <a:ea typeface="+mn-ea"/>
+                <a:cs typeface="+mn-cs"/>
+              </a:rPr>
+              <a:t>bastante</a:t>
+            </a:r>
+            <a:r>
+              <a:rPr lang="en-US" sz="1200" kern="1200" baseline="0" dirty="0" smtClean="0">
+                <a:solidFill>
+                  <a:schemeClr val="tx1"/>
+                </a:solidFill>
+                <a:latin typeface="+mn-lt"/>
+                <a:ea typeface="+mn-ea"/>
+                <a:cs typeface="+mn-cs"/>
+              </a:rPr>
               <a:t> a </a:t>
             </a:r>
             <a:r>
@@ -1769,7 +1922,7 @@
                 <a:ea typeface="+mn-ea"/>
                 <a:cs typeface="+mn-cs"/>
               </a:rPr>
-              <a:t>conta</a:t>
+              <a:t>campanha</a:t>
             </a:r>
             <a:r>
               <a:rPr lang="en-US" sz="1200" kern="1200" baseline="0" dirty="0" smtClean="0">
@@ -1780,7 +1933,7 @@
                 <a:ea typeface="+mn-ea"/>
                 <a:cs typeface="+mn-cs"/>
               </a:rPr>
-              <a:t> de email </a:t>
+              <a:t> </a:t>
             </a:r>
             <a:r>
               <a:rPr lang="en-US" sz="1200" kern="1200" baseline="0" dirty="0" err="1" smtClean="0">
@@ -1791,7 +1944,7 @@
                 <a:ea typeface="+mn-ea"/>
                 <a:cs typeface="+mn-cs"/>
               </a:rPr>
-              <a:t>ser</a:t>
+              <a:t>eleitoral</a:t>
             </a:r>
             <a:r>
               <a:rPr lang="en-US" sz="1200" kern="1200" baseline="0" dirty="0" smtClean="0">
@@ -1802,6 +1955,50 @@
                 <a:ea typeface="+mn-ea"/>
                 <a:cs typeface="+mn-cs"/>
               </a:rPr>
+              <a:t>. </a:t>
+            </a:r>
+            <a:r>
+              <a:rPr lang="en-US" sz="1200" kern="1200" baseline="0" dirty="0" err="1" smtClean="0">
+                <a:solidFill>
+                  <a:schemeClr val="tx1"/>
+                </a:solidFill>
+                <a:latin typeface="+mn-lt"/>
+                <a:ea typeface="+mn-ea"/>
+                <a:cs typeface="+mn-cs"/>
+              </a:rPr>
+              <a:t>Sendo</a:t>
+            </a:r>
+            <a:r>
+              <a:rPr lang="en-US" sz="1200" kern="1200" baseline="0" dirty="0" smtClean="0">
+                <a:solidFill>
+                  <a:schemeClr val="tx1"/>
+                </a:solidFill>
+                <a:latin typeface="+mn-lt"/>
+                <a:ea typeface="+mn-ea"/>
+                <a:cs typeface="+mn-cs"/>
+              </a:rPr>
+              <a:t> o email </a:t>
+            </a:r>
+            <a:r>
+              <a:rPr lang="en-US" sz="1200" kern="1200" baseline="0" dirty="0" err="1" smtClean="0">
+                <a:solidFill>
+                  <a:schemeClr val="tx1"/>
+                </a:solidFill>
+                <a:latin typeface="+mn-lt"/>
+                <a:ea typeface="+mn-ea"/>
+                <a:cs typeface="+mn-cs"/>
+              </a:rPr>
+              <a:t>cada</a:t>
+            </a:r>
+            <a:r>
+              <a:rPr lang="en-US" sz="1200" kern="1200" baseline="0" dirty="0" smtClean="0">
+                <a:solidFill>
+                  <a:schemeClr val="tx1"/>
+                </a:solidFill>
+                <a:latin typeface="+mn-lt"/>
+                <a:ea typeface="+mn-ea"/>
+                <a:cs typeface="+mn-cs"/>
+              </a:rPr>
               <a:t> </a:t>
             </a:r>
             <a:r>
@@ -1813,7 +2010,7 @@
                 <a:ea typeface="+mn-ea"/>
                 <a:cs typeface="+mn-cs"/>
               </a:rPr>
-              <a:t>atacada</a:t>
+              <a:t>vez</a:t>
             </a:r>
             <a:r>
               <a:rPr lang="en-US" sz="1200" kern="1200" baseline="0" dirty="0" smtClean="0">
@@ -1824,7 +2021,7 @@
                 <a:ea typeface="+mn-ea"/>
                 <a:cs typeface="+mn-cs"/>
               </a:rPr>
-              <a:t> e </a:t>
+              <a:t> </a:t>
             </a:r>
             <a:r>
               <a:rPr lang="en-US" sz="1200" kern="1200" baseline="0" dirty="0" err="1" smtClean="0">
@@ -1835,7 +2032,7 @@
                 <a:ea typeface="+mn-ea"/>
                 <a:cs typeface="+mn-cs"/>
               </a:rPr>
-              <a:t>os</a:t>
+              <a:t>mais</a:t>
             </a:r>
             <a:r>
               <a:rPr lang="en-US" sz="1200" kern="1200" baseline="0" dirty="0" smtClean="0">
@@ -1846,7 +2043,7 @@
                 <a:ea typeface="+mn-ea"/>
                 <a:cs typeface="+mn-cs"/>
               </a:rPr>
-              <a:t> </a:t>
+              <a:t> o principal </a:t>
             </a:r>
             <a:r>
               <a:rPr lang="en-US" sz="1200" kern="1200" baseline="0" dirty="0" err="1" smtClean="0">
@@ -1857,7 +2054,7 @@
                 <a:ea typeface="+mn-ea"/>
                 <a:cs typeface="+mn-cs"/>
               </a:rPr>
-              <a:t>seus</a:t>
+              <a:t>meio</a:t>
             </a:r>
             <a:r>
               <a:rPr lang="en-US" sz="1200" kern="1200" baseline="0" dirty="0" smtClean="0">
@@ -1868,7 +2065,7 @@
                 <a:ea typeface="+mn-ea"/>
                 <a:cs typeface="+mn-cs"/>
               </a:rPr>
-              <a:t> email </a:t>
+              <a:t> de </a:t>
             </a:r>
             <a:r>
               <a:rPr lang="en-US" sz="1200" kern="1200" baseline="0" dirty="0" err="1" smtClean="0">
@@ -1879,238 +2076,7 @@
                 <a:ea typeface="+mn-ea"/>
                 <a:cs typeface="+mn-cs"/>
               </a:rPr>
-              <a:t>comprometeram</a:t>
-            </a:r>
-            <a:r>
-              <a:rPr lang="en-US" sz="1200" kern="1200" baseline="0" dirty="0" smtClean="0">
-                <a:solidFill>
-                  <a:schemeClr val="tx1"/>
-                </a:solidFill>
-                <a:latin typeface="+mn-lt"/>
-                <a:ea typeface="+mn-ea"/>
-                <a:cs typeface="+mn-cs"/>
-              </a:rPr>
-              <a:t> </a:t>
-            </a:r>
-            <a:r>
-              <a:rPr lang="en-US" sz="1200" kern="1200" baseline="0" dirty="0" err="1" smtClean="0">
-                <a:solidFill>
-                  <a:schemeClr val="tx1"/>
-                </a:solidFill>
-                <a:latin typeface="+mn-lt"/>
-                <a:ea typeface="+mn-ea"/>
-                <a:cs typeface="+mn-cs"/>
-              </a:rPr>
-              <a:t>bastante</a:t>
-            </a:r>
-            <a:r>
-              <a:rPr lang="en-US" sz="1200" kern="1200" baseline="0" dirty="0" smtClean="0">
-                <a:solidFill>
-                  <a:schemeClr val="tx1"/>
-                </a:solidFill>
-                <a:latin typeface="+mn-lt"/>
-                <a:ea typeface="+mn-ea"/>
-                <a:cs typeface="+mn-cs"/>
-              </a:rPr>
-              <a:t> a </a:t>
-            </a:r>
-            <a:r>
-              <a:rPr lang="en-US" sz="1200" kern="1200" baseline="0" dirty="0" err="1" smtClean="0">
-                <a:solidFill>
-                  <a:schemeClr val="tx1"/>
-                </a:solidFill>
-                <a:latin typeface="+mn-lt"/>
-                <a:ea typeface="+mn-ea"/>
-                <a:cs typeface="+mn-cs"/>
-              </a:rPr>
-              <a:t>sua</a:t>
-            </a:r>
-            <a:r>
-              <a:rPr lang="en-US" sz="1200" kern="1200" baseline="0" dirty="0" smtClean="0">
-                <a:solidFill>
-                  <a:schemeClr val="tx1"/>
-                </a:solidFill>
-                <a:latin typeface="+mn-lt"/>
-                <a:ea typeface="+mn-ea"/>
-                <a:cs typeface="+mn-cs"/>
-              </a:rPr>
-              <a:t> </a:t>
-            </a:r>
-            <a:r>
-              <a:rPr lang="en-US" sz="1200" kern="1200" baseline="0" dirty="0" err="1" smtClean="0">
-                <a:solidFill>
-                  <a:schemeClr val="tx1"/>
-                </a:solidFill>
-                <a:latin typeface="+mn-lt"/>
-                <a:ea typeface="+mn-ea"/>
-                <a:cs typeface="+mn-cs"/>
-              </a:rPr>
-              <a:t>campanha</a:t>
-            </a:r>
-            <a:r>
-              <a:rPr lang="en-US" sz="1200" kern="1200" baseline="0" dirty="0" smtClean="0">
-                <a:solidFill>
-                  <a:schemeClr val="tx1"/>
-                </a:solidFill>
-                <a:latin typeface="+mn-lt"/>
-                <a:ea typeface="+mn-ea"/>
-                <a:cs typeface="+mn-cs"/>
-              </a:rPr>
-              <a:t> </a:t>
-            </a:r>
-            <a:r>
-              <a:rPr lang="en-US" sz="1200" kern="1200" baseline="0" dirty="0" err="1" smtClean="0">
-                <a:solidFill>
-                  <a:schemeClr val="tx1"/>
-                </a:solidFill>
-                <a:latin typeface="+mn-lt"/>
-                <a:ea typeface="+mn-ea"/>
-                <a:cs typeface="+mn-cs"/>
-              </a:rPr>
-              <a:t>eleitoral</a:t>
-            </a:r>
-            <a:r>
-              <a:rPr lang="en-US" sz="1200" kern="1200" baseline="0" dirty="0" smtClean="0">
-                <a:solidFill>
-                  <a:schemeClr val="tx1"/>
-                </a:solidFill>
-                <a:latin typeface="+mn-lt"/>
-                <a:ea typeface="+mn-ea"/>
-                <a:cs typeface="+mn-cs"/>
-              </a:rPr>
-              <a:t>. </a:t>
-            </a:r>
-            <a:r>
-              <a:rPr lang="en-US" sz="1200" kern="1200" baseline="0" dirty="0" err="1" smtClean="0">
-                <a:solidFill>
-                  <a:schemeClr val="tx1"/>
-                </a:solidFill>
-                <a:latin typeface="+mn-lt"/>
-                <a:ea typeface="+mn-ea"/>
-                <a:cs typeface="+mn-cs"/>
-              </a:rPr>
-              <a:t>Sendo</a:t>
-            </a:r>
-            <a:r>
-              <a:rPr lang="en-US" sz="1200" kern="1200" baseline="0" dirty="0" smtClean="0">
-                <a:solidFill>
-                  <a:schemeClr val="tx1"/>
-                </a:solidFill>
-                <a:latin typeface="+mn-lt"/>
-                <a:ea typeface="+mn-ea"/>
-                <a:cs typeface="+mn-cs"/>
-              </a:rPr>
-              <a:t> o email </a:t>
-            </a:r>
-            <a:r>
-              <a:rPr lang="en-US" sz="1200" kern="1200" baseline="0" dirty="0" err="1" smtClean="0">
-                <a:solidFill>
-                  <a:schemeClr val="tx1"/>
-                </a:solidFill>
-                <a:latin typeface="+mn-lt"/>
-                <a:ea typeface="+mn-ea"/>
-                <a:cs typeface="+mn-cs"/>
-              </a:rPr>
-              <a:t>cada</a:t>
-            </a:r>
-            <a:r>
-              <a:rPr lang="en-US" sz="1200" kern="1200" baseline="0" dirty="0" smtClean="0">
-                <a:solidFill>
-                  <a:schemeClr val="tx1"/>
-                </a:solidFill>
-                <a:latin typeface="+mn-lt"/>
-                <a:ea typeface="+mn-ea"/>
-                <a:cs typeface="+mn-cs"/>
-              </a:rPr>
-              <a:t> </a:t>
-            </a:r>
-            <a:r>
-              <a:rPr lang="en-US" sz="1200" kern="1200" baseline="0" dirty="0" err="1" smtClean="0">
-                <a:solidFill>
-                  <a:schemeClr val="tx1"/>
-                </a:solidFill>
-                <a:latin typeface="+mn-lt"/>
-                <a:ea typeface="+mn-ea"/>
-                <a:cs typeface="+mn-cs"/>
-              </a:rPr>
-              <a:t>vez</a:t>
-            </a:r>
-            <a:r>
-              <a:rPr lang="en-US" sz="1200" kern="1200" baseline="0" dirty="0" smtClean="0">
-                <a:solidFill>
-                  <a:schemeClr val="tx1"/>
-                </a:solidFill>
-                <a:latin typeface="+mn-lt"/>
-                <a:ea typeface="+mn-ea"/>
-                <a:cs typeface="+mn-cs"/>
-              </a:rPr>
-              <a:t> </a:t>
-            </a:r>
-            <a:r>
-              <a:rPr lang="en-US" sz="1200" kern="1200" baseline="0" dirty="0" err="1" smtClean="0">
-                <a:solidFill>
-                  <a:schemeClr val="tx1"/>
-                </a:solidFill>
-                <a:latin typeface="+mn-lt"/>
-                <a:ea typeface="+mn-ea"/>
-                <a:cs typeface="+mn-cs"/>
-              </a:rPr>
-              <a:t>mais</a:t>
-            </a:r>
-            <a:r>
-              <a:rPr lang="en-US" sz="1200" kern="1200" baseline="0" dirty="0" smtClean="0">
-                <a:solidFill>
-                  <a:schemeClr val="tx1"/>
-                </a:solidFill>
-                <a:latin typeface="+mn-lt"/>
-                <a:ea typeface="+mn-ea"/>
-                <a:cs typeface="+mn-cs"/>
-              </a:rPr>
-              <a:t> o principal </a:t>
-            </a:r>
-            <a:r>
-              <a:rPr lang="en-US" sz="1200" kern="1200" baseline="0" dirty="0" err="1" smtClean="0">
-                <a:solidFill>
-                  <a:schemeClr val="tx1"/>
-                </a:solidFill>
-                <a:latin typeface="+mn-lt"/>
-                <a:ea typeface="+mn-ea"/>
-                <a:cs typeface="+mn-cs"/>
-              </a:rPr>
-              <a:t>meio</a:t>
-            </a:r>
-            <a:r>
-              <a:rPr lang="en-US" sz="1200" kern="1200" baseline="0" dirty="0" smtClean="0">
-                <a:solidFill>
-                  <a:schemeClr val="tx1"/>
-                </a:solidFill>
-                <a:latin typeface="+mn-lt"/>
-                <a:ea typeface="+mn-ea"/>
-                <a:cs typeface="+mn-cs"/>
-              </a:rPr>
-              <a:t> de </a:t>
-            </a:r>
-            <a:r>
-              <a:rPr lang="en-US" sz="1200" kern="1200" baseline="0" dirty="0" err="1" smtClean="0">
-                <a:solidFill>
-                  <a:schemeClr val="tx1"/>
-                </a:solidFill>
-                <a:latin typeface="+mn-lt"/>
-                <a:ea typeface="+mn-ea"/>
-                <a:cs typeface="+mn-cs"/>
-              </a:rPr>
-              <a:t>comuincaç</a:t>
-            </a:r>
-            <a:r>
-              <a:rPr lang="en-US" sz="1200" kern="1200" baseline="0" dirty="0" err="1" smtClean="0">
-                <a:solidFill>
-                  <a:schemeClr val="tx1"/>
-                </a:solidFill>
-                <a:latin typeface="+mn-lt"/>
-                <a:ea typeface="+mn-ea"/>
-                <a:cs typeface="+mn-cs"/>
-              </a:rPr>
-              <a:t>ão</a:t>
+              <a:t>comuincação</a:t>
             </a:r>
             <a:r>
               <a:rPr lang="en-US" sz="1200" kern="1200" baseline="0" dirty="0" smtClean="0">
@@ -4036,11 +4002,7 @@
           <a:p>
             <a:r>
               <a:rPr lang="pt-PT" dirty="0" smtClean="0"/>
-              <a:t>A soluç</a:t>
-            </a:r>
-            <a:r>
-              <a:rPr lang="pt-PT" dirty="0" smtClean="0"/>
-              <a:t>ão passa</a:t>
+              <a:t>A solução passa</a:t>
             </a:r>
             <a:r>
               <a:rPr lang="pt-PT" baseline="0" dirty="0" smtClean="0"/>
@@ -4141,11 +4103,7 @@
             </a:r>
             <a:r>
               <a:rPr lang="pt-PT" baseline="0" dirty="0" smtClean="0"/>
-              <a:t> suas mensagens pode continuar a utilizar esta forma eficiente de comunicaç</a:t>
-            </a:r>
-            <a:r>
-              <a:rPr lang="pt-PT" baseline="0" dirty="0" smtClean="0"/>
-              <a:t>ão protegendo o seu negócio dos olhares da concorrência.</a:t>
+              <a:t> suas mensagens pode continuar a utilizar esta forma eficiente de comunicação protegendo o seu negócio dos olhares da concorrência.</a:t>
             </a:r>
             <a:endParaRPr lang="pt-PT" dirty="0"/>
           </a:p>
@@ -4230,11 +4188,7 @@
           <a:p>
             <a:r>
               <a:rPr lang="pt-PT" dirty="0" smtClean="0"/>
-              <a:t>A sua soluç</a:t>
-            </a:r>
-            <a:r>
-              <a:rPr lang="pt-PT" dirty="0" smtClean="0"/>
-              <a:t>ão é o AISS</a:t>
+              <a:t>A sua solução é o AISS</a:t>
             </a:r>
             <a:r>
               <a:rPr lang="pt-PT" baseline="0" dirty="0" smtClean="0"/>
@@ -4347,11 +4301,7 @@
             </a:r>
             <a:r>
               <a:rPr lang="pt-PT" dirty="0" smtClean="0"/>
-              <a:t> num email bastante simples. </a:t>
-            </a:r>
-            <a:r>
-              <a:rPr lang="pt-PT" dirty="0" smtClean="0"/>
-              <a:t>Vamos</a:t>
+              <a:t> num email bastante simples. Vamos</a:t>
             </a:r>
             <a:r>
               <a:rPr lang="pt-PT" baseline="0" dirty="0" smtClean="0"/>
@@ -4444,19 +4394,11 @@
             </a:r>
             <a:r>
               <a:rPr lang="pt-PT" baseline="0" dirty="0" smtClean="0"/>
-              <a:t> do </a:t>
-            </a:r>
-            <a:r>
-              <a:rPr lang="pt-PT" baseline="0" dirty="0" smtClean="0"/>
-              <a:t>email. Por exemplo, um documento oficial enviado pelo presidente da </a:t>
+              <a:t> do email. Por exemplo, um documento oficial enviado pelo presidente da </a:t>
             </a:r>
             <a:r>
               <a:rPr lang="pt-PT" baseline="0" dirty="0" err="1" smtClean="0"/>
-              <a:t>r</a:t>
-            </a:r>
-            <a:r>
-              <a:rPr lang="pt-PT" baseline="0" dirty="0" err="1" smtClean="0"/>
-              <a:t>épublica</a:t>
+              <a:t>républica</a:t>
             </a:r>
             <a:r>
               <a:rPr lang="pt-PT" baseline="0" dirty="0" smtClean="0"/>
@@ -4468,31 +4410,7 @@
             </a:r>
             <a:r>
               <a:rPr lang="pt-PT" baseline="0" dirty="0" smtClean="0"/>
-              <a:t> Pereira. Sabia que</a:t>
-            </a:r>
-            <a:r>
-              <a:rPr lang="pt-PT" baseline="0" dirty="0" smtClean="0"/>
-              <a:t> </a:t>
-            </a:r>
-            <a:r>
-              <a:rPr lang="pt-PT" baseline="0" dirty="0" smtClean="0"/>
-              <a:t>o cartão de cidadão permite-nos assinar os </a:t>
-            </a:r>
-            <a:r>
-              <a:rPr lang="pt-PT" baseline="0" dirty="0" smtClean="0"/>
-              <a:t>documentos virtuais </a:t>
-            </a:r>
-            <a:r>
-              <a:rPr lang="pt-PT" baseline="0" dirty="0" smtClean="0"/>
-              <a:t>como se fossem </a:t>
-            </a:r>
-            <a:r>
-              <a:rPr lang="pt-PT" baseline="0" dirty="0" smtClean="0"/>
-              <a:t>reais? A nossa soluç</a:t>
-            </a:r>
-            <a:r>
-              <a:rPr lang="pt-PT" baseline="0" dirty="0" smtClean="0"/>
-              <a:t>ão apenas exige que o remetente coloque o cartão de cidadão no leitor e insira o seu PIN de autenticação.</a:t>
+              <a:t> Pereira. Sabia que o cartão de cidadão permite-nos assinar os documentos virtuais como se fossem reais? A nossa solução apenas exige que o remetente coloque o cartão de cidadão no leitor e insira o seu PIN de autenticação.</a:t>
             </a:r>
             <a:endParaRPr lang="pt-PT" dirty="0"/>
           </a:p>
@@ -4581,15 +4499,7 @@
             </a:r>
             <a:r>
               <a:rPr lang="pt-PT" baseline="0" dirty="0" smtClean="0"/>
-              <a:t> quando é que o email foi enviado e ter a certeza </a:t>
-            </a:r>
-            <a:r>
-              <a:rPr lang="pt-PT" baseline="0" dirty="0" smtClean="0"/>
-              <a:t>disso. Se a sua empresa disser a um cliente que ele tem de pagar at</a:t>
-            </a:r>
-            <a:r>
-              <a:rPr lang="pt-PT" baseline="0" dirty="0" smtClean="0"/>
-              <a:t>é amanhã, você vai querer comprovar que o enviou este email nesta data. Para isso contacta o nosso servidor seguro e o nosso servidor seguro carimba a hora a que a mensagem foi envida. Isto permite ao receptor ter garantias  de quando é que a mensagem foi gerada.</a:t>
+              <a:t> quando é que o email foi enviado e ter a certeza disso. Se a sua empresa disser a um cliente que ele tem de pagar até amanhã, você vai querer comprovar que o enviou este email nesta data. Para isso contacta o nosso servidor seguro e o nosso servidor seguro carimba a hora a que a mensagem foi envida. Isto permite ao receptor ter garantias  de quando é que a mensagem foi gerada.</a:t>
             </a:r>
             <a:endParaRPr lang="pt-PT" dirty="0"/>
           </a:p>
@@ -4807,7 +4717,7 @@
           <a:p>
             <a:fld id="{57B42C33-29DD-4485-B67B-B8B56C87297E}" type="datetimeFigureOut">
               <a:rPr lang="pt-PT" smtClean="0"/>
-              <a:t>5/27/13</a:t>
+              <a:t>5/28/13</a:t>
             </a:fld>
             <a:endParaRPr lang="pt-PT"/>
           </a:p>
@@ -4972,7 +4882,7 @@
           <a:p>
             <a:fld id="{57B42C33-29DD-4485-B67B-B8B56C87297E}" type="datetimeFigureOut">
               <a:rPr lang="pt-PT" smtClean="0"/>
-              <a:t>5/27/13</a:t>
+              <a:t>5/28/13</a:t>
             </a:fld>
             <a:endParaRPr lang="pt-PT"/>
           </a:p>
@@ -5147,7 +5057,7 @@
           <a:p>
             <a:fld id="{57B42C33-29DD-4485-B67B-B8B56C87297E}" type="datetimeFigureOut">
               <a:rPr lang="pt-PT" smtClean="0"/>
-              <a:t>5/27/13</a:t>
+              <a:t>5/28/13</a:t>
             </a:fld>
             <a:endParaRPr lang="pt-PT"/>
           </a:p>
@@ -5312,7 +5222,7 @@
           <a:p>
             <a:fld id="{57B42C33-29DD-4485-B67B-B8B56C87297E}" type="datetimeFigureOut">
               <a:rPr lang="pt-PT" smtClean="0"/>
-              <a:t>5/27/13</a:t>
+              <a:t>5/28/13</a:t>
             </a:fld>
             <a:endParaRPr lang="pt-PT"/>
           </a:p>
@@ -5553,7 +5463,7 @@
           <a:p>
             <a:fld id="{57B42C33-29DD-4485-B67B-B8B56C87297E}" type="datetimeFigureOut">
               <a:rPr lang="pt-PT" smtClean="0"/>
-              <a:t>5/27/13</a:t>
+              <a:t>5/28/13</a:t>
             </a:fld>
             <a:endParaRPr lang="pt-PT"/>
           </a:p>
@@ -5836,7 +5746,7 @@
           <a:p>
             <a:fld id="{57B42C33-29DD-4485-B67B-B8B56C87297E}" type="datetimeFigureOut">
               <a:rPr lang="pt-PT" smtClean="0"/>
-              <a:t>5/27/13</a:t>
+              <a:t>5/28/13</a:t>
             </a:fld>
             <a:endParaRPr lang="pt-PT"/>
           </a:p>
@@ -6253,7 +6163,7 @@
           <a:p>
             <a:fld id="{57B42C33-29DD-4485-B67B-B8B56C87297E}" type="datetimeFigureOut">
               <a:rPr lang="pt-PT" smtClean="0"/>
-              <a:t>5/27/13</a:t>
+              <a:t>5/28/13</a:t>
             </a:fld>
             <a:endParaRPr lang="pt-PT"/>
           </a:p>
@@ -6366,7 +6276,7 @@
           <a:p>
             <a:fld id="{57B42C33-29DD-4485-B67B-B8B56C87297E}" type="datetimeFigureOut">
               <a:rPr lang="pt-PT" smtClean="0"/>
-              <a:t>5/27/13</a:t>
+              <a:t>5/28/13</a:t>
             </a:fld>
             <a:endParaRPr lang="pt-PT"/>
           </a:p>
@@ -6456,7 +6366,7 @@
           <a:p>
             <a:fld id="{57B42C33-29DD-4485-B67B-B8B56C87297E}" type="datetimeFigureOut">
               <a:rPr lang="pt-PT" smtClean="0"/>
-              <a:t>5/27/13</a:t>
+              <a:t>5/28/13</a:t>
             </a:fld>
             <a:endParaRPr lang="pt-PT"/>
           </a:p>
@@ -6728,7 +6638,7 @@
           <a:p>
             <a:fld id="{57B42C33-29DD-4485-B67B-B8B56C87297E}" type="datetimeFigureOut">
               <a:rPr lang="pt-PT" smtClean="0"/>
-              <a:t>5/27/13</a:t>
+              <a:t>5/28/13</a:t>
             </a:fld>
             <a:endParaRPr lang="pt-PT"/>
           </a:p>
@@ -6976,7 +6886,7 @@
           <a:p>
             <a:fld id="{57B42C33-29DD-4485-B67B-B8B56C87297E}" type="datetimeFigureOut">
               <a:rPr lang="pt-PT" smtClean="0"/>
-              <a:t>5/27/13</a:t>
+              <a:t>5/28/13</a:t>
             </a:fld>
             <a:endParaRPr lang="pt-PT"/>
           </a:p>
@@ -7184,7 +7094,7 @@
           <a:p>
             <a:fld id="{57B42C33-29DD-4485-B67B-B8B56C87297E}" type="datetimeFigureOut">
               <a:rPr lang="pt-PT" smtClean="0"/>
-              <a:t>5/27/13</a:t>
+              <a:t>5/28/13</a:t>
             </a:fld>
             <a:endParaRPr lang="pt-PT"/>
           </a:p>
@@ -8661,7 +8571,7 @@
         <p:spPr>
           <a:xfrm>
             <a:off x="467544" y="1556792"/>
-            <a:ext cx="8136904" cy="3288079"/>
+            <a:ext cx="8136904" cy="2641749"/>
           </a:xfrm>
           <a:prstGeom prst="rect">
             <a:avLst/>
@@ -8717,20 +8627,6 @@
               <a:rPr lang="en-US" sz="2800" b="1" dirty="0" smtClean="0"/>
               <a:t>Mac Ox</a:t>
             </a:r>
-          </a:p>
-          <a:p>
-            <a:pPr marL="457200" indent="-457200">
-              <a:lnSpc>
-                <a:spcPct val="150000"/>
-              </a:lnSpc>
-              <a:buFont typeface="Arial"/>
-              <a:buChar char="•"/>
-            </a:pPr>
-            <a:r>
-              <a:rPr lang="en-US" sz="2800" b="1" dirty="0" smtClean="0"/>
-              <a:t>Secure</a:t>
-            </a:r>
-            <a:endParaRPr lang="en-US" sz="2800" b="1" dirty="0"/>
           </a:p>
           <a:p>
             <a:pPr>
@@ -9970,20 +9866,7 @@
                 <a:ea typeface="Times New Roman"/>
                 <a:cs typeface="Times New Roman"/>
               </a:rPr>
-              <a:t>AISS SECURE </a:t>
-            </a:r>
-            <a:r>
-              <a:rPr lang="pt-PT" sz="2800" b="1" dirty="0" smtClean="0">
-                <a:solidFill>
-                  <a:schemeClr val="accent1">
-                    <a:lumMod val="75000"/>
-                  </a:schemeClr>
-                </a:solidFill>
-                <a:latin typeface="Hobo Std"/>
-                <a:ea typeface="Times New Roman"/>
-                <a:cs typeface="Times New Roman"/>
-              </a:rPr>
-              <a:t>MAIL</a:t>
+              <a:t>AISS SECURE MAIL</a:t>
             </a:r>
             <a:endParaRPr lang="pt-PT" sz="2800" b="1" dirty="0">
               <a:solidFill>
@@ -10077,11 +9960,7 @@
             </a:r>
             <a:r>
               <a:rPr lang="en-US" sz="3200" b="1" dirty="0" err="1" smtClean="0"/>
-              <a:t>soluç</a:t>
-            </a:r>
-            <a:r>
-              <a:rPr lang="en-US" sz="3200" b="1" dirty="0" err="1" smtClean="0"/>
-              <a:t>ões</a:t>
+              <a:t>soluções</a:t>
             </a:r>
             <a:endParaRPr lang="en-US" sz="3200" b="1" dirty="0"/>
           </a:p>
@@ -10830,8 +10709,8 @@
               <a:buChar char="•"/>
             </a:pPr>
             <a:r>
-              <a:rPr lang="en-US" sz="2800" b="1" dirty="0"/>
-              <a:t>Secure Time Stamp</a:t>
+              <a:rPr lang="en-US" sz="2800" b="1" dirty="0" smtClean="0"/>
+              <a:t>Signature</a:t>
             </a:r>
           </a:p>
           <a:p>
@@ -10840,9 +10719,14 @@
               <a:buChar char="•"/>
             </a:pPr>
             <a:r>
+              <a:rPr lang="en-US" sz="2800" b="1" dirty="0"/>
+              <a:t>Secure Time </a:t>
+            </a:r>
+            <a:r>
               <a:rPr lang="en-US" sz="2800" b="1" dirty="0" smtClean="0"/>
-              <a:t>Signature</a:t>
-            </a:r>
+              <a:t>Stamp</a:t>
+            </a:r>
+            <a:endParaRPr lang="en-US" sz="2800" b="1" dirty="0" smtClean="0"/>
           </a:p>
           <a:p>
             <a:pPr marL="457200" indent="-457200">
@@ -10861,11 +10745,7 @@
             </a:pPr>
             <a:r>
               <a:rPr lang="en-US" sz="2800" b="1" dirty="0" smtClean="0"/>
-              <a:t>Easy </a:t>
-            </a:r>
-            <a:r>
-              <a:rPr lang="en-US" sz="2800" b="1" dirty="0" smtClean="0"/>
-              <a:t>Installation</a:t>
+              <a:t>Easy Installation</a:t>
             </a:r>
             <a:endParaRPr lang="en-US" sz="2800" b="1" dirty="0"/>
           </a:p>
@@ -11671,13 +11551,7 @@
               <a:rPr lang="pt-PT" sz="2400" b="1" dirty="0" smtClean="0">
                 <a:latin typeface="Bell Gothic Std Light" pitchFamily="34" charset="0"/>
               </a:rPr>
-              <a:t>USA </a:t>
-            </a:r>
-            <a:r>
-              <a:rPr lang="pt-PT" sz="2400" b="1" dirty="0" smtClean="0">
-                <a:latin typeface="Bell Gothic Std Light" pitchFamily="34" charset="0"/>
-              </a:rPr>
-              <a:t>Vice </a:t>
+              <a:t>USA Vice </a:t>
             </a:r>
             <a:r>
               <a:rPr lang="pt-PT" sz="2400" b="1" dirty="0" err="1" smtClean="0">
@@ -15907,11 +15781,7 @@
             </a:pPr>
             <a:r>
               <a:rPr lang="en-US" sz="2800" dirty="0" smtClean="0"/>
-              <a:t>You </a:t>
-            </a:r>
-            <a:r>
-              <a:rPr lang="en-US" sz="2800" dirty="0" smtClean="0"/>
-              <a:t>must pay the fee until </a:t>
+              <a:t>You must pay the fee until </a:t>
             </a:r>
             <a:r>
               <a:rPr lang="en-US" sz="2800" b="1" dirty="0" smtClean="0"/>
